--- a/Phần 1-Giới thiệu React JS.pptx
+++ b/Phần 1-Giới thiệu React JS.pptx
@@ -12,7 +12,10 @@
     <p:sldId id="260" r:id="rId6"/>
     <p:sldId id="261" r:id="rId7"/>
     <p:sldId id="262" r:id="rId8"/>
-    <p:sldId id="263" r:id="rId9"/>
+    <p:sldId id="264" r:id="rId9"/>
+    <p:sldId id="265" r:id="rId10"/>
+    <p:sldId id="266" r:id="rId11"/>
+    <p:sldId id="263" r:id="rId12"/>
   </p:sldIdLst>
   <p:sldSz cx="12192000" cy="6858000"/>
   <p:notesSz cx="6858000" cy="9144000"/>
@@ -876,7 +879,7 @@
             <a:fld id="{B61BEF0D-F0BB-DE4B-95CE-6DB70DBA9567}" type="datetimeFigureOut">
               <a:rPr lang="en-US" dirty="0"/>
               <a:pPr/>
-              <a:t>3/12/19</a:t>
+              <a:t>3/16/2019</a:t>
             </a:fld>
             <a:endParaRPr lang="en-US" dirty="0"/>
           </a:p>
@@ -1124,7 +1127,7 @@
             <a:fld id="{B61BEF0D-F0BB-DE4B-95CE-6DB70DBA9567}" type="datetimeFigureOut">
               <a:rPr lang="en-US" dirty="0"/>
               <a:pPr/>
-              <a:t>3/12/19</a:t>
+              <a:t>3/16/2019</a:t>
             </a:fld>
             <a:endParaRPr lang="en-US" dirty="0"/>
           </a:p>
@@ -1435,7 +1438,7 @@
             <a:fld id="{B61BEF0D-F0BB-DE4B-95CE-6DB70DBA9567}" type="datetimeFigureOut">
               <a:rPr lang="en-US" dirty="0"/>
               <a:pPr/>
-              <a:t>3/12/19</a:t>
+              <a:t>3/16/2019</a:t>
             </a:fld>
             <a:endParaRPr lang="en-US" dirty="0"/>
           </a:p>
@@ -1765,7 +1768,7 @@
             <a:fld id="{B61BEF0D-F0BB-DE4B-95CE-6DB70DBA9567}" type="datetimeFigureOut">
               <a:rPr lang="en-US" dirty="0"/>
               <a:pPr/>
-              <a:t>3/12/19</a:t>
+              <a:t>3/16/2019</a:t>
             </a:fld>
             <a:endParaRPr lang="en-US" dirty="0"/>
           </a:p>
@@ -2076,7 +2079,7 @@
             <a:fld id="{B61BEF0D-F0BB-DE4B-95CE-6DB70DBA9567}" type="datetimeFigureOut">
               <a:rPr lang="en-US" dirty="0"/>
               <a:pPr/>
-              <a:t>3/12/19</a:t>
+              <a:t>3/16/2019</a:t>
             </a:fld>
             <a:endParaRPr lang="en-US" dirty="0"/>
           </a:p>
@@ -2466,7 +2469,7 @@
             <a:fld id="{B61BEF0D-F0BB-DE4B-95CE-6DB70DBA9567}" type="datetimeFigureOut">
               <a:rPr lang="en-US" dirty="0"/>
               <a:pPr/>
-              <a:t>3/12/19</a:t>
+              <a:t>3/16/2019</a:t>
             </a:fld>
             <a:endParaRPr lang="en-US" dirty="0"/>
           </a:p>
@@ -2633,7 +2636,7 @@
             <a:fld id="{55C6B4A9-1611-4792-9094-5F34BCA07E0B}" type="datetimeFigureOut">
               <a:rPr lang="en-US" dirty="0"/>
               <a:pPr/>
-              <a:t>3/12/19</a:t>
+              <a:t>3/16/2019</a:t>
             </a:fld>
             <a:endParaRPr lang="en-US" dirty="0"/>
           </a:p>
@@ -2810,7 +2813,7 @@
             <a:fld id="{B61BEF0D-F0BB-DE4B-95CE-6DB70DBA9567}" type="datetimeFigureOut">
               <a:rPr lang="en-US" dirty="0"/>
               <a:pPr/>
-              <a:t>3/12/19</a:t>
+              <a:t>3/16/2019</a:t>
             </a:fld>
             <a:endParaRPr lang="en-US" dirty="0"/>
           </a:p>
@@ -2977,7 +2980,7 @@
             <a:fld id="{42A54C80-263E-416B-A8E0-580EDEADCBDC}" type="datetimeFigureOut">
               <a:rPr lang="en-US" dirty="0"/>
               <a:pPr/>
-              <a:t>3/12/19</a:t>
+              <a:t>3/16/2019</a:t>
             </a:fld>
             <a:endParaRPr lang="en-US" dirty="0"/>
           </a:p>
@@ -3221,7 +3224,7 @@
             <a:fld id="{B61BEF0D-F0BB-DE4B-95CE-6DB70DBA9567}" type="datetimeFigureOut">
               <a:rPr lang="en-US" dirty="0"/>
               <a:pPr/>
-              <a:t>3/12/19</a:t>
+              <a:t>3/16/2019</a:t>
             </a:fld>
             <a:endParaRPr lang="en-US" dirty="0"/>
           </a:p>
@@ -3450,7 +3453,7 @@
             <a:fld id="{42A54C80-263E-416B-A8E0-580EDEADCBDC}" type="datetimeFigureOut">
               <a:rPr lang="en-US" dirty="0"/>
               <a:pPr/>
-              <a:t>3/12/19</a:t>
+              <a:t>3/16/2019</a:t>
             </a:fld>
             <a:endParaRPr lang="en-US" dirty="0"/>
           </a:p>
@@ -3821,7 +3824,7 @@
             <a:fld id="{B61BEF0D-F0BB-DE4B-95CE-6DB70DBA9567}" type="datetimeFigureOut">
               <a:rPr lang="en-US" dirty="0"/>
               <a:pPr/>
-              <a:t>3/12/19</a:t>
+              <a:t>3/16/2019</a:t>
             </a:fld>
             <a:endParaRPr lang="en-US" dirty="0"/>
           </a:p>
@@ -3941,7 +3944,7 @@
             <a:fld id="{B61BEF0D-F0BB-DE4B-95CE-6DB70DBA9567}" type="datetimeFigureOut">
               <a:rPr lang="en-US" dirty="0"/>
               <a:pPr/>
-              <a:t>3/12/19</a:t>
+              <a:t>3/16/2019</a:t>
             </a:fld>
             <a:endParaRPr lang="en-US" dirty="0"/>
           </a:p>
@@ -4033,7 +4036,7 @@
             <a:fld id="{B61BEF0D-F0BB-DE4B-95CE-6DB70DBA9567}" type="datetimeFigureOut">
               <a:rPr lang="en-US" dirty="0"/>
               <a:pPr/>
-              <a:t>3/12/19</a:t>
+              <a:t>3/16/2019</a:t>
             </a:fld>
             <a:endParaRPr lang="en-US" dirty="0"/>
           </a:p>
@@ -4285,7 +4288,7 @@
             <a:fld id="{42A54C80-263E-416B-A8E0-580EDEADCBDC}" type="datetimeFigureOut">
               <a:rPr lang="en-US" dirty="0"/>
               <a:pPr/>
-              <a:t>3/12/19</a:t>
+              <a:t>3/16/2019</a:t>
             </a:fld>
             <a:endParaRPr lang="en-US" dirty="0"/>
           </a:p>
@@ -4588,7 +4591,7 @@
             <a:fld id="{B61BEF0D-F0BB-DE4B-95CE-6DB70DBA9567}" type="datetimeFigureOut">
               <a:rPr lang="en-US" dirty="0"/>
               <a:pPr/>
-              <a:t>3/12/19</a:t>
+              <a:t>3/16/2019</a:t>
             </a:fld>
             <a:endParaRPr lang="en-US" dirty="0"/>
           </a:p>
@@ -5286,7 +5289,7 @@
             <a:fld id="{B61BEF0D-F0BB-DE4B-95CE-6DB70DBA9567}" type="datetimeFigureOut">
               <a:rPr lang="en-US" dirty="0"/>
               <a:pPr/>
-              <a:t>3/12/19</a:t>
+              <a:t>3/16/2019</a:t>
             </a:fld>
             <a:endParaRPr lang="en-US" dirty="0"/>
           </a:p>
@@ -6190,6 +6193,1049 @@
 </p:sld>
 </file>
 
+<file path=ppt/slides/slide10.xml><?xml version="1.0" encoding="utf-8"?>
+<p:sld xmlns:a="http://schemas.openxmlformats.org/drawingml/2006/main" xmlns:r="http://schemas.openxmlformats.org/officeDocument/2006/relationships" xmlns:p="http://schemas.openxmlformats.org/presentationml/2006/main">
+  <p:cSld>
+    <p:spTree>
+      <p:nvGrpSpPr>
+        <p:cNvPr id="1" name=""/>
+        <p:cNvGrpSpPr/>
+        <p:nvPr/>
+      </p:nvGrpSpPr>
+      <p:grpSpPr>
+        <a:xfrm>
+          <a:off x="0" y="0"/>
+          <a:ext cx="0" cy="0"/>
+          <a:chOff x="0" y="0"/>
+          <a:chExt cx="0" cy="0"/>
+        </a:xfrm>
+      </p:grpSpPr>
+      <p:sp>
+        <p:nvSpPr>
+          <p:cNvPr id="2" name="Title 1"/>
+          <p:cNvSpPr>
+            <a:spLocks noGrp="1"/>
+          </p:cNvSpPr>
+          <p:nvPr>
+            <p:ph type="ctrTitle"/>
+          </p:nvPr>
+        </p:nvSpPr>
+        <p:spPr>
+          <a:xfrm>
+            <a:off x="0" y="63969"/>
+            <a:ext cx="12192000" cy="836132"/>
+          </a:xfrm>
+        </p:spPr>
+        <p:txBody>
+          <a:bodyPr/>
+          <a:lstStyle/>
+          <a:p>
+            <a:pPr algn="ctr"/>
+            <a:r>
+              <a:rPr lang="en-US" sz="4000" b="1" dirty="0" err="1">
+                <a:solidFill>
+                  <a:schemeClr val="tx1"/>
+                </a:solidFill>
+                <a:latin typeface="Arial" panose="020B0604020202020204" pitchFamily="34" charset="0"/>
+                <a:cs typeface="Arial" panose="020B0604020202020204" pitchFamily="34" charset="0"/>
+              </a:rPr>
+              <a:t>Javascript</a:t>
+            </a:r>
+            <a:r>
+              <a:rPr lang="en-US" sz="4000" b="1" dirty="0">
+                <a:solidFill>
+                  <a:schemeClr val="tx1"/>
+                </a:solidFill>
+                <a:latin typeface="Arial" panose="020B0604020202020204" pitchFamily="34" charset="0"/>
+                <a:cs typeface="Arial" panose="020B0604020202020204" pitchFamily="34" charset="0"/>
+              </a:rPr>
+              <a:t> ECMAScript 6,7</a:t>
+            </a:r>
+            <a:endParaRPr lang="en-US" sz="4000" dirty="0">
+              <a:solidFill>
+                <a:schemeClr val="tx1"/>
+              </a:solidFill>
+              <a:latin typeface="Arial" panose="020B0604020202020204" pitchFamily="34" charset="0"/>
+              <a:cs typeface="Arial" panose="020B0604020202020204" pitchFamily="34" charset="0"/>
+            </a:endParaRPr>
+          </a:p>
+        </p:txBody>
+      </p:sp>
+      <p:sp>
+        <p:nvSpPr>
+          <p:cNvPr id="3" name="Subtitle 2"/>
+          <p:cNvSpPr>
+            <a:spLocks noGrp="1"/>
+          </p:cNvSpPr>
+          <p:nvPr>
+            <p:ph type="subTitle" idx="1"/>
+          </p:nvPr>
+        </p:nvSpPr>
+        <p:spPr>
+          <a:xfrm>
+            <a:off x="572202" y="1184856"/>
+            <a:ext cx="11012068" cy="4592619"/>
+          </a:xfrm>
+        </p:spPr>
+        <p:txBody>
+          <a:bodyPr>
+            <a:noAutofit/>
+          </a:bodyPr>
+          <a:lstStyle/>
+          <a:p>
+            <a:pPr algn="l"/>
+            <a:r>
+              <a:rPr lang="en-US" sz="2300" dirty="0" err="1">
+                <a:solidFill>
+                  <a:schemeClr val="tx1"/>
+                </a:solidFill>
+                <a:latin typeface="Arial" panose="020B0604020202020204" pitchFamily="34" charset="0"/>
+                <a:cs typeface="Arial" panose="020B0604020202020204" pitchFamily="34" charset="0"/>
+              </a:rPr>
+              <a:t>Mảng</a:t>
+            </a:r>
+            <a:r>
+              <a:rPr lang="en-US" sz="2300" dirty="0">
+                <a:solidFill>
+                  <a:schemeClr val="tx1"/>
+                </a:solidFill>
+                <a:latin typeface="Arial" panose="020B0604020202020204" pitchFamily="34" charset="0"/>
+                <a:cs typeface="Arial" panose="020B0604020202020204" pitchFamily="34" charset="0"/>
+              </a:rPr>
+              <a:t>(array) </a:t>
+            </a:r>
+            <a:r>
+              <a:rPr lang="en-US" sz="2300" dirty="0" err="1">
+                <a:solidFill>
+                  <a:schemeClr val="tx1"/>
+                </a:solidFill>
+                <a:latin typeface="Arial" panose="020B0604020202020204" pitchFamily="34" charset="0"/>
+                <a:cs typeface="Arial" panose="020B0604020202020204" pitchFamily="34" charset="0"/>
+              </a:rPr>
+              <a:t>trong</a:t>
+            </a:r>
+            <a:r>
+              <a:rPr lang="en-US" sz="2300" dirty="0">
+                <a:solidFill>
+                  <a:schemeClr val="tx1"/>
+                </a:solidFill>
+                <a:latin typeface="Arial" panose="020B0604020202020204" pitchFamily="34" charset="0"/>
+                <a:cs typeface="Arial" panose="020B0604020202020204" pitchFamily="34" charset="0"/>
+              </a:rPr>
+              <a:t> </a:t>
+            </a:r>
+            <a:r>
+              <a:rPr lang="en-US" sz="2300" dirty="0" err="1">
+                <a:solidFill>
+                  <a:schemeClr val="tx1"/>
+                </a:solidFill>
+                <a:latin typeface="Arial" panose="020B0604020202020204" pitchFamily="34" charset="0"/>
+                <a:cs typeface="Arial" panose="020B0604020202020204" pitchFamily="34" charset="0"/>
+              </a:rPr>
+              <a:t>Javascript</a:t>
+            </a:r>
+            <a:r>
+              <a:rPr lang="en-US" sz="2300" dirty="0">
+                <a:solidFill>
+                  <a:schemeClr val="tx1"/>
+                </a:solidFill>
+                <a:latin typeface="Arial" panose="020B0604020202020204" pitchFamily="34" charset="0"/>
+                <a:cs typeface="Arial" panose="020B0604020202020204" pitchFamily="34" charset="0"/>
+              </a:rPr>
+              <a:t>:</a:t>
+            </a:r>
+          </a:p>
+          <a:p>
+            <a:pPr algn="l"/>
+            <a:r>
+              <a:rPr lang="en-US" sz="2300" dirty="0">
+                <a:solidFill>
+                  <a:schemeClr val="tx1"/>
+                </a:solidFill>
+                <a:latin typeface="Arial" panose="020B0604020202020204" pitchFamily="34" charset="0"/>
+                <a:cs typeface="Arial" panose="020B0604020202020204" pitchFamily="34" charset="0"/>
+              </a:rPr>
+              <a:t>let products = [{name: ‘</a:t>
+            </a:r>
+            <a:r>
+              <a:rPr lang="en-US" sz="2300" dirty="0" err="1">
+                <a:solidFill>
+                  <a:schemeClr val="tx1"/>
+                </a:solidFill>
+                <a:latin typeface="Arial" panose="020B0604020202020204" pitchFamily="34" charset="0"/>
+                <a:cs typeface="Arial" panose="020B0604020202020204" pitchFamily="34" charset="0"/>
+              </a:rPr>
+              <a:t>Iphone</a:t>
+            </a:r>
+            <a:r>
+              <a:rPr lang="en-US" sz="2300" dirty="0">
+                <a:solidFill>
+                  <a:schemeClr val="tx1"/>
+                </a:solidFill>
+                <a:latin typeface="Arial" panose="020B0604020202020204" pitchFamily="34" charset="0"/>
+                <a:cs typeface="Arial" panose="020B0604020202020204" pitchFamily="34" charset="0"/>
+              </a:rPr>
+              <a:t> </a:t>
+            </a:r>
+            <a:r>
+              <a:rPr lang="en-US" sz="2300" dirty="0" err="1">
+                <a:solidFill>
+                  <a:schemeClr val="tx1"/>
+                </a:solidFill>
+                <a:latin typeface="Arial" panose="020B0604020202020204" pitchFamily="34" charset="0"/>
+                <a:cs typeface="Arial" panose="020B0604020202020204" pitchFamily="34" charset="0"/>
+              </a:rPr>
+              <a:t>X’,year</a:t>
+            </a:r>
+            <a:r>
+              <a:rPr lang="en-US" sz="2300" dirty="0">
+                <a:solidFill>
+                  <a:schemeClr val="tx1"/>
+                </a:solidFill>
+                <a:latin typeface="Arial" panose="020B0604020202020204" pitchFamily="34" charset="0"/>
+                <a:cs typeface="Arial" panose="020B0604020202020204" pitchFamily="34" charset="0"/>
+              </a:rPr>
+              <a:t>: 2018}, {name: ‘</a:t>
+            </a:r>
+            <a:r>
+              <a:rPr lang="en-US" sz="2300" dirty="0" err="1">
+                <a:solidFill>
+                  <a:schemeClr val="tx1"/>
+                </a:solidFill>
+                <a:latin typeface="Arial" panose="020B0604020202020204" pitchFamily="34" charset="0"/>
+                <a:cs typeface="Arial" panose="020B0604020202020204" pitchFamily="34" charset="0"/>
+              </a:rPr>
+              <a:t>iphone</a:t>
+            </a:r>
+            <a:r>
+              <a:rPr lang="en-US" sz="2300" dirty="0">
+                <a:solidFill>
+                  <a:schemeClr val="tx1"/>
+                </a:solidFill>
+                <a:latin typeface="Arial" panose="020B0604020202020204" pitchFamily="34" charset="0"/>
+                <a:cs typeface="Arial" panose="020B0604020202020204" pitchFamily="34" charset="0"/>
+              </a:rPr>
+              <a:t> 3’, year: 2010}]</a:t>
+            </a:r>
+          </a:p>
+          <a:p>
+            <a:pPr algn="l"/>
+            <a:r>
+              <a:rPr lang="en-US" sz="2300" dirty="0" err="1">
+                <a:solidFill>
+                  <a:schemeClr val="tx1"/>
+                </a:solidFill>
+                <a:latin typeface="Arial" panose="020B0604020202020204" pitchFamily="34" charset="0"/>
+                <a:cs typeface="Arial" panose="020B0604020202020204" pitchFamily="34" charset="0"/>
+              </a:rPr>
+              <a:t>Duyệt</a:t>
+            </a:r>
+            <a:r>
+              <a:rPr lang="en-US" sz="2300" dirty="0">
+                <a:solidFill>
+                  <a:schemeClr val="tx1"/>
+                </a:solidFill>
+                <a:latin typeface="Arial" panose="020B0604020202020204" pitchFamily="34" charset="0"/>
+                <a:cs typeface="Arial" panose="020B0604020202020204" pitchFamily="34" charset="0"/>
+              </a:rPr>
+              <a:t> </a:t>
+            </a:r>
+            <a:r>
+              <a:rPr lang="en-US" sz="2300" dirty="0" err="1">
+                <a:solidFill>
+                  <a:schemeClr val="tx1"/>
+                </a:solidFill>
+                <a:latin typeface="Arial" panose="020B0604020202020204" pitchFamily="34" charset="0"/>
+                <a:cs typeface="Arial" panose="020B0604020202020204" pitchFamily="34" charset="0"/>
+              </a:rPr>
+              <a:t>mảng</a:t>
+            </a:r>
+            <a:r>
+              <a:rPr lang="en-US" sz="2300" dirty="0">
+                <a:solidFill>
+                  <a:schemeClr val="tx1"/>
+                </a:solidFill>
+                <a:latin typeface="Arial" panose="020B0604020202020204" pitchFamily="34" charset="0"/>
+                <a:cs typeface="Arial" panose="020B0604020202020204" pitchFamily="34" charset="0"/>
+              </a:rPr>
+              <a:t>:</a:t>
+            </a:r>
+          </a:p>
+          <a:p>
+            <a:pPr algn="l"/>
+            <a:r>
+              <a:rPr lang="en-US" sz="2300" dirty="0" err="1">
+                <a:solidFill>
+                  <a:schemeClr val="tx1"/>
+                </a:solidFill>
+                <a:latin typeface="Arial" panose="020B0604020202020204" pitchFamily="34" charset="0"/>
+                <a:cs typeface="Arial" panose="020B0604020202020204" pitchFamily="34" charset="0"/>
+              </a:rPr>
+              <a:t>products.forEach</a:t>
+            </a:r>
+            <a:r>
+              <a:rPr lang="en-US" sz="2300" dirty="0">
+                <a:solidFill>
+                  <a:schemeClr val="tx1"/>
+                </a:solidFill>
+                <a:latin typeface="Arial" panose="020B0604020202020204" pitchFamily="34" charset="0"/>
+                <a:cs typeface="Arial" panose="020B0604020202020204" pitchFamily="34" charset="0"/>
+              </a:rPr>
+              <a:t>((product, index) =&gt; {console.log(`name = ${product.name}`)})</a:t>
+            </a:r>
+          </a:p>
+          <a:p>
+            <a:pPr algn="l"/>
+            <a:r>
+              <a:rPr lang="en-US" sz="2300" dirty="0" err="1">
+                <a:solidFill>
+                  <a:schemeClr val="tx1"/>
+                </a:solidFill>
+                <a:latin typeface="Arial" panose="020B0604020202020204" pitchFamily="34" charset="0"/>
+                <a:cs typeface="Arial" panose="020B0604020202020204" pitchFamily="34" charset="0"/>
+              </a:rPr>
+              <a:t>Thêm</a:t>
+            </a:r>
+            <a:r>
+              <a:rPr lang="en-US" sz="2300" dirty="0">
+                <a:solidFill>
+                  <a:schemeClr val="tx1"/>
+                </a:solidFill>
+                <a:latin typeface="Arial" panose="020B0604020202020204" pitchFamily="34" charset="0"/>
+                <a:cs typeface="Arial" panose="020B0604020202020204" pitchFamily="34" charset="0"/>
+              </a:rPr>
+              <a:t> object </a:t>
+            </a:r>
+            <a:r>
+              <a:rPr lang="en-US" sz="2300" dirty="0" err="1">
+                <a:solidFill>
+                  <a:schemeClr val="tx1"/>
+                </a:solidFill>
+                <a:latin typeface="Arial" panose="020B0604020202020204" pitchFamily="34" charset="0"/>
+                <a:cs typeface="Arial" panose="020B0604020202020204" pitchFamily="34" charset="0"/>
+              </a:rPr>
+              <a:t>vào</a:t>
+            </a:r>
+            <a:r>
+              <a:rPr lang="en-US" sz="2300" dirty="0">
+                <a:solidFill>
+                  <a:schemeClr val="tx1"/>
+                </a:solidFill>
+                <a:latin typeface="Arial" panose="020B0604020202020204" pitchFamily="34" charset="0"/>
+                <a:cs typeface="Arial" panose="020B0604020202020204" pitchFamily="34" charset="0"/>
+              </a:rPr>
+              <a:t> </a:t>
+            </a:r>
+            <a:r>
+              <a:rPr lang="en-US" sz="2300" dirty="0" err="1">
+                <a:solidFill>
+                  <a:schemeClr val="tx1"/>
+                </a:solidFill>
+                <a:latin typeface="Arial" panose="020B0604020202020204" pitchFamily="34" charset="0"/>
+                <a:cs typeface="Arial" panose="020B0604020202020204" pitchFamily="34" charset="0"/>
+              </a:rPr>
+              <a:t>cuối</a:t>
+            </a:r>
+            <a:r>
+              <a:rPr lang="en-US" sz="2300" dirty="0">
+                <a:solidFill>
+                  <a:schemeClr val="tx1"/>
+                </a:solidFill>
+                <a:latin typeface="Arial" panose="020B0604020202020204" pitchFamily="34" charset="0"/>
+                <a:cs typeface="Arial" panose="020B0604020202020204" pitchFamily="34" charset="0"/>
+              </a:rPr>
+              <a:t> array:</a:t>
+            </a:r>
+          </a:p>
+          <a:p>
+            <a:pPr algn="l"/>
+            <a:r>
+              <a:rPr lang="en-US" sz="2300" dirty="0" err="1">
+                <a:solidFill>
+                  <a:schemeClr val="tx1"/>
+                </a:solidFill>
+                <a:latin typeface="Arial" panose="020B0604020202020204" pitchFamily="34" charset="0"/>
+                <a:cs typeface="Arial" panose="020B0604020202020204" pitchFamily="34" charset="0"/>
+              </a:rPr>
+              <a:t>products.push</a:t>
+            </a:r>
+            <a:r>
+              <a:rPr lang="en-US" sz="2300" dirty="0">
+                <a:solidFill>
+                  <a:schemeClr val="tx1"/>
+                </a:solidFill>
+                <a:latin typeface="Arial" panose="020B0604020202020204" pitchFamily="34" charset="0"/>
+                <a:cs typeface="Arial" panose="020B0604020202020204" pitchFamily="34" charset="0"/>
+              </a:rPr>
+              <a:t>({name: “</a:t>
+            </a:r>
+            <a:r>
+              <a:rPr lang="en-US" sz="2300" dirty="0" err="1">
+                <a:solidFill>
+                  <a:schemeClr val="tx1"/>
+                </a:solidFill>
+                <a:latin typeface="Arial" panose="020B0604020202020204" pitchFamily="34" charset="0"/>
+                <a:cs typeface="Arial" panose="020B0604020202020204" pitchFamily="34" charset="0"/>
+              </a:rPr>
+              <a:t>iphone</a:t>
+            </a:r>
+            <a:r>
+              <a:rPr lang="en-US" sz="2300" dirty="0">
+                <a:solidFill>
+                  <a:schemeClr val="tx1"/>
+                </a:solidFill>
+                <a:latin typeface="Arial" panose="020B0604020202020204" pitchFamily="34" charset="0"/>
+                <a:cs typeface="Arial" panose="020B0604020202020204" pitchFamily="34" charset="0"/>
+              </a:rPr>
+              <a:t> 6”, year: 2016})</a:t>
+            </a:r>
+          </a:p>
+          <a:p>
+            <a:pPr algn="l"/>
+            <a:r>
+              <a:rPr lang="en-US" sz="2300" dirty="0" err="1">
+                <a:solidFill>
+                  <a:schemeClr val="tx1"/>
+                </a:solidFill>
+                <a:latin typeface="Arial" panose="020B0604020202020204" pitchFamily="34" charset="0"/>
+                <a:cs typeface="Arial" panose="020B0604020202020204" pitchFamily="34" charset="0"/>
+              </a:rPr>
+              <a:t>Xóa</a:t>
+            </a:r>
+            <a:r>
+              <a:rPr lang="en-US" sz="2300" dirty="0">
+                <a:solidFill>
+                  <a:schemeClr val="tx1"/>
+                </a:solidFill>
+                <a:latin typeface="Arial" panose="020B0604020202020204" pitchFamily="34" charset="0"/>
+                <a:cs typeface="Arial" panose="020B0604020202020204" pitchFamily="34" charset="0"/>
+              </a:rPr>
+              <a:t> </a:t>
+            </a:r>
+            <a:r>
+              <a:rPr lang="en-US" sz="2300" dirty="0" err="1">
+                <a:solidFill>
+                  <a:schemeClr val="tx1"/>
+                </a:solidFill>
+                <a:latin typeface="Arial" panose="020B0604020202020204" pitchFamily="34" charset="0"/>
+                <a:cs typeface="Arial" panose="020B0604020202020204" pitchFamily="34" charset="0"/>
+              </a:rPr>
+              <a:t>phần</a:t>
+            </a:r>
+            <a:r>
+              <a:rPr lang="en-US" sz="2300" dirty="0">
+                <a:solidFill>
+                  <a:schemeClr val="tx1"/>
+                </a:solidFill>
+                <a:latin typeface="Arial" panose="020B0604020202020204" pitchFamily="34" charset="0"/>
+                <a:cs typeface="Arial" panose="020B0604020202020204" pitchFamily="34" charset="0"/>
+              </a:rPr>
+              <a:t> </a:t>
+            </a:r>
+            <a:r>
+              <a:rPr lang="en-US" sz="2300" dirty="0" err="1">
+                <a:solidFill>
+                  <a:schemeClr val="tx1"/>
+                </a:solidFill>
+                <a:latin typeface="Arial" panose="020B0604020202020204" pitchFamily="34" charset="0"/>
+                <a:cs typeface="Arial" panose="020B0604020202020204" pitchFamily="34" charset="0"/>
+              </a:rPr>
+              <a:t>tử</a:t>
+            </a:r>
+            <a:r>
+              <a:rPr lang="en-US" sz="2300" dirty="0">
+                <a:solidFill>
+                  <a:schemeClr val="tx1"/>
+                </a:solidFill>
+                <a:latin typeface="Arial" panose="020B0604020202020204" pitchFamily="34" charset="0"/>
+                <a:cs typeface="Arial" panose="020B0604020202020204" pitchFamily="34" charset="0"/>
+              </a:rPr>
+              <a:t> </a:t>
+            </a:r>
+            <a:r>
+              <a:rPr lang="en-US" sz="2300" dirty="0" err="1">
+                <a:solidFill>
+                  <a:schemeClr val="tx1"/>
+                </a:solidFill>
+                <a:latin typeface="Arial" panose="020B0604020202020204" pitchFamily="34" charset="0"/>
+                <a:cs typeface="Arial" panose="020B0604020202020204" pitchFamily="34" charset="0"/>
+              </a:rPr>
+              <a:t>cuối</a:t>
+            </a:r>
+            <a:r>
+              <a:rPr lang="en-US" sz="2300" dirty="0">
+                <a:solidFill>
+                  <a:schemeClr val="tx1"/>
+                </a:solidFill>
+                <a:latin typeface="Arial" panose="020B0604020202020204" pitchFamily="34" charset="0"/>
+                <a:cs typeface="Arial" panose="020B0604020202020204" pitchFamily="34" charset="0"/>
+              </a:rPr>
+              <a:t> </a:t>
+            </a:r>
+            <a:r>
+              <a:rPr lang="en-US" sz="2300" dirty="0" err="1">
+                <a:solidFill>
+                  <a:schemeClr val="tx1"/>
+                </a:solidFill>
+                <a:latin typeface="Arial" panose="020B0604020202020204" pitchFamily="34" charset="0"/>
+                <a:cs typeface="Arial" panose="020B0604020202020204" pitchFamily="34" charset="0"/>
+              </a:rPr>
+              <a:t>trong</a:t>
+            </a:r>
+            <a:r>
+              <a:rPr lang="en-US" sz="2300" dirty="0">
+                <a:solidFill>
+                  <a:schemeClr val="tx1"/>
+                </a:solidFill>
+                <a:latin typeface="Arial" panose="020B0604020202020204" pitchFamily="34" charset="0"/>
+                <a:cs typeface="Arial" panose="020B0604020202020204" pitchFamily="34" charset="0"/>
+              </a:rPr>
+              <a:t> </a:t>
+            </a:r>
+            <a:r>
+              <a:rPr lang="en-US" sz="2300" dirty="0" err="1">
+                <a:solidFill>
+                  <a:schemeClr val="tx1"/>
+                </a:solidFill>
+                <a:latin typeface="Arial" panose="020B0604020202020204" pitchFamily="34" charset="0"/>
+                <a:cs typeface="Arial" panose="020B0604020202020204" pitchFamily="34" charset="0"/>
+              </a:rPr>
+              <a:t>mảng</a:t>
+            </a:r>
+            <a:r>
+              <a:rPr lang="en-US" sz="2300" dirty="0">
+                <a:solidFill>
+                  <a:schemeClr val="tx1"/>
+                </a:solidFill>
+                <a:latin typeface="Arial" panose="020B0604020202020204" pitchFamily="34" charset="0"/>
+                <a:cs typeface="Arial" panose="020B0604020202020204" pitchFamily="34" charset="0"/>
+              </a:rPr>
+              <a:t>: </a:t>
+            </a:r>
+            <a:r>
+              <a:rPr lang="en-US" sz="2300" dirty="0" err="1">
+                <a:solidFill>
+                  <a:schemeClr val="tx1"/>
+                </a:solidFill>
+                <a:latin typeface="Arial" panose="020B0604020202020204" pitchFamily="34" charset="0"/>
+                <a:cs typeface="Arial" panose="020B0604020202020204" pitchFamily="34" charset="0"/>
+              </a:rPr>
+              <a:t>products.pop</a:t>
+            </a:r>
+            <a:r>
+              <a:rPr lang="en-US" sz="2300" dirty="0">
+                <a:solidFill>
+                  <a:schemeClr val="tx1"/>
+                </a:solidFill>
+                <a:latin typeface="Arial" panose="020B0604020202020204" pitchFamily="34" charset="0"/>
+                <a:cs typeface="Arial" panose="020B0604020202020204" pitchFamily="34" charset="0"/>
+              </a:rPr>
+              <a:t>()</a:t>
+            </a:r>
+          </a:p>
+        </p:txBody>
+      </p:sp>
+      <p:pic>
+        <p:nvPicPr>
+          <p:cNvPr id="4" name="Picture 3"/>
+          <p:cNvPicPr>
+            <a:picLocks noChangeAspect="1"/>
+          </p:cNvPicPr>
+          <p:nvPr/>
+        </p:nvPicPr>
+        <p:blipFill>
+          <a:blip r:embed="rId2"/>
+          <a:stretch>
+            <a:fillRect/>
+          </a:stretch>
+        </p:blipFill>
+        <p:spPr>
+          <a:xfrm>
+            <a:off x="0" y="5977096"/>
+            <a:ext cx="3517697" cy="816935"/>
+          </a:xfrm>
+          <a:prstGeom prst="rect">
+            <a:avLst/>
+          </a:prstGeom>
+        </p:spPr>
+      </p:pic>
+    </p:spTree>
+    <p:extLst>
+      <p:ext uri="{BB962C8B-B14F-4D97-AF65-F5344CB8AC3E}">
+        <p14:creationId xmlns:p14="http://schemas.microsoft.com/office/powerpoint/2010/main" val="3420349357"/>
+      </p:ext>
+    </p:extLst>
+  </p:cSld>
+  <p:clrMapOvr>
+    <a:masterClrMapping/>
+  </p:clrMapOvr>
+</p:sld>
+</file>
+
+<file path=ppt/slides/slide11.xml><?xml version="1.0" encoding="utf-8"?>
+<p:sld xmlns:a="http://schemas.openxmlformats.org/drawingml/2006/main" xmlns:r="http://schemas.openxmlformats.org/officeDocument/2006/relationships" xmlns:p="http://schemas.openxmlformats.org/presentationml/2006/main">
+  <p:cSld>
+    <p:spTree>
+      <p:nvGrpSpPr>
+        <p:cNvPr id="1" name=""/>
+        <p:cNvGrpSpPr/>
+        <p:nvPr/>
+      </p:nvGrpSpPr>
+      <p:grpSpPr>
+        <a:xfrm>
+          <a:off x="0" y="0"/>
+          <a:ext cx="0" cy="0"/>
+          <a:chOff x="0" y="0"/>
+          <a:chExt cx="0" cy="0"/>
+        </a:xfrm>
+      </p:grpSpPr>
+      <p:sp>
+        <p:nvSpPr>
+          <p:cNvPr id="2" name="Title 1"/>
+          <p:cNvSpPr>
+            <a:spLocks noGrp="1"/>
+          </p:cNvSpPr>
+          <p:nvPr>
+            <p:ph type="ctrTitle"/>
+          </p:nvPr>
+        </p:nvSpPr>
+        <p:spPr>
+          <a:xfrm>
+            <a:off x="-65447" y="244393"/>
+            <a:ext cx="12192000" cy="1040441"/>
+          </a:xfrm>
+        </p:spPr>
+        <p:txBody>
+          <a:bodyPr/>
+          <a:lstStyle/>
+          <a:p>
+            <a:pPr algn="ctr"/>
+            <a:r>
+              <a:rPr lang="en-US" sz="4000" b="1" dirty="0" err="1">
+                <a:solidFill>
+                  <a:schemeClr val="tx1"/>
+                </a:solidFill>
+                <a:latin typeface="Arial" panose="020B0604020202020204" pitchFamily="34" charset="0"/>
+                <a:cs typeface="Arial" panose="020B0604020202020204" pitchFamily="34" charset="0"/>
+              </a:rPr>
+              <a:t>Bài</a:t>
+            </a:r>
+            <a:r>
+              <a:rPr lang="en-US" sz="4000" b="1" dirty="0">
+                <a:solidFill>
+                  <a:schemeClr val="tx1"/>
+                </a:solidFill>
+                <a:latin typeface="Arial" panose="020B0604020202020204" pitchFamily="34" charset="0"/>
+                <a:cs typeface="Arial" panose="020B0604020202020204" pitchFamily="34" charset="0"/>
+              </a:rPr>
+              <a:t> </a:t>
+            </a:r>
+            <a:r>
+              <a:rPr lang="en-US" sz="4000" b="1" dirty="0" err="1">
+                <a:solidFill>
+                  <a:schemeClr val="tx1"/>
+                </a:solidFill>
+                <a:latin typeface="Arial" panose="020B0604020202020204" pitchFamily="34" charset="0"/>
+                <a:cs typeface="Arial" panose="020B0604020202020204" pitchFamily="34" charset="0"/>
+              </a:rPr>
+              <a:t>tập</a:t>
+            </a:r>
+            <a:endParaRPr lang="en-US" sz="4000" dirty="0">
+              <a:solidFill>
+                <a:schemeClr val="tx1"/>
+              </a:solidFill>
+              <a:latin typeface="Arial" panose="020B0604020202020204" pitchFamily="34" charset="0"/>
+              <a:cs typeface="Arial" panose="020B0604020202020204" pitchFamily="34" charset="0"/>
+            </a:endParaRPr>
+          </a:p>
+        </p:txBody>
+      </p:sp>
+      <p:sp>
+        <p:nvSpPr>
+          <p:cNvPr id="3" name="Subtitle 2"/>
+          <p:cNvSpPr>
+            <a:spLocks noGrp="1"/>
+          </p:cNvSpPr>
+          <p:nvPr>
+            <p:ph type="subTitle" idx="1"/>
+          </p:nvPr>
+        </p:nvSpPr>
+        <p:spPr>
+          <a:xfrm>
+            <a:off x="572202" y="1537090"/>
+            <a:ext cx="11012068" cy="4240385"/>
+          </a:xfrm>
+        </p:spPr>
+        <p:txBody>
+          <a:bodyPr>
+            <a:noAutofit/>
+          </a:bodyPr>
+          <a:lstStyle/>
+          <a:p>
+            <a:pPr algn="l"/>
+            <a:r>
+              <a:rPr lang="en-US" sz="2300" dirty="0">
+                <a:solidFill>
+                  <a:schemeClr val="tx1"/>
+                </a:solidFill>
+                <a:latin typeface="Arial" panose="020B0604020202020204" pitchFamily="34" charset="0"/>
+                <a:cs typeface="Arial" panose="020B0604020202020204" pitchFamily="34" charset="0"/>
+              </a:rPr>
+              <a:t>- </a:t>
+            </a:r>
+            <a:r>
+              <a:rPr lang="en-US" sz="2300" dirty="0" err="1">
+                <a:solidFill>
+                  <a:schemeClr val="tx1"/>
+                </a:solidFill>
+                <a:latin typeface="Arial" panose="020B0604020202020204" pitchFamily="34" charset="0"/>
+                <a:cs typeface="Arial" panose="020B0604020202020204" pitchFamily="34" charset="0"/>
+              </a:rPr>
+              <a:t>Thực</a:t>
+            </a:r>
+            <a:r>
+              <a:rPr lang="en-US" sz="2300" dirty="0">
+                <a:solidFill>
+                  <a:schemeClr val="tx1"/>
+                </a:solidFill>
+                <a:latin typeface="Arial" panose="020B0604020202020204" pitchFamily="34" charset="0"/>
+                <a:cs typeface="Arial" panose="020B0604020202020204" pitchFamily="34" charset="0"/>
+              </a:rPr>
+              <a:t> </a:t>
+            </a:r>
+            <a:r>
+              <a:rPr lang="en-US" sz="2300" dirty="0" err="1">
+                <a:solidFill>
+                  <a:schemeClr val="tx1"/>
+                </a:solidFill>
+                <a:latin typeface="Arial" panose="020B0604020202020204" pitchFamily="34" charset="0"/>
+                <a:cs typeface="Arial" panose="020B0604020202020204" pitchFamily="34" charset="0"/>
+              </a:rPr>
+              <a:t>hành</a:t>
+            </a:r>
+            <a:r>
+              <a:rPr lang="en-US" sz="2300" dirty="0">
+                <a:solidFill>
+                  <a:schemeClr val="tx1"/>
+                </a:solidFill>
+                <a:latin typeface="Arial" panose="020B0604020202020204" pitchFamily="34" charset="0"/>
+                <a:cs typeface="Arial" panose="020B0604020202020204" pitchFamily="34" charset="0"/>
+              </a:rPr>
+              <a:t> </a:t>
+            </a:r>
+            <a:r>
+              <a:rPr lang="en-US" sz="2300" dirty="0" err="1">
+                <a:solidFill>
+                  <a:schemeClr val="tx1"/>
+                </a:solidFill>
+                <a:latin typeface="Arial" panose="020B0604020202020204" pitchFamily="34" charset="0"/>
+                <a:cs typeface="Arial" panose="020B0604020202020204" pitchFamily="34" charset="0"/>
+              </a:rPr>
+              <a:t>thay</a:t>
+            </a:r>
+            <a:r>
+              <a:rPr lang="en-US" sz="2300" dirty="0">
+                <a:solidFill>
+                  <a:schemeClr val="tx1"/>
+                </a:solidFill>
+                <a:latin typeface="Arial" panose="020B0604020202020204" pitchFamily="34" charset="0"/>
+                <a:cs typeface="Arial" panose="020B0604020202020204" pitchFamily="34" charset="0"/>
+              </a:rPr>
+              <a:t> </a:t>
+            </a:r>
+            <a:r>
+              <a:rPr lang="en-US" sz="2300" dirty="0" err="1">
+                <a:solidFill>
+                  <a:schemeClr val="tx1"/>
+                </a:solidFill>
+                <a:latin typeface="Arial" panose="020B0604020202020204" pitchFamily="34" charset="0"/>
+                <a:cs typeface="Arial" panose="020B0604020202020204" pitchFamily="34" charset="0"/>
+              </a:rPr>
+              <a:t>đổi</a:t>
+            </a:r>
+            <a:r>
+              <a:rPr lang="en-US" sz="2300" dirty="0">
+                <a:solidFill>
+                  <a:schemeClr val="tx1"/>
+                </a:solidFill>
+                <a:latin typeface="Arial" panose="020B0604020202020204" pitchFamily="34" charset="0"/>
+                <a:cs typeface="Arial" panose="020B0604020202020204" pitchFamily="34" charset="0"/>
+              </a:rPr>
+              <a:t> code </a:t>
+            </a:r>
+            <a:r>
+              <a:rPr lang="en-US" sz="2300" dirty="0" err="1">
+                <a:solidFill>
+                  <a:schemeClr val="tx1"/>
+                </a:solidFill>
+                <a:latin typeface="Arial" panose="020B0604020202020204" pitchFamily="34" charset="0"/>
+                <a:cs typeface="Arial" panose="020B0604020202020204" pitchFamily="34" charset="0"/>
+              </a:rPr>
+              <a:t>dự</a:t>
+            </a:r>
+            <a:r>
+              <a:rPr lang="en-US" sz="2300" dirty="0">
+                <a:solidFill>
+                  <a:schemeClr val="tx1"/>
+                </a:solidFill>
+                <a:latin typeface="Arial" panose="020B0604020202020204" pitchFamily="34" charset="0"/>
+                <a:cs typeface="Arial" panose="020B0604020202020204" pitchFamily="34" charset="0"/>
+              </a:rPr>
+              <a:t> </a:t>
+            </a:r>
+            <a:r>
+              <a:rPr lang="en-US" sz="2300" dirty="0" err="1">
+                <a:solidFill>
+                  <a:schemeClr val="tx1"/>
+                </a:solidFill>
+                <a:latin typeface="Arial" panose="020B0604020202020204" pitchFamily="34" charset="0"/>
+                <a:cs typeface="Arial" panose="020B0604020202020204" pitchFamily="34" charset="0"/>
+              </a:rPr>
+              <a:t>án</a:t>
+            </a:r>
+            <a:r>
+              <a:rPr lang="en-US" sz="2300" dirty="0">
+                <a:solidFill>
+                  <a:schemeClr val="tx1"/>
+                </a:solidFill>
+                <a:latin typeface="Arial" panose="020B0604020202020204" pitchFamily="34" charset="0"/>
+                <a:cs typeface="Arial" panose="020B0604020202020204" pitchFamily="34" charset="0"/>
+              </a:rPr>
+              <a:t> ReactJS </a:t>
+            </a:r>
+            <a:r>
+              <a:rPr lang="en-US" sz="2300" dirty="0" err="1">
+                <a:solidFill>
+                  <a:schemeClr val="tx1"/>
+                </a:solidFill>
+                <a:latin typeface="Arial" panose="020B0604020202020204" pitchFamily="34" charset="0"/>
+                <a:cs typeface="Arial" panose="020B0604020202020204" pitchFamily="34" charset="0"/>
+              </a:rPr>
+              <a:t>mới</a:t>
+            </a:r>
+            <a:r>
+              <a:rPr lang="en-US" sz="2300" dirty="0">
+                <a:solidFill>
+                  <a:schemeClr val="tx1"/>
+                </a:solidFill>
+                <a:latin typeface="Arial" panose="020B0604020202020204" pitchFamily="34" charset="0"/>
+                <a:cs typeface="Arial" panose="020B0604020202020204" pitchFamily="34" charset="0"/>
+              </a:rPr>
+              <a:t>, </a:t>
+            </a:r>
+            <a:r>
+              <a:rPr lang="en-US" sz="2300" dirty="0" err="1">
+                <a:solidFill>
+                  <a:schemeClr val="tx1"/>
+                </a:solidFill>
+                <a:latin typeface="Arial" panose="020B0604020202020204" pitchFamily="34" charset="0"/>
+                <a:cs typeface="Arial" panose="020B0604020202020204" pitchFamily="34" charset="0"/>
+              </a:rPr>
+              <a:t>tìm</a:t>
+            </a:r>
+            <a:r>
+              <a:rPr lang="en-US" sz="2300" dirty="0">
+                <a:solidFill>
+                  <a:schemeClr val="tx1"/>
+                </a:solidFill>
+                <a:latin typeface="Arial" panose="020B0604020202020204" pitchFamily="34" charset="0"/>
+                <a:cs typeface="Arial" panose="020B0604020202020204" pitchFamily="34" charset="0"/>
+              </a:rPr>
+              <a:t> </a:t>
+            </a:r>
+            <a:r>
+              <a:rPr lang="en-US" sz="2300" dirty="0" err="1">
+                <a:solidFill>
+                  <a:schemeClr val="tx1"/>
+                </a:solidFill>
+                <a:latin typeface="Arial" panose="020B0604020202020204" pitchFamily="34" charset="0"/>
+                <a:cs typeface="Arial" panose="020B0604020202020204" pitchFamily="34" charset="0"/>
+              </a:rPr>
+              <a:t>hiểu</a:t>
+            </a:r>
+            <a:r>
+              <a:rPr lang="en-US" sz="2300" dirty="0">
+                <a:solidFill>
+                  <a:schemeClr val="tx1"/>
+                </a:solidFill>
+                <a:latin typeface="Arial" panose="020B0604020202020204" pitchFamily="34" charset="0"/>
+                <a:cs typeface="Arial" panose="020B0604020202020204" pitchFamily="34" charset="0"/>
+              </a:rPr>
+              <a:t> </a:t>
+            </a:r>
+            <a:r>
+              <a:rPr lang="en-US" sz="2300" dirty="0" err="1">
+                <a:solidFill>
+                  <a:schemeClr val="tx1"/>
+                </a:solidFill>
+                <a:latin typeface="Arial" panose="020B0604020202020204" pitchFamily="34" charset="0"/>
+                <a:cs typeface="Arial" panose="020B0604020202020204" pitchFamily="34" charset="0"/>
+              </a:rPr>
+              <a:t>cấu</a:t>
+            </a:r>
+            <a:r>
+              <a:rPr lang="en-US" sz="2300" dirty="0">
+                <a:solidFill>
+                  <a:schemeClr val="tx1"/>
+                </a:solidFill>
+                <a:latin typeface="Arial" panose="020B0604020202020204" pitchFamily="34" charset="0"/>
+                <a:cs typeface="Arial" panose="020B0604020202020204" pitchFamily="34" charset="0"/>
+              </a:rPr>
+              <a:t> </a:t>
+            </a:r>
+            <a:r>
+              <a:rPr lang="en-US" sz="2300" dirty="0" err="1">
+                <a:solidFill>
+                  <a:schemeClr val="tx1"/>
+                </a:solidFill>
+                <a:latin typeface="Arial" panose="020B0604020202020204" pitchFamily="34" charset="0"/>
+                <a:cs typeface="Arial" panose="020B0604020202020204" pitchFamily="34" charset="0"/>
+              </a:rPr>
+              <a:t>trúc</a:t>
+            </a:r>
+            <a:r>
+              <a:rPr lang="en-US" sz="2300" dirty="0">
+                <a:solidFill>
+                  <a:schemeClr val="tx1"/>
+                </a:solidFill>
+                <a:latin typeface="Arial" panose="020B0604020202020204" pitchFamily="34" charset="0"/>
+                <a:cs typeface="Arial" panose="020B0604020202020204" pitchFamily="34" charset="0"/>
+              </a:rPr>
+              <a:t> </a:t>
+            </a:r>
+            <a:r>
+              <a:rPr lang="en-US" sz="2300" dirty="0" err="1">
+                <a:solidFill>
+                  <a:schemeClr val="tx1"/>
+                </a:solidFill>
+                <a:latin typeface="Arial" panose="020B0604020202020204" pitchFamily="34" charset="0"/>
+                <a:cs typeface="Arial" panose="020B0604020202020204" pitchFamily="34" charset="0"/>
+              </a:rPr>
+              <a:t>một</a:t>
+            </a:r>
+            <a:r>
+              <a:rPr lang="en-US" sz="2300" dirty="0">
+                <a:solidFill>
+                  <a:schemeClr val="tx1"/>
+                </a:solidFill>
+                <a:latin typeface="Arial" panose="020B0604020202020204" pitchFamily="34" charset="0"/>
+                <a:cs typeface="Arial" panose="020B0604020202020204" pitchFamily="34" charset="0"/>
+              </a:rPr>
+              <a:t> </a:t>
+            </a:r>
+            <a:r>
+              <a:rPr lang="en-US" sz="2300" dirty="0" err="1">
+                <a:solidFill>
+                  <a:schemeClr val="tx1"/>
+                </a:solidFill>
+                <a:latin typeface="Arial" panose="020B0604020202020204" pitchFamily="34" charset="0"/>
+                <a:cs typeface="Arial" panose="020B0604020202020204" pitchFamily="34" charset="0"/>
+              </a:rPr>
+              <a:t>dự</a:t>
+            </a:r>
+            <a:r>
+              <a:rPr lang="en-US" sz="2300" dirty="0">
+                <a:solidFill>
+                  <a:schemeClr val="tx1"/>
+                </a:solidFill>
+                <a:latin typeface="Arial" panose="020B0604020202020204" pitchFamily="34" charset="0"/>
+                <a:cs typeface="Arial" panose="020B0604020202020204" pitchFamily="34" charset="0"/>
+              </a:rPr>
+              <a:t> </a:t>
+            </a:r>
+            <a:r>
+              <a:rPr lang="en-US" sz="2300" dirty="0" err="1">
+                <a:solidFill>
+                  <a:schemeClr val="tx1"/>
+                </a:solidFill>
+                <a:latin typeface="Arial" panose="020B0604020202020204" pitchFamily="34" charset="0"/>
+                <a:cs typeface="Arial" panose="020B0604020202020204" pitchFamily="34" charset="0"/>
+              </a:rPr>
+              <a:t>án</a:t>
+            </a:r>
+            <a:r>
+              <a:rPr lang="en-US" sz="2300" dirty="0">
+                <a:solidFill>
+                  <a:schemeClr val="tx1"/>
+                </a:solidFill>
+                <a:latin typeface="Arial" panose="020B0604020202020204" pitchFamily="34" charset="0"/>
+                <a:cs typeface="Arial" panose="020B0604020202020204" pitchFamily="34" charset="0"/>
+              </a:rPr>
+              <a:t> ReactJS.</a:t>
+            </a:r>
+          </a:p>
+          <a:p>
+            <a:pPr algn="l"/>
+            <a:r>
+              <a:rPr lang="en-US" sz="2300" dirty="0">
+                <a:solidFill>
+                  <a:schemeClr val="tx1"/>
+                </a:solidFill>
+                <a:latin typeface="Arial" panose="020B0604020202020204" pitchFamily="34" charset="0"/>
+                <a:cs typeface="Arial" panose="020B0604020202020204" pitchFamily="34" charset="0"/>
+              </a:rPr>
+              <a:t>- </a:t>
+            </a:r>
+          </a:p>
+          <a:p>
+            <a:pPr algn="l"/>
+            <a:endParaRPr lang="en-US" sz="2300" dirty="0">
+              <a:solidFill>
+                <a:schemeClr val="tx1"/>
+              </a:solidFill>
+              <a:latin typeface="Arial" panose="020B0604020202020204" pitchFamily="34" charset="0"/>
+              <a:cs typeface="Arial" panose="020B0604020202020204" pitchFamily="34" charset="0"/>
+            </a:endParaRPr>
+          </a:p>
+          <a:p>
+            <a:pPr algn="l"/>
+            <a:endParaRPr lang="en-US" sz="2300" dirty="0">
+              <a:solidFill>
+                <a:schemeClr val="tx1"/>
+              </a:solidFill>
+              <a:latin typeface="Arial" panose="020B0604020202020204" pitchFamily="34" charset="0"/>
+              <a:cs typeface="Arial" panose="020B0604020202020204" pitchFamily="34" charset="0"/>
+            </a:endParaRPr>
+          </a:p>
+        </p:txBody>
+      </p:sp>
+      <p:pic>
+        <p:nvPicPr>
+          <p:cNvPr id="4" name="Picture 3"/>
+          <p:cNvPicPr>
+            <a:picLocks noChangeAspect="1"/>
+          </p:cNvPicPr>
+          <p:nvPr/>
+        </p:nvPicPr>
+        <p:blipFill>
+          <a:blip r:embed="rId2"/>
+          <a:stretch>
+            <a:fillRect/>
+          </a:stretch>
+        </p:blipFill>
+        <p:spPr>
+          <a:xfrm>
+            <a:off x="0" y="5977096"/>
+            <a:ext cx="3517697" cy="816935"/>
+          </a:xfrm>
+          <a:prstGeom prst="rect">
+            <a:avLst/>
+          </a:prstGeom>
+        </p:spPr>
+      </p:pic>
+    </p:spTree>
+    <p:extLst>
+      <p:ext uri="{BB962C8B-B14F-4D97-AF65-F5344CB8AC3E}">
+        <p14:creationId xmlns:p14="http://schemas.microsoft.com/office/powerpoint/2010/main" val="1792864276"/>
+      </p:ext>
+    </p:extLst>
+  </p:cSld>
+  <p:clrMapOvr>
+    <a:masterClrMapping/>
+  </p:clrMapOvr>
+</p:sld>
+</file>
+
 <file path=ppt/slides/slide2.xml><?xml version="1.0" encoding="utf-8"?>
 <p:sld xmlns:a="http://schemas.openxmlformats.org/drawingml/2006/main" xmlns:r="http://schemas.openxmlformats.org/officeDocument/2006/relationships" xmlns:p="http://schemas.openxmlformats.org/presentationml/2006/main">
   <p:cSld>
@@ -8212,7 +9258,27 @@
                 <a:latin typeface="Arial" panose="020B0604020202020204" pitchFamily="34" charset="0"/>
                 <a:cs typeface="Arial" panose="020B0604020202020204" pitchFamily="34" charset="0"/>
               </a:rPr>
-              <a:t> dung, </a:t>
+              <a:t> </a:t>
+            </a:r>
+            <a:r>
+              <a:rPr lang="en-US" sz="2600" dirty="0" err="1">
+                <a:solidFill>
+                  <a:schemeClr val="tx1"/>
+                </a:solidFill>
+                <a:latin typeface="Arial" panose="020B0604020202020204" pitchFamily="34" charset="0"/>
+                <a:cs typeface="Arial" panose="020B0604020202020204" pitchFamily="34" charset="0"/>
+              </a:rPr>
+              <a:t>dụng</a:t>
+            </a:r>
+            <a:r>
+              <a:rPr lang="en-US" sz="2600" dirty="0">
+                <a:solidFill>
+                  <a:schemeClr val="tx1"/>
+                </a:solidFill>
+                <a:latin typeface="Arial" panose="020B0604020202020204" pitchFamily="34" charset="0"/>
+                <a:cs typeface="Arial" panose="020B0604020202020204" pitchFamily="34" charset="0"/>
+              </a:rPr>
+              <a:t>, </a:t>
             </a:r>
             <a:r>
               <a:rPr lang="en-US" sz="2600" dirty="0" err="1">
@@ -12778,8 +13844,8 @@
         </p:nvSpPr>
         <p:spPr>
           <a:xfrm>
-            <a:off x="-65447" y="244393"/>
-            <a:ext cx="12192000" cy="1040441"/>
+            <a:off x="0" y="63969"/>
+            <a:ext cx="12192000" cy="836132"/>
           </a:xfrm>
         </p:spPr>
         <p:txBody>
@@ -12795,7 +13861,7 @@
                 <a:latin typeface="Arial" panose="020B0604020202020204" pitchFamily="34" charset="0"/>
                 <a:cs typeface="Arial" panose="020B0604020202020204" pitchFamily="34" charset="0"/>
               </a:rPr>
-              <a:t>Bài</a:t>
+              <a:t>Javascript</a:t>
             </a:r>
             <a:r>
               <a:rPr lang="en-US" sz="4000" b="1" dirty="0">
@@ -12805,17 +13871,7 @@
                 <a:latin typeface="Arial" panose="020B0604020202020204" pitchFamily="34" charset="0"/>
                 <a:cs typeface="Arial" panose="020B0604020202020204" pitchFamily="34" charset="0"/>
               </a:rPr>
-              <a:t> </a:t>
-            </a:r>
-            <a:r>
-              <a:rPr lang="en-US" sz="4000" b="1" dirty="0" err="1">
-                <a:solidFill>
-                  <a:schemeClr val="tx1"/>
-                </a:solidFill>
-                <a:latin typeface="Arial" panose="020B0604020202020204" pitchFamily="34" charset="0"/>
-                <a:cs typeface="Arial" panose="020B0604020202020204" pitchFamily="34" charset="0"/>
-              </a:rPr>
-              <a:t>tập</a:t>
+              <a:t> ECMAScript 6,7</a:t>
             </a:r>
             <a:endParaRPr lang="en-US" sz="4000" dirty="0">
               <a:solidFill>
@@ -12839,8 +13895,8 @@
         </p:nvSpPr>
         <p:spPr>
           <a:xfrm>
-            <a:off x="572202" y="1537090"/>
-            <a:ext cx="11012068" cy="4240385"/>
+            <a:off x="572202" y="1184856"/>
+            <a:ext cx="11012068" cy="4592619"/>
           </a:xfrm>
         </p:spPr>
         <p:txBody>
@@ -12851,294 +13907,144 @@
           <a:p>
             <a:pPr algn="l"/>
             <a:r>
-              <a:rPr lang="en-US" sz="2300" dirty="0">
-                <a:solidFill>
-                  <a:schemeClr val="tx1"/>
-                </a:solidFill>
-                <a:latin typeface="Arial" panose="020B0604020202020204" pitchFamily="34" charset="0"/>
-                <a:cs typeface="Arial" panose="020B0604020202020204" pitchFamily="34" charset="0"/>
-              </a:rPr>
-              <a:t>- </a:t>
-            </a:r>
-            <a:r>
-              <a:rPr lang="en-US" sz="2300" dirty="0" err="1">
-                <a:solidFill>
-                  <a:schemeClr val="tx1"/>
-                </a:solidFill>
-                <a:latin typeface="Arial" panose="020B0604020202020204" pitchFamily="34" charset="0"/>
-                <a:cs typeface="Arial" panose="020B0604020202020204" pitchFamily="34" charset="0"/>
-              </a:rPr>
-              <a:t>Thực</a:t>
-            </a:r>
-            <a:r>
-              <a:rPr lang="en-US" sz="2300" dirty="0">
-                <a:solidFill>
-                  <a:schemeClr val="tx1"/>
-                </a:solidFill>
-                <a:latin typeface="Arial" panose="020B0604020202020204" pitchFamily="34" charset="0"/>
-                <a:cs typeface="Arial" panose="020B0604020202020204" pitchFamily="34" charset="0"/>
-              </a:rPr>
-              <a:t> </a:t>
-            </a:r>
-            <a:r>
-              <a:rPr lang="en-US" sz="2300" dirty="0" err="1">
-                <a:solidFill>
-                  <a:schemeClr val="tx1"/>
-                </a:solidFill>
-                <a:latin typeface="Arial" panose="020B0604020202020204" pitchFamily="34" charset="0"/>
-                <a:cs typeface="Arial" panose="020B0604020202020204" pitchFamily="34" charset="0"/>
-              </a:rPr>
-              <a:t>hành</a:t>
-            </a:r>
-            <a:r>
-              <a:rPr lang="en-US" sz="2300" dirty="0">
-                <a:solidFill>
-                  <a:schemeClr val="tx1"/>
-                </a:solidFill>
-                <a:latin typeface="Arial" panose="020B0604020202020204" pitchFamily="34" charset="0"/>
-                <a:cs typeface="Arial" panose="020B0604020202020204" pitchFamily="34" charset="0"/>
-              </a:rPr>
-              <a:t> </a:t>
-            </a:r>
-            <a:r>
-              <a:rPr lang="en-US" sz="2300" dirty="0" err="1">
-                <a:solidFill>
-                  <a:schemeClr val="tx1"/>
-                </a:solidFill>
-                <a:latin typeface="Arial" panose="020B0604020202020204" pitchFamily="34" charset="0"/>
-                <a:cs typeface="Arial" panose="020B0604020202020204" pitchFamily="34" charset="0"/>
-              </a:rPr>
-              <a:t>thay</a:t>
-            </a:r>
-            <a:r>
-              <a:rPr lang="en-US" sz="2300" dirty="0">
-                <a:solidFill>
-                  <a:schemeClr val="tx1"/>
-                </a:solidFill>
-                <a:latin typeface="Arial" panose="020B0604020202020204" pitchFamily="34" charset="0"/>
-                <a:cs typeface="Arial" panose="020B0604020202020204" pitchFamily="34" charset="0"/>
-              </a:rPr>
-              <a:t> </a:t>
-            </a:r>
-            <a:r>
-              <a:rPr lang="en-US" sz="2300" dirty="0" err="1">
-                <a:solidFill>
-                  <a:schemeClr val="tx1"/>
-                </a:solidFill>
-                <a:latin typeface="Arial" panose="020B0604020202020204" pitchFamily="34" charset="0"/>
-                <a:cs typeface="Arial" panose="020B0604020202020204" pitchFamily="34" charset="0"/>
-              </a:rPr>
-              <a:t>đổi</a:t>
-            </a:r>
-            <a:r>
-              <a:rPr lang="en-US" sz="2300" dirty="0">
-                <a:solidFill>
-                  <a:schemeClr val="tx1"/>
-                </a:solidFill>
-                <a:latin typeface="Arial" panose="020B0604020202020204" pitchFamily="34" charset="0"/>
-                <a:cs typeface="Arial" panose="020B0604020202020204" pitchFamily="34" charset="0"/>
-              </a:rPr>
-              <a:t> code </a:t>
-            </a:r>
-            <a:r>
-              <a:rPr lang="en-US" sz="2300" dirty="0" err="1">
-                <a:solidFill>
-                  <a:schemeClr val="tx1"/>
-                </a:solidFill>
-                <a:latin typeface="Arial" panose="020B0604020202020204" pitchFamily="34" charset="0"/>
-                <a:cs typeface="Arial" panose="020B0604020202020204" pitchFamily="34" charset="0"/>
-              </a:rPr>
-              <a:t>dự</a:t>
-            </a:r>
-            <a:r>
-              <a:rPr lang="en-US" sz="2300" dirty="0">
-                <a:solidFill>
-                  <a:schemeClr val="tx1"/>
-                </a:solidFill>
-                <a:latin typeface="Arial" panose="020B0604020202020204" pitchFamily="34" charset="0"/>
-                <a:cs typeface="Arial" panose="020B0604020202020204" pitchFamily="34" charset="0"/>
-              </a:rPr>
-              <a:t> </a:t>
-            </a:r>
-            <a:r>
-              <a:rPr lang="en-US" sz="2300" dirty="0" err="1">
-                <a:solidFill>
-                  <a:schemeClr val="tx1"/>
-                </a:solidFill>
-                <a:latin typeface="Arial" panose="020B0604020202020204" pitchFamily="34" charset="0"/>
-                <a:cs typeface="Arial" panose="020B0604020202020204" pitchFamily="34" charset="0"/>
-              </a:rPr>
-              <a:t>án</a:t>
-            </a:r>
-            <a:r>
-              <a:rPr lang="en-US" sz="2300" dirty="0">
-                <a:solidFill>
-                  <a:schemeClr val="tx1"/>
-                </a:solidFill>
-                <a:latin typeface="Arial" panose="020B0604020202020204" pitchFamily="34" charset="0"/>
-                <a:cs typeface="Arial" panose="020B0604020202020204" pitchFamily="34" charset="0"/>
-              </a:rPr>
-              <a:t> ReactJS </a:t>
-            </a:r>
-            <a:r>
-              <a:rPr lang="en-US" sz="2300" dirty="0" err="1">
-                <a:solidFill>
-                  <a:schemeClr val="tx1"/>
-                </a:solidFill>
-                <a:latin typeface="Arial" panose="020B0604020202020204" pitchFamily="34" charset="0"/>
-                <a:cs typeface="Arial" panose="020B0604020202020204" pitchFamily="34" charset="0"/>
-              </a:rPr>
-              <a:t>mới</a:t>
-            </a:r>
-            <a:r>
-              <a:rPr lang="en-US" sz="2300" dirty="0">
-                <a:solidFill>
-                  <a:schemeClr val="tx1"/>
-                </a:solidFill>
-                <a:latin typeface="Arial" panose="020B0604020202020204" pitchFamily="34" charset="0"/>
-                <a:cs typeface="Arial" panose="020B0604020202020204" pitchFamily="34" charset="0"/>
-              </a:rPr>
-              <a:t>, </a:t>
-            </a:r>
-            <a:r>
-              <a:rPr lang="en-US" sz="2300" dirty="0" err="1">
-                <a:solidFill>
-                  <a:schemeClr val="tx1"/>
-                </a:solidFill>
-                <a:latin typeface="Arial" panose="020B0604020202020204" pitchFamily="34" charset="0"/>
-                <a:cs typeface="Arial" panose="020B0604020202020204" pitchFamily="34" charset="0"/>
-              </a:rPr>
-              <a:t>tìm</a:t>
-            </a:r>
-            <a:r>
-              <a:rPr lang="en-US" sz="2300" dirty="0">
-                <a:solidFill>
-                  <a:schemeClr val="tx1"/>
-                </a:solidFill>
-                <a:latin typeface="Arial" panose="020B0604020202020204" pitchFamily="34" charset="0"/>
-                <a:cs typeface="Arial" panose="020B0604020202020204" pitchFamily="34" charset="0"/>
-              </a:rPr>
-              <a:t> </a:t>
-            </a:r>
-            <a:r>
-              <a:rPr lang="en-US" sz="2300" dirty="0" err="1">
-                <a:solidFill>
-                  <a:schemeClr val="tx1"/>
-                </a:solidFill>
-                <a:latin typeface="Arial" panose="020B0604020202020204" pitchFamily="34" charset="0"/>
-                <a:cs typeface="Arial" panose="020B0604020202020204" pitchFamily="34" charset="0"/>
-              </a:rPr>
-              <a:t>hiểu</a:t>
-            </a:r>
-            <a:r>
-              <a:rPr lang="en-US" sz="2300" dirty="0">
-                <a:solidFill>
-                  <a:schemeClr val="tx1"/>
-                </a:solidFill>
-                <a:latin typeface="Arial" panose="020B0604020202020204" pitchFamily="34" charset="0"/>
-                <a:cs typeface="Arial" panose="020B0604020202020204" pitchFamily="34" charset="0"/>
-              </a:rPr>
-              <a:t> </a:t>
-            </a:r>
-            <a:r>
-              <a:rPr lang="en-US" sz="2300" dirty="0" err="1">
-                <a:solidFill>
-                  <a:schemeClr val="tx1"/>
-                </a:solidFill>
-                <a:latin typeface="Arial" panose="020B0604020202020204" pitchFamily="34" charset="0"/>
-                <a:cs typeface="Arial" panose="020B0604020202020204" pitchFamily="34" charset="0"/>
-              </a:rPr>
-              <a:t>cấu</a:t>
-            </a:r>
-            <a:r>
-              <a:rPr lang="en-US" sz="2300" dirty="0">
-                <a:solidFill>
-                  <a:schemeClr val="tx1"/>
-                </a:solidFill>
-                <a:latin typeface="Arial" panose="020B0604020202020204" pitchFamily="34" charset="0"/>
-                <a:cs typeface="Arial" panose="020B0604020202020204" pitchFamily="34" charset="0"/>
-              </a:rPr>
-              <a:t> </a:t>
-            </a:r>
-            <a:r>
-              <a:rPr lang="en-US" sz="2300" dirty="0" err="1">
-                <a:solidFill>
-                  <a:schemeClr val="tx1"/>
-                </a:solidFill>
-                <a:latin typeface="Arial" panose="020B0604020202020204" pitchFamily="34" charset="0"/>
-                <a:cs typeface="Arial" panose="020B0604020202020204" pitchFamily="34" charset="0"/>
-              </a:rPr>
-              <a:t>trúc</a:t>
-            </a:r>
-            <a:r>
-              <a:rPr lang="en-US" sz="2300" dirty="0">
-                <a:solidFill>
-                  <a:schemeClr val="tx1"/>
-                </a:solidFill>
-                <a:latin typeface="Arial" panose="020B0604020202020204" pitchFamily="34" charset="0"/>
-                <a:cs typeface="Arial" panose="020B0604020202020204" pitchFamily="34" charset="0"/>
-              </a:rPr>
-              <a:t> </a:t>
-            </a:r>
-            <a:r>
-              <a:rPr lang="en-US" sz="2300" dirty="0" err="1">
-                <a:solidFill>
-                  <a:schemeClr val="tx1"/>
-                </a:solidFill>
-                <a:latin typeface="Arial" panose="020B0604020202020204" pitchFamily="34" charset="0"/>
-                <a:cs typeface="Arial" panose="020B0604020202020204" pitchFamily="34" charset="0"/>
-              </a:rPr>
-              <a:t>một</a:t>
-            </a:r>
-            <a:r>
-              <a:rPr lang="en-US" sz="2300" dirty="0">
-                <a:solidFill>
-                  <a:schemeClr val="tx1"/>
-                </a:solidFill>
-                <a:latin typeface="Arial" panose="020B0604020202020204" pitchFamily="34" charset="0"/>
-                <a:cs typeface="Arial" panose="020B0604020202020204" pitchFamily="34" charset="0"/>
-              </a:rPr>
-              <a:t> </a:t>
-            </a:r>
-            <a:r>
-              <a:rPr lang="en-US" sz="2300" dirty="0" err="1">
-                <a:solidFill>
-                  <a:schemeClr val="tx1"/>
-                </a:solidFill>
-                <a:latin typeface="Arial" panose="020B0604020202020204" pitchFamily="34" charset="0"/>
-                <a:cs typeface="Arial" panose="020B0604020202020204" pitchFamily="34" charset="0"/>
-              </a:rPr>
-              <a:t>dự</a:t>
-            </a:r>
-            <a:r>
-              <a:rPr lang="en-US" sz="2300" dirty="0">
-                <a:solidFill>
-                  <a:schemeClr val="tx1"/>
-                </a:solidFill>
-                <a:latin typeface="Arial" panose="020B0604020202020204" pitchFamily="34" charset="0"/>
-                <a:cs typeface="Arial" panose="020B0604020202020204" pitchFamily="34" charset="0"/>
-              </a:rPr>
-              <a:t> </a:t>
-            </a:r>
-            <a:r>
-              <a:rPr lang="en-US" sz="2300" dirty="0" err="1">
-                <a:solidFill>
-                  <a:schemeClr val="tx1"/>
-                </a:solidFill>
-                <a:latin typeface="Arial" panose="020B0604020202020204" pitchFamily="34" charset="0"/>
-                <a:cs typeface="Arial" panose="020B0604020202020204" pitchFamily="34" charset="0"/>
-              </a:rPr>
-              <a:t>án</a:t>
-            </a:r>
-            <a:r>
-              <a:rPr lang="en-US" sz="2300" dirty="0">
-                <a:solidFill>
-                  <a:schemeClr val="tx1"/>
-                </a:solidFill>
-                <a:latin typeface="Arial" panose="020B0604020202020204" pitchFamily="34" charset="0"/>
-                <a:cs typeface="Arial" panose="020B0604020202020204" pitchFamily="34" charset="0"/>
-              </a:rPr>
-              <a:t> ReactJS.</a:t>
+              <a:rPr lang="en-US" sz="2300" dirty="0" err="1">
+                <a:solidFill>
+                  <a:schemeClr val="tx1"/>
+                </a:solidFill>
+                <a:latin typeface="Arial" panose="020B0604020202020204" pitchFamily="34" charset="0"/>
+                <a:cs typeface="Arial" panose="020B0604020202020204" pitchFamily="34" charset="0"/>
+              </a:rPr>
+              <a:t>Khai</a:t>
+            </a:r>
+            <a:r>
+              <a:rPr lang="en-US" sz="2300" dirty="0">
+                <a:solidFill>
+                  <a:schemeClr val="tx1"/>
+                </a:solidFill>
+                <a:latin typeface="Arial" panose="020B0604020202020204" pitchFamily="34" charset="0"/>
+                <a:cs typeface="Arial" panose="020B0604020202020204" pitchFamily="34" charset="0"/>
+              </a:rPr>
+              <a:t> </a:t>
+            </a:r>
+            <a:r>
+              <a:rPr lang="en-US" sz="2300" dirty="0" err="1">
+                <a:solidFill>
+                  <a:schemeClr val="tx1"/>
+                </a:solidFill>
+                <a:latin typeface="Arial" panose="020B0604020202020204" pitchFamily="34" charset="0"/>
+                <a:cs typeface="Arial" panose="020B0604020202020204" pitchFamily="34" charset="0"/>
+              </a:rPr>
+              <a:t>báo</a:t>
+            </a:r>
+            <a:r>
+              <a:rPr lang="en-US" sz="2300" dirty="0">
+                <a:solidFill>
+                  <a:schemeClr val="tx1"/>
+                </a:solidFill>
+                <a:latin typeface="Arial" panose="020B0604020202020204" pitchFamily="34" charset="0"/>
+                <a:cs typeface="Arial" panose="020B0604020202020204" pitchFamily="34" charset="0"/>
+              </a:rPr>
+              <a:t> </a:t>
+            </a:r>
+            <a:r>
+              <a:rPr lang="en-US" sz="2300" dirty="0" err="1">
+                <a:solidFill>
+                  <a:schemeClr val="tx1"/>
+                </a:solidFill>
+                <a:latin typeface="Arial" panose="020B0604020202020204" pitchFamily="34" charset="0"/>
+                <a:cs typeface="Arial" panose="020B0604020202020204" pitchFamily="34" charset="0"/>
+              </a:rPr>
+              <a:t>biến</a:t>
+            </a:r>
+            <a:r>
+              <a:rPr lang="en-US" sz="2300" dirty="0">
+                <a:solidFill>
+                  <a:schemeClr val="tx1"/>
+                </a:solidFill>
+                <a:latin typeface="Arial" panose="020B0604020202020204" pitchFamily="34" charset="0"/>
+                <a:cs typeface="Arial" panose="020B0604020202020204" pitchFamily="34" charset="0"/>
+              </a:rPr>
+              <a:t>(</a:t>
+            </a:r>
+            <a:r>
+              <a:rPr lang="en-US" sz="2300" dirty="0" err="1">
+                <a:solidFill>
+                  <a:schemeClr val="tx1"/>
+                </a:solidFill>
+                <a:latin typeface="Arial" panose="020B0604020202020204" pitchFamily="34" charset="0"/>
+                <a:cs typeface="Arial" panose="020B0604020202020204" pitchFamily="34" charset="0"/>
+              </a:rPr>
+              <a:t>dùng</a:t>
+            </a:r>
+            <a:r>
+              <a:rPr lang="en-US" sz="2300" dirty="0">
+                <a:solidFill>
+                  <a:schemeClr val="tx1"/>
+                </a:solidFill>
+                <a:latin typeface="Arial" panose="020B0604020202020204" pitchFamily="34" charset="0"/>
+                <a:cs typeface="Arial" panose="020B0604020202020204" pitchFamily="34" charset="0"/>
+              </a:rPr>
+              <a:t> </a:t>
+            </a:r>
+            <a:r>
+              <a:rPr lang="en-US" sz="2300" dirty="0" err="1">
+                <a:solidFill>
+                  <a:schemeClr val="tx1"/>
+                </a:solidFill>
+                <a:latin typeface="Arial" panose="020B0604020202020204" pitchFamily="34" charset="0"/>
+                <a:cs typeface="Arial" panose="020B0604020202020204" pitchFamily="34" charset="0"/>
+              </a:rPr>
+              <a:t>các</a:t>
+            </a:r>
+            <a:r>
+              <a:rPr lang="en-US" sz="2300" dirty="0">
+                <a:solidFill>
+                  <a:schemeClr val="tx1"/>
+                </a:solidFill>
+                <a:latin typeface="Arial" panose="020B0604020202020204" pitchFamily="34" charset="0"/>
+                <a:cs typeface="Arial" panose="020B0604020202020204" pitchFamily="34" charset="0"/>
+              </a:rPr>
+              <a:t> </a:t>
+            </a:r>
+            <a:r>
+              <a:rPr lang="en-US" sz="2300" dirty="0" err="1">
+                <a:solidFill>
+                  <a:schemeClr val="tx1"/>
+                </a:solidFill>
+                <a:latin typeface="Arial" panose="020B0604020202020204" pitchFamily="34" charset="0"/>
+                <a:cs typeface="Arial" panose="020B0604020202020204" pitchFamily="34" charset="0"/>
+              </a:rPr>
+              <a:t>từ</a:t>
+            </a:r>
+            <a:r>
+              <a:rPr lang="en-US" sz="2300" dirty="0">
+                <a:solidFill>
+                  <a:schemeClr val="tx1"/>
+                </a:solidFill>
+                <a:latin typeface="Arial" panose="020B0604020202020204" pitchFamily="34" charset="0"/>
+                <a:cs typeface="Arial" panose="020B0604020202020204" pitchFamily="34" charset="0"/>
+              </a:rPr>
+              <a:t> </a:t>
+            </a:r>
+            <a:r>
+              <a:rPr lang="en-US" sz="2300" dirty="0" err="1">
+                <a:solidFill>
+                  <a:schemeClr val="tx1"/>
+                </a:solidFill>
+                <a:latin typeface="Arial" panose="020B0604020202020204" pitchFamily="34" charset="0"/>
+                <a:cs typeface="Arial" panose="020B0604020202020204" pitchFamily="34" charset="0"/>
+              </a:rPr>
+              <a:t>khóa</a:t>
+            </a:r>
+            <a:r>
+              <a:rPr lang="en-US" sz="2300" dirty="0">
+                <a:solidFill>
+                  <a:schemeClr val="tx1"/>
+                </a:solidFill>
+                <a:latin typeface="Arial" panose="020B0604020202020204" pitchFamily="34" charset="0"/>
+                <a:cs typeface="Arial" panose="020B0604020202020204" pitchFamily="34" charset="0"/>
+              </a:rPr>
+              <a:t> let, var, const): </a:t>
             </a:r>
           </a:p>
           <a:p>
@@ -13151,7 +14057,535 @@
                 <a:latin typeface="Arial" panose="020B0604020202020204" pitchFamily="34" charset="0"/>
                 <a:cs typeface="Arial" panose="020B0604020202020204" pitchFamily="34" charset="0"/>
               </a:rPr>
-              <a:t>- </a:t>
+              <a:t>var x = 10 //</a:t>
+            </a:r>
+            <a:r>
+              <a:rPr lang="en-US" sz="2300" dirty="0" err="1">
+                <a:solidFill>
+                  <a:schemeClr val="tx1"/>
+                </a:solidFill>
+                <a:latin typeface="Arial" panose="020B0604020202020204" pitchFamily="34" charset="0"/>
+                <a:cs typeface="Arial" panose="020B0604020202020204" pitchFamily="34" charset="0"/>
+              </a:rPr>
+              <a:t>Phạm</a:t>
+            </a:r>
+            <a:r>
+              <a:rPr lang="en-US" sz="2300" dirty="0">
+                <a:solidFill>
+                  <a:schemeClr val="tx1"/>
+                </a:solidFill>
+                <a:latin typeface="Arial" panose="020B0604020202020204" pitchFamily="34" charset="0"/>
+                <a:cs typeface="Arial" panose="020B0604020202020204" pitchFamily="34" charset="0"/>
+              </a:rPr>
+              <a:t> vi </a:t>
+            </a:r>
+            <a:r>
+              <a:rPr lang="en-US" sz="2300" dirty="0" err="1">
+                <a:solidFill>
+                  <a:schemeClr val="tx1"/>
+                </a:solidFill>
+                <a:latin typeface="Arial" panose="020B0604020202020204" pitchFamily="34" charset="0"/>
+                <a:cs typeface="Arial" panose="020B0604020202020204" pitchFamily="34" charset="0"/>
+              </a:rPr>
+              <a:t>trong</a:t>
+            </a:r>
+            <a:r>
+              <a:rPr lang="en-US" sz="2300" dirty="0">
+                <a:solidFill>
+                  <a:schemeClr val="tx1"/>
+                </a:solidFill>
+                <a:latin typeface="Arial" panose="020B0604020202020204" pitchFamily="34" charset="0"/>
+                <a:cs typeface="Arial" panose="020B0604020202020204" pitchFamily="34" charset="0"/>
+              </a:rPr>
+              <a:t> 1 file .</a:t>
+            </a:r>
+            <a:r>
+              <a:rPr lang="en-US" sz="2300" dirty="0" err="1">
+                <a:solidFill>
+                  <a:schemeClr val="tx1"/>
+                </a:solidFill>
+                <a:latin typeface="Arial" panose="020B0604020202020204" pitchFamily="34" charset="0"/>
+                <a:cs typeface="Arial" panose="020B0604020202020204" pitchFamily="34" charset="0"/>
+              </a:rPr>
+              <a:t>js</a:t>
+            </a:r>
+            <a:endParaRPr lang="en-US" sz="2300" dirty="0">
+              <a:solidFill>
+                <a:schemeClr val="tx1"/>
+              </a:solidFill>
+              <a:latin typeface="Arial" panose="020B0604020202020204" pitchFamily="34" charset="0"/>
+              <a:cs typeface="Arial" panose="020B0604020202020204" pitchFamily="34" charset="0"/>
+            </a:endParaRPr>
+          </a:p>
+          <a:p>
+            <a:pPr algn="l"/>
+            <a:r>
+              <a:rPr lang="en-US" sz="2300" dirty="0">
+                <a:solidFill>
+                  <a:schemeClr val="tx1"/>
+                </a:solidFill>
+                <a:latin typeface="Arial" panose="020B0604020202020204" pitchFamily="34" charset="0"/>
+                <a:cs typeface="Arial" panose="020B0604020202020204" pitchFamily="34" charset="0"/>
+              </a:rPr>
+              <a:t>let y = 10 //</a:t>
+            </a:r>
+            <a:r>
+              <a:rPr lang="en-US" sz="2300" dirty="0" err="1">
+                <a:solidFill>
+                  <a:schemeClr val="tx1"/>
+                </a:solidFill>
+                <a:latin typeface="Arial" panose="020B0604020202020204" pitchFamily="34" charset="0"/>
+                <a:cs typeface="Arial" panose="020B0604020202020204" pitchFamily="34" charset="0"/>
+              </a:rPr>
+              <a:t>Phạm</a:t>
+            </a:r>
+            <a:r>
+              <a:rPr lang="en-US" sz="2300" dirty="0">
+                <a:solidFill>
+                  <a:schemeClr val="tx1"/>
+                </a:solidFill>
+                <a:latin typeface="Arial" panose="020B0604020202020204" pitchFamily="34" charset="0"/>
+                <a:cs typeface="Arial" panose="020B0604020202020204" pitchFamily="34" charset="0"/>
+              </a:rPr>
+              <a:t> vi </a:t>
+            </a:r>
+            <a:r>
+              <a:rPr lang="en-US" sz="2300" dirty="0" err="1">
+                <a:solidFill>
+                  <a:schemeClr val="tx1"/>
+                </a:solidFill>
+                <a:latin typeface="Arial" panose="020B0604020202020204" pitchFamily="34" charset="0"/>
+                <a:cs typeface="Arial" panose="020B0604020202020204" pitchFamily="34" charset="0"/>
+              </a:rPr>
+              <a:t>tác</a:t>
+            </a:r>
+            <a:r>
+              <a:rPr lang="en-US" sz="2300" dirty="0">
+                <a:solidFill>
+                  <a:schemeClr val="tx1"/>
+                </a:solidFill>
+                <a:latin typeface="Arial" panose="020B0604020202020204" pitchFamily="34" charset="0"/>
+                <a:cs typeface="Arial" panose="020B0604020202020204" pitchFamily="34" charset="0"/>
+              </a:rPr>
+              <a:t> </a:t>
+            </a:r>
+            <a:r>
+              <a:rPr lang="en-US" sz="2300" dirty="0" err="1">
+                <a:solidFill>
+                  <a:schemeClr val="tx1"/>
+                </a:solidFill>
+                <a:latin typeface="Arial" panose="020B0604020202020204" pitchFamily="34" charset="0"/>
+                <a:cs typeface="Arial" panose="020B0604020202020204" pitchFamily="34" charset="0"/>
+              </a:rPr>
+              <a:t>dụng</a:t>
+            </a:r>
+            <a:r>
+              <a:rPr lang="en-US" sz="2300" dirty="0">
+                <a:solidFill>
+                  <a:schemeClr val="tx1"/>
+                </a:solidFill>
+                <a:latin typeface="Arial" panose="020B0604020202020204" pitchFamily="34" charset="0"/>
+                <a:cs typeface="Arial" panose="020B0604020202020204" pitchFamily="34" charset="0"/>
+              </a:rPr>
+              <a:t> </a:t>
+            </a:r>
+            <a:r>
+              <a:rPr lang="en-US" sz="2300" dirty="0" err="1">
+                <a:solidFill>
+                  <a:schemeClr val="tx1"/>
+                </a:solidFill>
+                <a:latin typeface="Arial" panose="020B0604020202020204" pitchFamily="34" charset="0"/>
+                <a:cs typeface="Arial" panose="020B0604020202020204" pitchFamily="34" charset="0"/>
+              </a:rPr>
+              <a:t>trong</a:t>
+            </a:r>
+            <a:r>
+              <a:rPr lang="en-US" sz="2300" dirty="0">
+                <a:solidFill>
+                  <a:schemeClr val="tx1"/>
+                </a:solidFill>
+                <a:latin typeface="Arial" panose="020B0604020202020204" pitchFamily="34" charset="0"/>
+                <a:cs typeface="Arial" panose="020B0604020202020204" pitchFamily="34" charset="0"/>
+              </a:rPr>
+              <a:t> 1 </a:t>
+            </a:r>
+            <a:r>
+              <a:rPr lang="en-US" sz="2300" dirty="0" err="1">
+                <a:solidFill>
+                  <a:schemeClr val="tx1"/>
+                </a:solidFill>
+                <a:latin typeface="Arial" panose="020B0604020202020204" pitchFamily="34" charset="0"/>
+                <a:cs typeface="Arial" panose="020B0604020202020204" pitchFamily="34" charset="0"/>
+              </a:rPr>
+              <a:t>khối</a:t>
+            </a:r>
+            <a:r>
+              <a:rPr lang="en-US" sz="2300" dirty="0">
+                <a:solidFill>
+                  <a:schemeClr val="tx1"/>
+                </a:solidFill>
+                <a:latin typeface="Arial" panose="020B0604020202020204" pitchFamily="34" charset="0"/>
+                <a:cs typeface="Arial" panose="020B0604020202020204" pitchFamily="34" charset="0"/>
+              </a:rPr>
+              <a:t> </a:t>
+            </a:r>
+            <a:r>
+              <a:rPr lang="en-US" sz="2300" dirty="0" err="1">
+                <a:solidFill>
+                  <a:schemeClr val="tx1"/>
+                </a:solidFill>
+                <a:latin typeface="Arial" panose="020B0604020202020204" pitchFamily="34" charset="0"/>
+                <a:cs typeface="Arial" panose="020B0604020202020204" pitchFamily="34" charset="0"/>
+              </a:rPr>
+              <a:t>lệnh</a:t>
+            </a:r>
+            <a:r>
+              <a:rPr lang="en-US" sz="2300" dirty="0">
+                <a:solidFill>
+                  <a:schemeClr val="tx1"/>
+                </a:solidFill>
+                <a:latin typeface="Arial" panose="020B0604020202020204" pitchFamily="34" charset="0"/>
+                <a:cs typeface="Arial" panose="020B0604020202020204" pitchFamily="34" charset="0"/>
+              </a:rPr>
+              <a:t> {…}</a:t>
+            </a:r>
+          </a:p>
+          <a:p>
+            <a:pPr algn="l"/>
+            <a:r>
+              <a:rPr lang="en-US" sz="2300" dirty="0">
+                <a:solidFill>
+                  <a:schemeClr val="tx1"/>
+                </a:solidFill>
+                <a:latin typeface="Arial" panose="020B0604020202020204" pitchFamily="34" charset="0"/>
+                <a:cs typeface="Arial" panose="020B0604020202020204" pitchFamily="34" charset="0"/>
+              </a:rPr>
+              <a:t>const PI = 3.14</a:t>
+            </a:r>
+          </a:p>
+          <a:p>
+            <a:pPr algn="l"/>
+            <a:r>
+              <a:rPr lang="en-US" sz="2300" dirty="0">
+                <a:solidFill>
+                  <a:schemeClr val="tx1"/>
+                </a:solidFill>
+                <a:latin typeface="Arial" panose="020B0604020202020204" pitchFamily="34" charset="0"/>
+                <a:cs typeface="Arial" panose="020B0604020202020204" pitchFamily="34" charset="0"/>
+              </a:rPr>
+              <a:t>const </a:t>
+            </a:r>
+            <a:r>
+              <a:rPr lang="en-US" sz="2300" dirty="0" err="1">
+                <a:solidFill>
+                  <a:schemeClr val="tx1"/>
+                </a:solidFill>
+                <a:latin typeface="Arial" panose="020B0604020202020204" pitchFamily="34" charset="0"/>
+                <a:cs typeface="Arial" panose="020B0604020202020204" pitchFamily="34" charset="0"/>
+              </a:rPr>
+              <a:t>functionA</a:t>
+            </a:r>
+            <a:r>
+              <a:rPr lang="en-US" sz="2300" dirty="0">
+                <a:solidFill>
+                  <a:schemeClr val="tx1"/>
+                </a:solidFill>
+                <a:latin typeface="Arial" panose="020B0604020202020204" pitchFamily="34" charset="0"/>
+                <a:cs typeface="Arial" panose="020B0604020202020204" pitchFamily="34" charset="0"/>
+              </a:rPr>
+              <a:t> = (x) =&gt; x*x</a:t>
+            </a:r>
+          </a:p>
+          <a:p>
+            <a:pPr algn="l"/>
+            <a:r>
+              <a:rPr lang="en-US" sz="2300" dirty="0" err="1">
+                <a:solidFill>
+                  <a:schemeClr val="tx1"/>
+                </a:solidFill>
+                <a:latin typeface="Arial" panose="020B0604020202020204" pitchFamily="34" charset="0"/>
+                <a:cs typeface="Arial" panose="020B0604020202020204" pitchFamily="34" charset="0"/>
+              </a:rPr>
+              <a:t>Hiện</a:t>
+            </a:r>
+            <a:r>
+              <a:rPr lang="en-US" sz="2300" dirty="0">
+                <a:solidFill>
+                  <a:schemeClr val="tx1"/>
+                </a:solidFill>
+                <a:latin typeface="Arial" panose="020B0604020202020204" pitchFamily="34" charset="0"/>
+                <a:cs typeface="Arial" panose="020B0604020202020204" pitchFamily="34" charset="0"/>
+              </a:rPr>
+              <a:t> </a:t>
+            </a:r>
+            <a:r>
+              <a:rPr lang="en-US" sz="2300" dirty="0" err="1">
+                <a:solidFill>
+                  <a:schemeClr val="tx1"/>
+                </a:solidFill>
+                <a:latin typeface="Arial" panose="020B0604020202020204" pitchFamily="34" charset="0"/>
+                <a:cs typeface="Arial" panose="020B0604020202020204" pitchFamily="34" charset="0"/>
+              </a:rPr>
+              <a:t>giá</a:t>
+            </a:r>
+            <a:r>
+              <a:rPr lang="en-US" sz="2300" dirty="0">
+                <a:solidFill>
+                  <a:schemeClr val="tx1"/>
+                </a:solidFill>
+                <a:latin typeface="Arial" panose="020B0604020202020204" pitchFamily="34" charset="0"/>
+                <a:cs typeface="Arial" panose="020B0604020202020204" pitchFamily="34" charset="0"/>
+              </a:rPr>
+              <a:t> </a:t>
+            </a:r>
+            <a:r>
+              <a:rPr lang="en-US" sz="2300" dirty="0" err="1">
+                <a:solidFill>
+                  <a:schemeClr val="tx1"/>
+                </a:solidFill>
+                <a:latin typeface="Arial" panose="020B0604020202020204" pitchFamily="34" charset="0"/>
+                <a:cs typeface="Arial" panose="020B0604020202020204" pitchFamily="34" charset="0"/>
+              </a:rPr>
+              <a:t>trị</a:t>
+            </a:r>
+            <a:r>
+              <a:rPr lang="en-US" sz="2300" dirty="0">
+                <a:solidFill>
+                  <a:schemeClr val="tx1"/>
+                </a:solidFill>
+                <a:latin typeface="Arial" panose="020B0604020202020204" pitchFamily="34" charset="0"/>
+                <a:cs typeface="Arial" panose="020B0604020202020204" pitchFamily="34" charset="0"/>
+              </a:rPr>
+              <a:t> </a:t>
+            </a:r>
+            <a:r>
+              <a:rPr lang="en-US" sz="2300" dirty="0" err="1">
+                <a:solidFill>
+                  <a:schemeClr val="tx1"/>
+                </a:solidFill>
+                <a:latin typeface="Arial" panose="020B0604020202020204" pitchFamily="34" charset="0"/>
+                <a:cs typeface="Arial" panose="020B0604020202020204" pitchFamily="34" charset="0"/>
+              </a:rPr>
+              <a:t>của</a:t>
+            </a:r>
+            <a:r>
+              <a:rPr lang="en-US" sz="2300" dirty="0">
+                <a:solidFill>
+                  <a:schemeClr val="tx1"/>
+                </a:solidFill>
+                <a:latin typeface="Arial" panose="020B0604020202020204" pitchFamily="34" charset="0"/>
+                <a:cs typeface="Arial" panose="020B0604020202020204" pitchFamily="34" charset="0"/>
+              </a:rPr>
+              <a:t> </a:t>
+            </a:r>
+            <a:r>
+              <a:rPr lang="en-US" sz="2300" dirty="0" err="1">
+                <a:solidFill>
+                  <a:schemeClr val="tx1"/>
+                </a:solidFill>
+                <a:latin typeface="Arial" panose="020B0604020202020204" pitchFamily="34" charset="0"/>
+                <a:cs typeface="Arial" panose="020B0604020202020204" pitchFamily="34" charset="0"/>
+              </a:rPr>
+              <a:t>biến</a:t>
+            </a:r>
+            <a:r>
+              <a:rPr lang="en-US" sz="2300" dirty="0">
+                <a:solidFill>
+                  <a:schemeClr val="tx1"/>
+                </a:solidFill>
+                <a:latin typeface="Arial" panose="020B0604020202020204" pitchFamily="34" charset="0"/>
+                <a:cs typeface="Arial" panose="020B0604020202020204" pitchFamily="34" charset="0"/>
+              </a:rPr>
+              <a:t> </a:t>
+            </a:r>
+            <a:r>
+              <a:rPr lang="en-US" sz="2300" dirty="0" err="1">
+                <a:solidFill>
+                  <a:schemeClr val="tx1"/>
+                </a:solidFill>
+                <a:latin typeface="Arial" panose="020B0604020202020204" pitchFamily="34" charset="0"/>
+                <a:cs typeface="Arial" panose="020B0604020202020204" pitchFamily="34" charset="0"/>
+              </a:rPr>
+              <a:t>trong</a:t>
+            </a:r>
+            <a:r>
+              <a:rPr lang="en-US" sz="2300" dirty="0">
+                <a:solidFill>
+                  <a:schemeClr val="tx1"/>
+                </a:solidFill>
+                <a:latin typeface="Arial" panose="020B0604020202020204" pitchFamily="34" charset="0"/>
+                <a:cs typeface="Arial" panose="020B0604020202020204" pitchFamily="34" charset="0"/>
+              </a:rPr>
+              <a:t> 1 string(String Template):</a:t>
+            </a:r>
+          </a:p>
+          <a:p>
+            <a:pPr algn="l"/>
+            <a:r>
+              <a:rPr lang="en-US" sz="2300" dirty="0">
+                <a:solidFill>
+                  <a:schemeClr val="tx1"/>
+                </a:solidFill>
+                <a:latin typeface="Arial" panose="020B0604020202020204" pitchFamily="34" charset="0"/>
+                <a:cs typeface="Arial" panose="020B0604020202020204" pitchFamily="34" charset="0"/>
+              </a:rPr>
+              <a:t>console.log(`</a:t>
+            </a:r>
+            <a:r>
+              <a:rPr lang="en-US" sz="2300" dirty="0" err="1">
+                <a:solidFill>
+                  <a:schemeClr val="tx1"/>
+                </a:solidFill>
+                <a:latin typeface="Arial" panose="020B0604020202020204" pitchFamily="34" charset="0"/>
+                <a:cs typeface="Arial" panose="020B0604020202020204" pitchFamily="34" charset="0"/>
+              </a:rPr>
+              <a:t>Giá</a:t>
+            </a:r>
+            <a:r>
+              <a:rPr lang="en-US" sz="2300" dirty="0">
+                <a:solidFill>
+                  <a:schemeClr val="tx1"/>
+                </a:solidFill>
+                <a:latin typeface="Arial" panose="020B0604020202020204" pitchFamily="34" charset="0"/>
+                <a:cs typeface="Arial" panose="020B0604020202020204" pitchFamily="34" charset="0"/>
+              </a:rPr>
+              <a:t> </a:t>
+            </a:r>
+            <a:r>
+              <a:rPr lang="en-US" sz="2300" dirty="0" err="1">
+                <a:solidFill>
+                  <a:schemeClr val="tx1"/>
+                </a:solidFill>
+                <a:latin typeface="Arial" panose="020B0604020202020204" pitchFamily="34" charset="0"/>
+                <a:cs typeface="Arial" panose="020B0604020202020204" pitchFamily="34" charset="0"/>
+              </a:rPr>
+              <a:t>trị</a:t>
+            </a:r>
+            <a:r>
+              <a:rPr lang="en-US" sz="2300" dirty="0">
+                <a:solidFill>
+                  <a:schemeClr val="tx1"/>
+                </a:solidFill>
+                <a:latin typeface="Arial" panose="020B0604020202020204" pitchFamily="34" charset="0"/>
+                <a:cs typeface="Arial" panose="020B0604020202020204" pitchFamily="34" charset="0"/>
+              </a:rPr>
+              <a:t> </a:t>
+            </a:r>
+            <a:r>
+              <a:rPr lang="en-US" sz="2300" dirty="0" err="1">
+                <a:solidFill>
+                  <a:schemeClr val="tx1"/>
+                </a:solidFill>
+                <a:latin typeface="Arial" panose="020B0604020202020204" pitchFamily="34" charset="0"/>
+                <a:cs typeface="Arial" panose="020B0604020202020204" pitchFamily="34" charset="0"/>
+              </a:rPr>
+              <a:t>của</a:t>
+            </a:r>
+            <a:r>
+              <a:rPr lang="en-US" sz="2300" dirty="0">
+                <a:solidFill>
+                  <a:schemeClr val="tx1"/>
+                </a:solidFill>
+                <a:latin typeface="Arial" panose="020B0604020202020204" pitchFamily="34" charset="0"/>
+                <a:cs typeface="Arial" panose="020B0604020202020204" pitchFamily="34" charset="0"/>
+              </a:rPr>
+              <a:t> x = ${x}`)</a:t>
+            </a:r>
+          </a:p>
+          <a:p>
+            <a:pPr algn="l"/>
+            <a:r>
+              <a:rPr lang="en-US" sz="2300" dirty="0" err="1">
+                <a:solidFill>
+                  <a:schemeClr val="tx1"/>
+                </a:solidFill>
+                <a:latin typeface="Arial" panose="020B0604020202020204" pitchFamily="34" charset="0"/>
+                <a:cs typeface="Arial" panose="020B0604020202020204" pitchFamily="34" charset="0"/>
+              </a:rPr>
+              <a:t>Hoặc</a:t>
+            </a:r>
+            <a:r>
+              <a:rPr lang="en-US" sz="2300" dirty="0">
+                <a:solidFill>
+                  <a:schemeClr val="tx1"/>
+                </a:solidFill>
+                <a:latin typeface="Arial" panose="020B0604020202020204" pitchFamily="34" charset="0"/>
+                <a:cs typeface="Arial" panose="020B0604020202020204" pitchFamily="34" charset="0"/>
+              </a:rPr>
+              <a:t>:</a:t>
+            </a:r>
+          </a:p>
+          <a:p>
+            <a:pPr algn="l"/>
+            <a:r>
+              <a:rPr lang="en-US" sz="2300" dirty="0">
+                <a:solidFill>
+                  <a:schemeClr val="tx1"/>
+                </a:solidFill>
+                <a:latin typeface="Arial" panose="020B0604020202020204" pitchFamily="34" charset="0"/>
+                <a:cs typeface="Arial" panose="020B0604020202020204" pitchFamily="34" charset="0"/>
+              </a:rPr>
+              <a:t>alert(`</a:t>
+            </a:r>
+            <a:r>
+              <a:rPr lang="en-US" sz="2300" dirty="0" err="1">
+                <a:solidFill>
+                  <a:schemeClr val="tx1"/>
+                </a:solidFill>
+                <a:latin typeface="Arial" panose="020B0604020202020204" pitchFamily="34" charset="0"/>
+                <a:cs typeface="Arial" panose="020B0604020202020204" pitchFamily="34" charset="0"/>
+              </a:rPr>
+              <a:t>Giá</a:t>
+            </a:r>
+            <a:r>
+              <a:rPr lang="en-US" sz="2300" dirty="0">
+                <a:solidFill>
+                  <a:schemeClr val="tx1"/>
+                </a:solidFill>
+                <a:latin typeface="Arial" panose="020B0604020202020204" pitchFamily="34" charset="0"/>
+                <a:cs typeface="Arial" panose="020B0604020202020204" pitchFamily="34" charset="0"/>
+              </a:rPr>
+              <a:t> </a:t>
+            </a:r>
+            <a:r>
+              <a:rPr lang="en-US" sz="2300" dirty="0" err="1">
+                <a:solidFill>
+                  <a:schemeClr val="tx1"/>
+                </a:solidFill>
+                <a:latin typeface="Arial" panose="020B0604020202020204" pitchFamily="34" charset="0"/>
+                <a:cs typeface="Arial" panose="020B0604020202020204" pitchFamily="34" charset="0"/>
+              </a:rPr>
+              <a:t>trị</a:t>
+            </a:r>
+            <a:r>
+              <a:rPr lang="en-US" sz="2300" dirty="0">
+                <a:solidFill>
+                  <a:schemeClr val="tx1"/>
+                </a:solidFill>
+                <a:latin typeface="Arial" panose="020B0604020202020204" pitchFamily="34" charset="0"/>
+                <a:cs typeface="Arial" panose="020B0604020202020204" pitchFamily="34" charset="0"/>
+              </a:rPr>
+              <a:t> </a:t>
+            </a:r>
+            <a:r>
+              <a:rPr lang="en-US" sz="2300" dirty="0" err="1">
+                <a:solidFill>
+                  <a:schemeClr val="tx1"/>
+                </a:solidFill>
+                <a:latin typeface="Arial" panose="020B0604020202020204" pitchFamily="34" charset="0"/>
+                <a:cs typeface="Arial" panose="020B0604020202020204" pitchFamily="34" charset="0"/>
+              </a:rPr>
+              <a:t>của</a:t>
+            </a:r>
+            <a:r>
+              <a:rPr lang="en-US" sz="2300" dirty="0">
+                <a:solidFill>
+                  <a:schemeClr val="tx1"/>
+                </a:solidFill>
+                <a:latin typeface="Arial" panose="020B0604020202020204" pitchFamily="34" charset="0"/>
+                <a:cs typeface="Arial" panose="020B0604020202020204" pitchFamily="34" charset="0"/>
+              </a:rPr>
+              <a:t> x = ${x}`)</a:t>
             </a:r>
           </a:p>
           <a:p>
@@ -13203,7 +14637,1056 @@
     </p:spTree>
     <p:extLst>
       <p:ext uri="{BB962C8B-B14F-4D97-AF65-F5344CB8AC3E}">
-        <p14:creationId xmlns:p14="http://schemas.microsoft.com/office/powerpoint/2010/main" val="1792864276"/>
+        <p14:creationId xmlns:p14="http://schemas.microsoft.com/office/powerpoint/2010/main" val="1368934237"/>
+      </p:ext>
+    </p:extLst>
+  </p:cSld>
+  <p:clrMapOvr>
+    <a:masterClrMapping/>
+  </p:clrMapOvr>
+</p:sld>
+</file>
+
+<file path=ppt/slides/slide9.xml><?xml version="1.0" encoding="utf-8"?>
+<p:sld xmlns:a="http://schemas.openxmlformats.org/drawingml/2006/main" xmlns:r="http://schemas.openxmlformats.org/officeDocument/2006/relationships" xmlns:p="http://schemas.openxmlformats.org/presentationml/2006/main">
+  <p:cSld>
+    <p:spTree>
+      <p:nvGrpSpPr>
+        <p:cNvPr id="1" name=""/>
+        <p:cNvGrpSpPr/>
+        <p:nvPr/>
+      </p:nvGrpSpPr>
+      <p:grpSpPr>
+        <a:xfrm>
+          <a:off x="0" y="0"/>
+          <a:ext cx="0" cy="0"/>
+          <a:chOff x="0" y="0"/>
+          <a:chExt cx="0" cy="0"/>
+        </a:xfrm>
+      </p:grpSpPr>
+      <p:sp>
+        <p:nvSpPr>
+          <p:cNvPr id="2" name="Title 1"/>
+          <p:cNvSpPr>
+            <a:spLocks noGrp="1"/>
+          </p:cNvSpPr>
+          <p:nvPr>
+            <p:ph type="ctrTitle"/>
+          </p:nvPr>
+        </p:nvSpPr>
+        <p:spPr>
+          <a:xfrm>
+            <a:off x="0" y="63969"/>
+            <a:ext cx="12192000" cy="836132"/>
+          </a:xfrm>
+        </p:spPr>
+        <p:txBody>
+          <a:bodyPr/>
+          <a:lstStyle/>
+          <a:p>
+            <a:pPr algn="ctr"/>
+            <a:r>
+              <a:rPr lang="en-US" sz="4000" b="1" dirty="0" err="1">
+                <a:solidFill>
+                  <a:schemeClr val="tx1"/>
+                </a:solidFill>
+                <a:latin typeface="Arial" panose="020B0604020202020204" pitchFamily="34" charset="0"/>
+                <a:cs typeface="Arial" panose="020B0604020202020204" pitchFamily="34" charset="0"/>
+              </a:rPr>
+              <a:t>Javascript</a:t>
+            </a:r>
+            <a:r>
+              <a:rPr lang="en-US" sz="4000" b="1" dirty="0">
+                <a:solidFill>
+                  <a:schemeClr val="tx1"/>
+                </a:solidFill>
+                <a:latin typeface="Arial" panose="020B0604020202020204" pitchFamily="34" charset="0"/>
+                <a:cs typeface="Arial" panose="020B0604020202020204" pitchFamily="34" charset="0"/>
+              </a:rPr>
+              <a:t> ECMAScript 6,7</a:t>
+            </a:r>
+            <a:endParaRPr lang="en-US" sz="4000" dirty="0">
+              <a:solidFill>
+                <a:schemeClr val="tx1"/>
+              </a:solidFill>
+              <a:latin typeface="Arial" panose="020B0604020202020204" pitchFamily="34" charset="0"/>
+              <a:cs typeface="Arial" panose="020B0604020202020204" pitchFamily="34" charset="0"/>
+            </a:endParaRPr>
+          </a:p>
+        </p:txBody>
+      </p:sp>
+      <p:sp>
+        <p:nvSpPr>
+          <p:cNvPr id="3" name="Subtitle 2"/>
+          <p:cNvSpPr>
+            <a:spLocks noGrp="1"/>
+          </p:cNvSpPr>
+          <p:nvPr>
+            <p:ph type="subTitle" idx="1"/>
+          </p:nvPr>
+        </p:nvSpPr>
+        <p:spPr>
+          <a:xfrm>
+            <a:off x="572202" y="1184856"/>
+            <a:ext cx="11012068" cy="4592619"/>
+          </a:xfrm>
+        </p:spPr>
+        <p:txBody>
+          <a:bodyPr>
+            <a:noAutofit/>
+          </a:bodyPr>
+          <a:lstStyle/>
+          <a:p>
+            <a:pPr algn="l"/>
+            <a:r>
+              <a:rPr lang="en-US" sz="2300" dirty="0" err="1">
+                <a:solidFill>
+                  <a:schemeClr val="tx1"/>
+                </a:solidFill>
+                <a:latin typeface="Arial" panose="020B0604020202020204" pitchFamily="34" charset="0"/>
+                <a:cs typeface="Arial" panose="020B0604020202020204" pitchFamily="34" charset="0"/>
+              </a:rPr>
+              <a:t>Đối</a:t>
+            </a:r>
+            <a:r>
+              <a:rPr lang="en-US" sz="2300" dirty="0">
+                <a:solidFill>
+                  <a:schemeClr val="tx1"/>
+                </a:solidFill>
+                <a:latin typeface="Arial" panose="020B0604020202020204" pitchFamily="34" charset="0"/>
+                <a:cs typeface="Arial" panose="020B0604020202020204" pitchFamily="34" charset="0"/>
+              </a:rPr>
+              <a:t> t</a:t>
+            </a:r>
+            <a:r>
+              <a:rPr lang="vi-VN" sz="2300" dirty="0">
+                <a:solidFill>
+                  <a:schemeClr val="tx1"/>
+                </a:solidFill>
+                <a:latin typeface="Arial" panose="020B0604020202020204" pitchFamily="34" charset="0"/>
+                <a:cs typeface="Arial" panose="020B0604020202020204" pitchFamily="34" charset="0"/>
+              </a:rPr>
+              <a:t>ư</a:t>
+            </a:r>
+            <a:r>
+              <a:rPr lang="en-US" sz="2300" dirty="0" err="1">
+                <a:solidFill>
+                  <a:schemeClr val="tx1"/>
+                </a:solidFill>
+                <a:latin typeface="Arial" panose="020B0604020202020204" pitchFamily="34" charset="0"/>
+                <a:cs typeface="Arial" panose="020B0604020202020204" pitchFamily="34" charset="0"/>
+              </a:rPr>
+              <a:t>ợng</a:t>
+            </a:r>
+            <a:r>
+              <a:rPr lang="en-US" sz="2300" dirty="0">
+                <a:solidFill>
+                  <a:schemeClr val="tx1"/>
+                </a:solidFill>
+                <a:latin typeface="Arial" panose="020B0604020202020204" pitchFamily="34" charset="0"/>
+                <a:cs typeface="Arial" panose="020B0604020202020204" pitchFamily="34" charset="0"/>
+              </a:rPr>
+              <a:t>(object) </a:t>
+            </a:r>
+            <a:r>
+              <a:rPr lang="en-US" sz="2300" dirty="0" err="1">
+                <a:solidFill>
+                  <a:schemeClr val="tx1"/>
+                </a:solidFill>
+                <a:latin typeface="Arial" panose="020B0604020202020204" pitchFamily="34" charset="0"/>
+                <a:cs typeface="Arial" panose="020B0604020202020204" pitchFamily="34" charset="0"/>
+              </a:rPr>
+              <a:t>trong</a:t>
+            </a:r>
+            <a:r>
+              <a:rPr lang="en-US" sz="2300" dirty="0">
+                <a:solidFill>
+                  <a:schemeClr val="tx1"/>
+                </a:solidFill>
+                <a:latin typeface="Arial" panose="020B0604020202020204" pitchFamily="34" charset="0"/>
+                <a:cs typeface="Arial" panose="020B0604020202020204" pitchFamily="34" charset="0"/>
+              </a:rPr>
+              <a:t> </a:t>
+            </a:r>
+            <a:r>
+              <a:rPr lang="en-US" sz="2300" dirty="0" err="1">
+                <a:solidFill>
+                  <a:schemeClr val="tx1"/>
+                </a:solidFill>
+                <a:latin typeface="Arial" panose="020B0604020202020204" pitchFamily="34" charset="0"/>
+                <a:cs typeface="Arial" panose="020B0604020202020204" pitchFamily="34" charset="0"/>
+              </a:rPr>
+              <a:t>Javascript</a:t>
+            </a:r>
+            <a:r>
+              <a:rPr lang="en-US" sz="2300" dirty="0">
+                <a:solidFill>
+                  <a:schemeClr val="tx1"/>
+                </a:solidFill>
+                <a:latin typeface="Arial" panose="020B0604020202020204" pitchFamily="34" charset="0"/>
+                <a:cs typeface="Arial" panose="020B0604020202020204" pitchFamily="34" charset="0"/>
+              </a:rPr>
+              <a:t>:</a:t>
+            </a:r>
+          </a:p>
+          <a:p>
+            <a:pPr algn="l"/>
+            <a:r>
+              <a:rPr lang="en-US" sz="2300" dirty="0">
+                <a:solidFill>
+                  <a:schemeClr val="tx1"/>
+                </a:solidFill>
+                <a:latin typeface="Arial" panose="020B0604020202020204" pitchFamily="34" charset="0"/>
+                <a:cs typeface="Arial" panose="020B0604020202020204" pitchFamily="34" charset="0"/>
+              </a:rPr>
+              <a:t>let person = {name: “Hoang”, email: “hoang@gmail.com”}</a:t>
+            </a:r>
+          </a:p>
+          <a:p>
+            <a:pPr algn="l"/>
+            <a:r>
+              <a:rPr lang="en-US" sz="2300" dirty="0" err="1">
+                <a:solidFill>
+                  <a:schemeClr val="tx1"/>
+                </a:solidFill>
+                <a:latin typeface="Arial" panose="020B0604020202020204" pitchFamily="34" charset="0"/>
+                <a:cs typeface="Arial" panose="020B0604020202020204" pitchFamily="34" charset="0"/>
+              </a:rPr>
+              <a:t>Đối</a:t>
+            </a:r>
+            <a:r>
+              <a:rPr lang="en-US" sz="2300" dirty="0">
+                <a:solidFill>
+                  <a:schemeClr val="tx1"/>
+                </a:solidFill>
+                <a:latin typeface="Arial" panose="020B0604020202020204" pitchFamily="34" charset="0"/>
+                <a:cs typeface="Arial" panose="020B0604020202020204" pitchFamily="34" charset="0"/>
+              </a:rPr>
+              <a:t> t</a:t>
+            </a:r>
+            <a:r>
+              <a:rPr lang="vi-VN" sz="2300" dirty="0">
+                <a:solidFill>
+                  <a:schemeClr val="tx1"/>
+                </a:solidFill>
+                <a:latin typeface="Arial" panose="020B0604020202020204" pitchFamily="34" charset="0"/>
+                <a:cs typeface="Arial" panose="020B0604020202020204" pitchFamily="34" charset="0"/>
+              </a:rPr>
+              <a:t>ư</a:t>
+            </a:r>
+            <a:r>
+              <a:rPr lang="en-US" sz="2300" dirty="0" err="1">
+                <a:solidFill>
+                  <a:schemeClr val="tx1"/>
+                </a:solidFill>
+                <a:latin typeface="Arial" panose="020B0604020202020204" pitchFamily="34" charset="0"/>
+                <a:cs typeface="Arial" panose="020B0604020202020204" pitchFamily="34" charset="0"/>
+              </a:rPr>
+              <a:t>ợng</a:t>
+            </a:r>
+            <a:r>
+              <a:rPr lang="en-US" sz="2300" dirty="0">
+                <a:solidFill>
+                  <a:schemeClr val="tx1"/>
+                </a:solidFill>
+                <a:latin typeface="Arial" panose="020B0604020202020204" pitchFamily="34" charset="0"/>
+                <a:cs typeface="Arial" panose="020B0604020202020204" pitchFamily="34" charset="0"/>
+              </a:rPr>
+              <a:t> đ</a:t>
+            </a:r>
+            <a:r>
+              <a:rPr lang="vi-VN" sz="2300" dirty="0">
+                <a:solidFill>
+                  <a:schemeClr val="tx1"/>
+                </a:solidFill>
+                <a:latin typeface="Arial" panose="020B0604020202020204" pitchFamily="34" charset="0"/>
+                <a:cs typeface="Arial" panose="020B0604020202020204" pitchFamily="34" charset="0"/>
+              </a:rPr>
+              <a:t>ư</a:t>
+            </a:r>
+            <a:r>
+              <a:rPr lang="en-US" sz="2300" dirty="0" err="1">
+                <a:solidFill>
+                  <a:schemeClr val="tx1"/>
+                </a:solidFill>
+                <a:latin typeface="Arial" panose="020B0604020202020204" pitchFamily="34" charset="0"/>
+                <a:cs typeface="Arial" panose="020B0604020202020204" pitchFamily="34" charset="0"/>
+              </a:rPr>
+              <a:t>ợc</a:t>
+            </a:r>
+            <a:r>
+              <a:rPr lang="en-US" sz="2300" dirty="0">
+                <a:solidFill>
+                  <a:schemeClr val="tx1"/>
+                </a:solidFill>
+                <a:latin typeface="Arial" panose="020B0604020202020204" pitchFamily="34" charset="0"/>
+                <a:cs typeface="Arial" panose="020B0604020202020204" pitchFamily="34" charset="0"/>
+              </a:rPr>
+              <a:t> l</a:t>
+            </a:r>
+            <a:r>
+              <a:rPr lang="vi-VN" sz="2300" dirty="0">
+                <a:solidFill>
+                  <a:schemeClr val="tx1"/>
+                </a:solidFill>
+                <a:latin typeface="Arial" panose="020B0604020202020204" pitchFamily="34" charset="0"/>
+                <a:cs typeface="Arial" panose="020B0604020202020204" pitchFamily="34" charset="0"/>
+              </a:rPr>
+              <a:t>ư</a:t>
+            </a:r>
+            <a:r>
+              <a:rPr lang="en-US" sz="2300" dirty="0">
+                <a:solidFill>
+                  <a:schemeClr val="tx1"/>
+                </a:solidFill>
+                <a:latin typeface="Arial" panose="020B0604020202020204" pitchFamily="34" charset="0"/>
+                <a:cs typeface="Arial" panose="020B0604020202020204" pitchFamily="34" charset="0"/>
+              </a:rPr>
+              <a:t>u d</a:t>
+            </a:r>
+            <a:r>
+              <a:rPr lang="vi-VN" sz="2300" dirty="0">
+                <a:solidFill>
+                  <a:schemeClr val="tx1"/>
+                </a:solidFill>
+                <a:latin typeface="Arial" panose="020B0604020202020204" pitchFamily="34" charset="0"/>
+                <a:cs typeface="Arial" panose="020B0604020202020204" pitchFamily="34" charset="0"/>
+              </a:rPr>
+              <a:t>ư</a:t>
+            </a:r>
+            <a:r>
+              <a:rPr lang="en-US" sz="2300" dirty="0" err="1">
+                <a:solidFill>
+                  <a:schemeClr val="tx1"/>
+                </a:solidFill>
+                <a:latin typeface="Arial" panose="020B0604020202020204" pitchFamily="34" charset="0"/>
+                <a:cs typeface="Arial" panose="020B0604020202020204" pitchFamily="34" charset="0"/>
+              </a:rPr>
+              <a:t>ới</a:t>
+            </a:r>
+            <a:r>
+              <a:rPr lang="en-US" sz="2300" dirty="0">
+                <a:solidFill>
+                  <a:schemeClr val="tx1"/>
+                </a:solidFill>
+                <a:latin typeface="Arial" panose="020B0604020202020204" pitchFamily="34" charset="0"/>
+                <a:cs typeface="Arial" panose="020B0604020202020204" pitchFamily="34" charset="0"/>
+              </a:rPr>
+              <a:t> </a:t>
+            </a:r>
+            <a:r>
+              <a:rPr lang="en-US" sz="2300" dirty="0" err="1">
+                <a:solidFill>
+                  <a:schemeClr val="tx1"/>
+                </a:solidFill>
+                <a:latin typeface="Arial" panose="020B0604020202020204" pitchFamily="34" charset="0"/>
+                <a:cs typeface="Arial" panose="020B0604020202020204" pitchFamily="34" charset="0"/>
+              </a:rPr>
+              <a:t>dạng</a:t>
+            </a:r>
+            <a:r>
+              <a:rPr lang="en-US" sz="2300" dirty="0">
+                <a:solidFill>
+                  <a:schemeClr val="tx1"/>
+                </a:solidFill>
+                <a:latin typeface="Arial" panose="020B0604020202020204" pitchFamily="34" charset="0"/>
+                <a:cs typeface="Arial" panose="020B0604020202020204" pitchFamily="34" charset="0"/>
+              </a:rPr>
+              <a:t> key-value, key </a:t>
+            </a:r>
+            <a:r>
+              <a:rPr lang="en-US" sz="2300" dirty="0" err="1">
+                <a:solidFill>
+                  <a:schemeClr val="tx1"/>
+                </a:solidFill>
+                <a:latin typeface="Arial" panose="020B0604020202020204" pitchFamily="34" charset="0"/>
+                <a:cs typeface="Arial" panose="020B0604020202020204" pitchFamily="34" charset="0"/>
+              </a:rPr>
+              <a:t>có</a:t>
+            </a:r>
+            <a:r>
+              <a:rPr lang="en-US" sz="2300" dirty="0">
+                <a:solidFill>
+                  <a:schemeClr val="tx1"/>
+                </a:solidFill>
+                <a:latin typeface="Arial" panose="020B0604020202020204" pitchFamily="34" charset="0"/>
+                <a:cs typeface="Arial" panose="020B0604020202020204" pitchFamily="34" charset="0"/>
+              </a:rPr>
+              <a:t> </a:t>
+            </a:r>
+            <a:r>
+              <a:rPr lang="en-US" sz="2300" dirty="0" err="1">
+                <a:solidFill>
+                  <a:schemeClr val="tx1"/>
+                </a:solidFill>
+                <a:latin typeface="Arial" panose="020B0604020202020204" pitchFamily="34" charset="0"/>
+                <a:cs typeface="Arial" panose="020B0604020202020204" pitchFamily="34" charset="0"/>
+              </a:rPr>
+              <a:t>thể</a:t>
+            </a:r>
+            <a:r>
+              <a:rPr lang="en-US" sz="2300" dirty="0">
+                <a:solidFill>
+                  <a:schemeClr val="tx1"/>
+                </a:solidFill>
+                <a:latin typeface="Arial" panose="020B0604020202020204" pitchFamily="34" charset="0"/>
+                <a:cs typeface="Arial" panose="020B0604020202020204" pitchFamily="34" charset="0"/>
+              </a:rPr>
+              <a:t> </a:t>
+            </a:r>
+            <a:r>
+              <a:rPr lang="en-US" sz="2300" dirty="0" err="1">
+                <a:solidFill>
+                  <a:schemeClr val="tx1"/>
+                </a:solidFill>
+                <a:latin typeface="Arial" panose="020B0604020202020204" pitchFamily="34" charset="0"/>
+                <a:cs typeface="Arial" panose="020B0604020202020204" pitchFamily="34" charset="0"/>
+              </a:rPr>
+              <a:t>chứa</a:t>
+            </a:r>
+            <a:r>
+              <a:rPr lang="en-US" sz="2300" dirty="0">
+                <a:solidFill>
+                  <a:schemeClr val="tx1"/>
+                </a:solidFill>
+                <a:latin typeface="Arial" panose="020B0604020202020204" pitchFamily="34" charset="0"/>
+                <a:cs typeface="Arial" panose="020B0604020202020204" pitchFamily="34" charset="0"/>
+              </a:rPr>
+              <a:t> string </a:t>
+            </a:r>
+            <a:r>
+              <a:rPr lang="en-US" sz="2300" dirty="0" err="1">
+                <a:solidFill>
+                  <a:schemeClr val="tx1"/>
+                </a:solidFill>
+                <a:latin typeface="Arial" panose="020B0604020202020204" pitchFamily="34" charset="0"/>
+                <a:cs typeface="Arial" panose="020B0604020202020204" pitchFamily="34" charset="0"/>
+              </a:rPr>
+              <a:t>có</a:t>
+            </a:r>
+            <a:r>
+              <a:rPr lang="en-US" sz="2300" dirty="0">
+                <a:solidFill>
+                  <a:schemeClr val="tx1"/>
+                </a:solidFill>
+                <a:latin typeface="Arial" panose="020B0604020202020204" pitchFamily="34" charset="0"/>
+                <a:cs typeface="Arial" panose="020B0604020202020204" pitchFamily="34" charset="0"/>
+              </a:rPr>
+              <a:t> </a:t>
+            </a:r>
+            <a:r>
+              <a:rPr lang="en-US" sz="2300" dirty="0" err="1">
+                <a:solidFill>
+                  <a:schemeClr val="tx1"/>
+                </a:solidFill>
+                <a:latin typeface="Arial" panose="020B0604020202020204" pitchFamily="34" charset="0"/>
+                <a:cs typeface="Arial" panose="020B0604020202020204" pitchFamily="34" charset="0"/>
+              </a:rPr>
+              <a:t>dấu</a:t>
+            </a:r>
+            <a:r>
+              <a:rPr lang="en-US" sz="2300" dirty="0">
+                <a:solidFill>
+                  <a:schemeClr val="tx1"/>
+                </a:solidFill>
+                <a:latin typeface="Arial" panose="020B0604020202020204" pitchFamily="34" charset="0"/>
+                <a:cs typeface="Arial" panose="020B0604020202020204" pitchFamily="34" charset="0"/>
+              </a:rPr>
+              <a:t> </a:t>
+            </a:r>
+            <a:r>
+              <a:rPr lang="en-US" sz="2300" dirty="0" err="1">
+                <a:solidFill>
+                  <a:schemeClr val="tx1"/>
+                </a:solidFill>
+                <a:latin typeface="Arial" panose="020B0604020202020204" pitchFamily="34" charset="0"/>
+                <a:cs typeface="Arial" panose="020B0604020202020204" pitchFamily="34" charset="0"/>
+              </a:rPr>
+              <a:t>cách</a:t>
+            </a:r>
+            <a:r>
+              <a:rPr lang="en-US" sz="2300" dirty="0">
+                <a:solidFill>
+                  <a:schemeClr val="tx1"/>
+                </a:solidFill>
+                <a:latin typeface="Arial" panose="020B0604020202020204" pitchFamily="34" charset="0"/>
+                <a:cs typeface="Arial" panose="020B0604020202020204" pitchFamily="34" charset="0"/>
+              </a:rPr>
+              <a:t>(space), </a:t>
+            </a:r>
+            <a:r>
+              <a:rPr lang="en-US" sz="2300" dirty="0" err="1">
+                <a:solidFill>
+                  <a:schemeClr val="tx1"/>
+                </a:solidFill>
+                <a:latin typeface="Arial" panose="020B0604020202020204" pitchFamily="34" charset="0"/>
+                <a:cs typeface="Arial" panose="020B0604020202020204" pitchFamily="34" charset="0"/>
+              </a:rPr>
+              <a:t>có</a:t>
+            </a:r>
+            <a:r>
+              <a:rPr lang="en-US" sz="2300" dirty="0">
+                <a:solidFill>
+                  <a:schemeClr val="tx1"/>
+                </a:solidFill>
+                <a:latin typeface="Arial" panose="020B0604020202020204" pitchFamily="34" charset="0"/>
+                <a:cs typeface="Arial" panose="020B0604020202020204" pitchFamily="34" charset="0"/>
+              </a:rPr>
+              <a:t> </a:t>
+            </a:r>
+            <a:r>
+              <a:rPr lang="en-US" sz="2300" dirty="0" err="1">
+                <a:solidFill>
+                  <a:schemeClr val="tx1"/>
+                </a:solidFill>
+                <a:latin typeface="Arial" panose="020B0604020202020204" pitchFamily="34" charset="0"/>
+                <a:cs typeface="Arial" panose="020B0604020202020204" pitchFamily="34" charset="0"/>
+              </a:rPr>
+              <a:t>thể</a:t>
+            </a:r>
+            <a:r>
+              <a:rPr lang="en-US" sz="2300" dirty="0">
+                <a:solidFill>
+                  <a:schemeClr val="tx1"/>
+                </a:solidFill>
+                <a:latin typeface="Arial" panose="020B0604020202020204" pitchFamily="34" charset="0"/>
+                <a:cs typeface="Arial" panose="020B0604020202020204" pitchFamily="34" charset="0"/>
+              </a:rPr>
+              <a:t> </a:t>
+            </a:r>
+            <a:r>
+              <a:rPr lang="en-US" sz="2300" dirty="0" err="1">
+                <a:solidFill>
+                  <a:schemeClr val="tx1"/>
+                </a:solidFill>
+                <a:latin typeface="Arial" panose="020B0604020202020204" pitchFamily="34" charset="0"/>
+                <a:cs typeface="Arial" panose="020B0604020202020204" pitchFamily="34" charset="0"/>
+              </a:rPr>
+              <a:t>là</a:t>
+            </a:r>
+            <a:r>
+              <a:rPr lang="en-US" sz="2300" dirty="0">
+                <a:solidFill>
+                  <a:schemeClr val="tx1"/>
+                </a:solidFill>
+                <a:latin typeface="Arial" panose="020B0604020202020204" pitchFamily="34" charset="0"/>
+                <a:cs typeface="Arial" panose="020B0604020202020204" pitchFamily="34" charset="0"/>
+              </a:rPr>
+              <a:t> </a:t>
+            </a:r>
+            <a:r>
+              <a:rPr lang="en-US" sz="2300" dirty="0" err="1">
+                <a:solidFill>
+                  <a:schemeClr val="tx1"/>
+                </a:solidFill>
+                <a:latin typeface="Arial" panose="020B0604020202020204" pitchFamily="34" charset="0"/>
+                <a:cs typeface="Arial" panose="020B0604020202020204" pitchFamily="34" charset="0"/>
+              </a:rPr>
+              <a:t>số</a:t>
+            </a:r>
+            <a:r>
+              <a:rPr lang="en-US" sz="2300" dirty="0">
+                <a:solidFill>
+                  <a:schemeClr val="tx1"/>
+                </a:solidFill>
+                <a:latin typeface="Arial" panose="020B0604020202020204" pitchFamily="34" charset="0"/>
+                <a:cs typeface="Arial" panose="020B0604020202020204" pitchFamily="34" charset="0"/>
+              </a:rPr>
+              <a:t>(number)</a:t>
+            </a:r>
+          </a:p>
+          <a:p>
+            <a:pPr algn="l"/>
+            <a:r>
+              <a:rPr lang="en-US" sz="2300" dirty="0" err="1">
+                <a:solidFill>
+                  <a:schemeClr val="tx1"/>
+                </a:solidFill>
+                <a:latin typeface="Arial" panose="020B0604020202020204" pitchFamily="34" charset="0"/>
+                <a:cs typeface="Arial" panose="020B0604020202020204" pitchFamily="34" charset="0"/>
+              </a:rPr>
+              <a:t>Trích</a:t>
+            </a:r>
+            <a:r>
+              <a:rPr lang="en-US" sz="2300" dirty="0">
+                <a:solidFill>
+                  <a:schemeClr val="tx1"/>
+                </a:solidFill>
+                <a:latin typeface="Arial" panose="020B0604020202020204" pitchFamily="34" charset="0"/>
+                <a:cs typeface="Arial" panose="020B0604020202020204" pitchFamily="34" charset="0"/>
+              </a:rPr>
+              <a:t> </a:t>
+            </a:r>
+            <a:r>
+              <a:rPr lang="en-US" sz="2300" dirty="0" err="1">
+                <a:solidFill>
+                  <a:schemeClr val="tx1"/>
+                </a:solidFill>
+                <a:latin typeface="Arial" panose="020B0604020202020204" pitchFamily="34" charset="0"/>
+                <a:cs typeface="Arial" panose="020B0604020202020204" pitchFamily="34" charset="0"/>
+              </a:rPr>
+              <a:t>xuất</a:t>
+            </a:r>
+            <a:r>
+              <a:rPr lang="en-US" sz="2300" dirty="0">
+                <a:solidFill>
+                  <a:schemeClr val="tx1"/>
+                </a:solidFill>
+                <a:latin typeface="Arial" panose="020B0604020202020204" pitchFamily="34" charset="0"/>
+                <a:cs typeface="Arial" panose="020B0604020202020204" pitchFamily="34" charset="0"/>
+              </a:rPr>
+              <a:t>(</a:t>
+            </a:r>
+            <a:r>
+              <a:rPr lang="en-US" sz="2300" dirty="0" err="1">
+                <a:solidFill>
+                  <a:schemeClr val="tx1"/>
+                </a:solidFill>
+                <a:latin typeface="Arial" panose="020B0604020202020204" pitchFamily="34" charset="0"/>
+                <a:cs typeface="Arial" panose="020B0604020202020204" pitchFamily="34" charset="0"/>
+              </a:rPr>
+              <a:t>destructure</a:t>
+            </a:r>
+            <a:r>
+              <a:rPr lang="en-US" sz="2300" dirty="0">
+                <a:solidFill>
+                  <a:schemeClr val="tx1"/>
+                </a:solidFill>
+                <a:latin typeface="Arial" panose="020B0604020202020204" pitchFamily="34" charset="0"/>
+                <a:cs typeface="Arial" panose="020B0604020202020204" pitchFamily="34" charset="0"/>
+              </a:rPr>
+              <a:t>) </a:t>
+            </a:r>
+            <a:r>
+              <a:rPr lang="en-US" sz="2300" dirty="0" err="1">
+                <a:solidFill>
+                  <a:schemeClr val="tx1"/>
+                </a:solidFill>
+                <a:latin typeface="Arial" panose="020B0604020202020204" pitchFamily="34" charset="0"/>
+                <a:cs typeface="Arial" panose="020B0604020202020204" pitchFamily="34" charset="0"/>
+              </a:rPr>
+              <a:t>các</a:t>
+            </a:r>
+            <a:r>
+              <a:rPr lang="en-US" sz="2300" dirty="0">
+                <a:solidFill>
+                  <a:schemeClr val="tx1"/>
+                </a:solidFill>
+                <a:latin typeface="Arial" panose="020B0604020202020204" pitchFamily="34" charset="0"/>
+                <a:cs typeface="Arial" panose="020B0604020202020204" pitchFamily="34" charset="0"/>
+              </a:rPr>
+              <a:t> </a:t>
+            </a:r>
+            <a:r>
+              <a:rPr lang="en-US" sz="2300" dirty="0" err="1">
+                <a:solidFill>
+                  <a:schemeClr val="tx1"/>
+                </a:solidFill>
+                <a:latin typeface="Arial" panose="020B0604020202020204" pitchFamily="34" charset="0"/>
+                <a:cs typeface="Arial" panose="020B0604020202020204" pitchFamily="34" charset="0"/>
+              </a:rPr>
+              <a:t>thuộc</a:t>
+            </a:r>
+            <a:r>
+              <a:rPr lang="en-US" sz="2300" dirty="0">
+                <a:solidFill>
+                  <a:schemeClr val="tx1"/>
+                </a:solidFill>
+                <a:latin typeface="Arial" panose="020B0604020202020204" pitchFamily="34" charset="0"/>
+                <a:cs typeface="Arial" panose="020B0604020202020204" pitchFamily="34" charset="0"/>
+              </a:rPr>
+              <a:t> </a:t>
+            </a:r>
+            <a:r>
+              <a:rPr lang="en-US" sz="2300" dirty="0" err="1">
+                <a:solidFill>
+                  <a:schemeClr val="tx1"/>
+                </a:solidFill>
+                <a:latin typeface="Arial" panose="020B0604020202020204" pitchFamily="34" charset="0"/>
+                <a:cs typeface="Arial" panose="020B0604020202020204" pitchFamily="34" charset="0"/>
+              </a:rPr>
+              <a:t>tính</a:t>
+            </a:r>
+            <a:r>
+              <a:rPr lang="en-US" sz="2300" dirty="0">
+                <a:solidFill>
+                  <a:schemeClr val="tx1"/>
+                </a:solidFill>
+                <a:latin typeface="Arial" panose="020B0604020202020204" pitchFamily="34" charset="0"/>
+                <a:cs typeface="Arial" panose="020B0604020202020204" pitchFamily="34" charset="0"/>
+              </a:rPr>
+              <a:t> </a:t>
+            </a:r>
+            <a:r>
+              <a:rPr lang="en-US" sz="2300" dirty="0" err="1">
+                <a:solidFill>
+                  <a:schemeClr val="tx1"/>
+                </a:solidFill>
+                <a:latin typeface="Arial" panose="020B0604020202020204" pitchFamily="34" charset="0"/>
+                <a:cs typeface="Arial" panose="020B0604020202020204" pitchFamily="34" charset="0"/>
+              </a:rPr>
+              <a:t>trong</a:t>
+            </a:r>
+            <a:r>
+              <a:rPr lang="en-US" sz="2300" dirty="0">
+                <a:solidFill>
+                  <a:schemeClr val="tx1"/>
+                </a:solidFill>
+                <a:latin typeface="Arial" panose="020B0604020202020204" pitchFamily="34" charset="0"/>
+                <a:cs typeface="Arial" panose="020B0604020202020204" pitchFamily="34" charset="0"/>
+              </a:rPr>
+              <a:t> </a:t>
+            </a:r>
+            <a:r>
+              <a:rPr lang="en-US" sz="2300" dirty="0" err="1">
+                <a:solidFill>
+                  <a:schemeClr val="tx1"/>
+                </a:solidFill>
+                <a:latin typeface="Arial" panose="020B0604020202020204" pitchFamily="34" charset="0"/>
+                <a:cs typeface="Arial" panose="020B0604020202020204" pitchFamily="34" charset="0"/>
+              </a:rPr>
+              <a:t>đối</a:t>
+            </a:r>
+            <a:r>
+              <a:rPr lang="en-US" sz="2300" dirty="0">
+                <a:solidFill>
+                  <a:schemeClr val="tx1"/>
+                </a:solidFill>
+                <a:latin typeface="Arial" panose="020B0604020202020204" pitchFamily="34" charset="0"/>
+                <a:cs typeface="Arial" panose="020B0604020202020204" pitchFamily="34" charset="0"/>
+              </a:rPr>
+              <a:t> t</a:t>
+            </a:r>
+            <a:r>
+              <a:rPr lang="vi-VN" sz="2300" dirty="0">
+                <a:solidFill>
+                  <a:schemeClr val="tx1"/>
+                </a:solidFill>
+                <a:latin typeface="Arial" panose="020B0604020202020204" pitchFamily="34" charset="0"/>
+                <a:cs typeface="Arial" panose="020B0604020202020204" pitchFamily="34" charset="0"/>
+              </a:rPr>
+              <a:t>ư</a:t>
+            </a:r>
+            <a:r>
+              <a:rPr lang="en-US" sz="2300" dirty="0" err="1">
+                <a:solidFill>
+                  <a:schemeClr val="tx1"/>
+                </a:solidFill>
+                <a:latin typeface="Arial" panose="020B0604020202020204" pitchFamily="34" charset="0"/>
+                <a:cs typeface="Arial" panose="020B0604020202020204" pitchFamily="34" charset="0"/>
+              </a:rPr>
+              <a:t>ợng</a:t>
+            </a:r>
+            <a:r>
+              <a:rPr lang="en-US" sz="2300" dirty="0">
+                <a:solidFill>
+                  <a:schemeClr val="tx1"/>
+                </a:solidFill>
+                <a:latin typeface="Arial" panose="020B0604020202020204" pitchFamily="34" charset="0"/>
+                <a:cs typeface="Arial" panose="020B0604020202020204" pitchFamily="34" charset="0"/>
+              </a:rPr>
+              <a:t>:</a:t>
+            </a:r>
+          </a:p>
+          <a:p>
+            <a:pPr algn="l"/>
+            <a:r>
+              <a:rPr lang="en-US" sz="2300" dirty="0">
+                <a:solidFill>
+                  <a:schemeClr val="tx1"/>
+                </a:solidFill>
+                <a:latin typeface="Arial" panose="020B0604020202020204" pitchFamily="34" charset="0"/>
+                <a:cs typeface="Arial" panose="020B0604020202020204" pitchFamily="34" charset="0"/>
+              </a:rPr>
+              <a:t>const {name, email} = person</a:t>
+            </a:r>
+          </a:p>
+          <a:p>
+            <a:pPr algn="l"/>
+            <a:r>
+              <a:rPr lang="en-US" sz="2300" dirty="0" err="1">
+                <a:solidFill>
+                  <a:schemeClr val="tx1"/>
+                </a:solidFill>
+                <a:latin typeface="Arial" panose="020B0604020202020204" pitchFamily="34" charset="0"/>
+                <a:cs typeface="Arial" panose="020B0604020202020204" pitchFamily="34" charset="0"/>
+              </a:rPr>
+              <a:t>Lấy</a:t>
+            </a:r>
+            <a:r>
+              <a:rPr lang="en-US" sz="2300" dirty="0">
+                <a:solidFill>
+                  <a:schemeClr val="tx1"/>
+                </a:solidFill>
+                <a:latin typeface="Arial" panose="020B0604020202020204" pitchFamily="34" charset="0"/>
+                <a:cs typeface="Arial" panose="020B0604020202020204" pitchFamily="34" charset="0"/>
+              </a:rPr>
+              <a:t> </a:t>
+            </a:r>
+            <a:r>
+              <a:rPr lang="en-US" sz="2300" dirty="0" err="1">
+                <a:solidFill>
+                  <a:schemeClr val="tx1"/>
+                </a:solidFill>
+                <a:latin typeface="Arial" panose="020B0604020202020204" pitchFamily="34" charset="0"/>
+                <a:cs typeface="Arial" panose="020B0604020202020204" pitchFamily="34" charset="0"/>
+              </a:rPr>
+              <a:t>các</a:t>
+            </a:r>
+            <a:r>
+              <a:rPr lang="en-US" sz="2300" dirty="0">
+                <a:solidFill>
+                  <a:schemeClr val="tx1"/>
+                </a:solidFill>
+                <a:latin typeface="Arial" panose="020B0604020202020204" pitchFamily="34" charset="0"/>
+                <a:cs typeface="Arial" panose="020B0604020202020204" pitchFamily="34" charset="0"/>
+              </a:rPr>
+              <a:t> “key” </a:t>
+            </a:r>
+            <a:r>
+              <a:rPr lang="en-US" sz="2300" dirty="0" err="1">
+                <a:solidFill>
+                  <a:schemeClr val="tx1"/>
+                </a:solidFill>
+                <a:latin typeface="Arial" panose="020B0604020202020204" pitchFamily="34" charset="0"/>
+                <a:cs typeface="Arial" panose="020B0604020202020204" pitchFamily="34" charset="0"/>
+              </a:rPr>
+              <a:t>của</a:t>
+            </a:r>
+            <a:r>
+              <a:rPr lang="en-US" sz="2300" dirty="0">
+                <a:solidFill>
+                  <a:schemeClr val="tx1"/>
+                </a:solidFill>
+                <a:latin typeface="Arial" panose="020B0604020202020204" pitchFamily="34" charset="0"/>
+                <a:cs typeface="Arial" panose="020B0604020202020204" pitchFamily="34" charset="0"/>
+              </a:rPr>
+              <a:t> object, </a:t>
+            </a:r>
+            <a:r>
+              <a:rPr lang="en-US" sz="2300" dirty="0" err="1">
+                <a:solidFill>
+                  <a:schemeClr val="tx1"/>
+                </a:solidFill>
+                <a:latin typeface="Arial" panose="020B0604020202020204" pitchFamily="34" charset="0"/>
+                <a:cs typeface="Arial" panose="020B0604020202020204" pitchFamily="34" charset="0"/>
+              </a:rPr>
+              <a:t>cho</a:t>
+            </a:r>
+            <a:r>
+              <a:rPr lang="en-US" sz="2300" dirty="0">
+                <a:solidFill>
+                  <a:schemeClr val="tx1"/>
+                </a:solidFill>
+                <a:latin typeface="Arial" panose="020B0604020202020204" pitchFamily="34" charset="0"/>
+                <a:cs typeface="Arial" panose="020B0604020202020204" pitchFamily="34" charset="0"/>
+              </a:rPr>
+              <a:t> </a:t>
+            </a:r>
+            <a:r>
+              <a:rPr lang="en-US" sz="2300" dirty="0" err="1">
+                <a:solidFill>
+                  <a:schemeClr val="tx1"/>
+                </a:solidFill>
+                <a:latin typeface="Arial" panose="020B0604020202020204" pitchFamily="34" charset="0"/>
+                <a:cs typeface="Arial" panose="020B0604020202020204" pitchFamily="34" charset="0"/>
+              </a:rPr>
+              <a:t>vào</a:t>
+            </a:r>
+            <a:r>
+              <a:rPr lang="en-US" sz="2300" dirty="0">
+                <a:solidFill>
+                  <a:schemeClr val="tx1"/>
+                </a:solidFill>
+                <a:latin typeface="Arial" panose="020B0604020202020204" pitchFamily="34" charset="0"/>
+                <a:cs typeface="Arial" panose="020B0604020202020204" pitchFamily="34" charset="0"/>
+              </a:rPr>
+              <a:t> 1 array: </a:t>
+            </a:r>
+            <a:r>
+              <a:rPr lang="en-GB" sz="2300" dirty="0" err="1">
+                <a:solidFill>
+                  <a:schemeClr val="tx1"/>
+                </a:solidFill>
+                <a:latin typeface="Arial" panose="020B0604020202020204" pitchFamily="34" charset="0"/>
+                <a:cs typeface="Arial" panose="020B0604020202020204" pitchFamily="34" charset="0"/>
+              </a:rPr>
+              <a:t>Object.keys</a:t>
+            </a:r>
+            <a:r>
+              <a:rPr lang="en-GB" sz="2300" dirty="0">
+                <a:solidFill>
+                  <a:schemeClr val="tx1"/>
+                </a:solidFill>
+                <a:latin typeface="Arial" panose="020B0604020202020204" pitchFamily="34" charset="0"/>
+                <a:cs typeface="Arial" panose="020B0604020202020204" pitchFamily="34" charset="0"/>
+              </a:rPr>
+              <a:t>(person)</a:t>
+            </a:r>
+            <a:endParaRPr lang="en-US" sz="2300" dirty="0">
+              <a:solidFill>
+                <a:schemeClr val="tx1"/>
+              </a:solidFill>
+              <a:latin typeface="Arial" panose="020B0604020202020204" pitchFamily="34" charset="0"/>
+              <a:cs typeface="Arial" panose="020B0604020202020204" pitchFamily="34" charset="0"/>
+            </a:endParaRPr>
+          </a:p>
+          <a:p>
+            <a:pPr algn="l"/>
+            <a:r>
+              <a:rPr lang="en-US" sz="2300" dirty="0">
+                <a:solidFill>
+                  <a:schemeClr val="tx1"/>
+                </a:solidFill>
+                <a:latin typeface="Arial" panose="020B0604020202020204" pitchFamily="34" charset="0"/>
+                <a:cs typeface="Arial" panose="020B0604020202020204" pitchFamily="34" charset="0"/>
+              </a:rPr>
+              <a:t>L</a:t>
+            </a:r>
+            <a:r>
+              <a:rPr lang="vi-VN" sz="2300" dirty="0">
+                <a:solidFill>
+                  <a:schemeClr val="tx1"/>
+                </a:solidFill>
+                <a:latin typeface="Arial" panose="020B0604020202020204" pitchFamily="34" charset="0"/>
+                <a:cs typeface="Arial" panose="020B0604020202020204" pitchFamily="34" charset="0"/>
+              </a:rPr>
+              <a:t>ư</a:t>
+            </a:r>
+            <a:r>
+              <a:rPr lang="en-US" sz="2300" dirty="0">
+                <a:solidFill>
+                  <a:schemeClr val="tx1"/>
+                </a:solidFill>
+                <a:latin typeface="Arial" panose="020B0604020202020204" pitchFamily="34" charset="0"/>
+                <a:cs typeface="Arial" panose="020B0604020202020204" pitchFamily="34" charset="0"/>
+              </a:rPr>
+              <a:t>u </a:t>
+            </a:r>
+            <a:r>
+              <a:rPr lang="en-US" sz="2300" dirty="0" err="1">
+                <a:solidFill>
+                  <a:schemeClr val="tx1"/>
+                </a:solidFill>
+                <a:latin typeface="Arial" panose="020B0604020202020204" pitchFamily="34" charset="0"/>
+                <a:cs typeface="Arial" panose="020B0604020202020204" pitchFamily="34" charset="0"/>
+              </a:rPr>
+              <a:t>mảng</a:t>
+            </a:r>
+            <a:r>
+              <a:rPr lang="en-US" sz="2300" dirty="0">
+                <a:solidFill>
+                  <a:schemeClr val="tx1"/>
+                </a:solidFill>
+                <a:latin typeface="Arial" panose="020B0604020202020204" pitchFamily="34" charset="0"/>
+                <a:cs typeface="Arial" panose="020B0604020202020204" pitchFamily="34" charset="0"/>
+              </a:rPr>
+              <a:t> </a:t>
+            </a:r>
+            <a:r>
+              <a:rPr lang="en-US" sz="2300" dirty="0" err="1">
+                <a:solidFill>
+                  <a:schemeClr val="tx1"/>
+                </a:solidFill>
+                <a:latin typeface="Arial" panose="020B0604020202020204" pitchFamily="34" charset="0"/>
+                <a:cs typeface="Arial" panose="020B0604020202020204" pitchFamily="34" charset="0"/>
+              </a:rPr>
+              <a:t>theo</a:t>
+            </a:r>
+            <a:r>
+              <a:rPr lang="en-US" sz="2300" dirty="0">
+                <a:solidFill>
+                  <a:schemeClr val="tx1"/>
+                </a:solidFill>
+                <a:latin typeface="Arial" panose="020B0604020202020204" pitchFamily="34" charset="0"/>
+                <a:cs typeface="Arial" panose="020B0604020202020204" pitchFamily="34" charset="0"/>
+              </a:rPr>
+              <a:t> “</a:t>
+            </a:r>
+            <a:r>
+              <a:rPr lang="en-US" sz="2300" dirty="0" err="1">
+                <a:solidFill>
+                  <a:schemeClr val="tx1"/>
+                </a:solidFill>
+                <a:latin typeface="Arial" panose="020B0604020202020204" pitchFamily="34" charset="0"/>
+                <a:cs typeface="Arial" panose="020B0604020202020204" pitchFamily="34" charset="0"/>
+              </a:rPr>
+              <a:t>kiểu</a:t>
+            </a:r>
+            <a:r>
+              <a:rPr lang="en-US" sz="2300" dirty="0">
+                <a:solidFill>
+                  <a:schemeClr val="tx1"/>
+                </a:solidFill>
+                <a:latin typeface="Arial" panose="020B0604020202020204" pitchFamily="34" charset="0"/>
+                <a:cs typeface="Arial" panose="020B0604020202020204" pitchFamily="34" charset="0"/>
+              </a:rPr>
+              <a:t> object”: </a:t>
+            </a:r>
+          </a:p>
+          <a:p>
+            <a:pPr algn="l"/>
+            <a:r>
+              <a:rPr lang="en-US" sz="2300" dirty="0">
+                <a:solidFill>
+                  <a:schemeClr val="tx1"/>
+                </a:solidFill>
+                <a:latin typeface="Arial" panose="020B0604020202020204" pitchFamily="34" charset="0"/>
+                <a:cs typeface="Arial" panose="020B0604020202020204" pitchFamily="34" charset="0"/>
+              </a:rPr>
+              <a:t>var users = {1: {name…, email…}, 2: {name…, email…}, 3: {name…, email…}}</a:t>
+            </a:r>
+          </a:p>
+          <a:p>
+            <a:pPr algn="l"/>
+            <a:endParaRPr lang="en-US" sz="2300" dirty="0">
+              <a:solidFill>
+                <a:schemeClr val="tx1"/>
+              </a:solidFill>
+              <a:latin typeface="Arial" panose="020B0604020202020204" pitchFamily="34" charset="0"/>
+              <a:cs typeface="Arial" panose="020B0604020202020204" pitchFamily="34" charset="0"/>
+            </a:endParaRPr>
+          </a:p>
+          <a:p>
+            <a:pPr algn="l"/>
+            <a:endParaRPr lang="en-US" sz="2300" dirty="0">
+              <a:solidFill>
+                <a:schemeClr val="tx1"/>
+              </a:solidFill>
+              <a:latin typeface="Arial" panose="020B0604020202020204" pitchFamily="34" charset="0"/>
+              <a:cs typeface="Arial" panose="020B0604020202020204" pitchFamily="34" charset="0"/>
+            </a:endParaRPr>
+          </a:p>
+        </p:txBody>
+      </p:sp>
+      <p:pic>
+        <p:nvPicPr>
+          <p:cNvPr id="4" name="Picture 3"/>
+          <p:cNvPicPr>
+            <a:picLocks noChangeAspect="1"/>
+          </p:cNvPicPr>
+          <p:nvPr/>
+        </p:nvPicPr>
+        <p:blipFill>
+          <a:blip r:embed="rId2"/>
+          <a:stretch>
+            <a:fillRect/>
+          </a:stretch>
+        </p:blipFill>
+        <p:spPr>
+          <a:xfrm>
+            <a:off x="0" y="5977096"/>
+            <a:ext cx="3517697" cy="816935"/>
+          </a:xfrm>
+          <a:prstGeom prst="rect">
+            <a:avLst/>
+          </a:prstGeom>
+        </p:spPr>
+      </p:pic>
+    </p:spTree>
+    <p:extLst>
+      <p:ext uri="{BB962C8B-B14F-4D97-AF65-F5344CB8AC3E}">
+        <p14:creationId xmlns:p14="http://schemas.microsoft.com/office/powerpoint/2010/main" val="3588724201"/>
       </p:ext>
     </p:extLst>
   </p:cSld>

--- a/Phần 1-Giới thiệu React JS.pptx
+++ b/Phần 1-Giới thiệu React JS.pptx
@@ -13,9 +13,14 @@
     <p:sldId id="261" r:id="rId7"/>
     <p:sldId id="262" r:id="rId8"/>
     <p:sldId id="264" r:id="rId9"/>
-    <p:sldId id="265" r:id="rId10"/>
-    <p:sldId id="266" r:id="rId11"/>
-    <p:sldId id="263" r:id="rId12"/>
+    <p:sldId id="268" r:id="rId10"/>
+    <p:sldId id="265" r:id="rId11"/>
+    <p:sldId id="269" r:id="rId12"/>
+    <p:sldId id="266" r:id="rId13"/>
+    <p:sldId id="267" r:id="rId14"/>
+    <p:sldId id="270" r:id="rId15"/>
+    <p:sldId id="271" r:id="rId16"/>
+    <p:sldId id="263" r:id="rId17"/>
   </p:sldIdLst>
   <p:sldSz cx="12192000" cy="6858000"/>
   <p:notesSz cx="6858000" cy="9144000"/>
@@ -6285,7 +6290,2038 @@
           <a:p>
             <a:pPr algn="l"/>
             <a:r>
-              <a:rPr lang="en-US" sz="2300" dirty="0" err="1">
+              <a:rPr lang="en-US" sz="2300" b="1" dirty="0" err="1">
+                <a:solidFill>
+                  <a:schemeClr val="tx1"/>
+                </a:solidFill>
+                <a:latin typeface="Arial" panose="020B0604020202020204" pitchFamily="34" charset="0"/>
+                <a:cs typeface="Arial" panose="020B0604020202020204" pitchFamily="34" charset="0"/>
+              </a:rPr>
+              <a:t>Đối</a:t>
+            </a:r>
+            <a:r>
+              <a:rPr lang="en-US" sz="2300" b="1" dirty="0">
+                <a:solidFill>
+                  <a:schemeClr val="tx1"/>
+                </a:solidFill>
+                <a:latin typeface="Arial" panose="020B0604020202020204" pitchFamily="34" charset="0"/>
+                <a:cs typeface="Arial" panose="020B0604020202020204" pitchFamily="34" charset="0"/>
+              </a:rPr>
+              <a:t> t</a:t>
+            </a:r>
+            <a:r>
+              <a:rPr lang="vi-VN" sz="2300" b="1" dirty="0">
+                <a:solidFill>
+                  <a:schemeClr val="tx1"/>
+                </a:solidFill>
+                <a:latin typeface="Arial" panose="020B0604020202020204" pitchFamily="34" charset="0"/>
+                <a:cs typeface="Arial" panose="020B0604020202020204" pitchFamily="34" charset="0"/>
+              </a:rPr>
+              <a:t>ư</a:t>
+            </a:r>
+            <a:r>
+              <a:rPr lang="en-US" sz="2300" b="1" dirty="0" err="1">
+                <a:solidFill>
+                  <a:schemeClr val="tx1"/>
+                </a:solidFill>
+                <a:latin typeface="Arial" panose="020B0604020202020204" pitchFamily="34" charset="0"/>
+                <a:cs typeface="Arial" panose="020B0604020202020204" pitchFamily="34" charset="0"/>
+              </a:rPr>
+              <a:t>ợng</a:t>
+            </a:r>
+            <a:r>
+              <a:rPr lang="en-US" sz="2300" b="1" dirty="0">
+                <a:solidFill>
+                  <a:schemeClr val="tx1"/>
+                </a:solidFill>
+                <a:latin typeface="Arial" panose="020B0604020202020204" pitchFamily="34" charset="0"/>
+                <a:cs typeface="Arial" panose="020B0604020202020204" pitchFamily="34" charset="0"/>
+              </a:rPr>
+              <a:t>(object) </a:t>
+            </a:r>
+            <a:r>
+              <a:rPr lang="en-US" sz="2300" b="1" dirty="0" err="1">
+                <a:solidFill>
+                  <a:schemeClr val="tx1"/>
+                </a:solidFill>
+                <a:latin typeface="Arial" panose="020B0604020202020204" pitchFamily="34" charset="0"/>
+                <a:cs typeface="Arial" panose="020B0604020202020204" pitchFamily="34" charset="0"/>
+              </a:rPr>
+              <a:t>trong</a:t>
+            </a:r>
+            <a:r>
+              <a:rPr lang="en-US" sz="2300" b="1" dirty="0">
+                <a:solidFill>
+                  <a:schemeClr val="tx1"/>
+                </a:solidFill>
+                <a:latin typeface="Arial" panose="020B0604020202020204" pitchFamily="34" charset="0"/>
+                <a:cs typeface="Arial" panose="020B0604020202020204" pitchFamily="34" charset="0"/>
+              </a:rPr>
+              <a:t> </a:t>
+            </a:r>
+            <a:r>
+              <a:rPr lang="en-US" sz="2300" b="1" dirty="0" err="1">
+                <a:solidFill>
+                  <a:schemeClr val="tx1"/>
+                </a:solidFill>
+                <a:latin typeface="Arial" panose="020B0604020202020204" pitchFamily="34" charset="0"/>
+                <a:cs typeface="Arial" panose="020B0604020202020204" pitchFamily="34" charset="0"/>
+              </a:rPr>
+              <a:t>Javascript</a:t>
+            </a:r>
+            <a:r>
+              <a:rPr lang="en-US" sz="2300" b="1" dirty="0">
+                <a:solidFill>
+                  <a:schemeClr val="tx1"/>
+                </a:solidFill>
+                <a:latin typeface="Arial" panose="020B0604020202020204" pitchFamily="34" charset="0"/>
+                <a:cs typeface="Arial" panose="020B0604020202020204" pitchFamily="34" charset="0"/>
+              </a:rPr>
+              <a:t>:</a:t>
+            </a:r>
+          </a:p>
+          <a:p>
+            <a:pPr algn="l"/>
+            <a:r>
+              <a:rPr lang="en-US" sz="2300" dirty="0">
+                <a:solidFill>
+                  <a:schemeClr val="tx1"/>
+                </a:solidFill>
+                <a:latin typeface="Arial" panose="020B0604020202020204" pitchFamily="34" charset="0"/>
+                <a:cs typeface="Arial" panose="020B0604020202020204" pitchFamily="34" charset="0"/>
+              </a:rPr>
+              <a:t>let person = {name: “Hoang”, email: “hoang@gmail.com”}</a:t>
+            </a:r>
+          </a:p>
+          <a:p>
+            <a:pPr algn="l"/>
+            <a:r>
+              <a:rPr lang="en-US" sz="2300" dirty="0" err="1">
+                <a:solidFill>
+                  <a:schemeClr val="tx1"/>
+                </a:solidFill>
+                <a:latin typeface="Arial" panose="020B0604020202020204" pitchFamily="34" charset="0"/>
+                <a:cs typeface="Arial" panose="020B0604020202020204" pitchFamily="34" charset="0"/>
+              </a:rPr>
+              <a:t>Đối</a:t>
+            </a:r>
+            <a:r>
+              <a:rPr lang="en-US" sz="2300" dirty="0">
+                <a:solidFill>
+                  <a:schemeClr val="tx1"/>
+                </a:solidFill>
+                <a:latin typeface="Arial" panose="020B0604020202020204" pitchFamily="34" charset="0"/>
+                <a:cs typeface="Arial" panose="020B0604020202020204" pitchFamily="34" charset="0"/>
+              </a:rPr>
+              <a:t> t</a:t>
+            </a:r>
+            <a:r>
+              <a:rPr lang="vi-VN" sz="2300" dirty="0">
+                <a:solidFill>
+                  <a:schemeClr val="tx1"/>
+                </a:solidFill>
+                <a:latin typeface="Arial" panose="020B0604020202020204" pitchFamily="34" charset="0"/>
+                <a:cs typeface="Arial" panose="020B0604020202020204" pitchFamily="34" charset="0"/>
+              </a:rPr>
+              <a:t>ư</a:t>
+            </a:r>
+            <a:r>
+              <a:rPr lang="en-US" sz="2300" dirty="0" err="1">
+                <a:solidFill>
+                  <a:schemeClr val="tx1"/>
+                </a:solidFill>
+                <a:latin typeface="Arial" panose="020B0604020202020204" pitchFamily="34" charset="0"/>
+                <a:cs typeface="Arial" panose="020B0604020202020204" pitchFamily="34" charset="0"/>
+              </a:rPr>
+              <a:t>ợng</a:t>
+            </a:r>
+            <a:r>
+              <a:rPr lang="en-US" sz="2300" dirty="0">
+                <a:solidFill>
+                  <a:schemeClr val="tx1"/>
+                </a:solidFill>
+                <a:latin typeface="Arial" panose="020B0604020202020204" pitchFamily="34" charset="0"/>
+                <a:cs typeface="Arial" panose="020B0604020202020204" pitchFamily="34" charset="0"/>
+              </a:rPr>
+              <a:t> đ</a:t>
+            </a:r>
+            <a:r>
+              <a:rPr lang="vi-VN" sz="2300" dirty="0">
+                <a:solidFill>
+                  <a:schemeClr val="tx1"/>
+                </a:solidFill>
+                <a:latin typeface="Arial" panose="020B0604020202020204" pitchFamily="34" charset="0"/>
+                <a:cs typeface="Arial" panose="020B0604020202020204" pitchFamily="34" charset="0"/>
+              </a:rPr>
+              <a:t>ư</a:t>
+            </a:r>
+            <a:r>
+              <a:rPr lang="en-US" sz="2300" dirty="0" err="1">
+                <a:solidFill>
+                  <a:schemeClr val="tx1"/>
+                </a:solidFill>
+                <a:latin typeface="Arial" panose="020B0604020202020204" pitchFamily="34" charset="0"/>
+                <a:cs typeface="Arial" panose="020B0604020202020204" pitchFamily="34" charset="0"/>
+              </a:rPr>
+              <a:t>ợc</a:t>
+            </a:r>
+            <a:r>
+              <a:rPr lang="en-US" sz="2300" dirty="0">
+                <a:solidFill>
+                  <a:schemeClr val="tx1"/>
+                </a:solidFill>
+                <a:latin typeface="Arial" panose="020B0604020202020204" pitchFamily="34" charset="0"/>
+                <a:cs typeface="Arial" panose="020B0604020202020204" pitchFamily="34" charset="0"/>
+              </a:rPr>
+              <a:t> l</a:t>
+            </a:r>
+            <a:r>
+              <a:rPr lang="vi-VN" sz="2300" dirty="0">
+                <a:solidFill>
+                  <a:schemeClr val="tx1"/>
+                </a:solidFill>
+                <a:latin typeface="Arial" panose="020B0604020202020204" pitchFamily="34" charset="0"/>
+                <a:cs typeface="Arial" panose="020B0604020202020204" pitchFamily="34" charset="0"/>
+              </a:rPr>
+              <a:t>ư</a:t>
+            </a:r>
+            <a:r>
+              <a:rPr lang="en-US" sz="2300" dirty="0">
+                <a:solidFill>
+                  <a:schemeClr val="tx1"/>
+                </a:solidFill>
+                <a:latin typeface="Arial" panose="020B0604020202020204" pitchFamily="34" charset="0"/>
+                <a:cs typeface="Arial" panose="020B0604020202020204" pitchFamily="34" charset="0"/>
+              </a:rPr>
+              <a:t>u d</a:t>
+            </a:r>
+            <a:r>
+              <a:rPr lang="vi-VN" sz="2300" dirty="0">
+                <a:solidFill>
+                  <a:schemeClr val="tx1"/>
+                </a:solidFill>
+                <a:latin typeface="Arial" panose="020B0604020202020204" pitchFamily="34" charset="0"/>
+                <a:cs typeface="Arial" panose="020B0604020202020204" pitchFamily="34" charset="0"/>
+              </a:rPr>
+              <a:t>ư</a:t>
+            </a:r>
+            <a:r>
+              <a:rPr lang="en-US" sz="2300" dirty="0" err="1">
+                <a:solidFill>
+                  <a:schemeClr val="tx1"/>
+                </a:solidFill>
+                <a:latin typeface="Arial" panose="020B0604020202020204" pitchFamily="34" charset="0"/>
+                <a:cs typeface="Arial" panose="020B0604020202020204" pitchFamily="34" charset="0"/>
+              </a:rPr>
+              <a:t>ới</a:t>
+            </a:r>
+            <a:r>
+              <a:rPr lang="en-US" sz="2300" dirty="0">
+                <a:solidFill>
+                  <a:schemeClr val="tx1"/>
+                </a:solidFill>
+                <a:latin typeface="Arial" panose="020B0604020202020204" pitchFamily="34" charset="0"/>
+                <a:cs typeface="Arial" panose="020B0604020202020204" pitchFamily="34" charset="0"/>
+              </a:rPr>
+              <a:t> </a:t>
+            </a:r>
+            <a:r>
+              <a:rPr lang="en-US" sz="2300" dirty="0" err="1">
+                <a:solidFill>
+                  <a:schemeClr val="tx1"/>
+                </a:solidFill>
+                <a:latin typeface="Arial" panose="020B0604020202020204" pitchFamily="34" charset="0"/>
+                <a:cs typeface="Arial" panose="020B0604020202020204" pitchFamily="34" charset="0"/>
+              </a:rPr>
+              <a:t>dạng</a:t>
+            </a:r>
+            <a:r>
+              <a:rPr lang="en-US" sz="2300" dirty="0">
+                <a:solidFill>
+                  <a:schemeClr val="tx1"/>
+                </a:solidFill>
+                <a:latin typeface="Arial" panose="020B0604020202020204" pitchFamily="34" charset="0"/>
+                <a:cs typeface="Arial" panose="020B0604020202020204" pitchFamily="34" charset="0"/>
+              </a:rPr>
+              <a:t> key-value, key </a:t>
+            </a:r>
+            <a:r>
+              <a:rPr lang="en-US" sz="2300" dirty="0" err="1">
+                <a:solidFill>
+                  <a:schemeClr val="tx1"/>
+                </a:solidFill>
+                <a:latin typeface="Arial" panose="020B0604020202020204" pitchFamily="34" charset="0"/>
+                <a:cs typeface="Arial" panose="020B0604020202020204" pitchFamily="34" charset="0"/>
+              </a:rPr>
+              <a:t>có</a:t>
+            </a:r>
+            <a:r>
+              <a:rPr lang="en-US" sz="2300" dirty="0">
+                <a:solidFill>
+                  <a:schemeClr val="tx1"/>
+                </a:solidFill>
+                <a:latin typeface="Arial" panose="020B0604020202020204" pitchFamily="34" charset="0"/>
+                <a:cs typeface="Arial" panose="020B0604020202020204" pitchFamily="34" charset="0"/>
+              </a:rPr>
+              <a:t> </a:t>
+            </a:r>
+            <a:r>
+              <a:rPr lang="en-US" sz="2300" dirty="0" err="1">
+                <a:solidFill>
+                  <a:schemeClr val="tx1"/>
+                </a:solidFill>
+                <a:latin typeface="Arial" panose="020B0604020202020204" pitchFamily="34" charset="0"/>
+                <a:cs typeface="Arial" panose="020B0604020202020204" pitchFamily="34" charset="0"/>
+              </a:rPr>
+              <a:t>thể</a:t>
+            </a:r>
+            <a:r>
+              <a:rPr lang="en-US" sz="2300" dirty="0">
+                <a:solidFill>
+                  <a:schemeClr val="tx1"/>
+                </a:solidFill>
+                <a:latin typeface="Arial" panose="020B0604020202020204" pitchFamily="34" charset="0"/>
+                <a:cs typeface="Arial" panose="020B0604020202020204" pitchFamily="34" charset="0"/>
+              </a:rPr>
+              <a:t> </a:t>
+            </a:r>
+            <a:r>
+              <a:rPr lang="en-US" sz="2300" dirty="0" err="1">
+                <a:solidFill>
+                  <a:schemeClr val="tx1"/>
+                </a:solidFill>
+                <a:latin typeface="Arial" panose="020B0604020202020204" pitchFamily="34" charset="0"/>
+                <a:cs typeface="Arial" panose="020B0604020202020204" pitchFamily="34" charset="0"/>
+              </a:rPr>
+              <a:t>chứa</a:t>
+            </a:r>
+            <a:r>
+              <a:rPr lang="en-US" sz="2300" dirty="0">
+                <a:solidFill>
+                  <a:schemeClr val="tx1"/>
+                </a:solidFill>
+                <a:latin typeface="Arial" panose="020B0604020202020204" pitchFamily="34" charset="0"/>
+                <a:cs typeface="Arial" panose="020B0604020202020204" pitchFamily="34" charset="0"/>
+              </a:rPr>
+              <a:t> string </a:t>
+            </a:r>
+            <a:r>
+              <a:rPr lang="en-US" sz="2300" dirty="0" err="1">
+                <a:solidFill>
+                  <a:schemeClr val="tx1"/>
+                </a:solidFill>
+                <a:latin typeface="Arial" panose="020B0604020202020204" pitchFamily="34" charset="0"/>
+                <a:cs typeface="Arial" panose="020B0604020202020204" pitchFamily="34" charset="0"/>
+              </a:rPr>
+              <a:t>có</a:t>
+            </a:r>
+            <a:r>
+              <a:rPr lang="en-US" sz="2300" dirty="0">
+                <a:solidFill>
+                  <a:schemeClr val="tx1"/>
+                </a:solidFill>
+                <a:latin typeface="Arial" panose="020B0604020202020204" pitchFamily="34" charset="0"/>
+                <a:cs typeface="Arial" panose="020B0604020202020204" pitchFamily="34" charset="0"/>
+              </a:rPr>
+              <a:t> </a:t>
+            </a:r>
+            <a:r>
+              <a:rPr lang="en-US" sz="2300" dirty="0" err="1">
+                <a:solidFill>
+                  <a:schemeClr val="tx1"/>
+                </a:solidFill>
+                <a:latin typeface="Arial" panose="020B0604020202020204" pitchFamily="34" charset="0"/>
+                <a:cs typeface="Arial" panose="020B0604020202020204" pitchFamily="34" charset="0"/>
+              </a:rPr>
+              <a:t>dấu</a:t>
+            </a:r>
+            <a:r>
+              <a:rPr lang="en-US" sz="2300" dirty="0">
+                <a:solidFill>
+                  <a:schemeClr val="tx1"/>
+                </a:solidFill>
+                <a:latin typeface="Arial" panose="020B0604020202020204" pitchFamily="34" charset="0"/>
+                <a:cs typeface="Arial" panose="020B0604020202020204" pitchFamily="34" charset="0"/>
+              </a:rPr>
+              <a:t> </a:t>
+            </a:r>
+            <a:r>
+              <a:rPr lang="en-US" sz="2300" dirty="0" err="1">
+                <a:solidFill>
+                  <a:schemeClr val="tx1"/>
+                </a:solidFill>
+                <a:latin typeface="Arial" panose="020B0604020202020204" pitchFamily="34" charset="0"/>
+                <a:cs typeface="Arial" panose="020B0604020202020204" pitchFamily="34" charset="0"/>
+              </a:rPr>
+              <a:t>cách</a:t>
+            </a:r>
+            <a:r>
+              <a:rPr lang="en-US" sz="2300" dirty="0">
+                <a:solidFill>
+                  <a:schemeClr val="tx1"/>
+                </a:solidFill>
+                <a:latin typeface="Arial" panose="020B0604020202020204" pitchFamily="34" charset="0"/>
+                <a:cs typeface="Arial" panose="020B0604020202020204" pitchFamily="34" charset="0"/>
+              </a:rPr>
+              <a:t>(space), </a:t>
+            </a:r>
+            <a:r>
+              <a:rPr lang="en-US" sz="2300" dirty="0" err="1">
+                <a:solidFill>
+                  <a:schemeClr val="tx1"/>
+                </a:solidFill>
+                <a:latin typeface="Arial" panose="020B0604020202020204" pitchFamily="34" charset="0"/>
+                <a:cs typeface="Arial" panose="020B0604020202020204" pitchFamily="34" charset="0"/>
+              </a:rPr>
+              <a:t>có</a:t>
+            </a:r>
+            <a:r>
+              <a:rPr lang="en-US" sz="2300" dirty="0">
+                <a:solidFill>
+                  <a:schemeClr val="tx1"/>
+                </a:solidFill>
+                <a:latin typeface="Arial" panose="020B0604020202020204" pitchFamily="34" charset="0"/>
+                <a:cs typeface="Arial" panose="020B0604020202020204" pitchFamily="34" charset="0"/>
+              </a:rPr>
+              <a:t> </a:t>
+            </a:r>
+            <a:r>
+              <a:rPr lang="en-US" sz="2300" dirty="0" err="1">
+                <a:solidFill>
+                  <a:schemeClr val="tx1"/>
+                </a:solidFill>
+                <a:latin typeface="Arial" panose="020B0604020202020204" pitchFamily="34" charset="0"/>
+                <a:cs typeface="Arial" panose="020B0604020202020204" pitchFamily="34" charset="0"/>
+              </a:rPr>
+              <a:t>thể</a:t>
+            </a:r>
+            <a:r>
+              <a:rPr lang="en-US" sz="2300" dirty="0">
+                <a:solidFill>
+                  <a:schemeClr val="tx1"/>
+                </a:solidFill>
+                <a:latin typeface="Arial" panose="020B0604020202020204" pitchFamily="34" charset="0"/>
+                <a:cs typeface="Arial" panose="020B0604020202020204" pitchFamily="34" charset="0"/>
+              </a:rPr>
+              <a:t> </a:t>
+            </a:r>
+            <a:r>
+              <a:rPr lang="en-US" sz="2300" dirty="0" err="1">
+                <a:solidFill>
+                  <a:schemeClr val="tx1"/>
+                </a:solidFill>
+                <a:latin typeface="Arial" panose="020B0604020202020204" pitchFamily="34" charset="0"/>
+                <a:cs typeface="Arial" panose="020B0604020202020204" pitchFamily="34" charset="0"/>
+              </a:rPr>
+              <a:t>là</a:t>
+            </a:r>
+            <a:r>
+              <a:rPr lang="en-US" sz="2300" dirty="0">
+                <a:solidFill>
+                  <a:schemeClr val="tx1"/>
+                </a:solidFill>
+                <a:latin typeface="Arial" panose="020B0604020202020204" pitchFamily="34" charset="0"/>
+                <a:cs typeface="Arial" panose="020B0604020202020204" pitchFamily="34" charset="0"/>
+              </a:rPr>
+              <a:t> </a:t>
+            </a:r>
+            <a:r>
+              <a:rPr lang="en-US" sz="2300" dirty="0" err="1">
+                <a:solidFill>
+                  <a:schemeClr val="tx1"/>
+                </a:solidFill>
+                <a:latin typeface="Arial" panose="020B0604020202020204" pitchFamily="34" charset="0"/>
+                <a:cs typeface="Arial" panose="020B0604020202020204" pitchFamily="34" charset="0"/>
+              </a:rPr>
+              <a:t>số</a:t>
+            </a:r>
+            <a:r>
+              <a:rPr lang="en-US" sz="2300" dirty="0">
+                <a:solidFill>
+                  <a:schemeClr val="tx1"/>
+                </a:solidFill>
+                <a:latin typeface="Arial" panose="020B0604020202020204" pitchFamily="34" charset="0"/>
+                <a:cs typeface="Arial" panose="020B0604020202020204" pitchFamily="34" charset="0"/>
+              </a:rPr>
+              <a:t>(number)</a:t>
+            </a:r>
+          </a:p>
+          <a:p>
+            <a:pPr algn="l"/>
+            <a:r>
+              <a:rPr lang="en-US" sz="2300" dirty="0" err="1">
+                <a:solidFill>
+                  <a:schemeClr val="tx1"/>
+                </a:solidFill>
+                <a:latin typeface="Arial" panose="020B0604020202020204" pitchFamily="34" charset="0"/>
+                <a:cs typeface="Arial" panose="020B0604020202020204" pitchFamily="34" charset="0"/>
+              </a:rPr>
+              <a:t>Trích</a:t>
+            </a:r>
+            <a:r>
+              <a:rPr lang="en-US" sz="2300" dirty="0">
+                <a:solidFill>
+                  <a:schemeClr val="tx1"/>
+                </a:solidFill>
+                <a:latin typeface="Arial" panose="020B0604020202020204" pitchFamily="34" charset="0"/>
+                <a:cs typeface="Arial" panose="020B0604020202020204" pitchFamily="34" charset="0"/>
+              </a:rPr>
+              <a:t> </a:t>
+            </a:r>
+            <a:r>
+              <a:rPr lang="en-US" sz="2300" dirty="0" err="1">
+                <a:solidFill>
+                  <a:schemeClr val="tx1"/>
+                </a:solidFill>
+                <a:latin typeface="Arial" panose="020B0604020202020204" pitchFamily="34" charset="0"/>
+                <a:cs typeface="Arial" panose="020B0604020202020204" pitchFamily="34" charset="0"/>
+              </a:rPr>
+              <a:t>xuất</a:t>
+            </a:r>
+            <a:r>
+              <a:rPr lang="en-US" sz="2300" dirty="0">
+                <a:solidFill>
+                  <a:schemeClr val="tx1"/>
+                </a:solidFill>
+                <a:latin typeface="Arial" panose="020B0604020202020204" pitchFamily="34" charset="0"/>
+                <a:cs typeface="Arial" panose="020B0604020202020204" pitchFamily="34" charset="0"/>
+              </a:rPr>
+              <a:t>(</a:t>
+            </a:r>
+            <a:r>
+              <a:rPr lang="en-US" sz="2300" dirty="0" err="1">
+                <a:solidFill>
+                  <a:schemeClr val="tx1"/>
+                </a:solidFill>
+                <a:latin typeface="Arial" panose="020B0604020202020204" pitchFamily="34" charset="0"/>
+                <a:cs typeface="Arial" panose="020B0604020202020204" pitchFamily="34" charset="0"/>
+              </a:rPr>
+              <a:t>destructure</a:t>
+            </a:r>
+            <a:r>
+              <a:rPr lang="en-US" sz="2300" dirty="0">
+                <a:solidFill>
+                  <a:schemeClr val="tx1"/>
+                </a:solidFill>
+                <a:latin typeface="Arial" panose="020B0604020202020204" pitchFamily="34" charset="0"/>
+                <a:cs typeface="Arial" panose="020B0604020202020204" pitchFamily="34" charset="0"/>
+              </a:rPr>
+              <a:t>) </a:t>
+            </a:r>
+            <a:r>
+              <a:rPr lang="en-US" sz="2300" dirty="0" err="1">
+                <a:solidFill>
+                  <a:schemeClr val="tx1"/>
+                </a:solidFill>
+                <a:latin typeface="Arial" panose="020B0604020202020204" pitchFamily="34" charset="0"/>
+                <a:cs typeface="Arial" panose="020B0604020202020204" pitchFamily="34" charset="0"/>
+              </a:rPr>
+              <a:t>các</a:t>
+            </a:r>
+            <a:r>
+              <a:rPr lang="en-US" sz="2300" dirty="0">
+                <a:solidFill>
+                  <a:schemeClr val="tx1"/>
+                </a:solidFill>
+                <a:latin typeface="Arial" panose="020B0604020202020204" pitchFamily="34" charset="0"/>
+                <a:cs typeface="Arial" panose="020B0604020202020204" pitchFamily="34" charset="0"/>
+              </a:rPr>
+              <a:t> </a:t>
+            </a:r>
+            <a:r>
+              <a:rPr lang="en-US" sz="2300" dirty="0" err="1">
+                <a:solidFill>
+                  <a:schemeClr val="tx1"/>
+                </a:solidFill>
+                <a:latin typeface="Arial" panose="020B0604020202020204" pitchFamily="34" charset="0"/>
+                <a:cs typeface="Arial" panose="020B0604020202020204" pitchFamily="34" charset="0"/>
+              </a:rPr>
+              <a:t>thuộc</a:t>
+            </a:r>
+            <a:r>
+              <a:rPr lang="en-US" sz="2300" dirty="0">
+                <a:solidFill>
+                  <a:schemeClr val="tx1"/>
+                </a:solidFill>
+                <a:latin typeface="Arial" panose="020B0604020202020204" pitchFamily="34" charset="0"/>
+                <a:cs typeface="Arial" panose="020B0604020202020204" pitchFamily="34" charset="0"/>
+              </a:rPr>
+              <a:t> </a:t>
+            </a:r>
+            <a:r>
+              <a:rPr lang="en-US" sz="2300" dirty="0" err="1">
+                <a:solidFill>
+                  <a:schemeClr val="tx1"/>
+                </a:solidFill>
+                <a:latin typeface="Arial" panose="020B0604020202020204" pitchFamily="34" charset="0"/>
+                <a:cs typeface="Arial" panose="020B0604020202020204" pitchFamily="34" charset="0"/>
+              </a:rPr>
+              <a:t>tính</a:t>
+            </a:r>
+            <a:r>
+              <a:rPr lang="en-US" sz="2300" dirty="0">
+                <a:solidFill>
+                  <a:schemeClr val="tx1"/>
+                </a:solidFill>
+                <a:latin typeface="Arial" panose="020B0604020202020204" pitchFamily="34" charset="0"/>
+                <a:cs typeface="Arial" panose="020B0604020202020204" pitchFamily="34" charset="0"/>
+              </a:rPr>
+              <a:t> </a:t>
+            </a:r>
+            <a:r>
+              <a:rPr lang="en-US" sz="2300" dirty="0" err="1">
+                <a:solidFill>
+                  <a:schemeClr val="tx1"/>
+                </a:solidFill>
+                <a:latin typeface="Arial" panose="020B0604020202020204" pitchFamily="34" charset="0"/>
+                <a:cs typeface="Arial" panose="020B0604020202020204" pitchFamily="34" charset="0"/>
+              </a:rPr>
+              <a:t>trong</a:t>
+            </a:r>
+            <a:r>
+              <a:rPr lang="en-US" sz="2300" dirty="0">
+                <a:solidFill>
+                  <a:schemeClr val="tx1"/>
+                </a:solidFill>
+                <a:latin typeface="Arial" panose="020B0604020202020204" pitchFamily="34" charset="0"/>
+                <a:cs typeface="Arial" panose="020B0604020202020204" pitchFamily="34" charset="0"/>
+              </a:rPr>
+              <a:t> </a:t>
+            </a:r>
+            <a:r>
+              <a:rPr lang="en-US" sz="2300" dirty="0" err="1">
+                <a:solidFill>
+                  <a:schemeClr val="tx1"/>
+                </a:solidFill>
+                <a:latin typeface="Arial" panose="020B0604020202020204" pitchFamily="34" charset="0"/>
+                <a:cs typeface="Arial" panose="020B0604020202020204" pitchFamily="34" charset="0"/>
+              </a:rPr>
+              <a:t>đối</a:t>
+            </a:r>
+            <a:r>
+              <a:rPr lang="en-US" sz="2300" dirty="0">
+                <a:solidFill>
+                  <a:schemeClr val="tx1"/>
+                </a:solidFill>
+                <a:latin typeface="Arial" panose="020B0604020202020204" pitchFamily="34" charset="0"/>
+                <a:cs typeface="Arial" panose="020B0604020202020204" pitchFamily="34" charset="0"/>
+              </a:rPr>
+              <a:t> t</a:t>
+            </a:r>
+            <a:r>
+              <a:rPr lang="vi-VN" sz="2300" dirty="0">
+                <a:solidFill>
+                  <a:schemeClr val="tx1"/>
+                </a:solidFill>
+                <a:latin typeface="Arial" panose="020B0604020202020204" pitchFamily="34" charset="0"/>
+                <a:cs typeface="Arial" panose="020B0604020202020204" pitchFamily="34" charset="0"/>
+              </a:rPr>
+              <a:t>ư</a:t>
+            </a:r>
+            <a:r>
+              <a:rPr lang="en-US" sz="2300" dirty="0" err="1">
+                <a:solidFill>
+                  <a:schemeClr val="tx1"/>
+                </a:solidFill>
+                <a:latin typeface="Arial" panose="020B0604020202020204" pitchFamily="34" charset="0"/>
+                <a:cs typeface="Arial" panose="020B0604020202020204" pitchFamily="34" charset="0"/>
+              </a:rPr>
+              <a:t>ợng</a:t>
+            </a:r>
+            <a:r>
+              <a:rPr lang="en-US" sz="2300" dirty="0">
+                <a:solidFill>
+                  <a:schemeClr val="tx1"/>
+                </a:solidFill>
+                <a:latin typeface="Arial" panose="020B0604020202020204" pitchFamily="34" charset="0"/>
+                <a:cs typeface="Arial" panose="020B0604020202020204" pitchFamily="34" charset="0"/>
+              </a:rPr>
+              <a:t>:</a:t>
+            </a:r>
+          </a:p>
+          <a:p>
+            <a:pPr algn="l"/>
+            <a:r>
+              <a:rPr lang="en-US" sz="2300" dirty="0">
+                <a:solidFill>
+                  <a:schemeClr val="tx1"/>
+                </a:solidFill>
+                <a:latin typeface="Arial" panose="020B0604020202020204" pitchFamily="34" charset="0"/>
+                <a:cs typeface="Arial" panose="020B0604020202020204" pitchFamily="34" charset="0"/>
+              </a:rPr>
+              <a:t>const {name, email} = person</a:t>
+            </a:r>
+          </a:p>
+          <a:p>
+            <a:pPr algn="l"/>
+            <a:r>
+              <a:rPr lang="en-US" sz="2300" dirty="0" err="1">
+                <a:solidFill>
+                  <a:schemeClr val="tx1"/>
+                </a:solidFill>
+                <a:latin typeface="Arial" panose="020B0604020202020204" pitchFamily="34" charset="0"/>
+                <a:cs typeface="Arial" panose="020B0604020202020204" pitchFamily="34" charset="0"/>
+              </a:rPr>
+              <a:t>Lấy</a:t>
+            </a:r>
+            <a:r>
+              <a:rPr lang="en-US" sz="2300" dirty="0">
+                <a:solidFill>
+                  <a:schemeClr val="tx1"/>
+                </a:solidFill>
+                <a:latin typeface="Arial" panose="020B0604020202020204" pitchFamily="34" charset="0"/>
+                <a:cs typeface="Arial" panose="020B0604020202020204" pitchFamily="34" charset="0"/>
+              </a:rPr>
+              <a:t> </a:t>
+            </a:r>
+            <a:r>
+              <a:rPr lang="en-US" sz="2300" dirty="0" err="1">
+                <a:solidFill>
+                  <a:schemeClr val="tx1"/>
+                </a:solidFill>
+                <a:latin typeface="Arial" panose="020B0604020202020204" pitchFamily="34" charset="0"/>
+                <a:cs typeface="Arial" panose="020B0604020202020204" pitchFamily="34" charset="0"/>
+              </a:rPr>
+              <a:t>các</a:t>
+            </a:r>
+            <a:r>
+              <a:rPr lang="en-US" sz="2300" dirty="0">
+                <a:solidFill>
+                  <a:schemeClr val="tx1"/>
+                </a:solidFill>
+                <a:latin typeface="Arial" panose="020B0604020202020204" pitchFamily="34" charset="0"/>
+                <a:cs typeface="Arial" panose="020B0604020202020204" pitchFamily="34" charset="0"/>
+              </a:rPr>
+              <a:t> “key” </a:t>
+            </a:r>
+            <a:r>
+              <a:rPr lang="en-US" sz="2300" dirty="0" err="1">
+                <a:solidFill>
+                  <a:schemeClr val="tx1"/>
+                </a:solidFill>
+                <a:latin typeface="Arial" panose="020B0604020202020204" pitchFamily="34" charset="0"/>
+                <a:cs typeface="Arial" panose="020B0604020202020204" pitchFamily="34" charset="0"/>
+              </a:rPr>
+              <a:t>của</a:t>
+            </a:r>
+            <a:r>
+              <a:rPr lang="en-US" sz="2300" dirty="0">
+                <a:solidFill>
+                  <a:schemeClr val="tx1"/>
+                </a:solidFill>
+                <a:latin typeface="Arial" panose="020B0604020202020204" pitchFamily="34" charset="0"/>
+                <a:cs typeface="Arial" panose="020B0604020202020204" pitchFamily="34" charset="0"/>
+              </a:rPr>
+              <a:t> object, </a:t>
+            </a:r>
+            <a:r>
+              <a:rPr lang="en-US" sz="2300" dirty="0" err="1">
+                <a:solidFill>
+                  <a:schemeClr val="tx1"/>
+                </a:solidFill>
+                <a:latin typeface="Arial" panose="020B0604020202020204" pitchFamily="34" charset="0"/>
+                <a:cs typeface="Arial" panose="020B0604020202020204" pitchFamily="34" charset="0"/>
+              </a:rPr>
+              <a:t>cho</a:t>
+            </a:r>
+            <a:r>
+              <a:rPr lang="en-US" sz="2300" dirty="0">
+                <a:solidFill>
+                  <a:schemeClr val="tx1"/>
+                </a:solidFill>
+                <a:latin typeface="Arial" panose="020B0604020202020204" pitchFamily="34" charset="0"/>
+                <a:cs typeface="Arial" panose="020B0604020202020204" pitchFamily="34" charset="0"/>
+              </a:rPr>
+              <a:t> </a:t>
+            </a:r>
+            <a:r>
+              <a:rPr lang="en-US" sz="2300" dirty="0" err="1">
+                <a:solidFill>
+                  <a:schemeClr val="tx1"/>
+                </a:solidFill>
+                <a:latin typeface="Arial" panose="020B0604020202020204" pitchFamily="34" charset="0"/>
+                <a:cs typeface="Arial" panose="020B0604020202020204" pitchFamily="34" charset="0"/>
+              </a:rPr>
+              <a:t>vào</a:t>
+            </a:r>
+            <a:r>
+              <a:rPr lang="en-US" sz="2300" dirty="0">
+                <a:solidFill>
+                  <a:schemeClr val="tx1"/>
+                </a:solidFill>
+                <a:latin typeface="Arial" panose="020B0604020202020204" pitchFamily="34" charset="0"/>
+                <a:cs typeface="Arial" panose="020B0604020202020204" pitchFamily="34" charset="0"/>
+              </a:rPr>
+              <a:t> 1 array: </a:t>
+            </a:r>
+            <a:r>
+              <a:rPr lang="en-GB" sz="2300" dirty="0" err="1">
+                <a:solidFill>
+                  <a:schemeClr val="tx1"/>
+                </a:solidFill>
+                <a:latin typeface="Arial" panose="020B0604020202020204" pitchFamily="34" charset="0"/>
+                <a:cs typeface="Arial" panose="020B0604020202020204" pitchFamily="34" charset="0"/>
+              </a:rPr>
+              <a:t>Object.keys</a:t>
+            </a:r>
+            <a:r>
+              <a:rPr lang="en-GB" sz="2300" dirty="0">
+                <a:solidFill>
+                  <a:schemeClr val="tx1"/>
+                </a:solidFill>
+                <a:latin typeface="Arial" panose="020B0604020202020204" pitchFamily="34" charset="0"/>
+                <a:cs typeface="Arial" panose="020B0604020202020204" pitchFamily="34" charset="0"/>
+              </a:rPr>
+              <a:t>(person)</a:t>
+            </a:r>
+            <a:endParaRPr lang="en-US" sz="2300" dirty="0">
+              <a:solidFill>
+                <a:schemeClr val="tx1"/>
+              </a:solidFill>
+              <a:latin typeface="Arial" panose="020B0604020202020204" pitchFamily="34" charset="0"/>
+              <a:cs typeface="Arial" panose="020B0604020202020204" pitchFamily="34" charset="0"/>
+            </a:endParaRPr>
+          </a:p>
+          <a:p>
+            <a:pPr algn="l"/>
+            <a:r>
+              <a:rPr lang="en-US" sz="2300" dirty="0">
+                <a:solidFill>
+                  <a:schemeClr val="tx1"/>
+                </a:solidFill>
+                <a:latin typeface="Arial" panose="020B0604020202020204" pitchFamily="34" charset="0"/>
+                <a:cs typeface="Arial" panose="020B0604020202020204" pitchFamily="34" charset="0"/>
+              </a:rPr>
+              <a:t>L</a:t>
+            </a:r>
+            <a:r>
+              <a:rPr lang="vi-VN" sz="2300" dirty="0">
+                <a:solidFill>
+                  <a:schemeClr val="tx1"/>
+                </a:solidFill>
+                <a:latin typeface="Arial" panose="020B0604020202020204" pitchFamily="34" charset="0"/>
+                <a:cs typeface="Arial" panose="020B0604020202020204" pitchFamily="34" charset="0"/>
+              </a:rPr>
+              <a:t>ư</a:t>
+            </a:r>
+            <a:r>
+              <a:rPr lang="en-US" sz="2300" dirty="0">
+                <a:solidFill>
+                  <a:schemeClr val="tx1"/>
+                </a:solidFill>
+                <a:latin typeface="Arial" panose="020B0604020202020204" pitchFamily="34" charset="0"/>
+                <a:cs typeface="Arial" panose="020B0604020202020204" pitchFamily="34" charset="0"/>
+              </a:rPr>
+              <a:t>u </a:t>
+            </a:r>
+            <a:r>
+              <a:rPr lang="en-US" sz="2300" dirty="0" err="1">
+                <a:solidFill>
+                  <a:schemeClr val="tx1"/>
+                </a:solidFill>
+                <a:latin typeface="Arial" panose="020B0604020202020204" pitchFamily="34" charset="0"/>
+                <a:cs typeface="Arial" panose="020B0604020202020204" pitchFamily="34" charset="0"/>
+              </a:rPr>
+              <a:t>mảng</a:t>
+            </a:r>
+            <a:r>
+              <a:rPr lang="en-US" sz="2300" dirty="0">
+                <a:solidFill>
+                  <a:schemeClr val="tx1"/>
+                </a:solidFill>
+                <a:latin typeface="Arial" panose="020B0604020202020204" pitchFamily="34" charset="0"/>
+                <a:cs typeface="Arial" panose="020B0604020202020204" pitchFamily="34" charset="0"/>
+              </a:rPr>
+              <a:t> </a:t>
+            </a:r>
+            <a:r>
+              <a:rPr lang="en-US" sz="2300" dirty="0" err="1">
+                <a:solidFill>
+                  <a:schemeClr val="tx1"/>
+                </a:solidFill>
+                <a:latin typeface="Arial" panose="020B0604020202020204" pitchFamily="34" charset="0"/>
+                <a:cs typeface="Arial" panose="020B0604020202020204" pitchFamily="34" charset="0"/>
+              </a:rPr>
+              <a:t>theo</a:t>
+            </a:r>
+            <a:r>
+              <a:rPr lang="en-US" sz="2300" dirty="0">
+                <a:solidFill>
+                  <a:schemeClr val="tx1"/>
+                </a:solidFill>
+                <a:latin typeface="Arial" panose="020B0604020202020204" pitchFamily="34" charset="0"/>
+                <a:cs typeface="Arial" panose="020B0604020202020204" pitchFamily="34" charset="0"/>
+              </a:rPr>
+              <a:t> “</a:t>
+            </a:r>
+            <a:r>
+              <a:rPr lang="en-US" sz="2300" dirty="0" err="1">
+                <a:solidFill>
+                  <a:schemeClr val="tx1"/>
+                </a:solidFill>
+                <a:latin typeface="Arial" panose="020B0604020202020204" pitchFamily="34" charset="0"/>
+                <a:cs typeface="Arial" panose="020B0604020202020204" pitchFamily="34" charset="0"/>
+              </a:rPr>
+              <a:t>kiểu</a:t>
+            </a:r>
+            <a:r>
+              <a:rPr lang="en-US" sz="2300" dirty="0">
+                <a:solidFill>
+                  <a:schemeClr val="tx1"/>
+                </a:solidFill>
+                <a:latin typeface="Arial" panose="020B0604020202020204" pitchFamily="34" charset="0"/>
+                <a:cs typeface="Arial" panose="020B0604020202020204" pitchFamily="34" charset="0"/>
+              </a:rPr>
+              <a:t> object”: </a:t>
+            </a:r>
+          </a:p>
+          <a:p>
+            <a:pPr algn="l"/>
+            <a:r>
+              <a:rPr lang="en-US" sz="2300" dirty="0">
+                <a:solidFill>
+                  <a:schemeClr val="tx1"/>
+                </a:solidFill>
+                <a:latin typeface="Arial" panose="020B0604020202020204" pitchFamily="34" charset="0"/>
+                <a:cs typeface="Arial" panose="020B0604020202020204" pitchFamily="34" charset="0"/>
+              </a:rPr>
+              <a:t>var users = {1: {name…, email…}, 2: {name…, email…}, 3: {name…, email…}}</a:t>
+            </a:r>
+          </a:p>
+          <a:p>
+            <a:pPr algn="l"/>
+            <a:endParaRPr lang="en-US" sz="2300" dirty="0">
+              <a:solidFill>
+                <a:schemeClr val="tx1"/>
+              </a:solidFill>
+              <a:latin typeface="Arial" panose="020B0604020202020204" pitchFamily="34" charset="0"/>
+              <a:cs typeface="Arial" panose="020B0604020202020204" pitchFamily="34" charset="0"/>
+            </a:endParaRPr>
+          </a:p>
+          <a:p>
+            <a:pPr algn="l"/>
+            <a:endParaRPr lang="en-US" sz="2300" dirty="0">
+              <a:solidFill>
+                <a:schemeClr val="tx1"/>
+              </a:solidFill>
+              <a:latin typeface="Arial" panose="020B0604020202020204" pitchFamily="34" charset="0"/>
+              <a:cs typeface="Arial" panose="020B0604020202020204" pitchFamily="34" charset="0"/>
+            </a:endParaRPr>
+          </a:p>
+        </p:txBody>
+      </p:sp>
+      <p:pic>
+        <p:nvPicPr>
+          <p:cNvPr id="4" name="Picture 3"/>
+          <p:cNvPicPr>
+            <a:picLocks noChangeAspect="1"/>
+          </p:cNvPicPr>
+          <p:nvPr/>
+        </p:nvPicPr>
+        <p:blipFill>
+          <a:blip r:embed="rId2"/>
+          <a:stretch>
+            <a:fillRect/>
+          </a:stretch>
+        </p:blipFill>
+        <p:spPr>
+          <a:xfrm>
+            <a:off x="0" y="5977096"/>
+            <a:ext cx="3517697" cy="816935"/>
+          </a:xfrm>
+          <a:prstGeom prst="rect">
+            <a:avLst/>
+          </a:prstGeom>
+        </p:spPr>
+      </p:pic>
+    </p:spTree>
+    <p:extLst>
+      <p:ext uri="{BB962C8B-B14F-4D97-AF65-F5344CB8AC3E}">
+        <p14:creationId xmlns:p14="http://schemas.microsoft.com/office/powerpoint/2010/main" val="3588724201"/>
+      </p:ext>
+    </p:extLst>
+  </p:cSld>
+  <p:clrMapOvr>
+    <a:masterClrMapping/>
+  </p:clrMapOvr>
+</p:sld>
+</file>
+
+<file path=ppt/slides/slide11.xml><?xml version="1.0" encoding="utf-8"?>
+<p:sld xmlns:a="http://schemas.openxmlformats.org/drawingml/2006/main" xmlns:r="http://schemas.openxmlformats.org/officeDocument/2006/relationships" xmlns:p="http://schemas.openxmlformats.org/presentationml/2006/main">
+  <p:cSld>
+    <p:spTree>
+      <p:nvGrpSpPr>
+        <p:cNvPr id="1" name=""/>
+        <p:cNvGrpSpPr/>
+        <p:nvPr/>
+      </p:nvGrpSpPr>
+      <p:grpSpPr>
+        <a:xfrm>
+          <a:off x="0" y="0"/>
+          <a:ext cx="0" cy="0"/>
+          <a:chOff x="0" y="0"/>
+          <a:chExt cx="0" cy="0"/>
+        </a:xfrm>
+      </p:grpSpPr>
+      <p:sp>
+        <p:nvSpPr>
+          <p:cNvPr id="2" name="Title 1"/>
+          <p:cNvSpPr>
+            <a:spLocks noGrp="1"/>
+          </p:cNvSpPr>
+          <p:nvPr>
+            <p:ph type="ctrTitle"/>
+          </p:nvPr>
+        </p:nvSpPr>
+        <p:spPr>
+          <a:xfrm>
+            <a:off x="0" y="63969"/>
+            <a:ext cx="12192000" cy="836132"/>
+          </a:xfrm>
+        </p:spPr>
+        <p:txBody>
+          <a:bodyPr/>
+          <a:lstStyle/>
+          <a:p>
+            <a:pPr algn="ctr"/>
+            <a:r>
+              <a:rPr lang="en-US" sz="4000" b="1" dirty="0" err="1">
+                <a:solidFill>
+                  <a:schemeClr val="tx1"/>
+                </a:solidFill>
+                <a:latin typeface="Arial" panose="020B0604020202020204" pitchFamily="34" charset="0"/>
+                <a:cs typeface="Arial" panose="020B0604020202020204" pitchFamily="34" charset="0"/>
+              </a:rPr>
+              <a:t>Javascript</a:t>
+            </a:r>
+            <a:r>
+              <a:rPr lang="en-US" sz="4000" b="1" dirty="0">
+                <a:solidFill>
+                  <a:schemeClr val="tx1"/>
+                </a:solidFill>
+                <a:latin typeface="Arial" panose="020B0604020202020204" pitchFamily="34" charset="0"/>
+                <a:cs typeface="Arial" panose="020B0604020202020204" pitchFamily="34" charset="0"/>
+              </a:rPr>
+              <a:t> ECMAScript 6,7</a:t>
+            </a:r>
+            <a:endParaRPr lang="en-US" sz="4000" dirty="0">
+              <a:solidFill>
+                <a:schemeClr val="tx1"/>
+              </a:solidFill>
+              <a:latin typeface="Arial" panose="020B0604020202020204" pitchFamily="34" charset="0"/>
+              <a:cs typeface="Arial" panose="020B0604020202020204" pitchFamily="34" charset="0"/>
+            </a:endParaRPr>
+          </a:p>
+        </p:txBody>
+      </p:sp>
+      <p:sp>
+        <p:nvSpPr>
+          <p:cNvPr id="3" name="Subtitle 2"/>
+          <p:cNvSpPr>
+            <a:spLocks noGrp="1"/>
+          </p:cNvSpPr>
+          <p:nvPr>
+            <p:ph type="subTitle" idx="1"/>
+          </p:nvPr>
+        </p:nvSpPr>
+        <p:spPr>
+          <a:xfrm>
+            <a:off x="572202" y="1184856"/>
+            <a:ext cx="11012068" cy="4592619"/>
+          </a:xfrm>
+        </p:spPr>
+        <p:txBody>
+          <a:bodyPr>
+            <a:noAutofit/>
+          </a:bodyPr>
+          <a:lstStyle/>
+          <a:p>
+            <a:pPr algn="l"/>
+            <a:r>
+              <a:rPr lang="en-US" sz="2300" b="1" dirty="0" err="1">
+                <a:solidFill>
+                  <a:schemeClr val="tx1"/>
+                </a:solidFill>
+                <a:latin typeface="Arial" panose="020B0604020202020204" pitchFamily="34" charset="0"/>
+                <a:cs typeface="Arial" panose="020B0604020202020204" pitchFamily="34" charset="0"/>
+              </a:rPr>
+              <a:t>Hàm</a:t>
+            </a:r>
+            <a:r>
+              <a:rPr lang="en-US" sz="2300" b="1" dirty="0">
+                <a:solidFill>
+                  <a:schemeClr val="tx1"/>
+                </a:solidFill>
+                <a:latin typeface="Arial" panose="020B0604020202020204" pitchFamily="34" charset="0"/>
+                <a:cs typeface="Arial" panose="020B0604020202020204" pitchFamily="34" charset="0"/>
+              </a:rPr>
+              <a:t>(function) </a:t>
+            </a:r>
+            <a:r>
+              <a:rPr lang="en-US" sz="2300" b="1" dirty="0" err="1">
+                <a:solidFill>
+                  <a:schemeClr val="tx1"/>
+                </a:solidFill>
+                <a:latin typeface="Arial" panose="020B0604020202020204" pitchFamily="34" charset="0"/>
+                <a:cs typeface="Arial" panose="020B0604020202020204" pitchFamily="34" charset="0"/>
+              </a:rPr>
+              <a:t>trong</a:t>
+            </a:r>
+            <a:r>
+              <a:rPr lang="en-US" sz="2300" b="1" dirty="0">
+                <a:solidFill>
+                  <a:schemeClr val="tx1"/>
+                </a:solidFill>
+                <a:latin typeface="Arial" panose="020B0604020202020204" pitchFamily="34" charset="0"/>
+                <a:cs typeface="Arial" panose="020B0604020202020204" pitchFamily="34" charset="0"/>
+              </a:rPr>
+              <a:t> </a:t>
+            </a:r>
+            <a:r>
+              <a:rPr lang="en-US" sz="2300" b="1" dirty="0" err="1">
+                <a:solidFill>
+                  <a:schemeClr val="tx1"/>
+                </a:solidFill>
+                <a:latin typeface="Arial" panose="020B0604020202020204" pitchFamily="34" charset="0"/>
+                <a:cs typeface="Arial" panose="020B0604020202020204" pitchFamily="34" charset="0"/>
+              </a:rPr>
+              <a:t>Javascript</a:t>
+            </a:r>
+            <a:r>
+              <a:rPr lang="en-US" sz="2300" b="1" dirty="0">
+                <a:solidFill>
+                  <a:schemeClr val="tx1"/>
+                </a:solidFill>
+                <a:latin typeface="Arial" panose="020B0604020202020204" pitchFamily="34" charset="0"/>
+                <a:cs typeface="Arial" panose="020B0604020202020204" pitchFamily="34" charset="0"/>
+              </a:rPr>
+              <a:t>:</a:t>
+            </a:r>
+          </a:p>
+          <a:p>
+            <a:pPr algn="l"/>
+            <a:r>
+              <a:rPr lang="en-US" sz="2300" dirty="0" err="1">
+                <a:solidFill>
+                  <a:schemeClr val="tx1"/>
+                </a:solidFill>
+                <a:latin typeface="Arial" panose="020B0604020202020204" pitchFamily="34" charset="0"/>
+                <a:cs typeface="Arial" panose="020B0604020202020204" pitchFamily="34" charset="0"/>
+              </a:rPr>
+              <a:t>Ngoài</a:t>
+            </a:r>
+            <a:r>
+              <a:rPr lang="en-US" sz="2300" dirty="0">
+                <a:solidFill>
+                  <a:schemeClr val="tx1"/>
+                </a:solidFill>
+                <a:latin typeface="Arial" panose="020B0604020202020204" pitchFamily="34" charset="0"/>
+                <a:cs typeface="Arial" panose="020B0604020202020204" pitchFamily="34" charset="0"/>
+              </a:rPr>
+              <a:t> </a:t>
+            </a:r>
+            <a:r>
+              <a:rPr lang="en-US" sz="2300" dirty="0" err="1">
+                <a:solidFill>
+                  <a:schemeClr val="tx1"/>
+                </a:solidFill>
+                <a:latin typeface="Arial" panose="020B0604020202020204" pitchFamily="34" charset="0"/>
+                <a:cs typeface="Arial" panose="020B0604020202020204" pitchFamily="34" charset="0"/>
+              </a:rPr>
+              <a:t>cách</a:t>
+            </a:r>
+            <a:r>
+              <a:rPr lang="en-US" sz="2300" dirty="0">
+                <a:solidFill>
+                  <a:schemeClr val="tx1"/>
+                </a:solidFill>
+                <a:latin typeface="Arial" panose="020B0604020202020204" pitchFamily="34" charset="0"/>
+                <a:cs typeface="Arial" panose="020B0604020202020204" pitchFamily="34" charset="0"/>
+              </a:rPr>
+              <a:t> </a:t>
+            </a:r>
+            <a:r>
+              <a:rPr lang="en-US" sz="2300" dirty="0" err="1">
+                <a:solidFill>
+                  <a:schemeClr val="tx1"/>
+                </a:solidFill>
+                <a:latin typeface="Arial" panose="020B0604020202020204" pitchFamily="34" charset="0"/>
+                <a:cs typeface="Arial" panose="020B0604020202020204" pitchFamily="34" charset="0"/>
+              </a:rPr>
+              <a:t>khai</a:t>
+            </a:r>
+            <a:r>
+              <a:rPr lang="en-US" sz="2300" dirty="0">
+                <a:solidFill>
+                  <a:schemeClr val="tx1"/>
+                </a:solidFill>
+                <a:latin typeface="Arial" panose="020B0604020202020204" pitchFamily="34" charset="0"/>
+                <a:cs typeface="Arial" panose="020B0604020202020204" pitchFamily="34" charset="0"/>
+              </a:rPr>
+              <a:t> </a:t>
+            </a:r>
+            <a:r>
+              <a:rPr lang="en-US" sz="2300" dirty="0" err="1">
+                <a:solidFill>
+                  <a:schemeClr val="tx1"/>
+                </a:solidFill>
+                <a:latin typeface="Arial" panose="020B0604020202020204" pitchFamily="34" charset="0"/>
+                <a:cs typeface="Arial" panose="020B0604020202020204" pitchFamily="34" charset="0"/>
+              </a:rPr>
+              <a:t>báo</a:t>
+            </a:r>
+            <a:r>
+              <a:rPr lang="en-US" sz="2300" dirty="0">
+                <a:solidFill>
+                  <a:schemeClr val="tx1"/>
+                </a:solidFill>
+                <a:latin typeface="Arial" panose="020B0604020202020204" pitchFamily="34" charset="0"/>
+                <a:cs typeface="Arial" panose="020B0604020202020204" pitchFamily="34" charset="0"/>
+              </a:rPr>
+              <a:t> </a:t>
+            </a:r>
+            <a:r>
+              <a:rPr lang="en-US" sz="2300" dirty="0" err="1">
+                <a:solidFill>
+                  <a:schemeClr val="tx1"/>
+                </a:solidFill>
+                <a:latin typeface="Arial" panose="020B0604020202020204" pitchFamily="34" charset="0"/>
+                <a:cs typeface="Arial" panose="020B0604020202020204" pitchFamily="34" charset="0"/>
+              </a:rPr>
+              <a:t>một</a:t>
+            </a:r>
+            <a:r>
+              <a:rPr lang="en-US" sz="2300" dirty="0">
+                <a:solidFill>
+                  <a:schemeClr val="tx1"/>
+                </a:solidFill>
+                <a:latin typeface="Arial" panose="020B0604020202020204" pitchFamily="34" charset="0"/>
+                <a:cs typeface="Arial" panose="020B0604020202020204" pitchFamily="34" charset="0"/>
+              </a:rPr>
+              <a:t> function </a:t>
+            </a:r>
+            <a:r>
+              <a:rPr lang="en-US" sz="2300" dirty="0" err="1">
+                <a:solidFill>
+                  <a:schemeClr val="tx1"/>
+                </a:solidFill>
+                <a:latin typeface="Arial" panose="020B0604020202020204" pitchFamily="34" charset="0"/>
+                <a:cs typeface="Arial" panose="020B0604020202020204" pitchFamily="34" charset="0"/>
+              </a:rPr>
+              <a:t>thông</a:t>
+            </a:r>
+            <a:r>
+              <a:rPr lang="en-US" sz="2300" dirty="0">
+                <a:solidFill>
+                  <a:schemeClr val="tx1"/>
+                </a:solidFill>
+                <a:latin typeface="Arial" panose="020B0604020202020204" pitchFamily="34" charset="0"/>
+                <a:cs typeface="Arial" panose="020B0604020202020204" pitchFamily="34" charset="0"/>
+              </a:rPr>
+              <a:t> </a:t>
+            </a:r>
+            <a:r>
+              <a:rPr lang="en-US" sz="2300" dirty="0" err="1">
+                <a:solidFill>
+                  <a:schemeClr val="tx1"/>
+                </a:solidFill>
+                <a:latin typeface="Arial" panose="020B0604020202020204" pitchFamily="34" charset="0"/>
+                <a:cs typeface="Arial" panose="020B0604020202020204" pitchFamily="34" charset="0"/>
+              </a:rPr>
+              <a:t>th</a:t>
+            </a:r>
+            <a:r>
+              <a:rPr lang="vi-VN" sz="2300" dirty="0">
+                <a:solidFill>
+                  <a:schemeClr val="tx1"/>
+                </a:solidFill>
+                <a:latin typeface="Arial" panose="020B0604020202020204" pitchFamily="34" charset="0"/>
+                <a:cs typeface="Arial" panose="020B0604020202020204" pitchFamily="34" charset="0"/>
+              </a:rPr>
+              <a:t>ư</a:t>
+            </a:r>
+            <a:r>
+              <a:rPr lang="en-US" sz="2300" dirty="0" err="1">
+                <a:solidFill>
+                  <a:schemeClr val="tx1"/>
+                </a:solidFill>
+                <a:latin typeface="Arial" panose="020B0604020202020204" pitchFamily="34" charset="0"/>
+                <a:cs typeface="Arial" panose="020B0604020202020204" pitchFamily="34" charset="0"/>
+              </a:rPr>
+              <a:t>ờng</a:t>
+            </a:r>
+            <a:r>
+              <a:rPr lang="en-US" sz="2300" dirty="0">
+                <a:solidFill>
+                  <a:schemeClr val="tx1"/>
+                </a:solidFill>
+                <a:latin typeface="Arial" panose="020B0604020202020204" pitchFamily="34" charset="0"/>
+                <a:cs typeface="Arial" panose="020B0604020202020204" pitchFamily="34" charset="0"/>
+              </a:rPr>
+              <a:t>: function sum(</a:t>
+            </a:r>
+            <a:r>
+              <a:rPr lang="en-US" sz="2300" dirty="0" err="1">
+                <a:solidFill>
+                  <a:schemeClr val="tx1"/>
+                </a:solidFill>
+                <a:latin typeface="Arial" panose="020B0604020202020204" pitchFamily="34" charset="0"/>
+                <a:cs typeface="Arial" panose="020B0604020202020204" pitchFamily="34" charset="0"/>
+              </a:rPr>
+              <a:t>x,y</a:t>
+            </a:r>
+            <a:r>
+              <a:rPr lang="en-US" sz="2300" dirty="0">
+                <a:solidFill>
+                  <a:schemeClr val="tx1"/>
+                </a:solidFill>
+                <a:latin typeface="Arial" panose="020B0604020202020204" pitchFamily="34" charset="0"/>
+                <a:cs typeface="Arial" panose="020B0604020202020204" pitchFamily="34" charset="0"/>
+              </a:rPr>
+              <a:t>) {return </a:t>
+            </a:r>
+            <a:r>
+              <a:rPr lang="en-US" sz="2300" dirty="0" err="1">
+                <a:solidFill>
+                  <a:schemeClr val="tx1"/>
+                </a:solidFill>
+                <a:latin typeface="Arial" panose="020B0604020202020204" pitchFamily="34" charset="0"/>
+                <a:cs typeface="Arial" panose="020B0604020202020204" pitchFamily="34" charset="0"/>
+              </a:rPr>
+              <a:t>x+y</a:t>
+            </a:r>
+            <a:r>
+              <a:rPr lang="en-US" sz="2300" dirty="0">
+                <a:solidFill>
+                  <a:schemeClr val="tx1"/>
+                </a:solidFill>
+                <a:latin typeface="Arial" panose="020B0604020202020204" pitchFamily="34" charset="0"/>
+                <a:cs typeface="Arial" panose="020B0604020202020204" pitchFamily="34" charset="0"/>
+              </a:rPr>
+              <a:t>}</a:t>
+            </a:r>
+          </a:p>
+          <a:p>
+            <a:pPr algn="l"/>
+            <a:r>
+              <a:rPr lang="en-US" sz="2300" dirty="0" err="1">
+                <a:solidFill>
+                  <a:schemeClr val="tx1"/>
+                </a:solidFill>
+                <a:latin typeface="Arial" panose="020B0604020202020204" pitchFamily="34" charset="0"/>
+                <a:cs typeface="Arial" panose="020B0604020202020204" pitchFamily="34" charset="0"/>
+              </a:rPr>
+              <a:t>Có</a:t>
+            </a:r>
+            <a:r>
+              <a:rPr lang="en-US" sz="2300" dirty="0">
+                <a:solidFill>
+                  <a:schemeClr val="tx1"/>
+                </a:solidFill>
+                <a:latin typeface="Arial" panose="020B0604020202020204" pitchFamily="34" charset="0"/>
+                <a:cs typeface="Arial" panose="020B0604020202020204" pitchFamily="34" charset="0"/>
+              </a:rPr>
+              <a:t> </a:t>
+            </a:r>
+            <a:r>
+              <a:rPr lang="en-US" sz="2300" dirty="0" err="1">
+                <a:solidFill>
+                  <a:schemeClr val="tx1"/>
+                </a:solidFill>
+                <a:latin typeface="Arial" panose="020B0604020202020204" pitchFamily="34" charset="0"/>
+                <a:cs typeface="Arial" panose="020B0604020202020204" pitchFamily="34" charset="0"/>
+              </a:rPr>
+              <a:t>thể</a:t>
+            </a:r>
+            <a:r>
+              <a:rPr lang="en-US" sz="2300" dirty="0">
+                <a:solidFill>
+                  <a:schemeClr val="tx1"/>
+                </a:solidFill>
+                <a:latin typeface="Arial" panose="020B0604020202020204" pitchFamily="34" charset="0"/>
+                <a:cs typeface="Arial" panose="020B0604020202020204" pitchFamily="34" charset="0"/>
+              </a:rPr>
+              <a:t> </a:t>
+            </a:r>
+            <a:r>
+              <a:rPr lang="en-US" sz="2300" dirty="0" err="1">
+                <a:solidFill>
+                  <a:schemeClr val="tx1"/>
+                </a:solidFill>
+                <a:latin typeface="Arial" panose="020B0604020202020204" pitchFamily="34" charset="0"/>
+                <a:cs typeface="Arial" panose="020B0604020202020204" pitchFamily="34" charset="0"/>
+              </a:rPr>
+              <a:t>dùng</a:t>
+            </a:r>
+            <a:r>
+              <a:rPr lang="en-US" sz="2300" dirty="0">
+                <a:solidFill>
+                  <a:schemeClr val="tx1"/>
+                </a:solidFill>
+                <a:latin typeface="Arial" panose="020B0604020202020204" pitchFamily="34" charset="0"/>
+                <a:cs typeface="Arial" panose="020B0604020202020204" pitchFamily="34" charset="0"/>
+              </a:rPr>
+              <a:t> </a:t>
+            </a:r>
+            <a:r>
+              <a:rPr lang="en-US" sz="2300" dirty="0" err="1">
+                <a:solidFill>
+                  <a:schemeClr val="tx1"/>
+                </a:solidFill>
+                <a:latin typeface="Arial" panose="020B0604020202020204" pitchFamily="34" charset="0"/>
+                <a:cs typeface="Arial" panose="020B0604020202020204" pitchFamily="34" charset="0"/>
+              </a:rPr>
+              <a:t>dạng</a:t>
+            </a:r>
+            <a:r>
+              <a:rPr lang="en-US" sz="2300" dirty="0">
+                <a:solidFill>
+                  <a:schemeClr val="tx1"/>
+                </a:solidFill>
+                <a:latin typeface="Arial" panose="020B0604020202020204" pitchFamily="34" charset="0"/>
+                <a:cs typeface="Arial" panose="020B0604020202020204" pitchFamily="34" charset="0"/>
+              </a:rPr>
+              <a:t> </a:t>
+            </a:r>
+            <a:r>
+              <a:rPr lang="en-US" sz="2300" dirty="0" err="1">
+                <a:solidFill>
+                  <a:schemeClr val="tx1"/>
+                </a:solidFill>
+                <a:latin typeface="Arial" panose="020B0604020202020204" pitchFamily="34" charset="0"/>
+                <a:cs typeface="Arial" panose="020B0604020202020204" pitchFamily="34" charset="0"/>
+              </a:rPr>
+              <a:t>hàm</a:t>
+            </a:r>
+            <a:r>
+              <a:rPr lang="en-US" sz="2300" dirty="0">
+                <a:solidFill>
+                  <a:schemeClr val="tx1"/>
+                </a:solidFill>
+                <a:latin typeface="Arial" panose="020B0604020202020204" pitchFamily="34" charset="0"/>
+                <a:cs typeface="Arial" panose="020B0604020202020204" pitchFamily="34" charset="0"/>
+              </a:rPr>
+              <a:t> </a:t>
+            </a:r>
+            <a:r>
+              <a:rPr lang="en-US" sz="2300" dirty="0" err="1">
+                <a:solidFill>
+                  <a:schemeClr val="tx1"/>
+                </a:solidFill>
+                <a:latin typeface="Arial" panose="020B0604020202020204" pitchFamily="34" charset="0"/>
+                <a:cs typeface="Arial" panose="020B0604020202020204" pitchFamily="34" charset="0"/>
+              </a:rPr>
+              <a:t>không</a:t>
+            </a:r>
+            <a:r>
+              <a:rPr lang="en-US" sz="2300" dirty="0">
+                <a:solidFill>
+                  <a:schemeClr val="tx1"/>
+                </a:solidFill>
+                <a:latin typeface="Arial" panose="020B0604020202020204" pitchFamily="34" charset="0"/>
+                <a:cs typeface="Arial" panose="020B0604020202020204" pitchFamily="34" charset="0"/>
+              </a:rPr>
+              <a:t> </a:t>
+            </a:r>
+            <a:r>
+              <a:rPr lang="en-US" sz="2300" dirty="0" err="1">
+                <a:solidFill>
+                  <a:schemeClr val="tx1"/>
+                </a:solidFill>
+                <a:latin typeface="Arial" panose="020B0604020202020204" pitchFamily="34" charset="0"/>
+                <a:cs typeface="Arial" panose="020B0604020202020204" pitchFamily="34" charset="0"/>
+              </a:rPr>
+              <a:t>tên</a:t>
+            </a:r>
+            <a:r>
+              <a:rPr lang="en-US" sz="2300" dirty="0">
+                <a:solidFill>
+                  <a:schemeClr val="tx1"/>
+                </a:solidFill>
+                <a:latin typeface="Arial" panose="020B0604020202020204" pitchFamily="34" charset="0"/>
+                <a:cs typeface="Arial" panose="020B0604020202020204" pitchFamily="34" charset="0"/>
+              </a:rPr>
+              <a:t>(arrow function, anonymous </a:t>
+            </a:r>
+            <a:r>
+              <a:rPr lang="en-US" sz="2300" dirty="0" err="1">
+                <a:solidFill>
+                  <a:schemeClr val="tx1"/>
+                </a:solidFill>
+                <a:latin typeface="Arial" panose="020B0604020202020204" pitchFamily="34" charset="0"/>
+                <a:cs typeface="Arial" panose="020B0604020202020204" pitchFamily="34" charset="0"/>
+              </a:rPr>
+              <a:t>function,lambda</a:t>
+            </a:r>
+            <a:r>
+              <a:rPr lang="en-US" sz="2300" dirty="0">
+                <a:solidFill>
+                  <a:schemeClr val="tx1"/>
+                </a:solidFill>
+                <a:latin typeface="Arial" panose="020B0604020202020204" pitchFamily="34" charset="0"/>
+                <a:cs typeface="Arial" panose="020B0604020202020204" pitchFamily="34" charset="0"/>
+              </a:rPr>
+              <a:t>,…):</a:t>
+            </a:r>
+          </a:p>
+          <a:p>
+            <a:pPr algn="l"/>
+            <a:r>
+              <a:rPr lang="en-US" sz="2300" dirty="0">
+                <a:solidFill>
+                  <a:schemeClr val="tx1"/>
+                </a:solidFill>
+                <a:latin typeface="Arial" panose="020B0604020202020204" pitchFamily="34" charset="0"/>
+                <a:cs typeface="Arial" panose="020B0604020202020204" pitchFamily="34" charset="0"/>
+              </a:rPr>
+              <a:t>const sum = (x, y) =&gt; {return x +y} </a:t>
+            </a:r>
+          </a:p>
+          <a:p>
+            <a:pPr algn="l"/>
+            <a:r>
+              <a:rPr lang="en-US" sz="2300" dirty="0" err="1">
+                <a:solidFill>
+                  <a:schemeClr val="tx1"/>
+                </a:solidFill>
+                <a:latin typeface="Arial" panose="020B0604020202020204" pitchFamily="34" charset="0"/>
+                <a:cs typeface="Arial" panose="020B0604020202020204" pitchFamily="34" charset="0"/>
+              </a:rPr>
+              <a:t>Dạng</a:t>
+            </a:r>
+            <a:r>
+              <a:rPr lang="en-US" sz="2300" dirty="0">
+                <a:solidFill>
+                  <a:schemeClr val="tx1"/>
+                </a:solidFill>
+                <a:latin typeface="Arial" panose="020B0604020202020204" pitchFamily="34" charset="0"/>
+                <a:cs typeface="Arial" panose="020B0604020202020204" pitchFamily="34" charset="0"/>
+              </a:rPr>
+              <a:t> </a:t>
+            </a:r>
+            <a:r>
+              <a:rPr lang="en-US" sz="2300" dirty="0" err="1">
+                <a:solidFill>
+                  <a:schemeClr val="tx1"/>
+                </a:solidFill>
+                <a:latin typeface="Arial" panose="020B0604020202020204" pitchFamily="34" charset="0"/>
+                <a:cs typeface="Arial" panose="020B0604020202020204" pitchFamily="34" charset="0"/>
+              </a:rPr>
+              <a:t>rút</a:t>
+            </a:r>
+            <a:r>
+              <a:rPr lang="en-US" sz="2300" dirty="0">
+                <a:solidFill>
+                  <a:schemeClr val="tx1"/>
+                </a:solidFill>
+                <a:latin typeface="Arial" panose="020B0604020202020204" pitchFamily="34" charset="0"/>
+                <a:cs typeface="Arial" panose="020B0604020202020204" pitchFamily="34" charset="0"/>
+              </a:rPr>
+              <a:t> </a:t>
+            </a:r>
+            <a:r>
+              <a:rPr lang="en-US" sz="2300" dirty="0" err="1">
+                <a:solidFill>
+                  <a:schemeClr val="tx1"/>
+                </a:solidFill>
+                <a:latin typeface="Arial" panose="020B0604020202020204" pitchFamily="34" charset="0"/>
+                <a:cs typeface="Arial" panose="020B0604020202020204" pitchFamily="34" charset="0"/>
+              </a:rPr>
+              <a:t>gọn</a:t>
+            </a:r>
+            <a:r>
+              <a:rPr lang="en-US" sz="2300" dirty="0">
+                <a:solidFill>
+                  <a:schemeClr val="tx1"/>
+                </a:solidFill>
+                <a:latin typeface="Arial" panose="020B0604020202020204" pitchFamily="34" charset="0"/>
+                <a:cs typeface="Arial" panose="020B0604020202020204" pitchFamily="34" charset="0"/>
+              </a:rPr>
+              <a:t> </a:t>
+            </a:r>
+            <a:r>
+              <a:rPr lang="en-US" sz="2300" dirty="0" err="1">
+                <a:solidFill>
+                  <a:schemeClr val="tx1"/>
+                </a:solidFill>
+                <a:latin typeface="Arial" panose="020B0604020202020204" pitchFamily="34" charset="0"/>
+                <a:cs typeface="Arial" panose="020B0604020202020204" pitchFamily="34" charset="0"/>
+              </a:rPr>
+              <a:t>nếu</a:t>
+            </a:r>
+            <a:r>
+              <a:rPr lang="en-US" sz="2300" dirty="0">
+                <a:solidFill>
+                  <a:schemeClr val="tx1"/>
+                </a:solidFill>
+                <a:latin typeface="Arial" panose="020B0604020202020204" pitchFamily="34" charset="0"/>
+                <a:cs typeface="Arial" panose="020B0604020202020204" pitchFamily="34" charset="0"/>
+              </a:rPr>
+              <a:t> </a:t>
+            </a:r>
+            <a:r>
+              <a:rPr lang="en-US" sz="2300" dirty="0" err="1">
+                <a:solidFill>
+                  <a:schemeClr val="tx1"/>
+                </a:solidFill>
+                <a:latin typeface="Arial" panose="020B0604020202020204" pitchFamily="34" charset="0"/>
+                <a:cs typeface="Arial" panose="020B0604020202020204" pitchFamily="34" charset="0"/>
+              </a:rPr>
+              <a:t>phần</a:t>
+            </a:r>
+            <a:r>
+              <a:rPr lang="en-US" sz="2300" dirty="0">
+                <a:solidFill>
+                  <a:schemeClr val="tx1"/>
+                </a:solidFill>
+                <a:latin typeface="Arial" panose="020B0604020202020204" pitchFamily="34" charset="0"/>
+                <a:cs typeface="Arial" panose="020B0604020202020204" pitchFamily="34" charset="0"/>
+              </a:rPr>
+              <a:t> </a:t>
+            </a:r>
+            <a:r>
+              <a:rPr lang="en-US" sz="2300" dirty="0" err="1">
+                <a:solidFill>
+                  <a:schemeClr val="tx1"/>
+                </a:solidFill>
+                <a:latin typeface="Arial" panose="020B0604020202020204" pitchFamily="34" charset="0"/>
+                <a:cs typeface="Arial" panose="020B0604020202020204" pitchFamily="34" charset="0"/>
+              </a:rPr>
+              <a:t>thực</a:t>
+            </a:r>
+            <a:r>
+              <a:rPr lang="en-US" sz="2300" dirty="0">
+                <a:solidFill>
+                  <a:schemeClr val="tx1"/>
+                </a:solidFill>
+                <a:latin typeface="Arial" panose="020B0604020202020204" pitchFamily="34" charset="0"/>
+                <a:cs typeface="Arial" panose="020B0604020202020204" pitchFamily="34" charset="0"/>
+              </a:rPr>
+              <a:t> </a:t>
+            </a:r>
+            <a:r>
+              <a:rPr lang="en-US" sz="2300" dirty="0" err="1">
+                <a:solidFill>
+                  <a:schemeClr val="tx1"/>
+                </a:solidFill>
+                <a:latin typeface="Arial" panose="020B0604020202020204" pitchFamily="34" charset="0"/>
+                <a:cs typeface="Arial" panose="020B0604020202020204" pitchFamily="34" charset="0"/>
+              </a:rPr>
+              <a:t>thi</a:t>
+            </a:r>
+            <a:r>
+              <a:rPr lang="en-US" sz="2300" dirty="0">
+                <a:solidFill>
+                  <a:schemeClr val="tx1"/>
+                </a:solidFill>
+                <a:latin typeface="Arial" panose="020B0604020202020204" pitchFamily="34" charset="0"/>
+                <a:cs typeface="Arial" panose="020B0604020202020204" pitchFamily="34" charset="0"/>
+              </a:rPr>
+              <a:t> </a:t>
+            </a:r>
+            <a:r>
+              <a:rPr lang="en-US" sz="2300" dirty="0" err="1">
+                <a:solidFill>
+                  <a:schemeClr val="tx1"/>
+                </a:solidFill>
+                <a:latin typeface="Arial" panose="020B0604020202020204" pitchFamily="34" charset="0"/>
+                <a:cs typeface="Arial" panose="020B0604020202020204" pitchFamily="34" charset="0"/>
+              </a:rPr>
+              <a:t>của</a:t>
+            </a:r>
+            <a:r>
+              <a:rPr lang="en-US" sz="2300" dirty="0">
+                <a:solidFill>
+                  <a:schemeClr val="tx1"/>
+                </a:solidFill>
+                <a:latin typeface="Arial" panose="020B0604020202020204" pitchFamily="34" charset="0"/>
+                <a:cs typeface="Arial" panose="020B0604020202020204" pitchFamily="34" charset="0"/>
+              </a:rPr>
+              <a:t> “arrow function” </a:t>
+            </a:r>
+            <a:r>
+              <a:rPr lang="en-US" sz="2300" dirty="0" err="1">
+                <a:solidFill>
+                  <a:schemeClr val="tx1"/>
+                </a:solidFill>
+                <a:latin typeface="Arial" panose="020B0604020202020204" pitchFamily="34" charset="0"/>
+                <a:cs typeface="Arial" panose="020B0604020202020204" pitchFamily="34" charset="0"/>
+              </a:rPr>
+              <a:t>chỉ</a:t>
+            </a:r>
+            <a:r>
+              <a:rPr lang="en-US" sz="2300" dirty="0">
+                <a:solidFill>
+                  <a:schemeClr val="tx1"/>
+                </a:solidFill>
+                <a:latin typeface="Arial" panose="020B0604020202020204" pitchFamily="34" charset="0"/>
+                <a:cs typeface="Arial" panose="020B0604020202020204" pitchFamily="34" charset="0"/>
+              </a:rPr>
+              <a:t> </a:t>
+            </a:r>
+            <a:r>
+              <a:rPr lang="en-US" sz="2300" dirty="0" err="1">
+                <a:solidFill>
+                  <a:schemeClr val="tx1"/>
+                </a:solidFill>
+                <a:latin typeface="Arial" panose="020B0604020202020204" pitchFamily="34" charset="0"/>
+                <a:cs typeface="Arial" panose="020B0604020202020204" pitchFamily="34" charset="0"/>
+              </a:rPr>
+              <a:t>có</a:t>
+            </a:r>
+            <a:r>
+              <a:rPr lang="en-US" sz="2300" dirty="0">
+                <a:solidFill>
+                  <a:schemeClr val="tx1"/>
+                </a:solidFill>
+                <a:latin typeface="Arial" panose="020B0604020202020204" pitchFamily="34" charset="0"/>
+                <a:cs typeface="Arial" panose="020B0604020202020204" pitchFamily="34" charset="0"/>
+              </a:rPr>
+              <a:t> 1 </a:t>
+            </a:r>
+            <a:r>
+              <a:rPr lang="en-US" sz="2300" dirty="0" err="1">
+                <a:solidFill>
+                  <a:schemeClr val="tx1"/>
+                </a:solidFill>
+                <a:latin typeface="Arial" panose="020B0604020202020204" pitchFamily="34" charset="0"/>
+                <a:cs typeface="Arial" panose="020B0604020202020204" pitchFamily="34" charset="0"/>
+              </a:rPr>
+              <a:t>dòng</a:t>
+            </a:r>
+            <a:r>
+              <a:rPr lang="en-US" sz="2300" dirty="0">
+                <a:solidFill>
+                  <a:schemeClr val="tx1"/>
+                </a:solidFill>
+                <a:latin typeface="Arial" panose="020B0604020202020204" pitchFamily="34" charset="0"/>
+                <a:cs typeface="Arial" panose="020B0604020202020204" pitchFamily="34" charset="0"/>
+              </a:rPr>
+              <a:t>:</a:t>
+            </a:r>
+          </a:p>
+          <a:p>
+            <a:pPr algn="l"/>
+            <a:r>
+              <a:rPr lang="en-US" sz="2300" dirty="0">
+                <a:solidFill>
+                  <a:schemeClr val="tx1"/>
+                </a:solidFill>
+                <a:latin typeface="Arial" panose="020B0604020202020204" pitchFamily="34" charset="0"/>
+                <a:cs typeface="Arial" panose="020B0604020202020204" pitchFamily="34" charset="0"/>
+              </a:rPr>
+              <a:t>const sum = (x, y) =&gt; x + y</a:t>
+            </a:r>
+          </a:p>
+          <a:p>
+            <a:pPr algn="l"/>
+            <a:r>
+              <a:rPr lang="en-US" sz="2300" dirty="0" err="1">
+                <a:solidFill>
+                  <a:schemeClr val="tx1"/>
+                </a:solidFill>
+                <a:latin typeface="Arial" panose="020B0604020202020204" pitchFamily="34" charset="0"/>
+                <a:cs typeface="Arial" panose="020B0604020202020204" pitchFamily="34" charset="0"/>
+              </a:rPr>
+              <a:t>Nếu</a:t>
+            </a:r>
+            <a:r>
+              <a:rPr lang="en-US" sz="2300" dirty="0">
+                <a:solidFill>
+                  <a:schemeClr val="tx1"/>
+                </a:solidFill>
+                <a:latin typeface="Arial" panose="020B0604020202020204" pitchFamily="34" charset="0"/>
+                <a:cs typeface="Arial" panose="020B0604020202020204" pitchFamily="34" charset="0"/>
+              </a:rPr>
+              <a:t> </a:t>
+            </a:r>
+            <a:r>
+              <a:rPr lang="en-US" sz="2300" dirty="0" err="1">
+                <a:solidFill>
+                  <a:schemeClr val="tx1"/>
+                </a:solidFill>
+                <a:latin typeface="Arial" panose="020B0604020202020204" pitchFamily="34" charset="0"/>
+                <a:cs typeface="Arial" panose="020B0604020202020204" pitchFamily="34" charset="0"/>
+              </a:rPr>
+              <a:t>phần</a:t>
+            </a:r>
+            <a:r>
+              <a:rPr lang="en-US" sz="2300" dirty="0">
+                <a:solidFill>
+                  <a:schemeClr val="tx1"/>
+                </a:solidFill>
+                <a:latin typeface="Arial" panose="020B0604020202020204" pitchFamily="34" charset="0"/>
+                <a:cs typeface="Arial" panose="020B0604020202020204" pitchFamily="34" charset="0"/>
+              </a:rPr>
+              <a:t> </a:t>
+            </a:r>
+            <a:r>
+              <a:rPr lang="en-US" sz="2300" dirty="0" err="1">
+                <a:solidFill>
+                  <a:schemeClr val="tx1"/>
+                </a:solidFill>
+                <a:latin typeface="Arial" panose="020B0604020202020204" pitchFamily="34" charset="0"/>
+                <a:cs typeface="Arial" panose="020B0604020202020204" pitchFamily="34" charset="0"/>
+              </a:rPr>
+              <a:t>tham</a:t>
+            </a:r>
+            <a:r>
+              <a:rPr lang="en-US" sz="2300" dirty="0">
+                <a:solidFill>
+                  <a:schemeClr val="tx1"/>
+                </a:solidFill>
+                <a:latin typeface="Arial" panose="020B0604020202020204" pitchFamily="34" charset="0"/>
+                <a:cs typeface="Arial" panose="020B0604020202020204" pitchFamily="34" charset="0"/>
+              </a:rPr>
+              <a:t> </a:t>
+            </a:r>
+            <a:r>
+              <a:rPr lang="en-US" sz="2300" dirty="0" err="1">
+                <a:solidFill>
+                  <a:schemeClr val="tx1"/>
+                </a:solidFill>
+                <a:latin typeface="Arial" panose="020B0604020202020204" pitchFamily="34" charset="0"/>
+                <a:cs typeface="Arial" panose="020B0604020202020204" pitchFamily="34" charset="0"/>
+              </a:rPr>
+              <a:t>số</a:t>
+            </a:r>
+            <a:r>
+              <a:rPr lang="en-US" sz="2300" dirty="0">
+                <a:solidFill>
+                  <a:schemeClr val="tx1"/>
+                </a:solidFill>
+                <a:latin typeface="Arial" panose="020B0604020202020204" pitchFamily="34" charset="0"/>
+                <a:cs typeface="Arial" panose="020B0604020202020204" pitchFamily="34" charset="0"/>
+              </a:rPr>
+              <a:t>(parameter) </a:t>
+            </a:r>
+            <a:r>
+              <a:rPr lang="en-US" sz="2300" dirty="0" err="1">
+                <a:solidFill>
+                  <a:schemeClr val="tx1"/>
+                </a:solidFill>
+                <a:latin typeface="Arial" panose="020B0604020202020204" pitchFamily="34" charset="0"/>
+                <a:cs typeface="Arial" panose="020B0604020202020204" pitchFamily="34" charset="0"/>
+              </a:rPr>
+              <a:t>chỉ</a:t>
+            </a:r>
+            <a:r>
+              <a:rPr lang="en-US" sz="2300" dirty="0">
+                <a:solidFill>
+                  <a:schemeClr val="tx1"/>
+                </a:solidFill>
+                <a:latin typeface="Arial" panose="020B0604020202020204" pitchFamily="34" charset="0"/>
+                <a:cs typeface="Arial" panose="020B0604020202020204" pitchFamily="34" charset="0"/>
+              </a:rPr>
+              <a:t> </a:t>
+            </a:r>
+            <a:r>
+              <a:rPr lang="en-US" sz="2300" dirty="0" err="1">
+                <a:solidFill>
+                  <a:schemeClr val="tx1"/>
+                </a:solidFill>
+                <a:latin typeface="Arial" panose="020B0604020202020204" pitchFamily="34" charset="0"/>
+                <a:cs typeface="Arial" panose="020B0604020202020204" pitchFamily="34" charset="0"/>
+              </a:rPr>
+              <a:t>có</a:t>
+            </a:r>
+            <a:r>
+              <a:rPr lang="en-US" sz="2300" dirty="0">
+                <a:solidFill>
+                  <a:schemeClr val="tx1"/>
+                </a:solidFill>
+                <a:latin typeface="Arial" panose="020B0604020202020204" pitchFamily="34" charset="0"/>
+                <a:cs typeface="Arial" panose="020B0604020202020204" pitchFamily="34" charset="0"/>
+              </a:rPr>
+              <a:t> 1 </a:t>
+            </a:r>
+            <a:r>
+              <a:rPr lang="en-US" sz="2300" dirty="0" err="1">
+                <a:solidFill>
+                  <a:schemeClr val="tx1"/>
+                </a:solidFill>
+                <a:latin typeface="Arial" panose="020B0604020202020204" pitchFamily="34" charset="0"/>
+                <a:cs typeface="Arial" panose="020B0604020202020204" pitchFamily="34" charset="0"/>
+              </a:rPr>
+              <a:t>dòng</a:t>
+            </a:r>
+            <a:r>
+              <a:rPr lang="en-US" sz="2300" dirty="0">
+                <a:solidFill>
+                  <a:schemeClr val="tx1"/>
+                </a:solidFill>
+                <a:latin typeface="Arial" panose="020B0604020202020204" pitchFamily="34" charset="0"/>
+                <a:cs typeface="Arial" panose="020B0604020202020204" pitchFamily="34" charset="0"/>
+              </a:rPr>
+              <a:t>:</a:t>
+            </a:r>
+          </a:p>
+          <a:p>
+            <a:pPr algn="l"/>
+            <a:r>
+              <a:rPr lang="en-US" sz="2300" dirty="0">
+                <a:solidFill>
+                  <a:schemeClr val="tx1"/>
+                </a:solidFill>
+                <a:latin typeface="Arial" panose="020B0604020202020204" pitchFamily="34" charset="0"/>
+                <a:cs typeface="Arial" panose="020B0604020202020204" pitchFamily="34" charset="0"/>
+              </a:rPr>
+              <a:t>const square = x =&gt; x * x</a:t>
+            </a:r>
+          </a:p>
+          <a:p>
+            <a:pPr algn="l"/>
+            <a:endParaRPr lang="en-US" sz="2300" dirty="0">
+              <a:solidFill>
+                <a:schemeClr val="tx1"/>
+              </a:solidFill>
+              <a:latin typeface="Arial" panose="020B0604020202020204" pitchFamily="34" charset="0"/>
+              <a:cs typeface="Arial" panose="020B0604020202020204" pitchFamily="34" charset="0"/>
+            </a:endParaRPr>
+          </a:p>
+          <a:p>
+            <a:pPr algn="l"/>
+            <a:endParaRPr lang="en-US" sz="2300" dirty="0">
+              <a:solidFill>
+                <a:schemeClr val="tx1"/>
+              </a:solidFill>
+              <a:latin typeface="Arial" panose="020B0604020202020204" pitchFamily="34" charset="0"/>
+              <a:cs typeface="Arial" panose="020B0604020202020204" pitchFamily="34" charset="0"/>
+            </a:endParaRPr>
+          </a:p>
+        </p:txBody>
+      </p:sp>
+      <p:pic>
+        <p:nvPicPr>
+          <p:cNvPr id="4" name="Picture 3"/>
+          <p:cNvPicPr>
+            <a:picLocks noChangeAspect="1"/>
+          </p:cNvPicPr>
+          <p:nvPr/>
+        </p:nvPicPr>
+        <p:blipFill>
+          <a:blip r:embed="rId2"/>
+          <a:stretch>
+            <a:fillRect/>
+          </a:stretch>
+        </p:blipFill>
+        <p:spPr>
+          <a:xfrm>
+            <a:off x="0" y="5977096"/>
+            <a:ext cx="3517697" cy="816935"/>
+          </a:xfrm>
+          <a:prstGeom prst="rect">
+            <a:avLst/>
+          </a:prstGeom>
+        </p:spPr>
+      </p:pic>
+    </p:spTree>
+    <p:extLst>
+      <p:ext uri="{BB962C8B-B14F-4D97-AF65-F5344CB8AC3E}">
+        <p14:creationId xmlns:p14="http://schemas.microsoft.com/office/powerpoint/2010/main" val="4212631275"/>
+      </p:ext>
+    </p:extLst>
+  </p:cSld>
+  <p:clrMapOvr>
+    <a:masterClrMapping/>
+  </p:clrMapOvr>
+</p:sld>
+</file>
+
+<file path=ppt/slides/slide12.xml><?xml version="1.0" encoding="utf-8"?>
+<p:sld xmlns:a="http://schemas.openxmlformats.org/drawingml/2006/main" xmlns:r="http://schemas.openxmlformats.org/officeDocument/2006/relationships" xmlns:p="http://schemas.openxmlformats.org/presentationml/2006/main">
+  <p:cSld>
+    <p:spTree>
+      <p:nvGrpSpPr>
+        <p:cNvPr id="1" name=""/>
+        <p:cNvGrpSpPr/>
+        <p:nvPr/>
+      </p:nvGrpSpPr>
+      <p:grpSpPr>
+        <a:xfrm>
+          <a:off x="0" y="0"/>
+          <a:ext cx="0" cy="0"/>
+          <a:chOff x="0" y="0"/>
+          <a:chExt cx="0" cy="0"/>
+        </a:xfrm>
+      </p:grpSpPr>
+      <p:sp>
+        <p:nvSpPr>
+          <p:cNvPr id="2" name="Title 1"/>
+          <p:cNvSpPr>
+            <a:spLocks noGrp="1"/>
+          </p:cNvSpPr>
+          <p:nvPr>
+            <p:ph type="ctrTitle"/>
+          </p:nvPr>
+        </p:nvSpPr>
+        <p:spPr>
+          <a:xfrm>
+            <a:off x="0" y="63969"/>
+            <a:ext cx="12192000" cy="836132"/>
+          </a:xfrm>
+        </p:spPr>
+        <p:txBody>
+          <a:bodyPr/>
+          <a:lstStyle/>
+          <a:p>
+            <a:pPr algn="ctr"/>
+            <a:r>
+              <a:rPr lang="en-US" sz="4000" b="1" dirty="0" err="1">
+                <a:solidFill>
+                  <a:schemeClr val="tx1"/>
+                </a:solidFill>
+                <a:latin typeface="Arial" panose="020B0604020202020204" pitchFamily="34" charset="0"/>
+                <a:cs typeface="Arial" panose="020B0604020202020204" pitchFamily="34" charset="0"/>
+              </a:rPr>
+              <a:t>Javascript</a:t>
+            </a:r>
+            <a:r>
+              <a:rPr lang="en-US" sz="4000" b="1" dirty="0">
+                <a:solidFill>
+                  <a:schemeClr val="tx1"/>
+                </a:solidFill>
+                <a:latin typeface="Arial" panose="020B0604020202020204" pitchFamily="34" charset="0"/>
+                <a:cs typeface="Arial" panose="020B0604020202020204" pitchFamily="34" charset="0"/>
+              </a:rPr>
+              <a:t> ECMAScript 6,7</a:t>
+            </a:r>
+            <a:endParaRPr lang="en-US" sz="4000" dirty="0">
+              <a:solidFill>
+                <a:schemeClr val="tx1"/>
+              </a:solidFill>
+              <a:latin typeface="Arial" panose="020B0604020202020204" pitchFamily="34" charset="0"/>
+              <a:cs typeface="Arial" panose="020B0604020202020204" pitchFamily="34" charset="0"/>
+            </a:endParaRPr>
+          </a:p>
+        </p:txBody>
+      </p:sp>
+      <p:sp>
+        <p:nvSpPr>
+          <p:cNvPr id="3" name="Subtitle 2"/>
+          <p:cNvSpPr>
+            <a:spLocks noGrp="1"/>
+          </p:cNvSpPr>
+          <p:nvPr>
+            <p:ph type="subTitle" idx="1"/>
+          </p:nvPr>
+        </p:nvSpPr>
+        <p:spPr>
+          <a:xfrm>
+            <a:off x="572202" y="974502"/>
+            <a:ext cx="11012068" cy="5002594"/>
+          </a:xfrm>
+        </p:spPr>
+        <p:txBody>
+          <a:bodyPr>
+            <a:noAutofit/>
+          </a:bodyPr>
+          <a:lstStyle/>
+          <a:p>
+            <a:pPr algn="l"/>
+            <a:r>
+              <a:rPr lang="en-US" sz="2300" b="1" dirty="0" err="1">
                 <a:solidFill>
                   <a:schemeClr val="tx1"/>
                 </a:solidFill>
@@ -6295,7 +8331,7 @@
               <a:t>Mảng</a:t>
             </a:r>
             <a:r>
-              <a:rPr lang="en-US" sz="2300" dirty="0">
+              <a:rPr lang="en-US" sz="2300" b="1" dirty="0">
                 <a:solidFill>
                   <a:schemeClr val="tx1"/>
                 </a:solidFill>
@@ -6305,7 +8341,7 @@
               <a:t>(array) </a:t>
             </a:r>
             <a:r>
-              <a:rPr lang="en-US" sz="2300" dirty="0" err="1">
+              <a:rPr lang="en-US" sz="2300" b="1" dirty="0" err="1">
                 <a:solidFill>
                   <a:schemeClr val="tx1"/>
                 </a:solidFill>
@@ -6315,17 +8351,17 @@
               <a:t>trong</a:t>
             </a:r>
             <a:r>
-              <a:rPr lang="en-US" sz="2300" dirty="0">
-                <a:solidFill>
-                  <a:schemeClr val="tx1"/>
-                </a:solidFill>
-                <a:latin typeface="Arial" panose="020B0604020202020204" pitchFamily="34" charset="0"/>
-                <a:cs typeface="Arial" panose="020B0604020202020204" pitchFamily="34" charset="0"/>
-              </a:rPr>
-              <a:t> </a:t>
-            </a:r>
-            <a:r>
-              <a:rPr lang="en-US" sz="2300" dirty="0" err="1">
+              <a:rPr lang="en-US" sz="2300" b="1" dirty="0">
+                <a:solidFill>
+                  <a:schemeClr val="tx1"/>
+                </a:solidFill>
+                <a:latin typeface="Arial" panose="020B0604020202020204" pitchFamily="34" charset="0"/>
+                <a:cs typeface="Arial" panose="020B0604020202020204" pitchFamily="34" charset="0"/>
+              </a:rPr>
+              <a:t> </a:t>
+            </a:r>
+            <a:r>
+              <a:rPr lang="en-US" sz="2300" b="1" dirty="0" err="1">
                 <a:solidFill>
                   <a:schemeClr val="tx1"/>
                 </a:solidFill>
@@ -6335,7 +8371,7 @@
               <a:t>Javascript</a:t>
             </a:r>
             <a:r>
-              <a:rPr lang="en-US" sz="2300" dirty="0">
+              <a:rPr lang="en-US" sz="2300" b="1" dirty="0">
                 <a:solidFill>
                   <a:schemeClr val="tx1"/>
                 </a:solidFill>
@@ -6731,6 +8767,372 @@
                 <a:cs typeface="Arial" panose="020B0604020202020204" pitchFamily="34" charset="0"/>
               </a:rPr>
               <a:t>()</a:t>
+            </a:r>
+          </a:p>
+          <a:p>
+            <a:pPr algn="l"/>
+            <a:r>
+              <a:rPr lang="en-US" sz="2300" dirty="0" err="1">
+                <a:solidFill>
+                  <a:schemeClr val="tx1"/>
+                </a:solidFill>
+                <a:latin typeface="Arial" panose="020B0604020202020204" pitchFamily="34" charset="0"/>
+                <a:cs typeface="Arial" panose="020B0604020202020204" pitchFamily="34" charset="0"/>
+              </a:rPr>
+              <a:t>Xóa</a:t>
+            </a:r>
+            <a:r>
+              <a:rPr lang="en-US" sz="2300" dirty="0">
+                <a:solidFill>
+                  <a:schemeClr val="tx1"/>
+                </a:solidFill>
+                <a:latin typeface="Arial" panose="020B0604020202020204" pitchFamily="34" charset="0"/>
+                <a:cs typeface="Arial" panose="020B0604020202020204" pitchFamily="34" charset="0"/>
+              </a:rPr>
+              <a:t> </a:t>
+            </a:r>
+            <a:r>
+              <a:rPr lang="en-US" sz="2300" dirty="0" err="1">
+                <a:solidFill>
+                  <a:schemeClr val="tx1"/>
+                </a:solidFill>
+                <a:latin typeface="Arial" panose="020B0604020202020204" pitchFamily="34" charset="0"/>
+                <a:cs typeface="Arial" panose="020B0604020202020204" pitchFamily="34" charset="0"/>
+              </a:rPr>
+              <a:t>một</a:t>
+            </a:r>
+            <a:r>
+              <a:rPr lang="en-US" sz="2300" dirty="0">
+                <a:solidFill>
+                  <a:schemeClr val="tx1"/>
+                </a:solidFill>
+                <a:latin typeface="Arial" panose="020B0604020202020204" pitchFamily="34" charset="0"/>
+                <a:cs typeface="Arial" panose="020B0604020202020204" pitchFamily="34" charset="0"/>
+              </a:rPr>
+              <a:t> </a:t>
+            </a:r>
+            <a:r>
+              <a:rPr lang="en-US" sz="2300" dirty="0" err="1">
+                <a:solidFill>
+                  <a:schemeClr val="tx1"/>
+                </a:solidFill>
+                <a:latin typeface="Arial" panose="020B0604020202020204" pitchFamily="34" charset="0"/>
+                <a:cs typeface="Arial" panose="020B0604020202020204" pitchFamily="34" charset="0"/>
+              </a:rPr>
+              <a:t>phần</a:t>
+            </a:r>
+            <a:r>
+              <a:rPr lang="en-US" sz="2300" dirty="0">
+                <a:solidFill>
+                  <a:schemeClr val="tx1"/>
+                </a:solidFill>
+                <a:latin typeface="Arial" panose="020B0604020202020204" pitchFamily="34" charset="0"/>
+                <a:cs typeface="Arial" panose="020B0604020202020204" pitchFamily="34" charset="0"/>
+              </a:rPr>
+              <a:t> </a:t>
+            </a:r>
+            <a:r>
+              <a:rPr lang="en-US" sz="2300" dirty="0" err="1">
+                <a:solidFill>
+                  <a:schemeClr val="tx1"/>
+                </a:solidFill>
+                <a:latin typeface="Arial" panose="020B0604020202020204" pitchFamily="34" charset="0"/>
+                <a:cs typeface="Arial" panose="020B0604020202020204" pitchFamily="34" charset="0"/>
+              </a:rPr>
+              <a:t>tử</a:t>
+            </a:r>
+            <a:r>
+              <a:rPr lang="en-US" sz="2300" dirty="0">
+                <a:solidFill>
+                  <a:schemeClr val="tx1"/>
+                </a:solidFill>
+                <a:latin typeface="Arial" panose="020B0604020202020204" pitchFamily="34" charset="0"/>
+                <a:cs typeface="Arial" panose="020B0604020202020204" pitchFamily="34" charset="0"/>
+              </a:rPr>
+              <a:t> </a:t>
+            </a:r>
+            <a:r>
+              <a:rPr lang="en-US" sz="2300" dirty="0" err="1">
+                <a:solidFill>
+                  <a:schemeClr val="tx1"/>
+                </a:solidFill>
+                <a:latin typeface="Arial" panose="020B0604020202020204" pitchFamily="34" charset="0"/>
+                <a:cs typeface="Arial" panose="020B0604020202020204" pitchFamily="34" charset="0"/>
+              </a:rPr>
+              <a:t>bất</a:t>
+            </a:r>
+            <a:r>
+              <a:rPr lang="en-US" sz="2300" dirty="0">
+                <a:solidFill>
+                  <a:schemeClr val="tx1"/>
+                </a:solidFill>
+                <a:latin typeface="Arial" panose="020B0604020202020204" pitchFamily="34" charset="0"/>
+                <a:cs typeface="Arial" panose="020B0604020202020204" pitchFamily="34" charset="0"/>
+              </a:rPr>
+              <a:t> </a:t>
+            </a:r>
+            <a:r>
+              <a:rPr lang="en-US" sz="2300" dirty="0" err="1">
+                <a:solidFill>
+                  <a:schemeClr val="tx1"/>
+                </a:solidFill>
+                <a:latin typeface="Arial" panose="020B0604020202020204" pitchFamily="34" charset="0"/>
+                <a:cs typeface="Arial" panose="020B0604020202020204" pitchFamily="34" charset="0"/>
+              </a:rPr>
+              <a:t>kỳ</a:t>
+            </a:r>
+            <a:r>
+              <a:rPr lang="en-US" sz="2300" dirty="0">
+                <a:solidFill>
+                  <a:schemeClr val="tx1"/>
+                </a:solidFill>
+                <a:latin typeface="Arial" panose="020B0604020202020204" pitchFamily="34" charset="0"/>
+                <a:cs typeface="Arial" panose="020B0604020202020204" pitchFamily="34" charset="0"/>
+              </a:rPr>
+              <a:t>: </a:t>
+            </a:r>
+            <a:r>
+              <a:rPr lang="en-US" sz="2300" dirty="0" err="1">
+                <a:solidFill>
+                  <a:schemeClr val="tx1"/>
+                </a:solidFill>
+                <a:latin typeface="Arial" panose="020B0604020202020204" pitchFamily="34" charset="0"/>
+                <a:cs typeface="Arial" panose="020B0604020202020204" pitchFamily="34" charset="0"/>
+              </a:rPr>
+              <a:t>products.filter</a:t>
+            </a:r>
+            <a:r>
+              <a:rPr lang="en-US" sz="2300" dirty="0">
+                <a:solidFill>
+                  <a:schemeClr val="tx1"/>
+                </a:solidFill>
+                <a:latin typeface="Arial" panose="020B0604020202020204" pitchFamily="34" charset="0"/>
+                <a:cs typeface="Arial" panose="020B0604020202020204" pitchFamily="34" charset="0"/>
+              </a:rPr>
+              <a:t>(product =&gt; {return product.name !== “</a:t>
+            </a:r>
+            <a:r>
+              <a:rPr lang="en-US" sz="2300" dirty="0" err="1">
+                <a:solidFill>
+                  <a:schemeClr val="tx1"/>
+                </a:solidFill>
+                <a:latin typeface="Arial" panose="020B0604020202020204" pitchFamily="34" charset="0"/>
+                <a:cs typeface="Arial" panose="020B0604020202020204" pitchFamily="34" charset="0"/>
+              </a:rPr>
+              <a:t>iphone</a:t>
+            </a:r>
+            <a:r>
+              <a:rPr lang="en-US" sz="2300" dirty="0">
+                <a:solidFill>
+                  <a:schemeClr val="tx1"/>
+                </a:solidFill>
+                <a:latin typeface="Arial" panose="020B0604020202020204" pitchFamily="34" charset="0"/>
+                <a:cs typeface="Arial" panose="020B0604020202020204" pitchFamily="34" charset="0"/>
+              </a:rPr>
+              <a:t> 6”})</a:t>
+            </a:r>
+          </a:p>
+          <a:p>
+            <a:pPr algn="l"/>
+            <a:r>
+              <a:rPr lang="en-US" sz="2300" dirty="0" err="1">
+                <a:solidFill>
+                  <a:schemeClr val="tx1"/>
+                </a:solidFill>
+                <a:latin typeface="Arial" panose="020B0604020202020204" pitchFamily="34" charset="0"/>
+                <a:cs typeface="Arial" panose="020B0604020202020204" pitchFamily="34" charset="0"/>
+              </a:rPr>
+              <a:t>Tìm</a:t>
+            </a:r>
+            <a:r>
+              <a:rPr lang="en-US" sz="2300" dirty="0">
+                <a:solidFill>
+                  <a:schemeClr val="tx1"/>
+                </a:solidFill>
+                <a:latin typeface="Arial" panose="020B0604020202020204" pitchFamily="34" charset="0"/>
+                <a:cs typeface="Arial" panose="020B0604020202020204" pitchFamily="34" charset="0"/>
+              </a:rPr>
+              <a:t> </a:t>
+            </a:r>
+            <a:r>
+              <a:rPr lang="en-US" sz="2300" dirty="0" err="1">
+                <a:solidFill>
+                  <a:schemeClr val="tx1"/>
+                </a:solidFill>
+                <a:latin typeface="Arial" panose="020B0604020202020204" pitchFamily="34" charset="0"/>
+                <a:cs typeface="Arial" panose="020B0604020202020204" pitchFamily="34" charset="0"/>
+              </a:rPr>
+              <a:t>một</a:t>
+            </a:r>
+            <a:r>
+              <a:rPr lang="en-US" sz="2300" dirty="0">
+                <a:solidFill>
+                  <a:schemeClr val="tx1"/>
+                </a:solidFill>
+                <a:latin typeface="Arial" panose="020B0604020202020204" pitchFamily="34" charset="0"/>
+                <a:cs typeface="Arial" panose="020B0604020202020204" pitchFamily="34" charset="0"/>
+              </a:rPr>
+              <a:t> </a:t>
+            </a:r>
+            <a:r>
+              <a:rPr lang="en-US" sz="2300" dirty="0" err="1">
+                <a:solidFill>
+                  <a:schemeClr val="tx1"/>
+                </a:solidFill>
+                <a:latin typeface="Arial" panose="020B0604020202020204" pitchFamily="34" charset="0"/>
+                <a:cs typeface="Arial" panose="020B0604020202020204" pitchFamily="34" charset="0"/>
+              </a:rPr>
+              <a:t>hoặc</a:t>
+            </a:r>
+            <a:r>
+              <a:rPr lang="en-US" sz="2300" dirty="0">
+                <a:solidFill>
+                  <a:schemeClr val="tx1"/>
+                </a:solidFill>
+                <a:latin typeface="Arial" panose="020B0604020202020204" pitchFamily="34" charset="0"/>
+                <a:cs typeface="Arial" panose="020B0604020202020204" pitchFamily="34" charset="0"/>
+              </a:rPr>
+              <a:t> </a:t>
+            </a:r>
+            <a:r>
+              <a:rPr lang="en-US" sz="2300" dirty="0" err="1">
+                <a:solidFill>
+                  <a:schemeClr val="tx1"/>
+                </a:solidFill>
+                <a:latin typeface="Arial" panose="020B0604020202020204" pitchFamily="34" charset="0"/>
+                <a:cs typeface="Arial" panose="020B0604020202020204" pitchFamily="34" charset="0"/>
+              </a:rPr>
+              <a:t>nhiều</a:t>
+            </a:r>
+            <a:r>
+              <a:rPr lang="en-US" sz="2300" dirty="0">
+                <a:solidFill>
+                  <a:schemeClr val="tx1"/>
+                </a:solidFill>
+                <a:latin typeface="Arial" panose="020B0604020202020204" pitchFamily="34" charset="0"/>
+                <a:cs typeface="Arial" panose="020B0604020202020204" pitchFamily="34" charset="0"/>
+              </a:rPr>
+              <a:t> </a:t>
+            </a:r>
+            <a:r>
+              <a:rPr lang="en-US" sz="2300" dirty="0" err="1">
+                <a:solidFill>
+                  <a:schemeClr val="tx1"/>
+                </a:solidFill>
+                <a:latin typeface="Arial" panose="020B0604020202020204" pitchFamily="34" charset="0"/>
+                <a:cs typeface="Arial" panose="020B0604020202020204" pitchFamily="34" charset="0"/>
+              </a:rPr>
+              <a:t>phần</a:t>
+            </a:r>
+            <a:r>
+              <a:rPr lang="en-US" sz="2300" dirty="0">
+                <a:solidFill>
+                  <a:schemeClr val="tx1"/>
+                </a:solidFill>
+                <a:latin typeface="Arial" panose="020B0604020202020204" pitchFamily="34" charset="0"/>
+                <a:cs typeface="Arial" panose="020B0604020202020204" pitchFamily="34" charset="0"/>
+              </a:rPr>
+              <a:t> </a:t>
+            </a:r>
+            <a:r>
+              <a:rPr lang="en-US" sz="2300" dirty="0" err="1">
+                <a:solidFill>
+                  <a:schemeClr val="tx1"/>
+                </a:solidFill>
+                <a:latin typeface="Arial" panose="020B0604020202020204" pitchFamily="34" charset="0"/>
+                <a:cs typeface="Arial" panose="020B0604020202020204" pitchFamily="34" charset="0"/>
+              </a:rPr>
+              <a:t>tử</a:t>
+            </a:r>
+            <a:r>
+              <a:rPr lang="en-US" sz="2300" dirty="0">
+                <a:solidFill>
+                  <a:schemeClr val="tx1"/>
+                </a:solidFill>
+                <a:latin typeface="Arial" panose="020B0604020202020204" pitchFamily="34" charset="0"/>
+                <a:cs typeface="Arial" panose="020B0604020202020204" pitchFamily="34" charset="0"/>
+              </a:rPr>
+              <a:t> </a:t>
+            </a:r>
+            <a:r>
+              <a:rPr lang="en-US" sz="2300" dirty="0" err="1">
+                <a:solidFill>
+                  <a:schemeClr val="tx1"/>
+                </a:solidFill>
+                <a:latin typeface="Arial" panose="020B0604020202020204" pitchFamily="34" charset="0"/>
+                <a:cs typeface="Arial" panose="020B0604020202020204" pitchFamily="34" charset="0"/>
+              </a:rPr>
+              <a:t>trong</a:t>
+            </a:r>
+            <a:r>
+              <a:rPr lang="en-US" sz="2300" dirty="0">
+                <a:solidFill>
+                  <a:schemeClr val="tx1"/>
+                </a:solidFill>
+                <a:latin typeface="Arial" panose="020B0604020202020204" pitchFamily="34" charset="0"/>
+                <a:cs typeface="Arial" panose="020B0604020202020204" pitchFamily="34" charset="0"/>
+              </a:rPr>
+              <a:t> array: let </a:t>
+            </a:r>
+            <a:r>
+              <a:rPr lang="en-US" sz="2300" dirty="0" err="1">
+                <a:solidFill>
+                  <a:schemeClr val="tx1"/>
+                </a:solidFill>
+                <a:latin typeface="Arial" panose="020B0604020202020204" pitchFamily="34" charset="0"/>
+                <a:cs typeface="Arial" panose="020B0604020202020204" pitchFamily="34" charset="0"/>
+              </a:rPr>
+              <a:t>foundProduct</a:t>
+            </a:r>
+            <a:r>
+              <a:rPr lang="en-US" sz="2300" dirty="0">
+                <a:solidFill>
+                  <a:schemeClr val="tx1"/>
+                </a:solidFill>
+                <a:latin typeface="Arial" panose="020B0604020202020204" pitchFamily="34" charset="0"/>
+                <a:cs typeface="Arial" panose="020B0604020202020204" pitchFamily="34" charset="0"/>
+              </a:rPr>
+              <a:t> = </a:t>
+            </a:r>
+            <a:r>
+              <a:rPr lang="en-US" sz="2300" dirty="0" err="1">
+                <a:solidFill>
+                  <a:schemeClr val="tx1"/>
+                </a:solidFill>
+                <a:latin typeface="Arial" panose="020B0604020202020204" pitchFamily="34" charset="0"/>
+                <a:cs typeface="Arial" panose="020B0604020202020204" pitchFamily="34" charset="0"/>
+              </a:rPr>
+              <a:t>products.find</a:t>
+            </a:r>
+            <a:r>
+              <a:rPr lang="en-US" sz="2300" dirty="0">
+                <a:solidFill>
+                  <a:schemeClr val="tx1"/>
+                </a:solidFill>
+                <a:latin typeface="Arial" panose="020B0604020202020204" pitchFamily="34" charset="0"/>
+                <a:cs typeface="Arial" panose="020B0604020202020204" pitchFamily="34" charset="0"/>
+              </a:rPr>
+              <a:t>(product =&gt; </a:t>
+            </a:r>
+            <a:r>
+              <a:rPr lang="en-US" sz="2300" dirty="0" err="1">
+                <a:solidFill>
+                  <a:schemeClr val="tx1"/>
+                </a:solidFill>
+                <a:latin typeface="Arial" panose="020B0604020202020204" pitchFamily="34" charset="0"/>
+                <a:cs typeface="Arial" panose="020B0604020202020204" pitchFamily="34" charset="0"/>
+              </a:rPr>
+              <a:t>product.year</a:t>
+            </a:r>
+            <a:r>
+              <a:rPr lang="en-US" sz="2300" dirty="0">
+                <a:solidFill>
+                  <a:schemeClr val="tx1"/>
+                </a:solidFill>
+                <a:latin typeface="Arial" panose="020B0604020202020204" pitchFamily="34" charset="0"/>
+                <a:cs typeface="Arial" panose="020B0604020202020204" pitchFamily="34" charset="0"/>
+              </a:rPr>
+              <a:t> === 2018)</a:t>
             </a:r>
           </a:p>
         </p:txBody>
@@ -6772,7 +9174,3133 @@
 </p:sld>
 </file>
 
-<file path=ppt/slides/slide11.xml><?xml version="1.0" encoding="utf-8"?>
+<file path=ppt/slides/slide13.xml><?xml version="1.0" encoding="utf-8"?>
+<p:sld xmlns:a="http://schemas.openxmlformats.org/drawingml/2006/main" xmlns:r="http://schemas.openxmlformats.org/officeDocument/2006/relationships" xmlns:p="http://schemas.openxmlformats.org/presentationml/2006/main">
+  <p:cSld>
+    <p:spTree>
+      <p:nvGrpSpPr>
+        <p:cNvPr id="1" name=""/>
+        <p:cNvGrpSpPr/>
+        <p:nvPr/>
+      </p:nvGrpSpPr>
+      <p:grpSpPr>
+        <a:xfrm>
+          <a:off x="0" y="0"/>
+          <a:ext cx="0" cy="0"/>
+          <a:chOff x="0" y="0"/>
+          <a:chExt cx="0" cy="0"/>
+        </a:xfrm>
+      </p:grpSpPr>
+      <p:sp>
+        <p:nvSpPr>
+          <p:cNvPr id="2" name="Title 1"/>
+          <p:cNvSpPr>
+            <a:spLocks noGrp="1"/>
+          </p:cNvSpPr>
+          <p:nvPr>
+            <p:ph type="ctrTitle"/>
+          </p:nvPr>
+        </p:nvSpPr>
+        <p:spPr>
+          <a:xfrm>
+            <a:off x="0" y="63969"/>
+            <a:ext cx="12192000" cy="836132"/>
+          </a:xfrm>
+        </p:spPr>
+        <p:txBody>
+          <a:bodyPr/>
+          <a:lstStyle/>
+          <a:p>
+            <a:pPr algn="ctr"/>
+            <a:r>
+              <a:rPr lang="en-US" sz="4000" b="1" dirty="0" err="1">
+                <a:solidFill>
+                  <a:schemeClr val="tx1"/>
+                </a:solidFill>
+                <a:latin typeface="Arial" panose="020B0604020202020204" pitchFamily="34" charset="0"/>
+                <a:cs typeface="Arial" panose="020B0604020202020204" pitchFamily="34" charset="0"/>
+              </a:rPr>
+              <a:t>Javascript</a:t>
+            </a:r>
+            <a:r>
+              <a:rPr lang="en-US" sz="4000" b="1" dirty="0">
+                <a:solidFill>
+                  <a:schemeClr val="tx1"/>
+                </a:solidFill>
+                <a:latin typeface="Arial" panose="020B0604020202020204" pitchFamily="34" charset="0"/>
+                <a:cs typeface="Arial" panose="020B0604020202020204" pitchFamily="34" charset="0"/>
+              </a:rPr>
+              <a:t> ECMAScript 6,7</a:t>
+            </a:r>
+            <a:endParaRPr lang="en-US" sz="4000" dirty="0">
+              <a:solidFill>
+                <a:schemeClr val="tx1"/>
+              </a:solidFill>
+              <a:latin typeface="Arial" panose="020B0604020202020204" pitchFamily="34" charset="0"/>
+              <a:cs typeface="Arial" panose="020B0604020202020204" pitchFamily="34" charset="0"/>
+            </a:endParaRPr>
+          </a:p>
+        </p:txBody>
+      </p:sp>
+      <p:sp>
+        <p:nvSpPr>
+          <p:cNvPr id="3" name="Subtitle 2"/>
+          <p:cNvSpPr>
+            <a:spLocks noGrp="1"/>
+          </p:cNvSpPr>
+          <p:nvPr>
+            <p:ph type="subTitle" idx="1"/>
+          </p:nvPr>
+        </p:nvSpPr>
+        <p:spPr>
+          <a:xfrm>
+            <a:off x="572202" y="974502"/>
+            <a:ext cx="11012068" cy="5002594"/>
+          </a:xfrm>
+        </p:spPr>
+        <p:txBody>
+          <a:bodyPr>
+            <a:noAutofit/>
+          </a:bodyPr>
+          <a:lstStyle/>
+          <a:p>
+            <a:pPr algn="l"/>
+            <a:r>
+              <a:rPr lang="en-US" sz="2300" b="1" dirty="0" err="1">
+                <a:solidFill>
+                  <a:schemeClr val="tx1"/>
+                </a:solidFill>
+                <a:latin typeface="Arial" panose="020B0604020202020204" pitchFamily="34" charset="0"/>
+                <a:cs typeface="Arial" panose="020B0604020202020204" pitchFamily="34" charset="0"/>
+              </a:rPr>
+              <a:t>Mảng</a:t>
+            </a:r>
+            <a:r>
+              <a:rPr lang="en-US" sz="2300" b="1" dirty="0">
+                <a:solidFill>
+                  <a:schemeClr val="tx1"/>
+                </a:solidFill>
+                <a:latin typeface="Arial" panose="020B0604020202020204" pitchFamily="34" charset="0"/>
+                <a:cs typeface="Arial" panose="020B0604020202020204" pitchFamily="34" charset="0"/>
+              </a:rPr>
+              <a:t>(array) </a:t>
+            </a:r>
+            <a:r>
+              <a:rPr lang="en-US" sz="2300" b="1" dirty="0" err="1">
+                <a:solidFill>
+                  <a:schemeClr val="tx1"/>
+                </a:solidFill>
+                <a:latin typeface="Arial" panose="020B0604020202020204" pitchFamily="34" charset="0"/>
+                <a:cs typeface="Arial" panose="020B0604020202020204" pitchFamily="34" charset="0"/>
+              </a:rPr>
+              <a:t>trong</a:t>
+            </a:r>
+            <a:r>
+              <a:rPr lang="en-US" sz="2300" b="1" dirty="0">
+                <a:solidFill>
+                  <a:schemeClr val="tx1"/>
+                </a:solidFill>
+                <a:latin typeface="Arial" panose="020B0604020202020204" pitchFamily="34" charset="0"/>
+                <a:cs typeface="Arial" panose="020B0604020202020204" pitchFamily="34" charset="0"/>
+              </a:rPr>
+              <a:t> </a:t>
+            </a:r>
+            <a:r>
+              <a:rPr lang="en-US" sz="2300" b="1" dirty="0" err="1">
+                <a:solidFill>
+                  <a:schemeClr val="tx1"/>
+                </a:solidFill>
+                <a:latin typeface="Arial" panose="020B0604020202020204" pitchFamily="34" charset="0"/>
+                <a:cs typeface="Arial" panose="020B0604020202020204" pitchFamily="34" charset="0"/>
+              </a:rPr>
+              <a:t>Javascript</a:t>
+            </a:r>
+            <a:r>
+              <a:rPr lang="en-US" sz="2300" b="1" dirty="0">
+                <a:solidFill>
+                  <a:schemeClr val="tx1"/>
+                </a:solidFill>
+                <a:latin typeface="Arial" panose="020B0604020202020204" pitchFamily="34" charset="0"/>
+                <a:cs typeface="Arial" panose="020B0604020202020204" pitchFamily="34" charset="0"/>
+              </a:rPr>
+              <a:t>(</a:t>
+            </a:r>
+            <a:r>
+              <a:rPr lang="en-US" sz="2300" b="1" dirty="0" err="1">
+                <a:solidFill>
+                  <a:schemeClr val="tx1"/>
+                </a:solidFill>
+                <a:latin typeface="Arial" panose="020B0604020202020204" pitchFamily="34" charset="0"/>
+                <a:cs typeface="Arial" panose="020B0604020202020204" pitchFamily="34" charset="0"/>
+              </a:rPr>
+              <a:t>tiếp</a:t>
+            </a:r>
+            <a:r>
+              <a:rPr lang="en-US" sz="2300" b="1" dirty="0">
+                <a:solidFill>
+                  <a:schemeClr val="tx1"/>
+                </a:solidFill>
+                <a:latin typeface="Arial" panose="020B0604020202020204" pitchFamily="34" charset="0"/>
+                <a:cs typeface="Arial" panose="020B0604020202020204" pitchFamily="34" charset="0"/>
+              </a:rPr>
+              <a:t>):</a:t>
+            </a:r>
+          </a:p>
+          <a:p>
+            <a:pPr algn="l"/>
+            <a:r>
+              <a:rPr lang="en-US" sz="2300" dirty="0" err="1">
+                <a:solidFill>
+                  <a:schemeClr val="tx1"/>
+                </a:solidFill>
+                <a:latin typeface="Arial" panose="020B0604020202020204" pitchFamily="34" charset="0"/>
+                <a:cs typeface="Arial" panose="020B0604020202020204" pitchFamily="34" charset="0"/>
+              </a:rPr>
+              <a:t>Thêm</a:t>
+            </a:r>
+            <a:r>
+              <a:rPr lang="en-US" sz="2300" dirty="0">
+                <a:solidFill>
+                  <a:schemeClr val="tx1"/>
+                </a:solidFill>
+                <a:latin typeface="Arial" panose="020B0604020202020204" pitchFamily="34" charset="0"/>
+                <a:cs typeface="Arial" panose="020B0604020202020204" pitchFamily="34" charset="0"/>
+              </a:rPr>
+              <a:t> </a:t>
+            </a:r>
+            <a:r>
+              <a:rPr lang="en-US" sz="2300" dirty="0" err="1">
+                <a:solidFill>
+                  <a:schemeClr val="tx1"/>
+                </a:solidFill>
+                <a:latin typeface="Arial" panose="020B0604020202020204" pitchFamily="34" charset="0"/>
+                <a:cs typeface="Arial" panose="020B0604020202020204" pitchFamily="34" charset="0"/>
+              </a:rPr>
+              <a:t>phần</a:t>
+            </a:r>
+            <a:r>
+              <a:rPr lang="en-US" sz="2300" dirty="0">
+                <a:solidFill>
+                  <a:schemeClr val="tx1"/>
+                </a:solidFill>
+                <a:latin typeface="Arial" panose="020B0604020202020204" pitchFamily="34" charset="0"/>
+                <a:cs typeface="Arial" panose="020B0604020202020204" pitchFamily="34" charset="0"/>
+              </a:rPr>
+              <a:t> </a:t>
+            </a:r>
+            <a:r>
+              <a:rPr lang="en-US" sz="2300" dirty="0" err="1">
+                <a:solidFill>
+                  <a:schemeClr val="tx1"/>
+                </a:solidFill>
+                <a:latin typeface="Arial" panose="020B0604020202020204" pitchFamily="34" charset="0"/>
+                <a:cs typeface="Arial" panose="020B0604020202020204" pitchFamily="34" charset="0"/>
+              </a:rPr>
+              <a:t>tử</a:t>
+            </a:r>
+            <a:r>
+              <a:rPr lang="en-US" sz="2300" dirty="0">
+                <a:solidFill>
+                  <a:schemeClr val="tx1"/>
+                </a:solidFill>
+                <a:latin typeface="Arial" panose="020B0604020202020204" pitchFamily="34" charset="0"/>
+                <a:cs typeface="Arial" panose="020B0604020202020204" pitchFamily="34" charset="0"/>
+              </a:rPr>
+              <a:t> </a:t>
+            </a:r>
+            <a:r>
+              <a:rPr lang="en-US" sz="2300" dirty="0" err="1">
+                <a:solidFill>
+                  <a:schemeClr val="tx1"/>
+                </a:solidFill>
+                <a:latin typeface="Arial" panose="020B0604020202020204" pitchFamily="34" charset="0"/>
+                <a:cs typeface="Arial" panose="020B0604020202020204" pitchFamily="34" charset="0"/>
+              </a:rPr>
+              <a:t>vào</a:t>
+            </a:r>
+            <a:r>
+              <a:rPr lang="en-US" sz="2300" dirty="0">
+                <a:solidFill>
+                  <a:schemeClr val="tx1"/>
+                </a:solidFill>
+                <a:latin typeface="Arial" panose="020B0604020202020204" pitchFamily="34" charset="0"/>
+                <a:cs typeface="Arial" panose="020B0604020202020204" pitchFamily="34" charset="0"/>
+              </a:rPr>
+              <a:t> </a:t>
+            </a:r>
+            <a:r>
+              <a:rPr lang="en-US" sz="2300" dirty="0" err="1">
+                <a:solidFill>
+                  <a:schemeClr val="tx1"/>
+                </a:solidFill>
+                <a:latin typeface="Arial" panose="020B0604020202020204" pitchFamily="34" charset="0"/>
+                <a:cs typeface="Arial" panose="020B0604020202020204" pitchFamily="34" charset="0"/>
+              </a:rPr>
+              <a:t>mảng</a:t>
+            </a:r>
+            <a:r>
+              <a:rPr lang="en-US" sz="2300" dirty="0">
+                <a:solidFill>
+                  <a:schemeClr val="tx1"/>
+                </a:solidFill>
+                <a:latin typeface="Arial" panose="020B0604020202020204" pitchFamily="34" charset="0"/>
+                <a:cs typeface="Arial" panose="020B0604020202020204" pitchFamily="34" charset="0"/>
+              </a:rPr>
+              <a:t>(</a:t>
+            </a:r>
+            <a:r>
+              <a:rPr lang="en-US" sz="2300" dirty="0" err="1">
+                <a:solidFill>
+                  <a:schemeClr val="tx1"/>
+                </a:solidFill>
+                <a:latin typeface="Arial" panose="020B0604020202020204" pitchFamily="34" charset="0"/>
+                <a:cs typeface="Arial" panose="020B0604020202020204" pitchFamily="34" charset="0"/>
+              </a:rPr>
+              <a:t>unmutable</a:t>
+            </a:r>
+            <a:r>
+              <a:rPr lang="en-US" sz="2300" dirty="0">
+                <a:solidFill>
+                  <a:schemeClr val="tx1"/>
+                </a:solidFill>
+                <a:latin typeface="Arial" panose="020B0604020202020204" pitchFamily="34" charset="0"/>
+                <a:cs typeface="Arial" panose="020B0604020202020204" pitchFamily="34" charset="0"/>
+              </a:rPr>
+              <a:t>):</a:t>
+            </a:r>
+          </a:p>
+          <a:p>
+            <a:pPr algn="l"/>
+            <a:r>
+              <a:rPr lang="en-US" sz="2300" dirty="0">
+                <a:solidFill>
+                  <a:schemeClr val="tx1"/>
+                </a:solidFill>
+                <a:latin typeface="Arial" panose="020B0604020202020204" pitchFamily="34" charset="0"/>
+                <a:cs typeface="Arial" panose="020B0604020202020204" pitchFamily="34" charset="0"/>
+              </a:rPr>
+              <a:t>let products2 = </a:t>
+            </a:r>
+            <a:r>
+              <a:rPr lang="en-US" sz="2300" dirty="0" err="1">
+                <a:solidFill>
+                  <a:schemeClr val="tx1"/>
+                </a:solidFill>
+                <a:latin typeface="Arial" panose="020B0604020202020204" pitchFamily="34" charset="0"/>
+                <a:cs typeface="Arial" panose="020B0604020202020204" pitchFamily="34" charset="0"/>
+              </a:rPr>
+              <a:t>products.concat</a:t>
+            </a:r>
+            <a:r>
+              <a:rPr lang="en-US" sz="2300" dirty="0">
+                <a:solidFill>
+                  <a:schemeClr val="tx1"/>
+                </a:solidFill>
+                <a:latin typeface="Arial" panose="020B0604020202020204" pitchFamily="34" charset="0"/>
+                <a:cs typeface="Arial" panose="020B0604020202020204" pitchFamily="34" charset="0"/>
+              </a:rPr>
+              <a:t>({name: “</a:t>
+            </a:r>
+            <a:r>
+              <a:rPr lang="en-US" sz="2300" dirty="0" err="1">
+                <a:solidFill>
+                  <a:schemeClr val="tx1"/>
+                </a:solidFill>
+                <a:latin typeface="Arial" panose="020B0604020202020204" pitchFamily="34" charset="0"/>
+                <a:cs typeface="Arial" panose="020B0604020202020204" pitchFamily="34" charset="0"/>
+              </a:rPr>
+              <a:t>iphone</a:t>
+            </a:r>
+            <a:r>
+              <a:rPr lang="en-US" sz="2300" dirty="0">
+                <a:solidFill>
+                  <a:schemeClr val="tx1"/>
+                </a:solidFill>
+                <a:latin typeface="Arial" panose="020B0604020202020204" pitchFamily="34" charset="0"/>
+                <a:cs typeface="Arial" panose="020B0604020202020204" pitchFamily="34" charset="0"/>
+              </a:rPr>
+              <a:t> 5”, year: 2015})</a:t>
+            </a:r>
+          </a:p>
+          <a:p>
+            <a:pPr algn="l"/>
+            <a:r>
+              <a:rPr lang="en-US" sz="2300" dirty="0" err="1">
+                <a:solidFill>
+                  <a:schemeClr val="tx1"/>
+                </a:solidFill>
+                <a:latin typeface="Arial" panose="020B0604020202020204" pitchFamily="34" charset="0"/>
+                <a:cs typeface="Arial" panose="020B0604020202020204" pitchFamily="34" charset="0"/>
+              </a:rPr>
+              <a:t>Ánh</a:t>
+            </a:r>
+            <a:r>
+              <a:rPr lang="en-US" sz="2300" dirty="0">
+                <a:solidFill>
+                  <a:schemeClr val="tx1"/>
+                </a:solidFill>
+                <a:latin typeface="Arial" panose="020B0604020202020204" pitchFamily="34" charset="0"/>
+                <a:cs typeface="Arial" panose="020B0604020202020204" pitchFamily="34" charset="0"/>
+              </a:rPr>
+              <a:t> </a:t>
+            </a:r>
+            <a:r>
+              <a:rPr lang="en-US" sz="2300" dirty="0" err="1">
+                <a:solidFill>
+                  <a:schemeClr val="tx1"/>
+                </a:solidFill>
+                <a:latin typeface="Arial" panose="020B0604020202020204" pitchFamily="34" charset="0"/>
+                <a:cs typeface="Arial" panose="020B0604020202020204" pitchFamily="34" charset="0"/>
+              </a:rPr>
+              <a:t>xạ</a:t>
+            </a:r>
+            <a:r>
+              <a:rPr lang="en-US" sz="2300" dirty="0">
+                <a:solidFill>
+                  <a:schemeClr val="tx1"/>
+                </a:solidFill>
+                <a:latin typeface="Arial" panose="020B0604020202020204" pitchFamily="34" charset="0"/>
+                <a:cs typeface="Arial" panose="020B0604020202020204" pitchFamily="34" charset="0"/>
+              </a:rPr>
+              <a:t>(map), </a:t>
+            </a:r>
+            <a:r>
+              <a:rPr lang="en-US" sz="2300" dirty="0" err="1">
+                <a:solidFill>
+                  <a:schemeClr val="tx1"/>
+                </a:solidFill>
+                <a:latin typeface="Arial" panose="020B0604020202020204" pitchFamily="34" charset="0"/>
+                <a:cs typeface="Arial" panose="020B0604020202020204" pitchFamily="34" charset="0"/>
+              </a:rPr>
+              <a:t>chỉnh</a:t>
+            </a:r>
+            <a:r>
+              <a:rPr lang="en-US" sz="2300" dirty="0">
+                <a:solidFill>
+                  <a:schemeClr val="tx1"/>
+                </a:solidFill>
+                <a:latin typeface="Arial" panose="020B0604020202020204" pitchFamily="34" charset="0"/>
+                <a:cs typeface="Arial" panose="020B0604020202020204" pitchFamily="34" charset="0"/>
+              </a:rPr>
+              <a:t> </a:t>
+            </a:r>
+            <a:r>
+              <a:rPr lang="en-US" sz="2300" dirty="0" err="1">
+                <a:solidFill>
+                  <a:schemeClr val="tx1"/>
+                </a:solidFill>
+                <a:latin typeface="Arial" panose="020B0604020202020204" pitchFamily="34" charset="0"/>
+                <a:cs typeface="Arial" panose="020B0604020202020204" pitchFamily="34" charset="0"/>
+              </a:rPr>
+              <a:t>sửa</a:t>
+            </a:r>
+            <a:r>
+              <a:rPr lang="en-US" sz="2300" dirty="0">
+                <a:solidFill>
+                  <a:schemeClr val="tx1"/>
+                </a:solidFill>
+                <a:latin typeface="Arial" panose="020B0604020202020204" pitchFamily="34" charset="0"/>
+                <a:cs typeface="Arial" panose="020B0604020202020204" pitchFamily="34" charset="0"/>
+              </a:rPr>
+              <a:t>(update) </a:t>
+            </a:r>
+            <a:r>
+              <a:rPr lang="en-US" sz="2300" dirty="0" err="1">
+                <a:solidFill>
+                  <a:schemeClr val="tx1"/>
+                </a:solidFill>
+                <a:latin typeface="Arial" panose="020B0604020202020204" pitchFamily="34" charset="0"/>
+                <a:cs typeface="Arial" panose="020B0604020202020204" pitchFamily="34" charset="0"/>
+              </a:rPr>
+              <a:t>một</a:t>
+            </a:r>
+            <a:r>
+              <a:rPr lang="en-US" sz="2300" dirty="0">
+                <a:solidFill>
+                  <a:schemeClr val="tx1"/>
+                </a:solidFill>
+                <a:latin typeface="Arial" panose="020B0604020202020204" pitchFamily="34" charset="0"/>
+                <a:cs typeface="Arial" panose="020B0604020202020204" pitchFamily="34" charset="0"/>
+              </a:rPr>
+              <a:t> </a:t>
+            </a:r>
+            <a:r>
+              <a:rPr lang="en-US" sz="2300" dirty="0" err="1">
+                <a:solidFill>
+                  <a:schemeClr val="tx1"/>
+                </a:solidFill>
+                <a:latin typeface="Arial" panose="020B0604020202020204" pitchFamily="34" charset="0"/>
+                <a:cs typeface="Arial" panose="020B0604020202020204" pitchFamily="34" charset="0"/>
+              </a:rPr>
+              <a:t>phần</a:t>
+            </a:r>
+            <a:r>
+              <a:rPr lang="en-US" sz="2300" dirty="0">
+                <a:solidFill>
+                  <a:schemeClr val="tx1"/>
+                </a:solidFill>
+                <a:latin typeface="Arial" panose="020B0604020202020204" pitchFamily="34" charset="0"/>
+                <a:cs typeface="Arial" panose="020B0604020202020204" pitchFamily="34" charset="0"/>
+              </a:rPr>
+              <a:t> </a:t>
+            </a:r>
+            <a:r>
+              <a:rPr lang="en-US" sz="2300" dirty="0" err="1">
+                <a:solidFill>
+                  <a:schemeClr val="tx1"/>
+                </a:solidFill>
+                <a:latin typeface="Arial" panose="020B0604020202020204" pitchFamily="34" charset="0"/>
+                <a:cs typeface="Arial" panose="020B0604020202020204" pitchFamily="34" charset="0"/>
+              </a:rPr>
+              <a:t>tử</a:t>
+            </a:r>
+            <a:r>
+              <a:rPr lang="en-US" sz="2300" dirty="0">
+                <a:solidFill>
+                  <a:schemeClr val="tx1"/>
+                </a:solidFill>
+                <a:latin typeface="Arial" panose="020B0604020202020204" pitchFamily="34" charset="0"/>
+                <a:cs typeface="Arial" panose="020B0604020202020204" pitchFamily="34" charset="0"/>
+              </a:rPr>
+              <a:t> </a:t>
+            </a:r>
+            <a:r>
+              <a:rPr lang="en-US" sz="2300" dirty="0" err="1">
+                <a:solidFill>
+                  <a:schemeClr val="tx1"/>
+                </a:solidFill>
+                <a:latin typeface="Arial" panose="020B0604020202020204" pitchFamily="34" charset="0"/>
+                <a:cs typeface="Arial" panose="020B0604020202020204" pitchFamily="34" charset="0"/>
+              </a:rPr>
+              <a:t>trong</a:t>
+            </a:r>
+            <a:r>
+              <a:rPr lang="en-US" sz="2300" dirty="0">
+                <a:solidFill>
+                  <a:schemeClr val="tx1"/>
+                </a:solidFill>
+                <a:latin typeface="Arial" panose="020B0604020202020204" pitchFamily="34" charset="0"/>
+                <a:cs typeface="Arial" panose="020B0604020202020204" pitchFamily="34" charset="0"/>
+              </a:rPr>
+              <a:t> </a:t>
+            </a:r>
+            <a:r>
+              <a:rPr lang="en-US" sz="2300" dirty="0" err="1">
+                <a:solidFill>
+                  <a:schemeClr val="tx1"/>
+                </a:solidFill>
+                <a:latin typeface="Arial" panose="020B0604020202020204" pitchFamily="34" charset="0"/>
+                <a:cs typeface="Arial" panose="020B0604020202020204" pitchFamily="34" charset="0"/>
+              </a:rPr>
+              <a:t>mảng</a:t>
+            </a:r>
+            <a:r>
+              <a:rPr lang="en-US" sz="2300" dirty="0">
+                <a:solidFill>
+                  <a:schemeClr val="tx1"/>
+                </a:solidFill>
+                <a:latin typeface="Arial" panose="020B0604020202020204" pitchFamily="34" charset="0"/>
+                <a:cs typeface="Arial" panose="020B0604020202020204" pitchFamily="34" charset="0"/>
+              </a:rPr>
+              <a:t>(array):</a:t>
+            </a:r>
+          </a:p>
+          <a:p>
+            <a:pPr algn="l"/>
+            <a:r>
+              <a:rPr lang="en-US" sz="2300" dirty="0">
+                <a:solidFill>
+                  <a:schemeClr val="tx1"/>
+                </a:solidFill>
+                <a:latin typeface="Arial" panose="020B0604020202020204" pitchFamily="34" charset="0"/>
+                <a:cs typeface="Arial" panose="020B0604020202020204" pitchFamily="34" charset="0"/>
+              </a:rPr>
+              <a:t>products2 = </a:t>
+            </a:r>
+            <a:r>
+              <a:rPr lang="en-US" sz="2300" dirty="0" err="1">
+                <a:solidFill>
+                  <a:schemeClr val="tx1"/>
+                </a:solidFill>
+                <a:latin typeface="Arial" panose="020B0604020202020204" pitchFamily="34" charset="0"/>
+                <a:cs typeface="Arial" panose="020B0604020202020204" pitchFamily="34" charset="0"/>
+              </a:rPr>
+              <a:t>products.map</a:t>
+            </a:r>
+            <a:r>
+              <a:rPr lang="en-US" sz="2300" dirty="0">
+                <a:solidFill>
+                  <a:schemeClr val="tx1"/>
+                </a:solidFill>
+                <a:latin typeface="Arial" panose="020B0604020202020204" pitchFamily="34" charset="0"/>
+                <a:cs typeface="Arial" panose="020B0604020202020204" pitchFamily="34" charset="0"/>
+              </a:rPr>
+              <a:t>((product, index) =&gt; {..”</a:t>
+            </a:r>
+            <a:r>
+              <a:rPr lang="en-US" sz="2300" dirty="0" err="1">
+                <a:solidFill>
+                  <a:schemeClr val="tx1"/>
+                </a:solidFill>
+                <a:latin typeface="Arial" panose="020B0604020202020204" pitchFamily="34" charset="0"/>
+                <a:cs typeface="Arial" panose="020B0604020202020204" pitchFamily="34" charset="0"/>
+              </a:rPr>
+              <a:t>Thay</a:t>
+            </a:r>
+            <a:r>
+              <a:rPr lang="en-US" sz="2300" dirty="0">
+                <a:solidFill>
+                  <a:schemeClr val="tx1"/>
+                </a:solidFill>
+                <a:latin typeface="Arial" panose="020B0604020202020204" pitchFamily="34" charset="0"/>
+                <a:cs typeface="Arial" panose="020B0604020202020204" pitchFamily="34" charset="0"/>
+              </a:rPr>
+              <a:t> </a:t>
+            </a:r>
+            <a:r>
+              <a:rPr lang="en-US" sz="2300" dirty="0" err="1">
+                <a:solidFill>
+                  <a:schemeClr val="tx1"/>
+                </a:solidFill>
+                <a:latin typeface="Arial" panose="020B0604020202020204" pitchFamily="34" charset="0"/>
+                <a:cs typeface="Arial" panose="020B0604020202020204" pitchFamily="34" charset="0"/>
+              </a:rPr>
+              <a:t>đổi</a:t>
+            </a:r>
+            <a:r>
+              <a:rPr lang="en-US" sz="2300" dirty="0">
+                <a:solidFill>
+                  <a:schemeClr val="tx1"/>
+                </a:solidFill>
+                <a:latin typeface="Arial" panose="020B0604020202020204" pitchFamily="34" charset="0"/>
+                <a:cs typeface="Arial" panose="020B0604020202020204" pitchFamily="34" charset="0"/>
+              </a:rPr>
+              <a:t> </a:t>
+            </a:r>
+            <a:r>
+              <a:rPr lang="en-US" sz="2300" dirty="0" err="1">
+                <a:solidFill>
+                  <a:schemeClr val="tx1"/>
+                </a:solidFill>
+                <a:latin typeface="Arial" panose="020B0604020202020204" pitchFamily="34" charset="0"/>
+                <a:cs typeface="Arial" panose="020B0604020202020204" pitchFamily="34" charset="0"/>
+              </a:rPr>
+              <a:t>từng</a:t>
+            </a:r>
+            <a:r>
+              <a:rPr lang="en-US" sz="2300" dirty="0">
+                <a:solidFill>
+                  <a:schemeClr val="tx1"/>
+                </a:solidFill>
+                <a:latin typeface="Arial" panose="020B0604020202020204" pitchFamily="34" charset="0"/>
+                <a:cs typeface="Arial" panose="020B0604020202020204" pitchFamily="34" charset="0"/>
+              </a:rPr>
+              <a:t> item </a:t>
+            </a:r>
+            <a:r>
+              <a:rPr lang="en-US" sz="2300" dirty="0" err="1">
+                <a:solidFill>
+                  <a:schemeClr val="tx1"/>
+                </a:solidFill>
+                <a:latin typeface="Arial" panose="020B0604020202020204" pitchFamily="34" charset="0"/>
+                <a:cs typeface="Arial" panose="020B0604020202020204" pitchFamily="34" charset="0"/>
+              </a:rPr>
+              <a:t>trong</a:t>
+            </a:r>
+            <a:r>
+              <a:rPr lang="en-US" sz="2300" dirty="0">
+                <a:solidFill>
+                  <a:schemeClr val="tx1"/>
+                </a:solidFill>
+                <a:latin typeface="Arial" panose="020B0604020202020204" pitchFamily="34" charset="0"/>
+                <a:cs typeface="Arial" panose="020B0604020202020204" pitchFamily="34" charset="0"/>
+              </a:rPr>
+              <a:t> products”})</a:t>
+            </a:r>
+          </a:p>
+          <a:p>
+            <a:pPr algn="l"/>
+            <a:r>
+              <a:rPr lang="en-US" sz="2300" dirty="0" err="1">
+                <a:solidFill>
+                  <a:schemeClr val="tx1"/>
+                </a:solidFill>
+                <a:latin typeface="Arial" panose="020B0604020202020204" pitchFamily="34" charset="0"/>
+                <a:cs typeface="Arial" panose="020B0604020202020204" pitchFamily="34" charset="0"/>
+              </a:rPr>
+              <a:t>Thay</a:t>
+            </a:r>
+            <a:r>
+              <a:rPr lang="en-US" sz="2300" dirty="0">
+                <a:solidFill>
+                  <a:schemeClr val="tx1"/>
+                </a:solidFill>
+                <a:latin typeface="Arial" panose="020B0604020202020204" pitchFamily="34" charset="0"/>
+                <a:cs typeface="Arial" panose="020B0604020202020204" pitchFamily="34" charset="0"/>
+              </a:rPr>
+              <a:t> </a:t>
+            </a:r>
+            <a:r>
+              <a:rPr lang="en-US" sz="2300" dirty="0" err="1">
+                <a:solidFill>
+                  <a:schemeClr val="tx1"/>
+                </a:solidFill>
+                <a:latin typeface="Arial" panose="020B0604020202020204" pitchFamily="34" charset="0"/>
+                <a:cs typeface="Arial" panose="020B0604020202020204" pitchFamily="34" charset="0"/>
+              </a:rPr>
+              <a:t>đổi</a:t>
+            </a:r>
+            <a:r>
+              <a:rPr lang="en-US" sz="2300" dirty="0">
+                <a:solidFill>
+                  <a:schemeClr val="tx1"/>
+                </a:solidFill>
+                <a:latin typeface="Arial" panose="020B0604020202020204" pitchFamily="34" charset="0"/>
+                <a:cs typeface="Arial" panose="020B0604020202020204" pitchFamily="34" charset="0"/>
+              </a:rPr>
+              <a:t>(update) item: if(product.name === “</a:t>
+            </a:r>
+            <a:r>
+              <a:rPr lang="en-US" sz="2300" dirty="0" err="1">
+                <a:solidFill>
+                  <a:schemeClr val="tx1"/>
+                </a:solidFill>
+                <a:latin typeface="Arial" panose="020B0604020202020204" pitchFamily="34" charset="0"/>
+                <a:cs typeface="Arial" panose="020B0604020202020204" pitchFamily="34" charset="0"/>
+              </a:rPr>
+              <a:t>iphone</a:t>
+            </a:r>
+            <a:r>
+              <a:rPr lang="en-US" sz="2300" dirty="0">
+                <a:solidFill>
+                  <a:schemeClr val="tx1"/>
+                </a:solidFill>
+                <a:latin typeface="Arial" panose="020B0604020202020204" pitchFamily="34" charset="0"/>
+                <a:cs typeface="Arial" panose="020B0604020202020204" pitchFamily="34" charset="0"/>
+              </a:rPr>
+              <a:t> 6”) {</a:t>
+            </a:r>
+          </a:p>
+          <a:p>
+            <a:pPr algn="l"/>
+            <a:r>
+              <a:rPr lang="en-US" sz="2300" dirty="0">
+                <a:solidFill>
+                  <a:schemeClr val="tx1"/>
+                </a:solidFill>
+                <a:latin typeface="Arial" panose="020B0604020202020204" pitchFamily="34" charset="0"/>
+                <a:cs typeface="Arial" panose="020B0604020202020204" pitchFamily="34" charset="0"/>
+              </a:rPr>
+              <a:t>	return {…product, year: 2021}</a:t>
+            </a:r>
+          </a:p>
+          <a:p>
+            <a:pPr algn="l"/>
+            <a:r>
+              <a:rPr lang="en-US" sz="2300" dirty="0">
+                <a:solidFill>
+                  <a:schemeClr val="tx1"/>
+                </a:solidFill>
+                <a:latin typeface="Arial" panose="020B0604020202020204" pitchFamily="34" charset="0"/>
+                <a:cs typeface="Arial" panose="020B0604020202020204" pitchFamily="34" charset="0"/>
+              </a:rPr>
+              <a:t>} </a:t>
+            </a:r>
+          </a:p>
+          <a:p>
+            <a:pPr algn="l"/>
+            <a:r>
+              <a:rPr lang="en-US" sz="2300" dirty="0" err="1">
+                <a:solidFill>
+                  <a:schemeClr val="tx1"/>
+                </a:solidFill>
+                <a:latin typeface="Arial" panose="020B0604020202020204" pitchFamily="34" charset="0"/>
+                <a:cs typeface="Arial" panose="020B0604020202020204" pitchFamily="34" charset="0"/>
+              </a:rPr>
+              <a:t>Việc</a:t>
+            </a:r>
+            <a:r>
+              <a:rPr lang="en-US" sz="2300" dirty="0">
+                <a:solidFill>
+                  <a:schemeClr val="tx1"/>
+                </a:solidFill>
+                <a:latin typeface="Arial" panose="020B0604020202020204" pitchFamily="34" charset="0"/>
+                <a:cs typeface="Arial" panose="020B0604020202020204" pitchFamily="34" charset="0"/>
+              </a:rPr>
+              <a:t> </a:t>
+            </a:r>
+            <a:r>
+              <a:rPr lang="en-US" sz="2300" dirty="0" err="1">
+                <a:solidFill>
+                  <a:schemeClr val="tx1"/>
+                </a:solidFill>
+                <a:latin typeface="Arial" panose="020B0604020202020204" pitchFamily="34" charset="0"/>
+                <a:cs typeface="Arial" panose="020B0604020202020204" pitchFamily="34" charset="0"/>
+              </a:rPr>
+              <a:t>thay</a:t>
+            </a:r>
+            <a:r>
+              <a:rPr lang="en-US" sz="2300" dirty="0">
+                <a:solidFill>
+                  <a:schemeClr val="tx1"/>
+                </a:solidFill>
+                <a:latin typeface="Arial" panose="020B0604020202020204" pitchFamily="34" charset="0"/>
+                <a:cs typeface="Arial" panose="020B0604020202020204" pitchFamily="34" charset="0"/>
+              </a:rPr>
+              <a:t> </a:t>
+            </a:r>
+            <a:r>
+              <a:rPr lang="en-US" sz="2300" dirty="0" err="1">
+                <a:solidFill>
+                  <a:schemeClr val="tx1"/>
+                </a:solidFill>
+                <a:latin typeface="Arial" panose="020B0604020202020204" pitchFamily="34" charset="0"/>
+                <a:cs typeface="Arial" panose="020B0604020202020204" pitchFamily="34" charset="0"/>
+              </a:rPr>
+              <a:t>đổi</a:t>
+            </a:r>
+            <a:r>
+              <a:rPr lang="en-US" sz="2300" dirty="0">
+                <a:solidFill>
+                  <a:schemeClr val="tx1"/>
+                </a:solidFill>
+                <a:latin typeface="Arial" panose="020B0604020202020204" pitchFamily="34" charset="0"/>
+                <a:cs typeface="Arial" panose="020B0604020202020204" pitchFamily="34" charset="0"/>
+              </a:rPr>
+              <a:t> </a:t>
+            </a:r>
+            <a:r>
+              <a:rPr lang="en-US" sz="2300" dirty="0" err="1">
+                <a:solidFill>
+                  <a:schemeClr val="tx1"/>
+                </a:solidFill>
+                <a:latin typeface="Arial" panose="020B0604020202020204" pitchFamily="34" charset="0"/>
+                <a:cs typeface="Arial" panose="020B0604020202020204" pitchFamily="34" charset="0"/>
+              </a:rPr>
+              <a:t>này</a:t>
+            </a:r>
+            <a:r>
+              <a:rPr lang="en-US" sz="2300" dirty="0">
+                <a:solidFill>
+                  <a:schemeClr val="tx1"/>
+                </a:solidFill>
+                <a:latin typeface="Arial" panose="020B0604020202020204" pitchFamily="34" charset="0"/>
+                <a:cs typeface="Arial" panose="020B0604020202020204" pitchFamily="34" charset="0"/>
+              </a:rPr>
+              <a:t> ko </a:t>
+            </a:r>
+            <a:r>
+              <a:rPr lang="en-US" sz="2300" dirty="0" err="1">
+                <a:solidFill>
+                  <a:schemeClr val="tx1"/>
+                </a:solidFill>
+                <a:latin typeface="Arial" panose="020B0604020202020204" pitchFamily="34" charset="0"/>
+                <a:cs typeface="Arial" panose="020B0604020202020204" pitchFamily="34" charset="0"/>
+              </a:rPr>
+              <a:t>làm</a:t>
+            </a:r>
+            <a:r>
+              <a:rPr lang="en-US" sz="2300" dirty="0">
+                <a:solidFill>
+                  <a:schemeClr val="tx1"/>
+                </a:solidFill>
+                <a:latin typeface="Arial" panose="020B0604020202020204" pitchFamily="34" charset="0"/>
+                <a:cs typeface="Arial" panose="020B0604020202020204" pitchFamily="34" charset="0"/>
+              </a:rPr>
+              <a:t> </a:t>
+            </a:r>
+            <a:r>
+              <a:rPr lang="en-US" sz="2300" dirty="0" err="1">
+                <a:solidFill>
+                  <a:schemeClr val="tx1"/>
+                </a:solidFill>
+                <a:latin typeface="Arial" panose="020B0604020202020204" pitchFamily="34" charset="0"/>
+                <a:cs typeface="Arial" panose="020B0604020202020204" pitchFamily="34" charset="0"/>
+              </a:rPr>
+              <a:t>thay</a:t>
+            </a:r>
+            <a:r>
+              <a:rPr lang="en-US" sz="2300" dirty="0">
+                <a:solidFill>
+                  <a:schemeClr val="tx1"/>
+                </a:solidFill>
+                <a:latin typeface="Arial" panose="020B0604020202020204" pitchFamily="34" charset="0"/>
+                <a:cs typeface="Arial" panose="020B0604020202020204" pitchFamily="34" charset="0"/>
+              </a:rPr>
+              <a:t> </a:t>
+            </a:r>
+            <a:r>
+              <a:rPr lang="en-US" sz="2300" dirty="0" err="1">
+                <a:solidFill>
+                  <a:schemeClr val="tx1"/>
+                </a:solidFill>
+                <a:latin typeface="Arial" panose="020B0604020202020204" pitchFamily="34" charset="0"/>
+                <a:cs typeface="Arial" panose="020B0604020202020204" pitchFamily="34" charset="0"/>
+              </a:rPr>
+              <a:t>đổi</a:t>
+            </a:r>
+            <a:r>
+              <a:rPr lang="en-US" sz="2300" dirty="0">
+                <a:solidFill>
+                  <a:schemeClr val="tx1"/>
+                </a:solidFill>
+                <a:latin typeface="Arial" panose="020B0604020202020204" pitchFamily="34" charset="0"/>
+                <a:cs typeface="Arial" panose="020B0604020202020204" pitchFamily="34" charset="0"/>
+              </a:rPr>
+              <a:t> </a:t>
+            </a:r>
+            <a:r>
+              <a:rPr lang="en-US" sz="2300" dirty="0" err="1">
+                <a:solidFill>
+                  <a:schemeClr val="tx1"/>
+                </a:solidFill>
+                <a:latin typeface="Arial" panose="020B0604020202020204" pitchFamily="34" charset="0"/>
+                <a:cs typeface="Arial" panose="020B0604020202020204" pitchFamily="34" charset="0"/>
+              </a:rPr>
+              <a:t>mảng</a:t>
+            </a:r>
+            <a:r>
+              <a:rPr lang="en-US" sz="2300" dirty="0">
+                <a:solidFill>
+                  <a:schemeClr val="tx1"/>
+                </a:solidFill>
+                <a:latin typeface="Arial" panose="020B0604020202020204" pitchFamily="34" charset="0"/>
+                <a:cs typeface="Arial" panose="020B0604020202020204" pitchFamily="34" charset="0"/>
+              </a:rPr>
+              <a:t> products =&gt; </a:t>
+            </a:r>
+            <a:r>
+              <a:rPr lang="en-US" sz="2300" dirty="0" err="1">
+                <a:solidFill>
+                  <a:schemeClr val="tx1"/>
+                </a:solidFill>
+                <a:latin typeface="Arial" panose="020B0604020202020204" pitchFamily="34" charset="0"/>
+                <a:cs typeface="Arial" panose="020B0604020202020204" pitchFamily="34" charset="0"/>
+              </a:rPr>
+              <a:t>sẽ</a:t>
+            </a:r>
+            <a:r>
+              <a:rPr lang="en-US" sz="2300" dirty="0">
+                <a:solidFill>
+                  <a:schemeClr val="tx1"/>
+                </a:solidFill>
+                <a:latin typeface="Arial" panose="020B0604020202020204" pitchFamily="34" charset="0"/>
+                <a:cs typeface="Arial" panose="020B0604020202020204" pitchFamily="34" charset="0"/>
+              </a:rPr>
+              <a:t> </a:t>
+            </a:r>
+            <a:r>
+              <a:rPr lang="en-US" sz="2300" dirty="0" err="1">
+                <a:solidFill>
+                  <a:schemeClr val="tx1"/>
+                </a:solidFill>
+                <a:latin typeface="Arial" panose="020B0604020202020204" pitchFamily="34" charset="0"/>
+                <a:cs typeface="Arial" panose="020B0604020202020204" pitchFamily="34" charset="0"/>
+              </a:rPr>
+              <a:t>áp</a:t>
+            </a:r>
+            <a:r>
+              <a:rPr lang="en-US" sz="2300" dirty="0">
+                <a:solidFill>
+                  <a:schemeClr val="tx1"/>
+                </a:solidFill>
+                <a:latin typeface="Arial" panose="020B0604020202020204" pitchFamily="34" charset="0"/>
+                <a:cs typeface="Arial" panose="020B0604020202020204" pitchFamily="34" charset="0"/>
+              </a:rPr>
+              <a:t> </a:t>
+            </a:r>
+            <a:r>
+              <a:rPr lang="en-US" sz="2300" dirty="0" err="1">
+                <a:solidFill>
+                  <a:schemeClr val="tx1"/>
+                </a:solidFill>
+                <a:latin typeface="Arial" panose="020B0604020202020204" pitchFamily="34" charset="0"/>
+                <a:cs typeface="Arial" panose="020B0604020202020204" pitchFamily="34" charset="0"/>
+              </a:rPr>
+              <a:t>dụng</a:t>
+            </a:r>
+            <a:r>
+              <a:rPr lang="en-US" sz="2300" dirty="0">
+                <a:solidFill>
+                  <a:schemeClr val="tx1"/>
+                </a:solidFill>
+                <a:latin typeface="Arial" panose="020B0604020202020204" pitchFamily="34" charset="0"/>
+                <a:cs typeface="Arial" panose="020B0604020202020204" pitchFamily="34" charset="0"/>
+              </a:rPr>
+              <a:t> </a:t>
+            </a:r>
+            <a:r>
+              <a:rPr lang="en-US" sz="2300" dirty="0" err="1">
+                <a:solidFill>
+                  <a:schemeClr val="tx1"/>
+                </a:solidFill>
+                <a:latin typeface="Arial" panose="020B0604020202020204" pitchFamily="34" charset="0"/>
+                <a:cs typeface="Arial" panose="020B0604020202020204" pitchFamily="34" charset="0"/>
+              </a:rPr>
+              <a:t>khi</a:t>
+            </a:r>
+            <a:r>
+              <a:rPr lang="en-US" sz="2300" dirty="0">
+                <a:solidFill>
+                  <a:schemeClr val="tx1"/>
+                </a:solidFill>
+                <a:latin typeface="Arial" panose="020B0604020202020204" pitchFamily="34" charset="0"/>
+                <a:cs typeface="Arial" panose="020B0604020202020204" pitchFamily="34" charset="0"/>
+              </a:rPr>
+              <a:t> </a:t>
+            </a:r>
+            <a:r>
+              <a:rPr lang="en-US" sz="2300" dirty="0" err="1">
+                <a:solidFill>
+                  <a:schemeClr val="tx1"/>
+                </a:solidFill>
+                <a:latin typeface="Arial" panose="020B0604020202020204" pitchFamily="34" charset="0"/>
+                <a:cs typeface="Arial" panose="020B0604020202020204" pitchFamily="34" charset="0"/>
+              </a:rPr>
+              <a:t>thay</a:t>
+            </a:r>
+            <a:r>
+              <a:rPr lang="en-US" sz="2300" dirty="0">
+                <a:solidFill>
+                  <a:schemeClr val="tx1"/>
+                </a:solidFill>
+                <a:latin typeface="Arial" panose="020B0604020202020204" pitchFamily="34" charset="0"/>
+                <a:cs typeface="Arial" panose="020B0604020202020204" pitchFamily="34" charset="0"/>
+              </a:rPr>
+              <a:t> </a:t>
+            </a:r>
+            <a:r>
+              <a:rPr lang="en-US" sz="2300" dirty="0" err="1">
+                <a:solidFill>
+                  <a:schemeClr val="tx1"/>
+                </a:solidFill>
+                <a:latin typeface="Arial" panose="020B0604020202020204" pitchFamily="34" charset="0"/>
+                <a:cs typeface="Arial" panose="020B0604020202020204" pitchFamily="34" charset="0"/>
+              </a:rPr>
+              <a:t>đổi</a:t>
+            </a:r>
+            <a:r>
+              <a:rPr lang="en-US" sz="2300" dirty="0">
+                <a:solidFill>
+                  <a:schemeClr val="tx1"/>
+                </a:solidFill>
+                <a:latin typeface="Arial" panose="020B0604020202020204" pitchFamily="34" charset="0"/>
+                <a:cs typeface="Arial" panose="020B0604020202020204" pitchFamily="34" charset="0"/>
+              </a:rPr>
+              <a:t> “state” </a:t>
+            </a:r>
+            <a:r>
+              <a:rPr lang="en-US" sz="2300" dirty="0" err="1">
+                <a:solidFill>
+                  <a:schemeClr val="tx1"/>
+                </a:solidFill>
+                <a:latin typeface="Arial" panose="020B0604020202020204" pitchFamily="34" charset="0"/>
+                <a:cs typeface="Arial" panose="020B0604020202020204" pitchFamily="34" charset="0"/>
+              </a:rPr>
+              <a:t>trong</a:t>
+            </a:r>
+            <a:r>
+              <a:rPr lang="en-US" sz="2300" dirty="0">
+                <a:solidFill>
+                  <a:schemeClr val="tx1"/>
+                </a:solidFill>
+                <a:latin typeface="Arial" panose="020B0604020202020204" pitchFamily="34" charset="0"/>
+                <a:cs typeface="Arial" panose="020B0604020202020204" pitchFamily="34" charset="0"/>
+              </a:rPr>
+              <a:t> </a:t>
+            </a:r>
+            <a:r>
+              <a:rPr lang="en-US" sz="2300" dirty="0" err="1">
+                <a:solidFill>
+                  <a:schemeClr val="tx1"/>
+                </a:solidFill>
+                <a:latin typeface="Arial" panose="020B0604020202020204" pitchFamily="34" charset="0"/>
+                <a:cs typeface="Arial" panose="020B0604020202020204" pitchFamily="34" charset="0"/>
+              </a:rPr>
+              <a:t>các</a:t>
+            </a:r>
+            <a:r>
+              <a:rPr lang="en-US" sz="2300" dirty="0">
+                <a:solidFill>
+                  <a:schemeClr val="tx1"/>
+                </a:solidFill>
+                <a:latin typeface="Arial" panose="020B0604020202020204" pitchFamily="34" charset="0"/>
+                <a:cs typeface="Arial" panose="020B0604020202020204" pitchFamily="34" charset="0"/>
+              </a:rPr>
+              <a:t> </a:t>
+            </a:r>
+            <a:r>
+              <a:rPr lang="en-US" sz="2300" dirty="0" err="1">
+                <a:solidFill>
+                  <a:schemeClr val="tx1"/>
+                </a:solidFill>
+                <a:latin typeface="Arial" panose="020B0604020202020204" pitchFamily="34" charset="0"/>
+                <a:cs typeface="Arial" panose="020B0604020202020204" pitchFamily="34" charset="0"/>
+              </a:rPr>
+              <a:t>bài</a:t>
+            </a:r>
+            <a:r>
+              <a:rPr lang="en-US" sz="2300" dirty="0">
+                <a:solidFill>
+                  <a:schemeClr val="tx1"/>
+                </a:solidFill>
+                <a:latin typeface="Arial" panose="020B0604020202020204" pitchFamily="34" charset="0"/>
+                <a:cs typeface="Arial" panose="020B0604020202020204" pitchFamily="34" charset="0"/>
+              </a:rPr>
+              <a:t> </a:t>
+            </a:r>
+            <a:r>
+              <a:rPr lang="en-US" sz="2300" dirty="0" err="1">
+                <a:solidFill>
+                  <a:schemeClr val="tx1"/>
+                </a:solidFill>
+                <a:latin typeface="Arial" panose="020B0604020202020204" pitchFamily="34" charset="0"/>
+                <a:cs typeface="Arial" panose="020B0604020202020204" pitchFamily="34" charset="0"/>
+              </a:rPr>
+              <a:t>tiếp</a:t>
+            </a:r>
+            <a:r>
+              <a:rPr lang="en-US" sz="2300" dirty="0">
+                <a:solidFill>
+                  <a:schemeClr val="tx1"/>
+                </a:solidFill>
+                <a:latin typeface="Arial" panose="020B0604020202020204" pitchFamily="34" charset="0"/>
+                <a:cs typeface="Arial" panose="020B0604020202020204" pitchFamily="34" charset="0"/>
+              </a:rPr>
+              <a:t> </a:t>
+            </a:r>
+            <a:r>
+              <a:rPr lang="en-US" sz="2300" dirty="0" err="1">
+                <a:solidFill>
+                  <a:schemeClr val="tx1"/>
+                </a:solidFill>
+                <a:latin typeface="Arial" panose="020B0604020202020204" pitchFamily="34" charset="0"/>
+                <a:cs typeface="Arial" panose="020B0604020202020204" pitchFamily="34" charset="0"/>
+              </a:rPr>
+              <a:t>theo</a:t>
+            </a:r>
+            <a:endParaRPr lang="en-US" sz="2300" dirty="0">
+              <a:solidFill>
+                <a:schemeClr val="tx1"/>
+              </a:solidFill>
+              <a:latin typeface="Arial" panose="020B0604020202020204" pitchFamily="34" charset="0"/>
+              <a:cs typeface="Arial" panose="020B0604020202020204" pitchFamily="34" charset="0"/>
+            </a:endParaRPr>
+          </a:p>
+        </p:txBody>
+      </p:sp>
+      <p:pic>
+        <p:nvPicPr>
+          <p:cNvPr id="4" name="Picture 3"/>
+          <p:cNvPicPr>
+            <a:picLocks noChangeAspect="1"/>
+          </p:cNvPicPr>
+          <p:nvPr/>
+        </p:nvPicPr>
+        <p:blipFill>
+          <a:blip r:embed="rId2"/>
+          <a:stretch>
+            <a:fillRect/>
+          </a:stretch>
+        </p:blipFill>
+        <p:spPr>
+          <a:xfrm>
+            <a:off x="0" y="5977096"/>
+            <a:ext cx="3517697" cy="816935"/>
+          </a:xfrm>
+          <a:prstGeom prst="rect">
+            <a:avLst/>
+          </a:prstGeom>
+        </p:spPr>
+      </p:pic>
+    </p:spTree>
+    <p:extLst>
+      <p:ext uri="{BB962C8B-B14F-4D97-AF65-F5344CB8AC3E}">
+        <p14:creationId xmlns:p14="http://schemas.microsoft.com/office/powerpoint/2010/main" val="861789639"/>
+      </p:ext>
+    </p:extLst>
+  </p:cSld>
+  <p:clrMapOvr>
+    <a:masterClrMapping/>
+  </p:clrMapOvr>
+</p:sld>
+</file>
+
+<file path=ppt/slides/slide14.xml><?xml version="1.0" encoding="utf-8"?>
+<p:sld xmlns:a="http://schemas.openxmlformats.org/drawingml/2006/main" xmlns:r="http://schemas.openxmlformats.org/officeDocument/2006/relationships" xmlns:p="http://schemas.openxmlformats.org/presentationml/2006/main">
+  <p:cSld>
+    <p:spTree>
+      <p:nvGrpSpPr>
+        <p:cNvPr id="1" name=""/>
+        <p:cNvGrpSpPr/>
+        <p:nvPr/>
+      </p:nvGrpSpPr>
+      <p:grpSpPr>
+        <a:xfrm>
+          <a:off x="0" y="0"/>
+          <a:ext cx="0" cy="0"/>
+          <a:chOff x="0" y="0"/>
+          <a:chExt cx="0" cy="0"/>
+        </a:xfrm>
+      </p:grpSpPr>
+      <p:sp>
+        <p:nvSpPr>
+          <p:cNvPr id="2" name="Title 1"/>
+          <p:cNvSpPr>
+            <a:spLocks noGrp="1"/>
+          </p:cNvSpPr>
+          <p:nvPr>
+            <p:ph type="ctrTitle"/>
+          </p:nvPr>
+        </p:nvSpPr>
+        <p:spPr>
+          <a:xfrm>
+            <a:off x="0" y="63969"/>
+            <a:ext cx="12192000" cy="836132"/>
+          </a:xfrm>
+        </p:spPr>
+        <p:txBody>
+          <a:bodyPr/>
+          <a:lstStyle/>
+          <a:p>
+            <a:pPr algn="ctr"/>
+            <a:r>
+              <a:rPr lang="en-US" sz="4000" b="1" dirty="0" err="1">
+                <a:solidFill>
+                  <a:schemeClr val="tx1"/>
+                </a:solidFill>
+                <a:latin typeface="Arial" panose="020B0604020202020204" pitchFamily="34" charset="0"/>
+                <a:cs typeface="Arial" panose="020B0604020202020204" pitchFamily="34" charset="0"/>
+              </a:rPr>
+              <a:t>Javascript</a:t>
+            </a:r>
+            <a:r>
+              <a:rPr lang="en-US" sz="4000" b="1" dirty="0">
+                <a:solidFill>
+                  <a:schemeClr val="tx1"/>
+                </a:solidFill>
+                <a:latin typeface="Arial" panose="020B0604020202020204" pitchFamily="34" charset="0"/>
+                <a:cs typeface="Arial" panose="020B0604020202020204" pitchFamily="34" charset="0"/>
+              </a:rPr>
+              <a:t> ECMAScript 6,7</a:t>
+            </a:r>
+            <a:endParaRPr lang="en-US" sz="4000" dirty="0">
+              <a:solidFill>
+                <a:schemeClr val="tx1"/>
+              </a:solidFill>
+              <a:latin typeface="Arial" panose="020B0604020202020204" pitchFamily="34" charset="0"/>
+              <a:cs typeface="Arial" panose="020B0604020202020204" pitchFamily="34" charset="0"/>
+            </a:endParaRPr>
+          </a:p>
+        </p:txBody>
+      </p:sp>
+      <p:sp>
+        <p:nvSpPr>
+          <p:cNvPr id="3" name="Subtitle 2"/>
+          <p:cNvSpPr>
+            <a:spLocks noGrp="1"/>
+          </p:cNvSpPr>
+          <p:nvPr>
+            <p:ph type="subTitle" idx="1"/>
+          </p:nvPr>
+        </p:nvSpPr>
+        <p:spPr>
+          <a:xfrm>
+            <a:off x="572202" y="974502"/>
+            <a:ext cx="11012068" cy="5002594"/>
+          </a:xfrm>
+        </p:spPr>
+        <p:txBody>
+          <a:bodyPr>
+            <a:noAutofit/>
+          </a:bodyPr>
+          <a:lstStyle/>
+          <a:p>
+            <a:pPr algn="l"/>
+            <a:r>
+              <a:rPr lang="en-US" sz="2300" b="1" dirty="0">
+                <a:solidFill>
+                  <a:schemeClr val="tx1"/>
+                </a:solidFill>
+                <a:latin typeface="Arial" panose="020B0604020202020204" pitchFamily="34" charset="0"/>
+                <a:cs typeface="Arial" panose="020B0604020202020204" pitchFamily="34" charset="0"/>
+              </a:rPr>
+              <a:t>Promise </a:t>
+            </a:r>
+            <a:r>
+              <a:rPr lang="en-US" sz="2300" b="1" dirty="0" err="1">
+                <a:solidFill>
+                  <a:schemeClr val="tx1"/>
+                </a:solidFill>
+                <a:latin typeface="Arial" panose="020B0604020202020204" pitchFamily="34" charset="0"/>
+                <a:cs typeface="Arial" panose="020B0604020202020204" pitchFamily="34" charset="0"/>
+              </a:rPr>
+              <a:t>và</a:t>
+            </a:r>
+            <a:r>
+              <a:rPr lang="en-US" sz="2300" b="1" dirty="0">
+                <a:solidFill>
+                  <a:schemeClr val="tx1"/>
+                </a:solidFill>
+                <a:latin typeface="Arial" panose="020B0604020202020204" pitchFamily="34" charset="0"/>
+                <a:cs typeface="Arial" panose="020B0604020202020204" pitchFamily="34" charset="0"/>
+              </a:rPr>
+              <a:t> async/await:</a:t>
+            </a:r>
+          </a:p>
+          <a:p>
+            <a:pPr algn="l"/>
+            <a:r>
+              <a:rPr lang="en-US" sz="2300" dirty="0" err="1">
+                <a:solidFill>
+                  <a:schemeClr val="tx1"/>
+                </a:solidFill>
+                <a:latin typeface="Arial" panose="020B0604020202020204" pitchFamily="34" charset="0"/>
+                <a:cs typeface="Arial" panose="020B0604020202020204" pitchFamily="34" charset="0"/>
+              </a:rPr>
+              <a:t>Khái</a:t>
+            </a:r>
+            <a:r>
+              <a:rPr lang="en-US" sz="2300" dirty="0">
+                <a:solidFill>
+                  <a:schemeClr val="tx1"/>
+                </a:solidFill>
+                <a:latin typeface="Arial" panose="020B0604020202020204" pitchFamily="34" charset="0"/>
+                <a:cs typeface="Arial" panose="020B0604020202020204" pitchFamily="34" charset="0"/>
+              </a:rPr>
+              <a:t> </a:t>
+            </a:r>
+            <a:r>
+              <a:rPr lang="en-US" sz="2300" dirty="0" err="1">
+                <a:solidFill>
+                  <a:schemeClr val="tx1"/>
+                </a:solidFill>
+                <a:latin typeface="Arial" panose="020B0604020202020204" pitchFamily="34" charset="0"/>
+                <a:cs typeface="Arial" panose="020B0604020202020204" pitchFamily="34" charset="0"/>
+              </a:rPr>
+              <a:t>niệm</a:t>
+            </a:r>
+            <a:r>
+              <a:rPr lang="en-US" sz="2300" dirty="0">
+                <a:solidFill>
+                  <a:schemeClr val="tx1"/>
+                </a:solidFill>
+                <a:latin typeface="Arial" panose="020B0604020202020204" pitchFamily="34" charset="0"/>
+                <a:cs typeface="Arial" panose="020B0604020202020204" pitchFamily="34" charset="0"/>
+              </a:rPr>
+              <a:t> Promise: </a:t>
+            </a:r>
+            <a:r>
+              <a:rPr lang="en-US" sz="2300" dirty="0" err="1">
+                <a:solidFill>
+                  <a:schemeClr val="tx1"/>
+                </a:solidFill>
+                <a:latin typeface="Arial" panose="020B0604020202020204" pitchFamily="34" charset="0"/>
+                <a:cs typeface="Arial" panose="020B0604020202020204" pitchFamily="34" charset="0"/>
+              </a:rPr>
+              <a:t>Giả</a:t>
+            </a:r>
+            <a:r>
+              <a:rPr lang="en-US" sz="2300" dirty="0">
+                <a:solidFill>
+                  <a:schemeClr val="tx1"/>
+                </a:solidFill>
+                <a:latin typeface="Arial" panose="020B0604020202020204" pitchFamily="34" charset="0"/>
+                <a:cs typeface="Arial" panose="020B0604020202020204" pitchFamily="34" charset="0"/>
+              </a:rPr>
+              <a:t> </a:t>
+            </a:r>
+            <a:r>
+              <a:rPr lang="en-US" sz="2300" dirty="0" err="1">
+                <a:solidFill>
+                  <a:schemeClr val="tx1"/>
+                </a:solidFill>
+                <a:latin typeface="Arial" panose="020B0604020202020204" pitchFamily="34" charset="0"/>
+                <a:cs typeface="Arial" panose="020B0604020202020204" pitchFamily="34" charset="0"/>
+              </a:rPr>
+              <a:t>sử</a:t>
+            </a:r>
+            <a:r>
+              <a:rPr lang="en-US" sz="2300" dirty="0">
+                <a:solidFill>
+                  <a:schemeClr val="tx1"/>
+                </a:solidFill>
+                <a:latin typeface="Arial" panose="020B0604020202020204" pitchFamily="34" charset="0"/>
+                <a:cs typeface="Arial" panose="020B0604020202020204" pitchFamily="34" charset="0"/>
+              </a:rPr>
+              <a:t> </a:t>
+            </a:r>
+            <a:r>
+              <a:rPr lang="en-US" sz="2300" dirty="0" err="1">
+                <a:solidFill>
+                  <a:schemeClr val="tx1"/>
+                </a:solidFill>
+                <a:latin typeface="Arial" panose="020B0604020202020204" pitchFamily="34" charset="0"/>
+                <a:cs typeface="Arial" panose="020B0604020202020204" pitchFamily="34" charset="0"/>
+              </a:rPr>
+              <a:t>một</a:t>
+            </a:r>
+            <a:r>
+              <a:rPr lang="en-US" sz="2300" dirty="0">
+                <a:solidFill>
+                  <a:schemeClr val="tx1"/>
+                </a:solidFill>
+                <a:latin typeface="Arial" panose="020B0604020202020204" pitchFamily="34" charset="0"/>
+                <a:cs typeface="Arial" panose="020B0604020202020204" pitchFamily="34" charset="0"/>
+              </a:rPr>
+              <a:t> </a:t>
+            </a:r>
+            <a:r>
+              <a:rPr lang="en-US" sz="2300" dirty="0" err="1">
+                <a:solidFill>
+                  <a:schemeClr val="tx1"/>
+                </a:solidFill>
+                <a:latin typeface="Arial" panose="020B0604020202020204" pitchFamily="34" charset="0"/>
+                <a:cs typeface="Arial" panose="020B0604020202020204" pitchFamily="34" charset="0"/>
+              </a:rPr>
+              <a:t>hàm</a:t>
+            </a:r>
+            <a:r>
+              <a:rPr lang="en-US" sz="2300" dirty="0">
+                <a:solidFill>
+                  <a:schemeClr val="tx1"/>
+                </a:solidFill>
+                <a:latin typeface="Arial" panose="020B0604020202020204" pitchFamily="34" charset="0"/>
+                <a:cs typeface="Arial" panose="020B0604020202020204" pitchFamily="34" charset="0"/>
+              </a:rPr>
+              <a:t> </a:t>
+            </a:r>
+            <a:r>
+              <a:rPr lang="en-US" sz="2300" dirty="0" err="1">
+                <a:solidFill>
+                  <a:schemeClr val="tx1"/>
+                </a:solidFill>
+                <a:latin typeface="Arial" panose="020B0604020202020204" pitchFamily="34" charset="0"/>
+                <a:cs typeface="Arial" panose="020B0604020202020204" pitchFamily="34" charset="0"/>
+              </a:rPr>
+              <a:t>có</a:t>
+            </a:r>
+            <a:r>
+              <a:rPr lang="en-US" sz="2300" dirty="0">
+                <a:solidFill>
+                  <a:schemeClr val="tx1"/>
+                </a:solidFill>
+                <a:latin typeface="Arial" panose="020B0604020202020204" pitchFamily="34" charset="0"/>
+                <a:cs typeface="Arial" panose="020B0604020202020204" pitchFamily="34" charset="0"/>
+              </a:rPr>
+              <a:t> </a:t>
+            </a:r>
+            <a:r>
+              <a:rPr lang="en-US" sz="2300" dirty="0" err="1">
+                <a:solidFill>
+                  <a:schemeClr val="tx1"/>
+                </a:solidFill>
+                <a:latin typeface="Arial" panose="020B0604020202020204" pitchFamily="34" charset="0"/>
+                <a:cs typeface="Arial" panose="020B0604020202020204" pitchFamily="34" charset="0"/>
+              </a:rPr>
+              <a:t>tên</a:t>
+            </a:r>
+            <a:r>
+              <a:rPr lang="en-US" sz="2300" dirty="0">
+                <a:solidFill>
+                  <a:schemeClr val="tx1"/>
+                </a:solidFill>
+                <a:latin typeface="Arial" panose="020B0604020202020204" pitchFamily="34" charset="0"/>
+                <a:cs typeface="Arial" panose="020B0604020202020204" pitchFamily="34" charset="0"/>
+              </a:rPr>
+              <a:t> </a:t>
+            </a:r>
+            <a:r>
+              <a:rPr lang="en-US" sz="2300" dirty="0" err="1">
+                <a:solidFill>
+                  <a:schemeClr val="tx1"/>
+                </a:solidFill>
+                <a:latin typeface="Arial" panose="020B0604020202020204" pitchFamily="34" charset="0"/>
+                <a:cs typeface="Arial" panose="020B0604020202020204" pitchFamily="34" charset="0"/>
+              </a:rPr>
+              <a:t>doPromiseA</a:t>
+            </a:r>
+            <a:r>
+              <a:rPr lang="en-US" sz="2300" dirty="0">
+                <a:solidFill>
+                  <a:schemeClr val="tx1"/>
+                </a:solidFill>
+                <a:latin typeface="Arial" panose="020B0604020202020204" pitchFamily="34" charset="0"/>
+                <a:cs typeface="Arial" panose="020B0604020202020204" pitchFamily="34" charset="0"/>
+              </a:rPr>
+              <a:t> </a:t>
+            </a:r>
+            <a:r>
+              <a:rPr lang="en-US" sz="2300" dirty="0" err="1">
+                <a:solidFill>
+                  <a:schemeClr val="tx1"/>
+                </a:solidFill>
+                <a:latin typeface="Arial" panose="020B0604020202020204" pitchFamily="34" charset="0"/>
+                <a:cs typeface="Arial" panose="020B0604020202020204" pitchFamily="34" charset="0"/>
+              </a:rPr>
+              <a:t>thực</a:t>
+            </a:r>
+            <a:r>
+              <a:rPr lang="en-US" sz="2300" dirty="0">
+                <a:solidFill>
+                  <a:schemeClr val="tx1"/>
+                </a:solidFill>
+                <a:latin typeface="Arial" panose="020B0604020202020204" pitchFamily="34" charset="0"/>
+                <a:cs typeface="Arial" panose="020B0604020202020204" pitchFamily="34" charset="0"/>
+              </a:rPr>
+              <a:t> </a:t>
+            </a:r>
+            <a:r>
+              <a:rPr lang="en-US" sz="2300" dirty="0" err="1">
+                <a:solidFill>
+                  <a:schemeClr val="tx1"/>
+                </a:solidFill>
+                <a:latin typeface="Arial" panose="020B0604020202020204" pitchFamily="34" charset="0"/>
+                <a:cs typeface="Arial" panose="020B0604020202020204" pitchFamily="34" charset="0"/>
+              </a:rPr>
+              <a:t>hiện</a:t>
+            </a:r>
+            <a:r>
+              <a:rPr lang="en-US" sz="2300" dirty="0">
+                <a:solidFill>
+                  <a:schemeClr val="tx1"/>
+                </a:solidFill>
+                <a:latin typeface="Arial" panose="020B0604020202020204" pitchFamily="34" charset="0"/>
+                <a:cs typeface="Arial" panose="020B0604020202020204" pitchFamily="34" charset="0"/>
+              </a:rPr>
+              <a:t> </a:t>
+            </a:r>
+            <a:r>
+              <a:rPr lang="en-US" sz="2300" dirty="0" err="1">
+                <a:solidFill>
+                  <a:schemeClr val="tx1"/>
+                </a:solidFill>
+                <a:latin typeface="Arial" panose="020B0604020202020204" pitchFamily="34" charset="0"/>
+                <a:cs typeface="Arial" panose="020B0604020202020204" pitchFamily="34" charset="0"/>
+              </a:rPr>
+              <a:t>một</a:t>
+            </a:r>
+            <a:r>
+              <a:rPr lang="en-US" sz="2300" dirty="0">
+                <a:solidFill>
+                  <a:schemeClr val="tx1"/>
+                </a:solidFill>
+                <a:latin typeface="Arial" panose="020B0604020202020204" pitchFamily="34" charset="0"/>
+                <a:cs typeface="Arial" panose="020B0604020202020204" pitchFamily="34" charset="0"/>
+              </a:rPr>
+              <a:t> </a:t>
+            </a:r>
+            <a:r>
+              <a:rPr lang="en-US" sz="2300" dirty="0" err="1">
+                <a:solidFill>
+                  <a:schemeClr val="tx1"/>
+                </a:solidFill>
+                <a:latin typeface="Arial" panose="020B0604020202020204" pitchFamily="34" charset="0"/>
+                <a:cs typeface="Arial" panose="020B0604020202020204" pitchFamily="34" charset="0"/>
+              </a:rPr>
+              <a:t>công</a:t>
+            </a:r>
+            <a:r>
+              <a:rPr lang="en-US" sz="2300" dirty="0">
+                <a:solidFill>
+                  <a:schemeClr val="tx1"/>
+                </a:solidFill>
+                <a:latin typeface="Arial" panose="020B0604020202020204" pitchFamily="34" charset="0"/>
+                <a:cs typeface="Arial" panose="020B0604020202020204" pitchFamily="34" charset="0"/>
+              </a:rPr>
+              <a:t> </a:t>
+            </a:r>
+            <a:r>
+              <a:rPr lang="en-US" sz="2300" dirty="0" err="1">
+                <a:solidFill>
+                  <a:schemeClr val="tx1"/>
+                </a:solidFill>
+                <a:latin typeface="Arial" panose="020B0604020202020204" pitchFamily="34" charset="0"/>
+                <a:cs typeface="Arial" panose="020B0604020202020204" pitchFamily="34" charset="0"/>
+              </a:rPr>
+              <a:t>việc</a:t>
+            </a:r>
+            <a:r>
+              <a:rPr lang="en-US" sz="2300" dirty="0">
+                <a:solidFill>
+                  <a:schemeClr val="tx1"/>
+                </a:solidFill>
+                <a:latin typeface="Arial" panose="020B0604020202020204" pitchFamily="34" charset="0"/>
+                <a:cs typeface="Arial" panose="020B0604020202020204" pitchFamily="34" charset="0"/>
+              </a:rPr>
+              <a:t> </a:t>
+            </a:r>
+            <a:r>
+              <a:rPr lang="en-US" sz="2300" dirty="0" err="1">
+                <a:solidFill>
+                  <a:schemeClr val="tx1"/>
+                </a:solidFill>
+                <a:latin typeface="Arial" panose="020B0604020202020204" pitchFamily="34" charset="0"/>
+                <a:cs typeface="Arial" panose="020B0604020202020204" pitchFamily="34" charset="0"/>
+              </a:rPr>
+              <a:t>nào</a:t>
+            </a:r>
+            <a:r>
+              <a:rPr lang="en-US" sz="2300" dirty="0">
+                <a:solidFill>
+                  <a:schemeClr val="tx1"/>
+                </a:solidFill>
+                <a:latin typeface="Arial" panose="020B0604020202020204" pitchFamily="34" charset="0"/>
+                <a:cs typeface="Arial" panose="020B0604020202020204" pitchFamily="34" charset="0"/>
+              </a:rPr>
+              <a:t> </a:t>
+            </a:r>
+            <a:r>
+              <a:rPr lang="en-US" sz="2300" dirty="0" err="1">
+                <a:solidFill>
+                  <a:schemeClr val="tx1"/>
+                </a:solidFill>
+                <a:latin typeface="Arial" panose="020B0604020202020204" pitchFamily="34" charset="0"/>
+                <a:cs typeface="Arial" panose="020B0604020202020204" pitchFamily="34" charset="0"/>
+              </a:rPr>
+              <a:t>đó</a:t>
+            </a:r>
+            <a:r>
+              <a:rPr lang="en-US" sz="2300" dirty="0">
+                <a:solidFill>
+                  <a:schemeClr val="tx1"/>
+                </a:solidFill>
+                <a:latin typeface="Arial" panose="020B0604020202020204" pitchFamily="34" charset="0"/>
+                <a:cs typeface="Arial" panose="020B0604020202020204" pitchFamily="34" charset="0"/>
+              </a:rPr>
+              <a:t>, </a:t>
+            </a:r>
+            <a:r>
+              <a:rPr lang="en-US" sz="2300" dirty="0" err="1">
+                <a:solidFill>
+                  <a:schemeClr val="tx1"/>
+                </a:solidFill>
+                <a:latin typeface="Arial" panose="020B0604020202020204" pitchFamily="34" charset="0"/>
+                <a:cs typeface="Arial" panose="020B0604020202020204" pitchFamily="34" charset="0"/>
+              </a:rPr>
+              <a:t>trong</a:t>
+            </a:r>
+            <a:r>
+              <a:rPr lang="en-US" sz="2300" dirty="0">
+                <a:solidFill>
+                  <a:schemeClr val="tx1"/>
+                </a:solidFill>
+                <a:latin typeface="Arial" panose="020B0604020202020204" pitchFamily="34" charset="0"/>
+                <a:cs typeface="Arial" panose="020B0604020202020204" pitchFamily="34" charset="0"/>
+              </a:rPr>
+              <a:t> </a:t>
+            </a:r>
+            <a:r>
+              <a:rPr lang="en-US" sz="2300" dirty="0" err="1">
+                <a:solidFill>
+                  <a:schemeClr val="tx1"/>
+                </a:solidFill>
+                <a:latin typeface="Arial" panose="020B0604020202020204" pitchFamily="34" charset="0"/>
+                <a:cs typeface="Arial" panose="020B0604020202020204" pitchFamily="34" charset="0"/>
+              </a:rPr>
+              <a:t>lúc</a:t>
+            </a:r>
+            <a:r>
+              <a:rPr lang="en-US" sz="2300" dirty="0">
+                <a:solidFill>
+                  <a:schemeClr val="tx1"/>
+                </a:solidFill>
+                <a:latin typeface="Arial" panose="020B0604020202020204" pitchFamily="34" charset="0"/>
+                <a:cs typeface="Arial" panose="020B0604020202020204" pitchFamily="34" charset="0"/>
+              </a:rPr>
+              <a:t> </a:t>
+            </a:r>
+            <a:r>
+              <a:rPr lang="en-US" sz="2300" dirty="0" err="1">
+                <a:solidFill>
+                  <a:schemeClr val="tx1"/>
+                </a:solidFill>
+                <a:latin typeface="Arial" panose="020B0604020202020204" pitchFamily="34" charset="0"/>
+                <a:cs typeface="Arial" panose="020B0604020202020204" pitchFamily="34" charset="0"/>
+              </a:rPr>
+              <a:t>doPromiseA</a:t>
+            </a:r>
+            <a:r>
+              <a:rPr lang="en-US" sz="2300" dirty="0">
+                <a:solidFill>
+                  <a:schemeClr val="tx1"/>
+                </a:solidFill>
+                <a:latin typeface="Arial" panose="020B0604020202020204" pitchFamily="34" charset="0"/>
+                <a:cs typeface="Arial" panose="020B0604020202020204" pitchFamily="34" charset="0"/>
+              </a:rPr>
+              <a:t> </a:t>
+            </a:r>
+            <a:r>
+              <a:rPr lang="en-US" sz="2300" dirty="0" err="1">
+                <a:solidFill>
+                  <a:schemeClr val="tx1"/>
+                </a:solidFill>
+                <a:latin typeface="Arial" panose="020B0604020202020204" pitchFamily="34" charset="0"/>
+                <a:cs typeface="Arial" panose="020B0604020202020204" pitchFamily="34" charset="0"/>
+              </a:rPr>
+              <a:t>đang</a:t>
+            </a:r>
+            <a:r>
+              <a:rPr lang="en-US" sz="2300" dirty="0">
+                <a:solidFill>
+                  <a:schemeClr val="tx1"/>
+                </a:solidFill>
+                <a:latin typeface="Arial" panose="020B0604020202020204" pitchFamily="34" charset="0"/>
+                <a:cs typeface="Arial" panose="020B0604020202020204" pitchFamily="34" charset="0"/>
+              </a:rPr>
+              <a:t> </a:t>
+            </a:r>
+            <a:r>
+              <a:rPr lang="en-US" sz="2300" dirty="0" err="1">
+                <a:solidFill>
+                  <a:schemeClr val="tx1"/>
+                </a:solidFill>
+                <a:latin typeface="Arial" panose="020B0604020202020204" pitchFamily="34" charset="0"/>
+                <a:cs typeface="Arial" panose="020B0604020202020204" pitchFamily="34" charset="0"/>
+              </a:rPr>
+              <a:t>thực</a:t>
+            </a:r>
+            <a:r>
+              <a:rPr lang="en-US" sz="2300" dirty="0">
+                <a:solidFill>
+                  <a:schemeClr val="tx1"/>
+                </a:solidFill>
+                <a:latin typeface="Arial" panose="020B0604020202020204" pitchFamily="34" charset="0"/>
+                <a:cs typeface="Arial" panose="020B0604020202020204" pitchFamily="34" charset="0"/>
+              </a:rPr>
+              <a:t> </a:t>
+            </a:r>
+            <a:r>
+              <a:rPr lang="en-US" sz="2300" dirty="0" err="1">
+                <a:solidFill>
+                  <a:schemeClr val="tx1"/>
+                </a:solidFill>
+                <a:latin typeface="Arial" panose="020B0604020202020204" pitchFamily="34" charset="0"/>
+                <a:cs typeface="Arial" panose="020B0604020202020204" pitchFamily="34" charset="0"/>
+              </a:rPr>
+              <a:t>hiện</a:t>
+            </a:r>
+            <a:r>
+              <a:rPr lang="en-US" sz="2300" dirty="0">
+                <a:solidFill>
+                  <a:schemeClr val="tx1"/>
+                </a:solidFill>
+                <a:latin typeface="Arial" panose="020B0604020202020204" pitchFamily="34" charset="0"/>
+                <a:cs typeface="Arial" panose="020B0604020202020204" pitchFamily="34" charset="0"/>
+              </a:rPr>
+              <a:t>, </a:t>
+            </a:r>
+            <a:r>
+              <a:rPr lang="en-US" sz="2300" dirty="0" err="1">
+                <a:solidFill>
+                  <a:schemeClr val="tx1"/>
+                </a:solidFill>
+                <a:latin typeface="Arial" panose="020B0604020202020204" pitchFamily="34" charset="0"/>
+                <a:cs typeface="Arial" panose="020B0604020202020204" pitchFamily="34" charset="0"/>
+              </a:rPr>
+              <a:t>chư</a:t>
+            </a:r>
+            <a:r>
+              <a:rPr lang="vi-VN" sz="2300" dirty="0">
+                <a:solidFill>
+                  <a:schemeClr val="tx1"/>
+                </a:solidFill>
+                <a:latin typeface="Arial" panose="020B0604020202020204" pitchFamily="34" charset="0"/>
+                <a:cs typeface="Arial" panose="020B0604020202020204" pitchFamily="34" charset="0"/>
+              </a:rPr>
+              <a:t>ơ</a:t>
+            </a:r>
+            <a:r>
+              <a:rPr lang="en-US" sz="2300" dirty="0">
+                <a:solidFill>
+                  <a:schemeClr val="tx1"/>
+                </a:solidFill>
+                <a:latin typeface="Arial" panose="020B0604020202020204" pitchFamily="34" charset="0"/>
+                <a:cs typeface="Arial" panose="020B0604020202020204" pitchFamily="34" charset="0"/>
+              </a:rPr>
+              <a:t>ng </a:t>
+            </a:r>
+            <a:r>
+              <a:rPr lang="en-US" sz="2300" dirty="0" err="1">
+                <a:solidFill>
+                  <a:schemeClr val="tx1"/>
+                </a:solidFill>
+                <a:latin typeface="Arial" panose="020B0604020202020204" pitchFamily="34" charset="0"/>
+                <a:cs typeface="Arial" panose="020B0604020202020204" pitchFamily="34" charset="0"/>
+              </a:rPr>
+              <a:t>trình</a:t>
+            </a:r>
+            <a:r>
+              <a:rPr lang="en-US" sz="2300" dirty="0">
+                <a:solidFill>
+                  <a:schemeClr val="tx1"/>
+                </a:solidFill>
+                <a:latin typeface="Arial" panose="020B0604020202020204" pitchFamily="34" charset="0"/>
+                <a:cs typeface="Arial" panose="020B0604020202020204" pitchFamily="34" charset="0"/>
+              </a:rPr>
+              <a:t> </a:t>
+            </a:r>
+            <a:r>
+              <a:rPr lang="en-US" sz="2300" dirty="0" err="1">
+                <a:solidFill>
+                  <a:schemeClr val="tx1"/>
+                </a:solidFill>
+                <a:latin typeface="Arial" panose="020B0604020202020204" pitchFamily="34" charset="0"/>
+                <a:cs typeface="Arial" panose="020B0604020202020204" pitchFamily="34" charset="0"/>
+              </a:rPr>
+              <a:t>có</a:t>
+            </a:r>
+            <a:r>
+              <a:rPr lang="en-US" sz="2300" dirty="0">
+                <a:solidFill>
+                  <a:schemeClr val="tx1"/>
+                </a:solidFill>
+                <a:latin typeface="Arial" panose="020B0604020202020204" pitchFamily="34" charset="0"/>
+                <a:cs typeface="Arial" panose="020B0604020202020204" pitchFamily="34" charset="0"/>
+              </a:rPr>
+              <a:t> </a:t>
+            </a:r>
+            <a:r>
+              <a:rPr lang="en-US" sz="2300" dirty="0" err="1">
+                <a:solidFill>
+                  <a:schemeClr val="tx1"/>
+                </a:solidFill>
+                <a:latin typeface="Arial" panose="020B0604020202020204" pitchFamily="34" charset="0"/>
+                <a:cs typeface="Arial" panose="020B0604020202020204" pitchFamily="34" charset="0"/>
+              </a:rPr>
+              <a:t>thể</a:t>
+            </a:r>
+            <a:r>
+              <a:rPr lang="en-US" sz="2300" dirty="0">
+                <a:solidFill>
+                  <a:schemeClr val="tx1"/>
+                </a:solidFill>
+                <a:latin typeface="Arial" panose="020B0604020202020204" pitchFamily="34" charset="0"/>
+                <a:cs typeface="Arial" panose="020B0604020202020204" pitchFamily="34" charset="0"/>
+              </a:rPr>
+              <a:t> </a:t>
+            </a:r>
+            <a:r>
+              <a:rPr lang="en-US" sz="2300" dirty="0" err="1">
+                <a:solidFill>
+                  <a:schemeClr val="tx1"/>
+                </a:solidFill>
+                <a:latin typeface="Arial" panose="020B0604020202020204" pitchFamily="34" charset="0"/>
+                <a:cs typeface="Arial" panose="020B0604020202020204" pitchFamily="34" charset="0"/>
+              </a:rPr>
+              <a:t>thực</a:t>
+            </a:r>
+            <a:r>
+              <a:rPr lang="en-US" sz="2300" dirty="0">
+                <a:solidFill>
+                  <a:schemeClr val="tx1"/>
+                </a:solidFill>
+                <a:latin typeface="Arial" panose="020B0604020202020204" pitchFamily="34" charset="0"/>
+                <a:cs typeface="Arial" panose="020B0604020202020204" pitchFamily="34" charset="0"/>
+              </a:rPr>
+              <a:t> </a:t>
+            </a:r>
+            <a:r>
+              <a:rPr lang="en-US" sz="2300" dirty="0" err="1">
+                <a:solidFill>
+                  <a:schemeClr val="tx1"/>
+                </a:solidFill>
+                <a:latin typeface="Arial" panose="020B0604020202020204" pitchFamily="34" charset="0"/>
+                <a:cs typeface="Arial" panose="020B0604020202020204" pitchFamily="34" charset="0"/>
+              </a:rPr>
+              <a:t>hiện</a:t>
+            </a:r>
+            <a:r>
+              <a:rPr lang="en-US" sz="2300" dirty="0">
+                <a:solidFill>
+                  <a:schemeClr val="tx1"/>
+                </a:solidFill>
+                <a:latin typeface="Arial" panose="020B0604020202020204" pitchFamily="34" charset="0"/>
+                <a:cs typeface="Arial" panose="020B0604020202020204" pitchFamily="34" charset="0"/>
+              </a:rPr>
+              <a:t> </a:t>
+            </a:r>
+            <a:r>
+              <a:rPr lang="en-US" sz="2300" dirty="0" err="1">
+                <a:solidFill>
+                  <a:schemeClr val="tx1"/>
+                </a:solidFill>
+                <a:latin typeface="Arial" panose="020B0604020202020204" pitchFamily="34" charset="0"/>
+                <a:cs typeface="Arial" panose="020B0604020202020204" pitchFamily="34" charset="0"/>
+              </a:rPr>
+              <a:t>lệnh</a:t>
+            </a:r>
+            <a:r>
+              <a:rPr lang="en-US" sz="2300" dirty="0">
+                <a:solidFill>
+                  <a:schemeClr val="tx1"/>
+                </a:solidFill>
+                <a:latin typeface="Arial" panose="020B0604020202020204" pitchFamily="34" charset="0"/>
+                <a:cs typeface="Arial" panose="020B0604020202020204" pitchFamily="34" charset="0"/>
+              </a:rPr>
+              <a:t> </a:t>
+            </a:r>
+            <a:r>
+              <a:rPr lang="en-US" sz="2300" dirty="0" err="1">
+                <a:solidFill>
+                  <a:schemeClr val="tx1"/>
+                </a:solidFill>
+                <a:latin typeface="Arial" panose="020B0604020202020204" pitchFamily="34" charset="0"/>
+                <a:cs typeface="Arial" panose="020B0604020202020204" pitchFamily="34" charset="0"/>
+              </a:rPr>
+              <a:t>hoặc</a:t>
+            </a:r>
+            <a:r>
+              <a:rPr lang="en-US" sz="2300" dirty="0">
+                <a:solidFill>
+                  <a:schemeClr val="tx1"/>
+                </a:solidFill>
+                <a:latin typeface="Arial" panose="020B0604020202020204" pitchFamily="34" charset="0"/>
+                <a:cs typeface="Arial" panose="020B0604020202020204" pitchFamily="34" charset="0"/>
+              </a:rPr>
+              <a:t> </a:t>
+            </a:r>
+            <a:r>
+              <a:rPr lang="en-US" sz="2300" dirty="0" err="1">
+                <a:solidFill>
+                  <a:schemeClr val="tx1"/>
+                </a:solidFill>
+                <a:latin typeface="Arial" panose="020B0604020202020204" pitchFamily="34" charset="0"/>
+                <a:cs typeface="Arial" panose="020B0604020202020204" pitchFamily="34" charset="0"/>
+              </a:rPr>
+              <a:t>hàm</a:t>
+            </a:r>
+            <a:r>
+              <a:rPr lang="en-US" sz="2300" dirty="0">
+                <a:solidFill>
+                  <a:schemeClr val="tx1"/>
+                </a:solidFill>
+                <a:latin typeface="Arial" panose="020B0604020202020204" pitchFamily="34" charset="0"/>
+                <a:cs typeface="Arial" panose="020B0604020202020204" pitchFamily="34" charset="0"/>
+              </a:rPr>
+              <a:t> </a:t>
+            </a:r>
+            <a:r>
+              <a:rPr lang="en-US" sz="2300" dirty="0" err="1">
+                <a:solidFill>
+                  <a:schemeClr val="tx1"/>
+                </a:solidFill>
+                <a:latin typeface="Arial" panose="020B0604020202020204" pitchFamily="34" charset="0"/>
+                <a:cs typeface="Arial" panose="020B0604020202020204" pitchFamily="34" charset="0"/>
+              </a:rPr>
+              <a:t>khác</a:t>
+            </a:r>
+            <a:r>
+              <a:rPr lang="en-US" sz="2300" dirty="0">
+                <a:solidFill>
+                  <a:schemeClr val="tx1"/>
+                </a:solidFill>
+                <a:latin typeface="Arial" panose="020B0604020202020204" pitchFamily="34" charset="0"/>
+                <a:cs typeface="Arial" panose="020B0604020202020204" pitchFamily="34" charset="0"/>
+              </a:rPr>
+              <a:t>(async). </a:t>
+            </a:r>
+            <a:r>
+              <a:rPr lang="en-US" sz="2300" dirty="0" err="1">
+                <a:solidFill>
+                  <a:schemeClr val="tx1"/>
+                </a:solidFill>
+                <a:latin typeface="Arial" panose="020B0604020202020204" pitchFamily="34" charset="0"/>
+                <a:cs typeface="Arial" panose="020B0604020202020204" pitchFamily="34" charset="0"/>
+              </a:rPr>
+              <a:t>Kết</a:t>
+            </a:r>
+            <a:r>
+              <a:rPr lang="en-US" sz="2300" dirty="0">
+                <a:solidFill>
+                  <a:schemeClr val="tx1"/>
+                </a:solidFill>
+                <a:latin typeface="Arial" panose="020B0604020202020204" pitchFamily="34" charset="0"/>
+                <a:cs typeface="Arial" panose="020B0604020202020204" pitchFamily="34" charset="0"/>
+              </a:rPr>
+              <a:t> </a:t>
+            </a:r>
+            <a:r>
+              <a:rPr lang="en-US" sz="2300" dirty="0" err="1">
+                <a:solidFill>
+                  <a:schemeClr val="tx1"/>
+                </a:solidFill>
+                <a:latin typeface="Arial" panose="020B0604020202020204" pitchFamily="34" charset="0"/>
+                <a:cs typeface="Arial" panose="020B0604020202020204" pitchFamily="34" charset="0"/>
+              </a:rPr>
+              <a:t>quả</a:t>
+            </a:r>
+            <a:r>
+              <a:rPr lang="en-US" sz="2300" dirty="0">
+                <a:solidFill>
+                  <a:schemeClr val="tx1"/>
+                </a:solidFill>
+                <a:latin typeface="Arial" panose="020B0604020202020204" pitchFamily="34" charset="0"/>
+                <a:cs typeface="Arial" panose="020B0604020202020204" pitchFamily="34" charset="0"/>
+              </a:rPr>
+              <a:t> </a:t>
+            </a:r>
+            <a:r>
+              <a:rPr lang="en-US" sz="2300" dirty="0" err="1">
+                <a:solidFill>
+                  <a:schemeClr val="tx1"/>
+                </a:solidFill>
+                <a:latin typeface="Arial" panose="020B0604020202020204" pitchFamily="34" charset="0"/>
+                <a:cs typeface="Arial" panose="020B0604020202020204" pitchFamily="34" charset="0"/>
+              </a:rPr>
+              <a:t>trả</a:t>
+            </a:r>
+            <a:r>
+              <a:rPr lang="en-US" sz="2300" dirty="0">
+                <a:solidFill>
+                  <a:schemeClr val="tx1"/>
+                </a:solidFill>
+                <a:latin typeface="Arial" panose="020B0604020202020204" pitchFamily="34" charset="0"/>
+                <a:cs typeface="Arial" panose="020B0604020202020204" pitchFamily="34" charset="0"/>
+              </a:rPr>
+              <a:t> </a:t>
+            </a:r>
+            <a:r>
+              <a:rPr lang="en-US" sz="2300" dirty="0" err="1">
+                <a:solidFill>
+                  <a:schemeClr val="tx1"/>
+                </a:solidFill>
+                <a:latin typeface="Arial" panose="020B0604020202020204" pitchFamily="34" charset="0"/>
+                <a:cs typeface="Arial" panose="020B0604020202020204" pitchFamily="34" charset="0"/>
+              </a:rPr>
+              <a:t>về</a:t>
+            </a:r>
+            <a:r>
+              <a:rPr lang="en-US" sz="2300" dirty="0">
+                <a:solidFill>
+                  <a:schemeClr val="tx1"/>
+                </a:solidFill>
+                <a:latin typeface="Arial" panose="020B0604020202020204" pitchFamily="34" charset="0"/>
+                <a:cs typeface="Arial" panose="020B0604020202020204" pitchFamily="34" charset="0"/>
+              </a:rPr>
+              <a:t> </a:t>
+            </a:r>
+            <a:r>
+              <a:rPr lang="en-US" sz="2300" dirty="0" err="1">
+                <a:solidFill>
+                  <a:schemeClr val="tx1"/>
+                </a:solidFill>
+                <a:latin typeface="Arial" panose="020B0604020202020204" pitchFamily="34" charset="0"/>
+                <a:cs typeface="Arial" panose="020B0604020202020204" pitchFamily="34" charset="0"/>
+              </a:rPr>
+              <a:t>doPromiseA</a:t>
+            </a:r>
+            <a:r>
+              <a:rPr lang="en-US" sz="2300" dirty="0">
+                <a:solidFill>
+                  <a:schemeClr val="tx1"/>
+                </a:solidFill>
+                <a:latin typeface="Arial" panose="020B0604020202020204" pitchFamily="34" charset="0"/>
+                <a:cs typeface="Arial" panose="020B0604020202020204" pitchFamily="34" charset="0"/>
+              </a:rPr>
+              <a:t> </a:t>
+            </a:r>
+            <a:r>
+              <a:rPr lang="en-US" sz="2300" dirty="0" err="1">
+                <a:solidFill>
+                  <a:schemeClr val="tx1"/>
+                </a:solidFill>
+                <a:latin typeface="Arial" panose="020B0604020202020204" pitchFamily="34" charset="0"/>
+                <a:cs typeface="Arial" panose="020B0604020202020204" pitchFamily="34" charset="0"/>
+              </a:rPr>
+              <a:t>là</a:t>
+            </a:r>
+            <a:r>
+              <a:rPr lang="en-US" sz="2300" dirty="0">
+                <a:solidFill>
+                  <a:schemeClr val="tx1"/>
+                </a:solidFill>
+                <a:latin typeface="Arial" panose="020B0604020202020204" pitchFamily="34" charset="0"/>
+                <a:cs typeface="Arial" panose="020B0604020202020204" pitchFamily="34" charset="0"/>
+              </a:rPr>
+              <a:t> 2 </a:t>
+            </a:r>
+            <a:r>
+              <a:rPr lang="en-US" sz="2300" dirty="0" err="1">
+                <a:solidFill>
+                  <a:schemeClr val="tx1"/>
+                </a:solidFill>
+                <a:latin typeface="Arial" panose="020B0604020202020204" pitchFamily="34" charset="0"/>
+                <a:cs typeface="Arial" panose="020B0604020202020204" pitchFamily="34" charset="0"/>
+              </a:rPr>
+              <a:t>hàm</a:t>
+            </a:r>
+            <a:r>
+              <a:rPr lang="en-US" sz="2300" dirty="0">
+                <a:solidFill>
+                  <a:schemeClr val="tx1"/>
+                </a:solidFill>
+                <a:latin typeface="Arial" panose="020B0604020202020204" pitchFamily="34" charset="0"/>
+                <a:cs typeface="Arial" panose="020B0604020202020204" pitchFamily="34" charset="0"/>
+              </a:rPr>
+              <a:t>: resolve(tr</a:t>
+            </a:r>
+            <a:r>
+              <a:rPr lang="vi-VN" sz="2300" dirty="0">
+                <a:solidFill>
+                  <a:schemeClr val="tx1"/>
+                </a:solidFill>
+                <a:latin typeface="Arial" panose="020B0604020202020204" pitchFamily="34" charset="0"/>
+                <a:cs typeface="Arial" panose="020B0604020202020204" pitchFamily="34" charset="0"/>
+              </a:rPr>
+              <a:t>ư</a:t>
+            </a:r>
+            <a:r>
+              <a:rPr lang="en-US" sz="2300" dirty="0" err="1">
+                <a:solidFill>
+                  <a:schemeClr val="tx1"/>
+                </a:solidFill>
+                <a:latin typeface="Arial" panose="020B0604020202020204" pitchFamily="34" charset="0"/>
+                <a:cs typeface="Arial" panose="020B0604020202020204" pitchFamily="34" charset="0"/>
+              </a:rPr>
+              <a:t>ờng</a:t>
+            </a:r>
+            <a:r>
+              <a:rPr lang="en-US" sz="2300" dirty="0">
+                <a:solidFill>
+                  <a:schemeClr val="tx1"/>
+                </a:solidFill>
+                <a:latin typeface="Arial" panose="020B0604020202020204" pitchFamily="34" charset="0"/>
+                <a:cs typeface="Arial" panose="020B0604020202020204" pitchFamily="34" charset="0"/>
+              </a:rPr>
+              <a:t> </a:t>
+            </a:r>
+            <a:r>
+              <a:rPr lang="en-US" sz="2300" dirty="0" err="1">
+                <a:solidFill>
+                  <a:schemeClr val="tx1"/>
+                </a:solidFill>
+                <a:latin typeface="Arial" panose="020B0604020202020204" pitchFamily="34" charset="0"/>
+                <a:cs typeface="Arial" panose="020B0604020202020204" pitchFamily="34" charset="0"/>
+              </a:rPr>
+              <a:t>hợp</a:t>
+            </a:r>
+            <a:r>
+              <a:rPr lang="en-US" sz="2300" dirty="0">
+                <a:solidFill>
+                  <a:schemeClr val="tx1"/>
+                </a:solidFill>
+                <a:latin typeface="Arial" panose="020B0604020202020204" pitchFamily="34" charset="0"/>
+                <a:cs typeface="Arial" panose="020B0604020202020204" pitchFamily="34" charset="0"/>
+              </a:rPr>
+              <a:t> </a:t>
+            </a:r>
+            <a:r>
+              <a:rPr lang="en-US" sz="2300" dirty="0" err="1">
+                <a:solidFill>
+                  <a:schemeClr val="tx1"/>
+                </a:solidFill>
+                <a:latin typeface="Arial" panose="020B0604020202020204" pitchFamily="34" charset="0"/>
+                <a:cs typeface="Arial" panose="020B0604020202020204" pitchFamily="34" charset="0"/>
+              </a:rPr>
+              <a:t>thành</a:t>
+            </a:r>
+            <a:r>
+              <a:rPr lang="en-US" sz="2300" dirty="0">
+                <a:solidFill>
+                  <a:schemeClr val="tx1"/>
+                </a:solidFill>
+                <a:latin typeface="Arial" panose="020B0604020202020204" pitchFamily="34" charset="0"/>
+                <a:cs typeface="Arial" panose="020B0604020202020204" pitchFamily="34" charset="0"/>
+              </a:rPr>
+              <a:t> </a:t>
+            </a:r>
+            <a:r>
+              <a:rPr lang="en-US" sz="2300" dirty="0" err="1">
+                <a:solidFill>
+                  <a:schemeClr val="tx1"/>
+                </a:solidFill>
+                <a:latin typeface="Arial" panose="020B0604020202020204" pitchFamily="34" charset="0"/>
+                <a:cs typeface="Arial" panose="020B0604020202020204" pitchFamily="34" charset="0"/>
+              </a:rPr>
+              <a:t>công</a:t>
+            </a:r>
+            <a:r>
+              <a:rPr lang="en-US" sz="2300" dirty="0">
+                <a:solidFill>
+                  <a:schemeClr val="tx1"/>
+                </a:solidFill>
+                <a:latin typeface="Arial" panose="020B0604020202020204" pitchFamily="34" charset="0"/>
+                <a:cs typeface="Arial" panose="020B0604020202020204" pitchFamily="34" charset="0"/>
+              </a:rPr>
+              <a:t>), reject(tr</a:t>
+            </a:r>
+            <a:r>
+              <a:rPr lang="vi-VN" sz="2300" dirty="0">
+                <a:solidFill>
+                  <a:schemeClr val="tx1"/>
+                </a:solidFill>
+                <a:latin typeface="Arial" panose="020B0604020202020204" pitchFamily="34" charset="0"/>
+                <a:cs typeface="Arial" panose="020B0604020202020204" pitchFamily="34" charset="0"/>
+              </a:rPr>
+              <a:t>ư</a:t>
+            </a:r>
+            <a:r>
+              <a:rPr lang="en-US" sz="2300" dirty="0" err="1">
+                <a:solidFill>
+                  <a:schemeClr val="tx1"/>
+                </a:solidFill>
+                <a:latin typeface="Arial" panose="020B0604020202020204" pitchFamily="34" charset="0"/>
+                <a:cs typeface="Arial" panose="020B0604020202020204" pitchFamily="34" charset="0"/>
+              </a:rPr>
+              <a:t>ờng</a:t>
+            </a:r>
+            <a:r>
+              <a:rPr lang="en-US" sz="2300" dirty="0">
+                <a:solidFill>
+                  <a:schemeClr val="tx1"/>
+                </a:solidFill>
+                <a:latin typeface="Arial" panose="020B0604020202020204" pitchFamily="34" charset="0"/>
+                <a:cs typeface="Arial" panose="020B0604020202020204" pitchFamily="34" charset="0"/>
+              </a:rPr>
+              <a:t> </a:t>
+            </a:r>
+            <a:r>
+              <a:rPr lang="en-US" sz="2300" dirty="0" err="1">
+                <a:solidFill>
+                  <a:schemeClr val="tx1"/>
+                </a:solidFill>
+                <a:latin typeface="Arial" panose="020B0604020202020204" pitchFamily="34" charset="0"/>
+                <a:cs typeface="Arial" panose="020B0604020202020204" pitchFamily="34" charset="0"/>
+              </a:rPr>
+              <a:t>hợp</a:t>
+            </a:r>
+            <a:r>
+              <a:rPr lang="en-US" sz="2300" dirty="0">
+                <a:solidFill>
+                  <a:schemeClr val="tx1"/>
+                </a:solidFill>
+                <a:latin typeface="Arial" panose="020B0604020202020204" pitchFamily="34" charset="0"/>
+                <a:cs typeface="Arial" panose="020B0604020202020204" pitchFamily="34" charset="0"/>
+              </a:rPr>
+              <a:t> failed).</a:t>
+            </a:r>
+          </a:p>
+          <a:p>
+            <a:pPr algn="l"/>
+            <a:r>
+              <a:rPr lang="en-US" sz="2300" dirty="0">
+                <a:solidFill>
+                  <a:schemeClr val="tx1"/>
+                </a:solidFill>
+                <a:latin typeface="Arial" panose="020B0604020202020204" pitchFamily="34" charset="0"/>
+                <a:cs typeface="Arial" panose="020B0604020202020204" pitchFamily="34" charset="0"/>
+              </a:rPr>
+              <a:t>const </a:t>
+            </a:r>
+            <a:r>
+              <a:rPr lang="en-US" sz="2300" dirty="0" err="1">
+                <a:solidFill>
+                  <a:schemeClr val="tx1"/>
+                </a:solidFill>
+                <a:latin typeface="Arial" panose="020B0604020202020204" pitchFamily="34" charset="0"/>
+                <a:cs typeface="Arial" panose="020B0604020202020204" pitchFamily="34" charset="0"/>
+              </a:rPr>
+              <a:t>doPromiseA</a:t>
+            </a:r>
+            <a:r>
+              <a:rPr lang="en-US" sz="2300" dirty="0">
+                <a:solidFill>
+                  <a:schemeClr val="tx1"/>
+                </a:solidFill>
+                <a:latin typeface="Arial" panose="020B0604020202020204" pitchFamily="34" charset="0"/>
+                <a:cs typeface="Arial" panose="020B0604020202020204" pitchFamily="34" charset="0"/>
+              </a:rPr>
+              <a:t> = (param1, param2) =&gt; {</a:t>
+            </a:r>
+          </a:p>
+          <a:p>
+            <a:pPr algn="l"/>
+            <a:r>
+              <a:rPr lang="en-US" sz="2300" dirty="0">
+                <a:solidFill>
+                  <a:schemeClr val="tx1"/>
+                </a:solidFill>
+                <a:latin typeface="Arial" panose="020B0604020202020204" pitchFamily="34" charset="0"/>
+                <a:cs typeface="Arial" panose="020B0604020202020204" pitchFamily="34" charset="0"/>
+              </a:rPr>
+              <a:t>   return new Promise((resolve, reject) =&gt; {</a:t>
+            </a:r>
+          </a:p>
+          <a:p>
+            <a:pPr algn="l"/>
+            <a:r>
+              <a:rPr lang="en-US" sz="2300" dirty="0">
+                <a:solidFill>
+                  <a:schemeClr val="tx1"/>
+                </a:solidFill>
+                <a:latin typeface="Arial" panose="020B0604020202020204" pitchFamily="34" charset="0"/>
+                <a:cs typeface="Arial" panose="020B0604020202020204" pitchFamily="34" charset="0"/>
+              </a:rPr>
+              <a:t>        if(…) { resolve({result: “ok”, message: “Do something successfully”})} else</a:t>
+            </a:r>
+          </a:p>
+          <a:p>
+            <a:pPr algn="l"/>
+            <a:r>
+              <a:rPr lang="en-US" sz="2300" dirty="0">
+                <a:solidFill>
+                  <a:schemeClr val="tx1"/>
+                </a:solidFill>
+                <a:latin typeface="Arial" panose="020B0604020202020204" pitchFamily="34" charset="0"/>
+                <a:cs typeface="Arial" panose="020B0604020202020204" pitchFamily="34" charset="0"/>
+              </a:rPr>
+              <a:t>        reject(“Do something failed”) //</a:t>
+            </a:r>
+            <a:r>
+              <a:rPr lang="en-US" sz="2300" dirty="0" err="1">
+                <a:solidFill>
+                  <a:schemeClr val="tx1"/>
+                </a:solidFill>
+                <a:latin typeface="Arial" panose="020B0604020202020204" pitchFamily="34" charset="0"/>
+                <a:cs typeface="Arial" panose="020B0604020202020204" pitchFamily="34" charset="0"/>
+              </a:rPr>
+              <a:t>Có</a:t>
+            </a:r>
+            <a:r>
+              <a:rPr lang="en-US" sz="2300" dirty="0">
+                <a:solidFill>
+                  <a:schemeClr val="tx1"/>
+                </a:solidFill>
+                <a:latin typeface="Arial" panose="020B0604020202020204" pitchFamily="34" charset="0"/>
+                <a:cs typeface="Arial" panose="020B0604020202020204" pitchFamily="34" charset="0"/>
+              </a:rPr>
+              <a:t> </a:t>
+            </a:r>
+            <a:r>
+              <a:rPr lang="en-US" sz="2300" dirty="0" err="1">
+                <a:solidFill>
+                  <a:schemeClr val="tx1"/>
+                </a:solidFill>
+                <a:latin typeface="Arial" panose="020B0604020202020204" pitchFamily="34" charset="0"/>
+                <a:cs typeface="Arial" panose="020B0604020202020204" pitchFamily="34" charset="0"/>
+              </a:rPr>
+              <a:t>thể</a:t>
+            </a:r>
+            <a:r>
+              <a:rPr lang="en-US" sz="2300" dirty="0">
+                <a:solidFill>
+                  <a:schemeClr val="tx1"/>
+                </a:solidFill>
+                <a:latin typeface="Arial" panose="020B0604020202020204" pitchFamily="34" charset="0"/>
+                <a:cs typeface="Arial" panose="020B0604020202020204" pitchFamily="34" charset="0"/>
+              </a:rPr>
+              <a:t> </a:t>
+            </a:r>
+            <a:r>
+              <a:rPr lang="en-US" sz="2300" dirty="0" err="1">
+                <a:solidFill>
+                  <a:schemeClr val="tx1"/>
+                </a:solidFill>
+                <a:latin typeface="Arial" panose="020B0604020202020204" pitchFamily="34" charset="0"/>
+                <a:cs typeface="Arial" panose="020B0604020202020204" pitchFamily="34" charset="0"/>
+              </a:rPr>
+              <a:t>sinh</a:t>
+            </a:r>
+            <a:r>
+              <a:rPr lang="en-US" sz="2300" dirty="0">
+                <a:solidFill>
+                  <a:schemeClr val="tx1"/>
+                </a:solidFill>
+                <a:latin typeface="Arial" panose="020B0604020202020204" pitchFamily="34" charset="0"/>
+                <a:cs typeface="Arial" panose="020B0604020202020204" pitchFamily="34" charset="0"/>
+              </a:rPr>
+              <a:t> ra </a:t>
+            </a:r>
+            <a:r>
+              <a:rPr lang="en-US" sz="2300" dirty="0" err="1">
+                <a:solidFill>
+                  <a:schemeClr val="tx1"/>
+                </a:solidFill>
+                <a:latin typeface="Arial" panose="020B0604020202020204" pitchFamily="34" charset="0"/>
+                <a:cs typeface="Arial" panose="020B0604020202020204" pitchFamily="34" charset="0"/>
+              </a:rPr>
+              <a:t>nhiều</a:t>
+            </a:r>
+            <a:r>
+              <a:rPr lang="en-US" sz="2300" dirty="0">
+                <a:solidFill>
+                  <a:schemeClr val="tx1"/>
+                </a:solidFill>
+                <a:latin typeface="Arial" panose="020B0604020202020204" pitchFamily="34" charset="0"/>
+                <a:cs typeface="Arial" panose="020B0604020202020204" pitchFamily="34" charset="0"/>
+              </a:rPr>
+              <a:t> </a:t>
+            </a:r>
+            <a:r>
+              <a:rPr lang="en-US" sz="2300" dirty="0" err="1">
+                <a:solidFill>
+                  <a:schemeClr val="tx1"/>
+                </a:solidFill>
+                <a:latin typeface="Arial" panose="020B0604020202020204" pitchFamily="34" charset="0"/>
+                <a:cs typeface="Arial" panose="020B0604020202020204" pitchFamily="34" charset="0"/>
+              </a:rPr>
+              <a:t>kết</a:t>
+            </a:r>
+            <a:r>
+              <a:rPr lang="en-US" sz="2300" dirty="0">
+                <a:solidFill>
+                  <a:schemeClr val="tx1"/>
+                </a:solidFill>
+                <a:latin typeface="Arial" panose="020B0604020202020204" pitchFamily="34" charset="0"/>
+                <a:cs typeface="Arial" panose="020B0604020202020204" pitchFamily="34" charset="0"/>
+              </a:rPr>
+              <a:t> </a:t>
+            </a:r>
+            <a:r>
+              <a:rPr lang="en-US" sz="2300" dirty="0" err="1">
+                <a:solidFill>
+                  <a:schemeClr val="tx1"/>
+                </a:solidFill>
+                <a:latin typeface="Arial" panose="020B0604020202020204" pitchFamily="34" charset="0"/>
+                <a:cs typeface="Arial" panose="020B0604020202020204" pitchFamily="34" charset="0"/>
+              </a:rPr>
+              <a:t>quả</a:t>
+            </a:r>
+            <a:r>
+              <a:rPr lang="en-US" sz="2300" dirty="0">
+                <a:solidFill>
+                  <a:schemeClr val="tx1"/>
+                </a:solidFill>
+                <a:latin typeface="Arial" panose="020B0604020202020204" pitchFamily="34" charset="0"/>
+                <a:cs typeface="Arial" panose="020B0604020202020204" pitchFamily="34" charset="0"/>
+              </a:rPr>
+              <a:t> reject, VD?</a:t>
+            </a:r>
+          </a:p>
+          <a:p>
+            <a:pPr algn="l"/>
+            <a:r>
+              <a:rPr lang="en-US" sz="2300" dirty="0">
+                <a:solidFill>
+                  <a:schemeClr val="tx1"/>
+                </a:solidFill>
+                <a:latin typeface="Arial" panose="020B0604020202020204" pitchFamily="34" charset="0"/>
+                <a:cs typeface="Arial" panose="020B0604020202020204" pitchFamily="34" charset="0"/>
+              </a:rPr>
+              <a:t>   }</a:t>
+            </a:r>
+          </a:p>
+          <a:p>
+            <a:pPr algn="l"/>
+            <a:r>
+              <a:rPr lang="en-US" sz="2300" dirty="0">
+                <a:solidFill>
+                  <a:schemeClr val="tx1"/>
+                </a:solidFill>
+                <a:latin typeface="Arial" panose="020B0604020202020204" pitchFamily="34" charset="0"/>
+                <a:cs typeface="Arial" panose="020B0604020202020204" pitchFamily="34" charset="0"/>
+              </a:rPr>
+              <a:t>}</a:t>
+            </a:r>
+          </a:p>
+          <a:p>
+            <a:pPr algn="l"/>
+            <a:endParaRPr lang="en-US" sz="2300" dirty="0">
+              <a:solidFill>
+                <a:schemeClr val="tx1"/>
+              </a:solidFill>
+              <a:latin typeface="Arial" panose="020B0604020202020204" pitchFamily="34" charset="0"/>
+              <a:cs typeface="Arial" panose="020B0604020202020204" pitchFamily="34" charset="0"/>
+            </a:endParaRPr>
+          </a:p>
+        </p:txBody>
+      </p:sp>
+      <p:pic>
+        <p:nvPicPr>
+          <p:cNvPr id="4" name="Picture 3"/>
+          <p:cNvPicPr>
+            <a:picLocks noChangeAspect="1"/>
+          </p:cNvPicPr>
+          <p:nvPr/>
+        </p:nvPicPr>
+        <p:blipFill>
+          <a:blip r:embed="rId2"/>
+          <a:stretch>
+            <a:fillRect/>
+          </a:stretch>
+        </p:blipFill>
+        <p:spPr>
+          <a:xfrm>
+            <a:off x="0" y="5977096"/>
+            <a:ext cx="3517697" cy="816935"/>
+          </a:xfrm>
+          <a:prstGeom prst="rect">
+            <a:avLst/>
+          </a:prstGeom>
+        </p:spPr>
+      </p:pic>
+    </p:spTree>
+    <p:extLst>
+      <p:ext uri="{BB962C8B-B14F-4D97-AF65-F5344CB8AC3E}">
+        <p14:creationId xmlns:p14="http://schemas.microsoft.com/office/powerpoint/2010/main" val="3051635411"/>
+      </p:ext>
+    </p:extLst>
+  </p:cSld>
+  <p:clrMapOvr>
+    <a:masterClrMapping/>
+  </p:clrMapOvr>
+</p:sld>
+</file>
+
+<file path=ppt/slides/slide15.xml><?xml version="1.0" encoding="utf-8"?>
+<p:sld xmlns:a="http://schemas.openxmlformats.org/drawingml/2006/main" xmlns:r="http://schemas.openxmlformats.org/officeDocument/2006/relationships" xmlns:p="http://schemas.openxmlformats.org/presentationml/2006/main">
+  <p:cSld>
+    <p:spTree>
+      <p:nvGrpSpPr>
+        <p:cNvPr id="1" name=""/>
+        <p:cNvGrpSpPr/>
+        <p:nvPr/>
+      </p:nvGrpSpPr>
+      <p:grpSpPr>
+        <a:xfrm>
+          <a:off x="0" y="0"/>
+          <a:ext cx="0" cy="0"/>
+          <a:chOff x="0" y="0"/>
+          <a:chExt cx="0" cy="0"/>
+        </a:xfrm>
+      </p:grpSpPr>
+      <p:sp>
+        <p:nvSpPr>
+          <p:cNvPr id="2" name="Title 1"/>
+          <p:cNvSpPr>
+            <a:spLocks noGrp="1"/>
+          </p:cNvSpPr>
+          <p:nvPr>
+            <p:ph type="ctrTitle"/>
+          </p:nvPr>
+        </p:nvSpPr>
+        <p:spPr>
+          <a:xfrm>
+            <a:off x="0" y="63969"/>
+            <a:ext cx="12192000" cy="836132"/>
+          </a:xfrm>
+        </p:spPr>
+        <p:txBody>
+          <a:bodyPr/>
+          <a:lstStyle/>
+          <a:p>
+            <a:pPr algn="ctr"/>
+            <a:r>
+              <a:rPr lang="en-US" sz="4000" b="1" dirty="0" err="1">
+                <a:solidFill>
+                  <a:schemeClr val="tx1"/>
+                </a:solidFill>
+                <a:latin typeface="Arial" panose="020B0604020202020204" pitchFamily="34" charset="0"/>
+                <a:cs typeface="Arial" panose="020B0604020202020204" pitchFamily="34" charset="0"/>
+              </a:rPr>
+              <a:t>Javascript</a:t>
+            </a:r>
+            <a:r>
+              <a:rPr lang="en-US" sz="4000" b="1" dirty="0">
+                <a:solidFill>
+                  <a:schemeClr val="tx1"/>
+                </a:solidFill>
+                <a:latin typeface="Arial" panose="020B0604020202020204" pitchFamily="34" charset="0"/>
+                <a:cs typeface="Arial" panose="020B0604020202020204" pitchFamily="34" charset="0"/>
+              </a:rPr>
+              <a:t> ECMAScript 6,7</a:t>
+            </a:r>
+            <a:endParaRPr lang="en-US" sz="4000" dirty="0">
+              <a:solidFill>
+                <a:schemeClr val="tx1"/>
+              </a:solidFill>
+              <a:latin typeface="Arial" panose="020B0604020202020204" pitchFamily="34" charset="0"/>
+              <a:cs typeface="Arial" panose="020B0604020202020204" pitchFamily="34" charset="0"/>
+            </a:endParaRPr>
+          </a:p>
+        </p:txBody>
+      </p:sp>
+      <p:sp>
+        <p:nvSpPr>
+          <p:cNvPr id="3" name="Subtitle 2"/>
+          <p:cNvSpPr>
+            <a:spLocks noGrp="1"/>
+          </p:cNvSpPr>
+          <p:nvPr>
+            <p:ph type="subTitle" idx="1"/>
+          </p:nvPr>
+        </p:nvSpPr>
+        <p:spPr>
+          <a:xfrm>
+            <a:off x="572202" y="974502"/>
+            <a:ext cx="11012068" cy="5002594"/>
+          </a:xfrm>
+        </p:spPr>
+        <p:txBody>
+          <a:bodyPr>
+            <a:noAutofit/>
+          </a:bodyPr>
+          <a:lstStyle/>
+          <a:p>
+            <a:pPr algn="l"/>
+            <a:r>
+              <a:rPr lang="en-US" sz="2300" b="1" dirty="0" err="1">
+                <a:solidFill>
+                  <a:schemeClr val="tx1"/>
+                </a:solidFill>
+                <a:latin typeface="Arial" panose="020B0604020202020204" pitchFamily="34" charset="0"/>
+                <a:cs typeface="Arial" panose="020B0604020202020204" pitchFamily="34" charset="0"/>
+              </a:rPr>
+              <a:t>Gọi</a:t>
+            </a:r>
+            <a:r>
+              <a:rPr lang="en-US" sz="2300" b="1" dirty="0">
+                <a:solidFill>
+                  <a:schemeClr val="tx1"/>
+                </a:solidFill>
+                <a:latin typeface="Arial" panose="020B0604020202020204" pitchFamily="34" charset="0"/>
+                <a:cs typeface="Arial" panose="020B0604020202020204" pitchFamily="34" charset="0"/>
+              </a:rPr>
+              <a:t> </a:t>
+            </a:r>
+            <a:r>
+              <a:rPr lang="en-US" sz="2300" b="1" dirty="0" err="1">
+                <a:solidFill>
+                  <a:schemeClr val="tx1"/>
+                </a:solidFill>
+                <a:latin typeface="Arial" panose="020B0604020202020204" pitchFamily="34" charset="0"/>
+                <a:cs typeface="Arial" panose="020B0604020202020204" pitchFamily="34" charset="0"/>
+              </a:rPr>
+              <a:t>hàm</a:t>
+            </a:r>
+            <a:r>
+              <a:rPr lang="en-US" sz="2300" b="1" dirty="0">
+                <a:solidFill>
+                  <a:schemeClr val="tx1"/>
+                </a:solidFill>
+                <a:latin typeface="Arial" panose="020B0604020202020204" pitchFamily="34" charset="0"/>
+                <a:cs typeface="Arial" panose="020B0604020202020204" pitchFamily="34" charset="0"/>
+              </a:rPr>
+              <a:t> Promise </a:t>
+            </a:r>
+            <a:r>
+              <a:rPr lang="en-US" sz="2300" b="1" dirty="0" err="1">
+                <a:solidFill>
+                  <a:schemeClr val="tx1"/>
+                </a:solidFill>
+                <a:latin typeface="Arial" panose="020B0604020202020204" pitchFamily="34" charset="0"/>
+                <a:cs typeface="Arial" panose="020B0604020202020204" pitchFamily="34" charset="0"/>
+              </a:rPr>
+              <a:t>với</a:t>
+            </a:r>
+            <a:r>
+              <a:rPr lang="en-US" sz="2300" b="1" dirty="0">
+                <a:solidFill>
+                  <a:schemeClr val="tx1"/>
+                </a:solidFill>
+                <a:latin typeface="Arial" panose="020B0604020202020204" pitchFamily="34" charset="0"/>
+                <a:cs typeface="Arial" panose="020B0604020202020204" pitchFamily="34" charset="0"/>
+              </a:rPr>
+              <a:t> async/await(ES7):</a:t>
+            </a:r>
+          </a:p>
+          <a:p>
+            <a:pPr algn="l"/>
+            <a:r>
+              <a:rPr lang="en-US" sz="2300" dirty="0">
+                <a:solidFill>
+                  <a:schemeClr val="tx1"/>
+                </a:solidFill>
+                <a:latin typeface="Arial" panose="020B0604020202020204" pitchFamily="34" charset="0"/>
+                <a:cs typeface="Arial" panose="020B0604020202020204" pitchFamily="34" charset="0"/>
+              </a:rPr>
+              <a:t>const </a:t>
+            </a:r>
+            <a:r>
+              <a:rPr lang="en-US" sz="2300" dirty="0" err="1">
+                <a:solidFill>
+                  <a:schemeClr val="tx1"/>
+                </a:solidFill>
+                <a:latin typeface="Arial" panose="020B0604020202020204" pitchFamily="34" charset="0"/>
+                <a:cs typeface="Arial" panose="020B0604020202020204" pitchFamily="34" charset="0"/>
+              </a:rPr>
+              <a:t>doAsyncAwait</a:t>
+            </a:r>
+            <a:r>
+              <a:rPr lang="en-US" sz="2300" dirty="0">
+                <a:solidFill>
+                  <a:schemeClr val="tx1"/>
+                </a:solidFill>
+                <a:latin typeface="Arial" panose="020B0604020202020204" pitchFamily="34" charset="0"/>
+                <a:cs typeface="Arial" panose="020B0604020202020204" pitchFamily="34" charset="0"/>
+              </a:rPr>
+              <a:t> = async (</a:t>
+            </a:r>
+            <a:r>
+              <a:rPr lang="en-US" sz="2300" dirty="0" err="1">
+                <a:solidFill>
+                  <a:schemeClr val="tx1"/>
+                </a:solidFill>
+                <a:latin typeface="Arial" panose="020B0604020202020204" pitchFamily="34" charset="0"/>
+                <a:cs typeface="Arial" panose="020B0604020202020204" pitchFamily="34" charset="0"/>
+              </a:rPr>
+              <a:t>paramX</a:t>
+            </a:r>
+            <a:r>
+              <a:rPr lang="en-US" sz="2300" dirty="0">
+                <a:solidFill>
+                  <a:schemeClr val="tx1"/>
+                </a:solidFill>
+                <a:latin typeface="Arial" panose="020B0604020202020204" pitchFamily="34" charset="0"/>
+                <a:cs typeface="Arial" panose="020B0604020202020204" pitchFamily="34" charset="0"/>
+              </a:rPr>
+              <a:t>) =&gt; {</a:t>
+            </a:r>
+          </a:p>
+          <a:p>
+            <a:pPr algn="l"/>
+            <a:r>
+              <a:rPr lang="en-US" sz="2300" dirty="0">
+                <a:solidFill>
+                  <a:schemeClr val="tx1"/>
+                </a:solidFill>
+                <a:latin typeface="Arial" panose="020B0604020202020204" pitchFamily="34" charset="0"/>
+                <a:cs typeface="Arial" panose="020B0604020202020204" pitchFamily="34" charset="0"/>
+              </a:rPr>
+              <a:t>    try {</a:t>
+            </a:r>
+          </a:p>
+          <a:p>
+            <a:pPr algn="l"/>
+            <a:r>
+              <a:rPr lang="en-US" sz="2300" dirty="0">
+                <a:solidFill>
+                  <a:schemeClr val="tx1"/>
+                </a:solidFill>
+                <a:latin typeface="Arial" panose="020B0604020202020204" pitchFamily="34" charset="0"/>
+                <a:cs typeface="Arial" panose="020B0604020202020204" pitchFamily="34" charset="0"/>
+              </a:rPr>
+              <a:t>        await </a:t>
+            </a:r>
+            <a:r>
+              <a:rPr lang="en-US" sz="2300" dirty="0" err="1">
+                <a:solidFill>
+                  <a:schemeClr val="tx1"/>
+                </a:solidFill>
+                <a:latin typeface="Arial" panose="020B0604020202020204" pitchFamily="34" charset="0"/>
+                <a:cs typeface="Arial" panose="020B0604020202020204" pitchFamily="34" charset="0"/>
+              </a:rPr>
+              <a:t>doPromiseA</a:t>
+            </a:r>
+            <a:r>
+              <a:rPr lang="en-US" sz="2300" dirty="0">
+                <a:solidFill>
+                  <a:schemeClr val="tx1"/>
+                </a:solidFill>
+                <a:latin typeface="Arial" panose="020B0604020202020204" pitchFamily="34" charset="0"/>
+                <a:cs typeface="Arial" panose="020B0604020202020204" pitchFamily="34" charset="0"/>
+              </a:rPr>
+              <a:t>(1,2) //</a:t>
+            </a:r>
+            <a:r>
+              <a:rPr lang="en-US" sz="2300" dirty="0" err="1">
+                <a:solidFill>
+                  <a:schemeClr val="tx1"/>
+                </a:solidFill>
+                <a:latin typeface="Arial" panose="020B0604020202020204" pitchFamily="34" charset="0"/>
+                <a:cs typeface="Arial" panose="020B0604020202020204" pitchFamily="34" charset="0"/>
+              </a:rPr>
+              <a:t>Chạy</a:t>
+            </a:r>
+            <a:r>
+              <a:rPr lang="en-US" sz="2300" dirty="0">
+                <a:solidFill>
+                  <a:schemeClr val="tx1"/>
+                </a:solidFill>
+                <a:latin typeface="Arial" panose="020B0604020202020204" pitchFamily="34" charset="0"/>
+                <a:cs typeface="Arial" panose="020B0604020202020204" pitchFamily="34" charset="0"/>
+              </a:rPr>
+              <a:t> </a:t>
+            </a:r>
+            <a:r>
+              <a:rPr lang="en-US" sz="2300" dirty="0" err="1">
+                <a:solidFill>
+                  <a:schemeClr val="tx1"/>
+                </a:solidFill>
+                <a:latin typeface="Arial" panose="020B0604020202020204" pitchFamily="34" charset="0"/>
+                <a:cs typeface="Arial" panose="020B0604020202020204" pitchFamily="34" charset="0"/>
+              </a:rPr>
+              <a:t>xong</a:t>
+            </a:r>
+            <a:r>
+              <a:rPr lang="en-US" sz="2300" dirty="0">
+                <a:solidFill>
+                  <a:schemeClr val="tx1"/>
+                </a:solidFill>
+                <a:latin typeface="Arial" panose="020B0604020202020204" pitchFamily="34" charset="0"/>
+                <a:cs typeface="Arial" panose="020B0604020202020204" pitchFamily="34" charset="0"/>
+              </a:rPr>
+              <a:t> </a:t>
+            </a:r>
+            <a:r>
+              <a:rPr lang="en-US" sz="2300" dirty="0" err="1">
+                <a:solidFill>
+                  <a:schemeClr val="tx1"/>
+                </a:solidFill>
+                <a:latin typeface="Arial" panose="020B0604020202020204" pitchFamily="34" charset="0"/>
+                <a:cs typeface="Arial" panose="020B0604020202020204" pitchFamily="34" charset="0"/>
+              </a:rPr>
+              <a:t>lệnh</a:t>
+            </a:r>
+            <a:r>
+              <a:rPr lang="en-US" sz="2300" dirty="0">
+                <a:solidFill>
+                  <a:schemeClr val="tx1"/>
+                </a:solidFill>
+                <a:latin typeface="Arial" panose="020B0604020202020204" pitchFamily="34" charset="0"/>
+                <a:cs typeface="Arial" panose="020B0604020202020204" pitchFamily="34" charset="0"/>
+              </a:rPr>
+              <a:t> await </a:t>
+            </a:r>
+            <a:r>
+              <a:rPr lang="en-US" sz="2300" dirty="0" err="1">
+                <a:solidFill>
+                  <a:schemeClr val="tx1"/>
+                </a:solidFill>
+                <a:latin typeface="Arial" panose="020B0604020202020204" pitchFamily="34" charset="0"/>
+                <a:cs typeface="Arial" panose="020B0604020202020204" pitchFamily="34" charset="0"/>
+              </a:rPr>
+              <a:t>này</a:t>
+            </a:r>
+            <a:r>
+              <a:rPr lang="en-US" sz="2300" dirty="0">
+                <a:solidFill>
+                  <a:schemeClr val="tx1"/>
+                </a:solidFill>
+                <a:latin typeface="Arial" panose="020B0604020202020204" pitchFamily="34" charset="0"/>
+                <a:cs typeface="Arial" panose="020B0604020202020204" pitchFamily="34" charset="0"/>
+              </a:rPr>
+              <a:t> </a:t>
+            </a:r>
+            <a:r>
+              <a:rPr lang="en-US" sz="2300" dirty="0" err="1">
+                <a:solidFill>
+                  <a:schemeClr val="tx1"/>
+                </a:solidFill>
+                <a:latin typeface="Arial" panose="020B0604020202020204" pitchFamily="34" charset="0"/>
+                <a:cs typeface="Arial" panose="020B0604020202020204" pitchFamily="34" charset="0"/>
+              </a:rPr>
+              <a:t>mới</a:t>
+            </a:r>
+            <a:r>
+              <a:rPr lang="en-US" sz="2300" dirty="0">
+                <a:solidFill>
+                  <a:schemeClr val="tx1"/>
+                </a:solidFill>
+                <a:latin typeface="Arial" panose="020B0604020202020204" pitchFamily="34" charset="0"/>
+                <a:cs typeface="Arial" panose="020B0604020202020204" pitchFamily="34" charset="0"/>
+              </a:rPr>
+              <a:t> sang </a:t>
+            </a:r>
+            <a:r>
+              <a:rPr lang="en-US" sz="2300" dirty="0" err="1">
+                <a:solidFill>
+                  <a:schemeClr val="tx1"/>
+                </a:solidFill>
+                <a:latin typeface="Arial" panose="020B0604020202020204" pitchFamily="34" charset="0"/>
+                <a:cs typeface="Arial" panose="020B0604020202020204" pitchFamily="34" charset="0"/>
+              </a:rPr>
+              <a:t>lệnh</a:t>
+            </a:r>
+            <a:r>
+              <a:rPr lang="en-US" sz="2300" dirty="0">
+                <a:solidFill>
+                  <a:schemeClr val="tx1"/>
+                </a:solidFill>
+                <a:latin typeface="Arial" panose="020B0604020202020204" pitchFamily="34" charset="0"/>
+                <a:cs typeface="Arial" panose="020B0604020202020204" pitchFamily="34" charset="0"/>
+              </a:rPr>
+              <a:t> </a:t>
+            </a:r>
+            <a:r>
+              <a:rPr lang="en-US" sz="2300" dirty="0" err="1">
+                <a:solidFill>
+                  <a:schemeClr val="tx1"/>
+                </a:solidFill>
+                <a:latin typeface="Arial" panose="020B0604020202020204" pitchFamily="34" charset="0"/>
+                <a:cs typeface="Arial" panose="020B0604020202020204" pitchFamily="34" charset="0"/>
+              </a:rPr>
+              <a:t>tiếp</a:t>
+            </a:r>
+            <a:r>
+              <a:rPr lang="en-US" sz="2300" dirty="0">
+                <a:solidFill>
+                  <a:schemeClr val="tx1"/>
+                </a:solidFill>
+                <a:latin typeface="Arial" panose="020B0604020202020204" pitchFamily="34" charset="0"/>
+                <a:cs typeface="Arial" panose="020B0604020202020204" pitchFamily="34" charset="0"/>
+              </a:rPr>
+              <a:t> </a:t>
+            </a:r>
+            <a:r>
+              <a:rPr lang="en-US" sz="2300" dirty="0" err="1">
+                <a:solidFill>
+                  <a:schemeClr val="tx1"/>
+                </a:solidFill>
+                <a:latin typeface="Arial" panose="020B0604020202020204" pitchFamily="34" charset="0"/>
+                <a:cs typeface="Arial" panose="020B0604020202020204" pitchFamily="34" charset="0"/>
+              </a:rPr>
+              <a:t>theo</a:t>
+            </a:r>
+            <a:endParaRPr lang="en-US" sz="2300" dirty="0">
+              <a:solidFill>
+                <a:schemeClr val="tx1"/>
+              </a:solidFill>
+              <a:latin typeface="Arial" panose="020B0604020202020204" pitchFamily="34" charset="0"/>
+              <a:cs typeface="Arial" panose="020B0604020202020204" pitchFamily="34" charset="0"/>
+            </a:endParaRPr>
+          </a:p>
+          <a:p>
+            <a:pPr algn="l"/>
+            <a:r>
+              <a:rPr lang="en-US" sz="2300" dirty="0">
+                <a:solidFill>
+                  <a:schemeClr val="tx1"/>
+                </a:solidFill>
+                <a:latin typeface="Arial" panose="020B0604020202020204" pitchFamily="34" charset="0"/>
+                <a:cs typeface="Arial" panose="020B0604020202020204" pitchFamily="34" charset="0"/>
+              </a:rPr>
+              <a:t>        console.log(“</a:t>
+            </a:r>
+            <a:r>
+              <a:rPr lang="en-US" sz="2300" dirty="0" err="1">
+                <a:solidFill>
+                  <a:schemeClr val="tx1"/>
+                </a:solidFill>
+                <a:latin typeface="Arial" panose="020B0604020202020204" pitchFamily="34" charset="0"/>
+                <a:cs typeface="Arial" panose="020B0604020202020204" pitchFamily="34" charset="0"/>
+              </a:rPr>
+              <a:t>Successfull</a:t>
+            </a:r>
+            <a:r>
+              <a:rPr lang="en-US" sz="2300" dirty="0">
+                <a:solidFill>
+                  <a:schemeClr val="tx1"/>
+                </a:solidFill>
+                <a:latin typeface="Arial" panose="020B0604020202020204" pitchFamily="34" charset="0"/>
+                <a:cs typeface="Arial" panose="020B0604020202020204" pitchFamily="34" charset="0"/>
+              </a:rPr>
+              <a:t>”)</a:t>
+            </a:r>
+          </a:p>
+          <a:p>
+            <a:pPr algn="l"/>
+            <a:r>
+              <a:rPr lang="en-US" sz="2300" dirty="0">
+                <a:solidFill>
+                  <a:schemeClr val="tx1"/>
+                </a:solidFill>
+                <a:latin typeface="Arial" panose="020B0604020202020204" pitchFamily="34" charset="0"/>
+                <a:cs typeface="Arial" panose="020B0604020202020204" pitchFamily="34" charset="0"/>
+              </a:rPr>
+              <a:t>     } catch(e) {</a:t>
+            </a:r>
+          </a:p>
+          <a:p>
+            <a:pPr algn="l"/>
+            <a:r>
+              <a:rPr lang="en-US" sz="2300" dirty="0">
+                <a:solidFill>
+                  <a:schemeClr val="tx1"/>
+                </a:solidFill>
+                <a:latin typeface="Arial" panose="020B0604020202020204" pitchFamily="34" charset="0"/>
+                <a:cs typeface="Arial" panose="020B0604020202020204" pitchFamily="34" charset="0"/>
+              </a:rPr>
+              <a:t>        console.log(`Error = ${e}`) //</a:t>
+            </a:r>
+            <a:r>
+              <a:rPr lang="en-US" sz="2300" dirty="0" err="1">
+                <a:solidFill>
+                  <a:schemeClr val="tx1"/>
+                </a:solidFill>
+                <a:latin typeface="Arial" panose="020B0604020202020204" pitchFamily="34" charset="0"/>
+                <a:cs typeface="Arial" panose="020B0604020202020204" pitchFamily="34" charset="0"/>
+              </a:rPr>
+              <a:t>Tất</a:t>
+            </a:r>
+            <a:r>
+              <a:rPr lang="en-US" sz="2300" dirty="0">
+                <a:solidFill>
+                  <a:schemeClr val="tx1"/>
+                </a:solidFill>
+                <a:latin typeface="Arial" panose="020B0604020202020204" pitchFamily="34" charset="0"/>
+                <a:cs typeface="Arial" panose="020B0604020202020204" pitchFamily="34" charset="0"/>
+              </a:rPr>
+              <a:t> </a:t>
+            </a:r>
+            <a:r>
+              <a:rPr lang="en-US" sz="2300" dirty="0" err="1">
+                <a:solidFill>
+                  <a:schemeClr val="tx1"/>
+                </a:solidFill>
+                <a:latin typeface="Arial" panose="020B0604020202020204" pitchFamily="34" charset="0"/>
+                <a:cs typeface="Arial" panose="020B0604020202020204" pitchFamily="34" charset="0"/>
+              </a:rPr>
+              <a:t>cả</a:t>
+            </a:r>
+            <a:r>
+              <a:rPr lang="en-US" sz="2300" dirty="0">
+                <a:solidFill>
+                  <a:schemeClr val="tx1"/>
+                </a:solidFill>
+                <a:latin typeface="Arial" panose="020B0604020202020204" pitchFamily="34" charset="0"/>
+                <a:cs typeface="Arial" panose="020B0604020202020204" pitchFamily="34" charset="0"/>
+              </a:rPr>
+              <a:t> error </a:t>
+            </a:r>
+            <a:r>
+              <a:rPr lang="en-US" sz="2300" dirty="0" err="1">
+                <a:solidFill>
+                  <a:schemeClr val="tx1"/>
+                </a:solidFill>
+                <a:latin typeface="Arial" panose="020B0604020202020204" pitchFamily="34" charset="0"/>
+                <a:cs typeface="Arial" panose="020B0604020202020204" pitchFamily="34" charset="0"/>
+              </a:rPr>
+              <a:t>quy</a:t>
+            </a:r>
+            <a:r>
+              <a:rPr lang="en-US" sz="2300" dirty="0">
+                <a:solidFill>
+                  <a:schemeClr val="tx1"/>
+                </a:solidFill>
+                <a:latin typeface="Arial" panose="020B0604020202020204" pitchFamily="34" charset="0"/>
+                <a:cs typeface="Arial" panose="020B0604020202020204" pitchFamily="34" charset="0"/>
+              </a:rPr>
+              <a:t> </a:t>
+            </a:r>
+            <a:r>
+              <a:rPr lang="en-US" sz="2300" dirty="0" err="1">
+                <a:solidFill>
+                  <a:schemeClr val="tx1"/>
+                </a:solidFill>
+                <a:latin typeface="Arial" panose="020B0604020202020204" pitchFamily="34" charset="0"/>
+                <a:cs typeface="Arial" panose="020B0604020202020204" pitchFamily="34" charset="0"/>
+              </a:rPr>
+              <a:t>hết</a:t>
+            </a:r>
+            <a:r>
+              <a:rPr lang="en-US" sz="2300" dirty="0">
+                <a:solidFill>
+                  <a:schemeClr val="tx1"/>
+                </a:solidFill>
+                <a:latin typeface="Arial" panose="020B0604020202020204" pitchFamily="34" charset="0"/>
+                <a:cs typeface="Arial" panose="020B0604020202020204" pitchFamily="34" charset="0"/>
+              </a:rPr>
+              <a:t> </a:t>
+            </a:r>
+            <a:r>
+              <a:rPr lang="en-US" sz="2300" dirty="0" err="1">
+                <a:solidFill>
+                  <a:schemeClr val="tx1"/>
+                </a:solidFill>
+                <a:latin typeface="Arial" panose="020B0604020202020204" pitchFamily="34" charset="0"/>
+                <a:cs typeface="Arial" panose="020B0604020202020204" pitchFamily="34" charset="0"/>
+              </a:rPr>
+              <a:t>về</a:t>
+            </a:r>
+            <a:r>
+              <a:rPr lang="en-US" sz="2300" dirty="0">
+                <a:solidFill>
+                  <a:schemeClr val="tx1"/>
+                </a:solidFill>
+                <a:latin typeface="Arial" panose="020B0604020202020204" pitchFamily="34" charset="0"/>
+                <a:cs typeface="Arial" panose="020B0604020202020204" pitchFamily="34" charset="0"/>
+              </a:rPr>
+              <a:t> </a:t>
+            </a:r>
+            <a:r>
+              <a:rPr lang="en-US" sz="2300" dirty="0" err="1">
+                <a:solidFill>
+                  <a:schemeClr val="tx1"/>
+                </a:solidFill>
+                <a:latin typeface="Arial" panose="020B0604020202020204" pitchFamily="34" charset="0"/>
+                <a:cs typeface="Arial" panose="020B0604020202020204" pitchFamily="34" charset="0"/>
+              </a:rPr>
+              <a:t>đây</a:t>
+            </a:r>
+            <a:r>
+              <a:rPr lang="en-US" sz="2300" dirty="0">
+                <a:solidFill>
+                  <a:schemeClr val="tx1"/>
+                </a:solidFill>
+                <a:latin typeface="Arial" panose="020B0604020202020204" pitchFamily="34" charset="0"/>
+                <a:cs typeface="Arial" panose="020B0604020202020204" pitchFamily="34" charset="0"/>
+              </a:rPr>
+              <a:t> !</a:t>
+            </a:r>
+          </a:p>
+          <a:p>
+            <a:pPr algn="l"/>
+            <a:r>
+              <a:rPr lang="en-US" sz="2300" dirty="0">
+                <a:solidFill>
+                  <a:schemeClr val="tx1"/>
+                </a:solidFill>
+                <a:latin typeface="Arial" panose="020B0604020202020204" pitchFamily="34" charset="0"/>
+                <a:cs typeface="Arial" panose="020B0604020202020204" pitchFamily="34" charset="0"/>
+              </a:rPr>
+              <a:t>     }</a:t>
+            </a:r>
+          </a:p>
+          <a:p>
+            <a:pPr algn="l"/>
+            <a:r>
+              <a:rPr lang="en-US" sz="2300" dirty="0">
+                <a:solidFill>
+                  <a:schemeClr val="tx1"/>
+                </a:solidFill>
+                <a:latin typeface="Arial" panose="020B0604020202020204" pitchFamily="34" charset="0"/>
+                <a:cs typeface="Arial" panose="020B0604020202020204" pitchFamily="34" charset="0"/>
+              </a:rPr>
+              <a:t>}</a:t>
+            </a:r>
+          </a:p>
+        </p:txBody>
+      </p:sp>
+      <p:pic>
+        <p:nvPicPr>
+          <p:cNvPr id="4" name="Picture 3"/>
+          <p:cNvPicPr>
+            <a:picLocks noChangeAspect="1"/>
+          </p:cNvPicPr>
+          <p:nvPr/>
+        </p:nvPicPr>
+        <p:blipFill>
+          <a:blip r:embed="rId2"/>
+          <a:stretch>
+            <a:fillRect/>
+          </a:stretch>
+        </p:blipFill>
+        <p:spPr>
+          <a:xfrm>
+            <a:off x="0" y="5977096"/>
+            <a:ext cx="3517697" cy="816935"/>
+          </a:xfrm>
+          <a:prstGeom prst="rect">
+            <a:avLst/>
+          </a:prstGeom>
+        </p:spPr>
+      </p:pic>
+    </p:spTree>
+    <p:extLst>
+      <p:ext uri="{BB962C8B-B14F-4D97-AF65-F5344CB8AC3E}">
+        <p14:creationId xmlns:p14="http://schemas.microsoft.com/office/powerpoint/2010/main" val="327581345"/>
+      </p:ext>
+    </p:extLst>
+  </p:cSld>
+  <p:clrMapOvr>
+    <a:masterClrMapping/>
+  </p:clrMapOvr>
+</p:sld>
+</file>
+
+<file path=ppt/slides/slide16.xml><?xml version="1.0" encoding="utf-8"?>
 <p:sld xmlns:a="http://schemas.openxmlformats.org/drawingml/2006/main" xmlns:r="http://schemas.openxmlformats.org/officeDocument/2006/relationships" xmlns:p="http://schemas.openxmlformats.org/presentationml/2006/main">
   <p:cSld>
     <p:spTree>
@@ -13907,7 +19435,7 @@
           <a:p>
             <a:pPr algn="l"/>
             <a:r>
-              <a:rPr lang="en-US" sz="2300" dirty="0" err="1">
+              <a:rPr lang="en-US" sz="2300" b="1" dirty="0" err="1">
                 <a:solidFill>
                   <a:schemeClr val="tx1"/>
                 </a:solidFill>
@@ -13917,17 +19445,17 @@
               <a:t>Khai</a:t>
             </a:r>
             <a:r>
-              <a:rPr lang="en-US" sz="2300" dirty="0">
-                <a:solidFill>
-                  <a:schemeClr val="tx1"/>
-                </a:solidFill>
-                <a:latin typeface="Arial" panose="020B0604020202020204" pitchFamily="34" charset="0"/>
-                <a:cs typeface="Arial" panose="020B0604020202020204" pitchFamily="34" charset="0"/>
-              </a:rPr>
-              <a:t> </a:t>
-            </a:r>
-            <a:r>
-              <a:rPr lang="en-US" sz="2300" dirty="0" err="1">
+              <a:rPr lang="en-US" sz="2300" b="1" dirty="0">
+                <a:solidFill>
+                  <a:schemeClr val="tx1"/>
+                </a:solidFill>
+                <a:latin typeface="Arial" panose="020B0604020202020204" pitchFamily="34" charset="0"/>
+                <a:cs typeface="Arial" panose="020B0604020202020204" pitchFamily="34" charset="0"/>
+              </a:rPr>
+              <a:t> </a:t>
+            </a:r>
+            <a:r>
+              <a:rPr lang="en-US" sz="2300" b="1" dirty="0" err="1">
                 <a:solidFill>
                   <a:schemeClr val="tx1"/>
                 </a:solidFill>
@@ -13937,17 +19465,17 @@
               <a:t>báo</a:t>
             </a:r>
             <a:r>
-              <a:rPr lang="en-US" sz="2300" dirty="0">
-                <a:solidFill>
-                  <a:schemeClr val="tx1"/>
-                </a:solidFill>
-                <a:latin typeface="Arial" panose="020B0604020202020204" pitchFamily="34" charset="0"/>
-                <a:cs typeface="Arial" panose="020B0604020202020204" pitchFamily="34" charset="0"/>
-              </a:rPr>
-              <a:t> </a:t>
-            </a:r>
-            <a:r>
-              <a:rPr lang="en-US" sz="2300" dirty="0" err="1">
+              <a:rPr lang="en-US" sz="2300" b="1" dirty="0">
+                <a:solidFill>
+                  <a:schemeClr val="tx1"/>
+                </a:solidFill>
+                <a:latin typeface="Arial" panose="020B0604020202020204" pitchFamily="34" charset="0"/>
+                <a:cs typeface="Arial" panose="020B0604020202020204" pitchFamily="34" charset="0"/>
+              </a:rPr>
+              <a:t> </a:t>
+            </a:r>
+            <a:r>
+              <a:rPr lang="en-US" sz="2300" b="1" dirty="0" err="1">
                 <a:solidFill>
                   <a:schemeClr val="tx1"/>
                 </a:solidFill>
@@ -13957,7 +19485,7 @@
               <a:t>biến</a:t>
             </a:r>
             <a:r>
-              <a:rPr lang="en-US" sz="2300" dirty="0">
+              <a:rPr lang="en-US" sz="2300" b="1" dirty="0">
                 <a:solidFill>
                   <a:schemeClr val="tx1"/>
                 </a:solidFill>
@@ -13967,7 +19495,7 @@
               <a:t>(</a:t>
             </a:r>
             <a:r>
-              <a:rPr lang="en-US" sz="2300" dirty="0" err="1">
+              <a:rPr lang="en-US" sz="2300" b="1" dirty="0" err="1">
                 <a:solidFill>
                   <a:schemeClr val="tx1"/>
                 </a:solidFill>
@@ -13977,17 +19505,17 @@
               <a:t>dùng</a:t>
             </a:r>
             <a:r>
-              <a:rPr lang="en-US" sz="2300" dirty="0">
-                <a:solidFill>
-                  <a:schemeClr val="tx1"/>
-                </a:solidFill>
-                <a:latin typeface="Arial" panose="020B0604020202020204" pitchFamily="34" charset="0"/>
-                <a:cs typeface="Arial" panose="020B0604020202020204" pitchFamily="34" charset="0"/>
-              </a:rPr>
-              <a:t> </a:t>
-            </a:r>
-            <a:r>
-              <a:rPr lang="en-US" sz="2300" dirty="0" err="1">
+              <a:rPr lang="en-US" sz="2300" b="1" dirty="0">
+                <a:solidFill>
+                  <a:schemeClr val="tx1"/>
+                </a:solidFill>
+                <a:latin typeface="Arial" panose="020B0604020202020204" pitchFamily="34" charset="0"/>
+                <a:cs typeface="Arial" panose="020B0604020202020204" pitchFamily="34" charset="0"/>
+              </a:rPr>
+              <a:t> </a:t>
+            </a:r>
+            <a:r>
+              <a:rPr lang="en-US" sz="2300" b="1" dirty="0" err="1">
                 <a:solidFill>
                   <a:schemeClr val="tx1"/>
                 </a:solidFill>
@@ -13997,17 +19525,17 @@
               <a:t>các</a:t>
             </a:r>
             <a:r>
-              <a:rPr lang="en-US" sz="2300" dirty="0">
-                <a:solidFill>
-                  <a:schemeClr val="tx1"/>
-                </a:solidFill>
-                <a:latin typeface="Arial" panose="020B0604020202020204" pitchFamily="34" charset="0"/>
-                <a:cs typeface="Arial" panose="020B0604020202020204" pitchFamily="34" charset="0"/>
-              </a:rPr>
-              <a:t> </a:t>
-            </a:r>
-            <a:r>
-              <a:rPr lang="en-US" sz="2300" dirty="0" err="1">
+              <a:rPr lang="en-US" sz="2300" b="1" dirty="0">
+                <a:solidFill>
+                  <a:schemeClr val="tx1"/>
+                </a:solidFill>
+                <a:latin typeface="Arial" panose="020B0604020202020204" pitchFamily="34" charset="0"/>
+                <a:cs typeface="Arial" panose="020B0604020202020204" pitchFamily="34" charset="0"/>
+              </a:rPr>
+              <a:t> </a:t>
+            </a:r>
+            <a:r>
+              <a:rPr lang="en-US" sz="2300" b="1" dirty="0" err="1">
                 <a:solidFill>
                   <a:schemeClr val="tx1"/>
                 </a:solidFill>
@@ -14017,17 +19545,17 @@
               <a:t>từ</a:t>
             </a:r>
             <a:r>
-              <a:rPr lang="en-US" sz="2300" dirty="0">
-                <a:solidFill>
-                  <a:schemeClr val="tx1"/>
-                </a:solidFill>
-                <a:latin typeface="Arial" panose="020B0604020202020204" pitchFamily="34" charset="0"/>
-                <a:cs typeface="Arial" panose="020B0604020202020204" pitchFamily="34" charset="0"/>
-              </a:rPr>
-              <a:t> </a:t>
-            </a:r>
-            <a:r>
-              <a:rPr lang="en-US" sz="2300" dirty="0" err="1">
+              <a:rPr lang="en-US" sz="2300" b="1" dirty="0">
+                <a:solidFill>
+                  <a:schemeClr val="tx1"/>
+                </a:solidFill>
+                <a:latin typeface="Arial" panose="020B0604020202020204" pitchFamily="34" charset="0"/>
+                <a:cs typeface="Arial" panose="020B0604020202020204" pitchFamily="34" charset="0"/>
+              </a:rPr>
+              <a:t> </a:t>
+            </a:r>
+            <a:r>
+              <a:rPr lang="en-US" sz="2300" b="1" dirty="0" err="1">
                 <a:solidFill>
                   <a:schemeClr val="tx1"/>
                 </a:solidFill>
@@ -14037,7 +19565,7 @@
               <a:t>khóa</a:t>
             </a:r>
             <a:r>
-              <a:rPr lang="en-US" sz="2300" dirty="0">
+              <a:rPr lang="en-US" sz="2300" b="1" dirty="0">
                 <a:solidFill>
                   <a:schemeClr val="tx1"/>
                 </a:solidFill>
@@ -14590,13 +20118,266 @@
           </a:p>
           <a:p>
             <a:pPr algn="l"/>
-            <a:endParaRPr lang="en-US" sz="2300" dirty="0">
-              <a:solidFill>
-                <a:schemeClr val="tx1"/>
-              </a:solidFill>
-              <a:latin typeface="Arial" panose="020B0604020202020204" pitchFamily="34" charset="0"/>
-              <a:cs typeface="Arial" panose="020B0604020202020204" pitchFamily="34" charset="0"/>
-            </a:endParaRPr>
+            <a:r>
+              <a:rPr lang="en-US" sz="2300" dirty="0" err="1">
+                <a:solidFill>
+                  <a:schemeClr val="tx1"/>
+                </a:solidFill>
+                <a:latin typeface="Arial" panose="020B0604020202020204" pitchFamily="34" charset="0"/>
+                <a:cs typeface="Arial" panose="020B0604020202020204" pitchFamily="34" charset="0"/>
+              </a:rPr>
+              <a:t>Chú</a:t>
+            </a:r>
+            <a:r>
+              <a:rPr lang="en-US" sz="2300" dirty="0">
+                <a:solidFill>
+                  <a:schemeClr val="tx1"/>
+                </a:solidFill>
+                <a:latin typeface="Arial" panose="020B0604020202020204" pitchFamily="34" charset="0"/>
+                <a:cs typeface="Arial" panose="020B0604020202020204" pitchFamily="34" charset="0"/>
+              </a:rPr>
+              <a:t> ý: </a:t>
+            </a:r>
+            <a:r>
+              <a:rPr lang="en-US" sz="2300" dirty="0" err="1">
+                <a:solidFill>
+                  <a:schemeClr val="tx1"/>
+                </a:solidFill>
+                <a:latin typeface="Arial" panose="020B0604020202020204" pitchFamily="34" charset="0"/>
+                <a:cs typeface="Arial" panose="020B0604020202020204" pitchFamily="34" charset="0"/>
+              </a:rPr>
+              <a:t>khi</a:t>
+            </a:r>
+            <a:r>
+              <a:rPr lang="en-US" sz="2300" dirty="0">
+                <a:solidFill>
+                  <a:schemeClr val="tx1"/>
+                </a:solidFill>
+                <a:latin typeface="Arial" panose="020B0604020202020204" pitchFamily="34" charset="0"/>
+                <a:cs typeface="Arial" panose="020B0604020202020204" pitchFamily="34" charset="0"/>
+              </a:rPr>
+              <a:t> </a:t>
+            </a:r>
+            <a:r>
+              <a:rPr lang="en-US" sz="2300" dirty="0" err="1">
+                <a:solidFill>
+                  <a:schemeClr val="tx1"/>
+                </a:solidFill>
+                <a:latin typeface="Arial" panose="020B0604020202020204" pitchFamily="34" charset="0"/>
+                <a:cs typeface="Arial" panose="020B0604020202020204" pitchFamily="34" charset="0"/>
+              </a:rPr>
+              <a:t>lập</a:t>
+            </a:r>
+            <a:r>
+              <a:rPr lang="en-US" sz="2300" dirty="0">
+                <a:solidFill>
+                  <a:schemeClr val="tx1"/>
+                </a:solidFill>
+                <a:latin typeface="Arial" panose="020B0604020202020204" pitchFamily="34" charset="0"/>
+                <a:cs typeface="Arial" panose="020B0604020202020204" pitchFamily="34" charset="0"/>
+              </a:rPr>
+              <a:t> </a:t>
+            </a:r>
+            <a:r>
+              <a:rPr lang="en-US" sz="2300" dirty="0" err="1">
+                <a:solidFill>
+                  <a:schemeClr val="tx1"/>
+                </a:solidFill>
+                <a:latin typeface="Arial" panose="020B0604020202020204" pitchFamily="34" charset="0"/>
+                <a:cs typeface="Arial" panose="020B0604020202020204" pitchFamily="34" charset="0"/>
+              </a:rPr>
+              <a:t>trình</a:t>
+            </a:r>
+            <a:r>
+              <a:rPr lang="en-US" sz="2300" dirty="0">
+                <a:solidFill>
+                  <a:schemeClr val="tx1"/>
+                </a:solidFill>
+                <a:latin typeface="Arial" panose="020B0604020202020204" pitchFamily="34" charset="0"/>
+                <a:cs typeface="Arial" panose="020B0604020202020204" pitchFamily="34" charset="0"/>
+              </a:rPr>
+              <a:t> </a:t>
+            </a:r>
+            <a:r>
+              <a:rPr lang="en-US" sz="2300" dirty="0" err="1">
+                <a:solidFill>
+                  <a:schemeClr val="tx1"/>
+                </a:solidFill>
+                <a:latin typeface="Arial" panose="020B0604020202020204" pitchFamily="34" charset="0"/>
+                <a:cs typeface="Arial" panose="020B0604020202020204" pitchFamily="34" charset="0"/>
+              </a:rPr>
+              <a:t>sẽ</a:t>
+            </a:r>
+            <a:r>
+              <a:rPr lang="en-US" sz="2300" dirty="0">
+                <a:solidFill>
+                  <a:schemeClr val="tx1"/>
+                </a:solidFill>
+                <a:latin typeface="Arial" panose="020B0604020202020204" pitchFamily="34" charset="0"/>
+                <a:cs typeface="Arial" panose="020B0604020202020204" pitchFamily="34" charset="0"/>
+              </a:rPr>
+              <a:t> </a:t>
+            </a:r>
+            <a:r>
+              <a:rPr lang="vi-VN" sz="2300" dirty="0">
+                <a:solidFill>
+                  <a:schemeClr val="tx1"/>
+                </a:solidFill>
+                <a:latin typeface="Arial" panose="020B0604020202020204" pitchFamily="34" charset="0"/>
+                <a:cs typeface="Arial" panose="020B0604020202020204" pitchFamily="34" charset="0"/>
+              </a:rPr>
+              <a:t>ư</a:t>
+            </a:r>
+            <a:r>
+              <a:rPr lang="en-US" sz="2300" dirty="0">
+                <a:solidFill>
+                  <a:schemeClr val="tx1"/>
+                </a:solidFill>
+                <a:latin typeface="Arial" panose="020B0604020202020204" pitchFamily="34" charset="0"/>
+                <a:cs typeface="Arial" panose="020B0604020202020204" pitchFamily="34" charset="0"/>
+              </a:rPr>
+              <a:t>u </a:t>
+            </a:r>
+            <a:r>
+              <a:rPr lang="en-US" sz="2300" dirty="0" err="1">
+                <a:solidFill>
+                  <a:schemeClr val="tx1"/>
+                </a:solidFill>
+                <a:latin typeface="Arial" panose="020B0604020202020204" pitchFamily="34" charset="0"/>
+                <a:cs typeface="Arial" panose="020B0604020202020204" pitchFamily="34" charset="0"/>
+              </a:rPr>
+              <a:t>tiên</a:t>
+            </a:r>
+            <a:r>
+              <a:rPr lang="en-US" sz="2300" dirty="0">
+                <a:solidFill>
+                  <a:schemeClr val="tx1"/>
+                </a:solidFill>
+                <a:latin typeface="Arial" panose="020B0604020202020204" pitchFamily="34" charset="0"/>
+                <a:cs typeface="Arial" panose="020B0604020202020204" pitchFamily="34" charset="0"/>
+              </a:rPr>
+              <a:t> </a:t>
+            </a:r>
+            <a:r>
+              <a:rPr lang="en-US" sz="2300" dirty="0" err="1">
+                <a:solidFill>
+                  <a:schemeClr val="tx1"/>
+                </a:solidFill>
+                <a:latin typeface="Arial" panose="020B0604020202020204" pitchFamily="34" charset="0"/>
+                <a:cs typeface="Arial" panose="020B0604020202020204" pitchFamily="34" charset="0"/>
+              </a:rPr>
+              <a:t>theo</a:t>
+            </a:r>
+            <a:r>
+              <a:rPr lang="en-US" sz="2300" dirty="0">
+                <a:solidFill>
+                  <a:schemeClr val="tx1"/>
+                </a:solidFill>
+                <a:latin typeface="Arial" panose="020B0604020202020204" pitchFamily="34" charset="0"/>
+                <a:cs typeface="Arial" panose="020B0604020202020204" pitchFamily="34" charset="0"/>
+              </a:rPr>
+              <a:t> </a:t>
+            </a:r>
+            <a:r>
+              <a:rPr lang="en-US" sz="2300" dirty="0" err="1">
+                <a:solidFill>
+                  <a:schemeClr val="tx1"/>
+                </a:solidFill>
+                <a:latin typeface="Arial" panose="020B0604020202020204" pitchFamily="34" charset="0"/>
+                <a:cs typeface="Arial" panose="020B0604020202020204" pitchFamily="34" charset="0"/>
+              </a:rPr>
+              <a:t>thứ</a:t>
+            </a:r>
+            <a:r>
+              <a:rPr lang="en-US" sz="2300" dirty="0">
+                <a:solidFill>
+                  <a:schemeClr val="tx1"/>
+                </a:solidFill>
+                <a:latin typeface="Arial" panose="020B0604020202020204" pitchFamily="34" charset="0"/>
+                <a:cs typeface="Arial" panose="020B0604020202020204" pitchFamily="34" charset="0"/>
+              </a:rPr>
+              <a:t> </a:t>
+            </a:r>
+            <a:r>
+              <a:rPr lang="en-US" sz="2300" dirty="0" err="1">
+                <a:solidFill>
+                  <a:schemeClr val="tx1"/>
+                </a:solidFill>
+                <a:latin typeface="Arial" panose="020B0604020202020204" pitchFamily="34" charset="0"/>
+                <a:cs typeface="Arial" panose="020B0604020202020204" pitchFamily="34" charset="0"/>
+              </a:rPr>
+              <a:t>tự</a:t>
+            </a:r>
+            <a:r>
+              <a:rPr lang="en-US" sz="2300" dirty="0">
+                <a:solidFill>
+                  <a:schemeClr val="tx1"/>
+                </a:solidFill>
+                <a:latin typeface="Arial" panose="020B0604020202020204" pitchFamily="34" charset="0"/>
+                <a:cs typeface="Arial" panose="020B0604020202020204" pitchFamily="34" charset="0"/>
+              </a:rPr>
+              <a:t> </a:t>
+            </a:r>
+            <a:r>
+              <a:rPr lang="en-US" sz="2300" dirty="0" err="1">
+                <a:solidFill>
+                  <a:schemeClr val="tx1"/>
+                </a:solidFill>
+                <a:latin typeface="Arial" panose="020B0604020202020204" pitchFamily="34" charset="0"/>
+                <a:cs typeface="Arial" panose="020B0604020202020204" pitchFamily="34" charset="0"/>
+              </a:rPr>
+              <a:t>sau</a:t>
+            </a:r>
+            <a:r>
+              <a:rPr lang="en-US" sz="2300" dirty="0">
+                <a:solidFill>
+                  <a:schemeClr val="tx1"/>
+                </a:solidFill>
+                <a:latin typeface="Arial" panose="020B0604020202020204" pitchFamily="34" charset="0"/>
+                <a:cs typeface="Arial" panose="020B0604020202020204" pitchFamily="34" charset="0"/>
+              </a:rPr>
+              <a:t>: const(</a:t>
+            </a:r>
+            <a:r>
+              <a:rPr lang="en-US" sz="2300" dirty="0" err="1">
+                <a:solidFill>
+                  <a:schemeClr val="tx1"/>
+                </a:solidFill>
+                <a:latin typeface="Arial" panose="020B0604020202020204" pitchFamily="34" charset="0"/>
+                <a:cs typeface="Arial" panose="020B0604020202020204" pitchFamily="34" charset="0"/>
+              </a:rPr>
+              <a:t>cao</a:t>
+            </a:r>
+            <a:r>
+              <a:rPr lang="en-US" sz="2300" dirty="0">
+                <a:solidFill>
+                  <a:schemeClr val="tx1"/>
+                </a:solidFill>
+                <a:latin typeface="Arial" panose="020B0604020202020204" pitchFamily="34" charset="0"/>
+                <a:cs typeface="Arial" panose="020B0604020202020204" pitchFamily="34" charset="0"/>
+              </a:rPr>
+              <a:t> </a:t>
+            </a:r>
+            <a:r>
+              <a:rPr lang="en-US" sz="2300" dirty="0" err="1">
+                <a:solidFill>
+                  <a:schemeClr val="tx1"/>
+                </a:solidFill>
+                <a:latin typeface="Arial" panose="020B0604020202020204" pitchFamily="34" charset="0"/>
+                <a:cs typeface="Arial" panose="020B0604020202020204" pitchFamily="34" charset="0"/>
+              </a:rPr>
+              <a:t>nhất</a:t>
+            </a:r>
+            <a:r>
+              <a:rPr lang="en-US" sz="2300" dirty="0">
+                <a:solidFill>
+                  <a:schemeClr val="tx1"/>
+                </a:solidFill>
+                <a:latin typeface="Arial" panose="020B0604020202020204" pitchFamily="34" charset="0"/>
+                <a:cs typeface="Arial" panose="020B0604020202020204" pitchFamily="34" charset="0"/>
+              </a:rPr>
+              <a:t>),let, var</a:t>
+            </a:r>
           </a:p>
           <a:p>
             <a:pPr algn="l"/>
@@ -14739,14 +20520,616 @@
           <a:p>
             <a:pPr algn="l"/>
             <a:r>
-              <a:rPr lang="en-US" sz="2300" dirty="0" err="1">
-                <a:solidFill>
-                  <a:schemeClr val="tx1"/>
-                </a:solidFill>
-                <a:latin typeface="Arial" panose="020B0604020202020204" pitchFamily="34" charset="0"/>
-                <a:cs typeface="Arial" panose="020B0604020202020204" pitchFamily="34" charset="0"/>
-              </a:rPr>
-              <a:t>Đối</a:t>
+              <a:rPr lang="en-US" sz="2300" b="1" dirty="0">
+                <a:solidFill>
+                  <a:schemeClr val="tx1"/>
+                </a:solidFill>
+                <a:latin typeface="Arial" panose="020B0604020202020204" pitchFamily="34" charset="0"/>
+                <a:cs typeface="Arial" panose="020B0604020202020204" pitchFamily="34" charset="0"/>
+              </a:rPr>
+              <a:t>L</a:t>
+            </a:r>
+            <a:r>
+              <a:rPr lang="vi-VN" sz="2300" b="1" dirty="0">
+                <a:solidFill>
+                  <a:schemeClr val="tx1"/>
+                </a:solidFill>
+                <a:latin typeface="Arial" panose="020B0604020202020204" pitchFamily="34" charset="0"/>
+                <a:cs typeface="Arial" panose="020B0604020202020204" pitchFamily="34" charset="0"/>
+              </a:rPr>
+              <a:t>ư</a:t>
+            </a:r>
+            <a:r>
+              <a:rPr lang="en-US" sz="2300" b="1" dirty="0">
+                <a:solidFill>
+                  <a:schemeClr val="tx1"/>
+                </a:solidFill>
+                <a:latin typeface="Arial" panose="020B0604020202020204" pitchFamily="34" charset="0"/>
+                <a:cs typeface="Arial" panose="020B0604020202020204" pitchFamily="34" charset="0"/>
+              </a:rPr>
+              <a:t>u </a:t>
+            </a:r>
+            <a:r>
+              <a:rPr lang="en-US" sz="2300" b="1" dirty="0" err="1">
+                <a:solidFill>
+                  <a:schemeClr val="tx1"/>
+                </a:solidFill>
+                <a:latin typeface="Arial" panose="020B0604020202020204" pitchFamily="34" charset="0"/>
+                <a:cs typeface="Arial" panose="020B0604020202020204" pitchFamily="34" charset="0"/>
+              </a:rPr>
+              <a:t>trữ</a:t>
+            </a:r>
+            <a:r>
+              <a:rPr lang="en-US" sz="2300" b="1" dirty="0">
+                <a:solidFill>
+                  <a:schemeClr val="tx1"/>
+                </a:solidFill>
+                <a:latin typeface="Arial" panose="020B0604020202020204" pitchFamily="34" charset="0"/>
+                <a:cs typeface="Arial" panose="020B0604020202020204" pitchFamily="34" charset="0"/>
+              </a:rPr>
+              <a:t> </a:t>
+            </a:r>
+            <a:r>
+              <a:rPr lang="en-US" sz="2300" b="1" dirty="0" err="1">
+                <a:solidFill>
+                  <a:schemeClr val="tx1"/>
+                </a:solidFill>
+                <a:latin typeface="Arial" panose="020B0604020202020204" pitchFamily="34" charset="0"/>
+                <a:cs typeface="Arial" panose="020B0604020202020204" pitchFamily="34" charset="0"/>
+              </a:rPr>
+              <a:t>các</a:t>
+            </a:r>
+            <a:r>
+              <a:rPr lang="en-US" sz="2300" b="1" dirty="0">
+                <a:solidFill>
+                  <a:schemeClr val="tx1"/>
+                </a:solidFill>
+                <a:latin typeface="Arial" panose="020B0604020202020204" pitchFamily="34" charset="0"/>
+                <a:cs typeface="Arial" panose="020B0604020202020204" pitchFamily="34" charset="0"/>
+              </a:rPr>
+              <a:t> </a:t>
+            </a:r>
+            <a:r>
+              <a:rPr lang="en-US" sz="2300" b="1" dirty="0" err="1">
+                <a:solidFill>
+                  <a:schemeClr val="tx1"/>
+                </a:solidFill>
+                <a:latin typeface="Arial" panose="020B0604020202020204" pitchFamily="34" charset="0"/>
+                <a:cs typeface="Arial" panose="020B0604020202020204" pitchFamily="34" charset="0"/>
+              </a:rPr>
+              <a:t>biến</a:t>
+            </a:r>
+            <a:r>
+              <a:rPr lang="en-US" sz="2300" b="1" dirty="0">
+                <a:solidFill>
+                  <a:schemeClr val="tx1"/>
+                </a:solidFill>
+                <a:latin typeface="Arial" panose="020B0604020202020204" pitchFamily="34" charset="0"/>
+                <a:cs typeface="Arial" panose="020B0604020202020204" pitchFamily="34" charset="0"/>
+              </a:rPr>
+              <a:t> local:</a:t>
+            </a:r>
+            <a:r>
+              <a:rPr lang="en-US" sz="2300" dirty="0">
+                <a:solidFill>
+                  <a:schemeClr val="tx1"/>
+                </a:solidFill>
+                <a:latin typeface="Arial" panose="020B0604020202020204" pitchFamily="34" charset="0"/>
+                <a:cs typeface="Arial" panose="020B0604020202020204" pitchFamily="34" charset="0"/>
+              </a:rPr>
+              <a:t> </a:t>
+            </a:r>
+          </a:p>
+          <a:p>
+            <a:pPr algn="l"/>
+            <a:r>
+              <a:rPr lang="en-US" sz="2300" dirty="0" err="1">
+                <a:solidFill>
+                  <a:schemeClr val="tx1"/>
+                </a:solidFill>
+                <a:latin typeface="Arial" panose="020B0604020202020204" pitchFamily="34" charset="0"/>
+                <a:cs typeface="Arial" panose="020B0604020202020204" pitchFamily="34" charset="0"/>
+              </a:rPr>
+              <a:t>Chỉ</a:t>
+            </a:r>
+            <a:r>
+              <a:rPr lang="en-US" sz="2300" dirty="0">
+                <a:solidFill>
+                  <a:schemeClr val="tx1"/>
+                </a:solidFill>
+                <a:latin typeface="Arial" panose="020B0604020202020204" pitchFamily="34" charset="0"/>
+                <a:cs typeface="Arial" panose="020B0604020202020204" pitchFamily="34" charset="0"/>
+              </a:rPr>
+              <a:t> l</a:t>
+            </a:r>
+            <a:r>
+              <a:rPr lang="vi-VN" sz="2300" dirty="0">
+                <a:solidFill>
+                  <a:schemeClr val="tx1"/>
+                </a:solidFill>
+                <a:latin typeface="Arial" panose="020B0604020202020204" pitchFamily="34" charset="0"/>
+                <a:cs typeface="Arial" panose="020B0604020202020204" pitchFamily="34" charset="0"/>
+              </a:rPr>
+              <a:t>ư</a:t>
+            </a:r>
+            <a:r>
+              <a:rPr lang="en-US" sz="2300" dirty="0">
+                <a:solidFill>
+                  <a:schemeClr val="tx1"/>
+                </a:solidFill>
+                <a:latin typeface="Arial" panose="020B0604020202020204" pitchFamily="34" charset="0"/>
+                <a:cs typeface="Arial" panose="020B0604020202020204" pitchFamily="34" charset="0"/>
+              </a:rPr>
+              <a:t>u </a:t>
+            </a:r>
+            <a:r>
+              <a:rPr lang="en-US" sz="2300" dirty="0" err="1">
+                <a:solidFill>
+                  <a:schemeClr val="tx1"/>
+                </a:solidFill>
+                <a:latin typeface="Arial" panose="020B0604020202020204" pitchFamily="34" charset="0"/>
+                <a:cs typeface="Arial" panose="020B0604020202020204" pitchFamily="34" charset="0"/>
+              </a:rPr>
+              <a:t>trữ</a:t>
+            </a:r>
+            <a:r>
+              <a:rPr lang="en-US" sz="2300" dirty="0">
+                <a:solidFill>
+                  <a:schemeClr val="tx1"/>
+                </a:solidFill>
+                <a:latin typeface="Arial" panose="020B0604020202020204" pitchFamily="34" charset="0"/>
+                <a:cs typeface="Arial" panose="020B0604020202020204" pitchFamily="34" charset="0"/>
+              </a:rPr>
+              <a:t> đ</a:t>
+            </a:r>
+            <a:r>
+              <a:rPr lang="vi-VN" sz="2300" dirty="0">
+                <a:solidFill>
+                  <a:schemeClr val="tx1"/>
+                </a:solidFill>
+                <a:latin typeface="Arial" panose="020B0604020202020204" pitchFamily="34" charset="0"/>
+                <a:cs typeface="Arial" panose="020B0604020202020204" pitchFamily="34" charset="0"/>
+              </a:rPr>
+              <a:t>ư</a:t>
+            </a:r>
+            <a:r>
+              <a:rPr lang="en-US" sz="2300" dirty="0" err="1">
+                <a:solidFill>
+                  <a:schemeClr val="tx1"/>
+                </a:solidFill>
+                <a:latin typeface="Arial" panose="020B0604020202020204" pitchFamily="34" charset="0"/>
+                <a:cs typeface="Arial" panose="020B0604020202020204" pitchFamily="34" charset="0"/>
+              </a:rPr>
+              <a:t>ợc</a:t>
+            </a:r>
+            <a:r>
+              <a:rPr lang="en-US" sz="2300" dirty="0">
+                <a:solidFill>
+                  <a:schemeClr val="tx1"/>
+                </a:solidFill>
+                <a:latin typeface="Arial" panose="020B0604020202020204" pitchFamily="34" charset="0"/>
+                <a:cs typeface="Arial" panose="020B0604020202020204" pitchFamily="34" charset="0"/>
+              </a:rPr>
+              <a:t> </a:t>
+            </a:r>
+            <a:r>
+              <a:rPr lang="en-US" sz="2300" dirty="0" err="1">
+                <a:solidFill>
+                  <a:schemeClr val="tx1"/>
+                </a:solidFill>
+                <a:latin typeface="Arial" panose="020B0604020202020204" pitchFamily="34" charset="0"/>
+                <a:cs typeface="Arial" panose="020B0604020202020204" pitchFamily="34" charset="0"/>
+              </a:rPr>
+              <a:t>các</a:t>
+            </a:r>
+            <a:r>
+              <a:rPr lang="en-US" sz="2300" dirty="0">
+                <a:solidFill>
+                  <a:schemeClr val="tx1"/>
+                </a:solidFill>
+                <a:latin typeface="Arial" panose="020B0604020202020204" pitchFamily="34" charset="0"/>
+                <a:cs typeface="Arial" panose="020B0604020202020204" pitchFamily="34" charset="0"/>
+              </a:rPr>
+              <a:t> </a:t>
+            </a:r>
+            <a:r>
+              <a:rPr lang="en-US" sz="2300" dirty="0" err="1">
+                <a:solidFill>
+                  <a:schemeClr val="tx1"/>
+                </a:solidFill>
+                <a:latin typeface="Arial" panose="020B0604020202020204" pitchFamily="34" charset="0"/>
+                <a:cs typeface="Arial" panose="020B0604020202020204" pitchFamily="34" charset="0"/>
+              </a:rPr>
+              <a:t>biến</a:t>
+            </a:r>
+            <a:r>
+              <a:rPr lang="en-US" sz="2300" dirty="0">
+                <a:solidFill>
+                  <a:schemeClr val="tx1"/>
+                </a:solidFill>
+                <a:latin typeface="Arial" panose="020B0604020202020204" pitchFamily="34" charset="0"/>
+                <a:cs typeface="Arial" panose="020B0604020202020204" pitchFamily="34" charset="0"/>
+              </a:rPr>
+              <a:t> d</a:t>
+            </a:r>
+            <a:r>
+              <a:rPr lang="vi-VN" sz="2300" dirty="0">
+                <a:solidFill>
+                  <a:schemeClr val="tx1"/>
+                </a:solidFill>
+                <a:latin typeface="Arial" panose="020B0604020202020204" pitchFamily="34" charset="0"/>
+                <a:cs typeface="Arial" panose="020B0604020202020204" pitchFamily="34" charset="0"/>
+              </a:rPr>
+              <a:t>ư</a:t>
+            </a:r>
+            <a:r>
+              <a:rPr lang="en-US" sz="2300" dirty="0" err="1">
+                <a:solidFill>
+                  <a:schemeClr val="tx1"/>
+                </a:solidFill>
+                <a:latin typeface="Arial" panose="020B0604020202020204" pitchFamily="34" charset="0"/>
+                <a:cs typeface="Arial" panose="020B0604020202020204" pitchFamily="34" charset="0"/>
+              </a:rPr>
+              <a:t>ới</a:t>
+            </a:r>
+            <a:r>
+              <a:rPr lang="en-US" sz="2300" dirty="0">
+                <a:solidFill>
+                  <a:schemeClr val="tx1"/>
+                </a:solidFill>
+                <a:latin typeface="Arial" panose="020B0604020202020204" pitchFamily="34" charset="0"/>
+                <a:cs typeface="Arial" panose="020B0604020202020204" pitchFamily="34" charset="0"/>
+              </a:rPr>
+              <a:t> </a:t>
+            </a:r>
+            <a:r>
+              <a:rPr lang="en-US" sz="2300" dirty="0" err="1">
+                <a:solidFill>
+                  <a:schemeClr val="tx1"/>
+                </a:solidFill>
+                <a:latin typeface="Arial" panose="020B0604020202020204" pitchFamily="34" charset="0"/>
+                <a:cs typeface="Arial" panose="020B0604020202020204" pitchFamily="34" charset="0"/>
+              </a:rPr>
+              <a:t>dạng</a:t>
+            </a:r>
+            <a:r>
+              <a:rPr lang="en-US" sz="2300" dirty="0">
+                <a:solidFill>
+                  <a:schemeClr val="tx1"/>
+                </a:solidFill>
+                <a:latin typeface="Arial" panose="020B0604020202020204" pitchFamily="34" charset="0"/>
+                <a:cs typeface="Arial" panose="020B0604020202020204" pitchFamily="34" charset="0"/>
+              </a:rPr>
+              <a:t> string: </a:t>
+            </a:r>
+            <a:r>
+              <a:rPr lang="en-US" sz="2300" dirty="0" err="1">
+                <a:solidFill>
+                  <a:schemeClr val="tx1"/>
+                </a:solidFill>
+                <a:latin typeface="Arial" panose="020B0604020202020204" pitchFamily="34" charset="0"/>
+                <a:cs typeface="Arial" panose="020B0604020202020204" pitchFamily="34" charset="0"/>
+              </a:rPr>
+              <a:t>localStorage.setItem</a:t>
+            </a:r>
+            <a:r>
+              <a:rPr lang="en-US" sz="2300" dirty="0">
+                <a:solidFill>
+                  <a:schemeClr val="tx1"/>
+                </a:solidFill>
+                <a:latin typeface="Arial" panose="020B0604020202020204" pitchFamily="34" charset="0"/>
+                <a:cs typeface="Arial" panose="020B0604020202020204" pitchFamily="34" charset="0"/>
+              </a:rPr>
+              <a:t>(“</a:t>
+            </a:r>
+            <a:r>
+              <a:rPr lang="en-US" sz="2300" dirty="0" err="1">
+                <a:solidFill>
+                  <a:schemeClr val="tx1"/>
+                </a:solidFill>
+                <a:latin typeface="Arial" panose="020B0604020202020204" pitchFamily="34" charset="0"/>
+                <a:cs typeface="Arial" panose="020B0604020202020204" pitchFamily="34" charset="0"/>
+              </a:rPr>
+              <a:t>isLoggedIn</a:t>
+            </a:r>
+            <a:r>
+              <a:rPr lang="en-US" sz="2300" dirty="0">
+                <a:solidFill>
+                  <a:schemeClr val="tx1"/>
+                </a:solidFill>
+                <a:latin typeface="Arial" panose="020B0604020202020204" pitchFamily="34" charset="0"/>
+                <a:cs typeface="Arial" panose="020B0604020202020204" pitchFamily="34" charset="0"/>
+              </a:rPr>
+              <a:t>”, “yes”)</a:t>
+            </a:r>
+          </a:p>
+          <a:p>
+            <a:pPr algn="l"/>
+            <a:r>
+              <a:rPr lang="en-US" sz="2300" dirty="0" err="1">
+                <a:solidFill>
+                  <a:schemeClr val="tx1"/>
+                </a:solidFill>
+                <a:latin typeface="Arial" panose="020B0604020202020204" pitchFamily="34" charset="0"/>
+                <a:cs typeface="Arial" panose="020B0604020202020204" pitchFamily="34" charset="0"/>
+              </a:rPr>
+              <a:t>Lấy</a:t>
+            </a:r>
+            <a:r>
+              <a:rPr lang="en-US" sz="2300" dirty="0">
+                <a:solidFill>
+                  <a:schemeClr val="tx1"/>
+                </a:solidFill>
+                <a:latin typeface="Arial" panose="020B0604020202020204" pitchFamily="34" charset="0"/>
+                <a:cs typeface="Arial" panose="020B0604020202020204" pitchFamily="34" charset="0"/>
+              </a:rPr>
+              <a:t> </a:t>
+            </a:r>
+            <a:r>
+              <a:rPr lang="en-US" sz="2300" dirty="0" err="1">
+                <a:solidFill>
+                  <a:schemeClr val="tx1"/>
+                </a:solidFill>
+                <a:latin typeface="Arial" panose="020B0604020202020204" pitchFamily="34" charset="0"/>
+                <a:cs typeface="Arial" panose="020B0604020202020204" pitchFamily="34" charset="0"/>
+              </a:rPr>
+              <a:t>dữ</a:t>
+            </a:r>
+            <a:r>
+              <a:rPr lang="en-US" sz="2300" dirty="0">
+                <a:solidFill>
+                  <a:schemeClr val="tx1"/>
+                </a:solidFill>
+                <a:latin typeface="Arial" panose="020B0604020202020204" pitchFamily="34" charset="0"/>
+                <a:cs typeface="Arial" panose="020B0604020202020204" pitchFamily="34" charset="0"/>
+              </a:rPr>
+              <a:t> </a:t>
+            </a:r>
+            <a:r>
+              <a:rPr lang="en-US" sz="2300" dirty="0" err="1">
+                <a:solidFill>
+                  <a:schemeClr val="tx1"/>
+                </a:solidFill>
+                <a:latin typeface="Arial" panose="020B0604020202020204" pitchFamily="34" charset="0"/>
+                <a:cs typeface="Arial" panose="020B0604020202020204" pitchFamily="34" charset="0"/>
+              </a:rPr>
+              <a:t>liệu</a:t>
+            </a:r>
+            <a:r>
+              <a:rPr lang="en-US" sz="2300" dirty="0">
+                <a:solidFill>
+                  <a:schemeClr val="tx1"/>
+                </a:solidFill>
+                <a:latin typeface="Arial" panose="020B0604020202020204" pitchFamily="34" charset="0"/>
+                <a:cs typeface="Arial" panose="020B0604020202020204" pitchFamily="34" charset="0"/>
+              </a:rPr>
+              <a:t> </a:t>
+            </a:r>
+            <a:r>
+              <a:rPr lang="en-US" sz="2300" dirty="0" err="1">
+                <a:solidFill>
+                  <a:schemeClr val="tx1"/>
+                </a:solidFill>
+                <a:latin typeface="Arial" panose="020B0604020202020204" pitchFamily="34" charset="0"/>
+                <a:cs typeface="Arial" panose="020B0604020202020204" pitchFamily="34" charset="0"/>
+              </a:rPr>
+              <a:t>từ</a:t>
+            </a:r>
+            <a:r>
+              <a:rPr lang="en-US" sz="2300" dirty="0">
+                <a:solidFill>
+                  <a:schemeClr val="tx1"/>
+                </a:solidFill>
+                <a:latin typeface="Arial" panose="020B0604020202020204" pitchFamily="34" charset="0"/>
+                <a:cs typeface="Arial" panose="020B0604020202020204" pitchFamily="34" charset="0"/>
+              </a:rPr>
+              <a:t> </a:t>
+            </a:r>
+            <a:r>
+              <a:rPr lang="en-US" sz="2300" dirty="0" err="1">
+                <a:solidFill>
+                  <a:schemeClr val="tx1"/>
+                </a:solidFill>
+                <a:latin typeface="Arial" panose="020B0604020202020204" pitchFamily="34" charset="0"/>
+                <a:cs typeface="Arial" panose="020B0604020202020204" pitchFamily="34" charset="0"/>
+              </a:rPr>
+              <a:t>localStorage</a:t>
+            </a:r>
+            <a:r>
+              <a:rPr lang="en-US" sz="2300" dirty="0">
+                <a:solidFill>
+                  <a:schemeClr val="tx1"/>
+                </a:solidFill>
+                <a:latin typeface="Arial" panose="020B0604020202020204" pitchFamily="34" charset="0"/>
+                <a:cs typeface="Arial" panose="020B0604020202020204" pitchFamily="34" charset="0"/>
+              </a:rPr>
+              <a:t>: </a:t>
+            </a:r>
+          </a:p>
+          <a:p>
+            <a:pPr algn="l"/>
+            <a:r>
+              <a:rPr lang="en-US" sz="2300" dirty="0">
+                <a:solidFill>
+                  <a:schemeClr val="tx1"/>
+                </a:solidFill>
+                <a:latin typeface="Arial" panose="020B0604020202020204" pitchFamily="34" charset="0"/>
+                <a:cs typeface="Arial" panose="020B0604020202020204" pitchFamily="34" charset="0"/>
+              </a:rPr>
+              <a:t>console.log(`</a:t>
+            </a:r>
+            <a:r>
+              <a:rPr lang="en-US" sz="2300" dirty="0" err="1">
+                <a:solidFill>
+                  <a:schemeClr val="tx1"/>
+                </a:solidFill>
+                <a:latin typeface="Arial" panose="020B0604020202020204" pitchFamily="34" charset="0"/>
+                <a:cs typeface="Arial" panose="020B0604020202020204" pitchFamily="34" charset="0"/>
+              </a:rPr>
+              <a:t>isLoggedIn</a:t>
+            </a:r>
+            <a:r>
+              <a:rPr lang="en-US" sz="2300" dirty="0">
+                <a:solidFill>
+                  <a:schemeClr val="tx1"/>
+                </a:solidFill>
+                <a:latin typeface="Arial" panose="020B0604020202020204" pitchFamily="34" charset="0"/>
+                <a:cs typeface="Arial" panose="020B0604020202020204" pitchFamily="34" charset="0"/>
+              </a:rPr>
+              <a:t> = ${</a:t>
+            </a:r>
+            <a:r>
+              <a:rPr lang="en-US" sz="2300" dirty="0" err="1">
+                <a:solidFill>
+                  <a:schemeClr val="tx1"/>
+                </a:solidFill>
+                <a:latin typeface="Arial" panose="020B0604020202020204" pitchFamily="34" charset="0"/>
+                <a:cs typeface="Arial" panose="020B0604020202020204" pitchFamily="34" charset="0"/>
+              </a:rPr>
+              <a:t>localStorage.getItem</a:t>
+            </a:r>
+            <a:r>
+              <a:rPr lang="en-US" sz="2300" dirty="0">
+                <a:solidFill>
+                  <a:schemeClr val="tx1"/>
+                </a:solidFill>
+                <a:latin typeface="Arial" panose="020B0604020202020204" pitchFamily="34" charset="0"/>
+                <a:cs typeface="Arial" panose="020B0604020202020204" pitchFamily="34" charset="0"/>
+              </a:rPr>
+              <a:t>(“</a:t>
+            </a:r>
+            <a:r>
+              <a:rPr lang="en-US" sz="2300" dirty="0" err="1">
+                <a:solidFill>
+                  <a:schemeClr val="tx1"/>
+                </a:solidFill>
+                <a:latin typeface="Arial" panose="020B0604020202020204" pitchFamily="34" charset="0"/>
+                <a:cs typeface="Arial" panose="020B0604020202020204" pitchFamily="34" charset="0"/>
+              </a:rPr>
+              <a:t>isLoggedIn</a:t>
+            </a:r>
+            <a:r>
+              <a:rPr lang="en-US" sz="2300" dirty="0">
+                <a:solidFill>
+                  <a:schemeClr val="tx1"/>
+                </a:solidFill>
+                <a:latin typeface="Arial" panose="020B0604020202020204" pitchFamily="34" charset="0"/>
+                <a:cs typeface="Arial" panose="020B0604020202020204" pitchFamily="34" charset="0"/>
+              </a:rPr>
+              <a:t>”)}`)</a:t>
+            </a:r>
+          </a:p>
+          <a:p>
+            <a:pPr algn="l"/>
+            <a:r>
+              <a:rPr lang="en-US" sz="2300" dirty="0" err="1">
+                <a:solidFill>
+                  <a:schemeClr val="tx1"/>
+                </a:solidFill>
+                <a:latin typeface="Arial" panose="020B0604020202020204" pitchFamily="34" charset="0"/>
+                <a:cs typeface="Arial" panose="020B0604020202020204" pitchFamily="34" charset="0"/>
+              </a:rPr>
+              <a:t>Hiện</a:t>
+            </a:r>
+            <a:r>
+              <a:rPr lang="en-US" sz="2300" dirty="0">
+                <a:solidFill>
+                  <a:schemeClr val="tx1"/>
+                </a:solidFill>
+                <a:latin typeface="Arial" panose="020B0604020202020204" pitchFamily="34" charset="0"/>
+                <a:cs typeface="Arial" panose="020B0604020202020204" pitchFamily="34" charset="0"/>
+              </a:rPr>
+              <a:t> </a:t>
+            </a:r>
+            <a:r>
+              <a:rPr lang="en-US" sz="2300" dirty="0" err="1">
+                <a:solidFill>
+                  <a:schemeClr val="tx1"/>
+                </a:solidFill>
+                <a:latin typeface="Arial" panose="020B0604020202020204" pitchFamily="34" charset="0"/>
+                <a:cs typeface="Arial" panose="020B0604020202020204" pitchFamily="34" charset="0"/>
+              </a:rPr>
+              <a:t>thông</a:t>
+            </a:r>
+            <a:r>
+              <a:rPr lang="en-US" sz="2300" dirty="0">
+                <a:solidFill>
+                  <a:schemeClr val="tx1"/>
+                </a:solidFill>
+                <a:latin typeface="Arial" panose="020B0604020202020204" pitchFamily="34" charset="0"/>
+                <a:cs typeface="Arial" panose="020B0604020202020204" pitchFamily="34" charset="0"/>
+              </a:rPr>
+              <a:t> tin chi </a:t>
+            </a:r>
+            <a:r>
+              <a:rPr lang="en-US" sz="2300" dirty="0" err="1">
+                <a:solidFill>
+                  <a:schemeClr val="tx1"/>
+                </a:solidFill>
+                <a:latin typeface="Arial" panose="020B0604020202020204" pitchFamily="34" charset="0"/>
+                <a:cs typeface="Arial" panose="020B0604020202020204" pitchFamily="34" charset="0"/>
+              </a:rPr>
+              <a:t>tiết</a:t>
+            </a:r>
+            <a:r>
+              <a:rPr lang="en-US" sz="2300" dirty="0">
+                <a:solidFill>
+                  <a:schemeClr val="tx1"/>
+                </a:solidFill>
+                <a:latin typeface="Arial" panose="020B0604020202020204" pitchFamily="34" charset="0"/>
+                <a:cs typeface="Arial" panose="020B0604020202020204" pitchFamily="34" charset="0"/>
+              </a:rPr>
+              <a:t> 1 </a:t>
+            </a:r>
+            <a:r>
+              <a:rPr lang="en-US" sz="2300" dirty="0" err="1">
+                <a:solidFill>
+                  <a:schemeClr val="tx1"/>
+                </a:solidFill>
+                <a:latin typeface="Arial" panose="020B0604020202020204" pitchFamily="34" charset="0"/>
+                <a:cs typeface="Arial" panose="020B0604020202020204" pitchFamily="34" charset="0"/>
+              </a:rPr>
+              <a:t>biến</a:t>
+            </a:r>
+            <a:r>
+              <a:rPr lang="en-US" sz="2300" dirty="0">
+                <a:solidFill>
+                  <a:schemeClr val="tx1"/>
+                </a:solidFill>
+                <a:latin typeface="Arial" panose="020B0604020202020204" pitchFamily="34" charset="0"/>
+                <a:cs typeface="Arial" panose="020B0604020202020204" pitchFamily="34" charset="0"/>
+              </a:rPr>
+              <a:t>(variable) </a:t>
+            </a:r>
+            <a:r>
+              <a:rPr lang="en-US" sz="2300" dirty="0" err="1">
+                <a:solidFill>
+                  <a:schemeClr val="tx1"/>
+                </a:solidFill>
+                <a:latin typeface="Arial" panose="020B0604020202020204" pitchFamily="34" charset="0"/>
+                <a:cs typeface="Arial" panose="020B0604020202020204" pitchFamily="34" charset="0"/>
+              </a:rPr>
+              <a:t>hoặc</a:t>
+            </a:r>
+            <a:r>
+              <a:rPr lang="en-US" sz="2300" dirty="0">
+                <a:solidFill>
+                  <a:schemeClr val="tx1"/>
+                </a:solidFill>
+                <a:latin typeface="Arial" panose="020B0604020202020204" pitchFamily="34" charset="0"/>
+                <a:cs typeface="Arial" panose="020B0604020202020204" pitchFamily="34" charset="0"/>
+              </a:rPr>
+              <a:t> 1 object(</a:t>
+            </a:r>
+            <a:r>
+              <a:rPr lang="en-US" sz="2300" dirty="0" err="1">
+                <a:solidFill>
+                  <a:schemeClr val="tx1"/>
+                </a:solidFill>
+                <a:latin typeface="Arial" panose="020B0604020202020204" pitchFamily="34" charset="0"/>
+                <a:cs typeface="Arial" panose="020B0604020202020204" pitchFamily="34" charset="0"/>
+              </a:rPr>
+              <a:t>đối</a:t>
             </a:r>
             <a:r>
               <a:rPr lang="en-US" sz="2300" dirty="0">
@@ -14786,735 +21169,23 @@
                 <a:latin typeface="Arial" panose="020B0604020202020204" pitchFamily="34" charset="0"/>
                 <a:cs typeface="Arial" panose="020B0604020202020204" pitchFamily="34" charset="0"/>
               </a:rPr>
-              <a:t>(object) </a:t>
-            </a:r>
-            <a:r>
-              <a:rPr lang="en-US" sz="2300" dirty="0" err="1">
-                <a:solidFill>
-                  <a:schemeClr val="tx1"/>
-                </a:solidFill>
-                <a:latin typeface="Arial" panose="020B0604020202020204" pitchFamily="34" charset="0"/>
-                <a:cs typeface="Arial" panose="020B0604020202020204" pitchFamily="34" charset="0"/>
-              </a:rPr>
-              <a:t>trong</a:t>
-            </a:r>
-            <a:r>
-              <a:rPr lang="en-US" sz="2300" dirty="0">
-                <a:solidFill>
-                  <a:schemeClr val="tx1"/>
-                </a:solidFill>
-                <a:latin typeface="Arial" panose="020B0604020202020204" pitchFamily="34" charset="0"/>
-                <a:cs typeface="Arial" panose="020B0604020202020204" pitchFamily="34" charset="0"/>
-              </a:rPr>
-              <a:t> </a:t>
-            </a:r>
-            <a:r>
-              <a:rPr lang="en-US" sz="2300" dirty="0" err="1">
-                <a:solidFill>
-                  <a:schemeClr val="tx1"/>
-                </a:solidFill>
-                <a:latin typeface="Arial" panose="020B0604020202020204" pitchFamily="34" charset="0"/>
-                <a:cs typeface="Arial" panose="020B0604020202020204" pitchFamily="34" charset="0"/>
-              </a:rPr>
-              <a:t>Javascript</a:t>
-            </a:r>
-            <a:r>
-              <a:rPr lang="en-US" sz="2300" dirty="0">
-                <a:solidFill>
-                  <a:schemeClr val="tx1"/>
-                </a:solidFill>
-                <a:latin typeface="Arial" panose="020B0604020202020204" pitchFamily="34" charset="0"/>
-                <a:cs typeface="Arial" panose="020B0604020202020204" pitchFamily="34" charset="0"/>
-              </a:rPr>
-              <a:t>:</a:t>
+              <a:t>):</a:t>
             </a:r>
           </a:p>
           <a:p>
             <a:pPr algn="l"/>
             <a:r>
-              <a:rPr lang="en-US" sz="2300" dirty="0">
-                <a:solidFill>
-                  <a:schemeClr val="tx1"/>
-                </a:solidFill>
-                <a:latin typeface="Arial" panose="020B0604020202020204" pitchFamily="34" charset="0"/>
-                <a:cs typeface="Arial" panose="020B0604020202020204" pitchFamily="34" charset="0"/>
-              </a:rPr>
-              <a:t>let person = {name: “Hoang”, email: “hoang@gmail.com”}</a:t>
-            </a:r>
-          </a:p>
-          <a:p>
-            <a:pPr algn="l"/>
-            <a:r>
-              <a:rPr lang="en-US" sz="2300" dirty="0" err="1">
-                <a:solidFill>
-                  <a:schemeClr val="tx1"/>
-                </a:solidFill>
-                <a:latin typeface="Arial" panose="020B0604020202020204" pitchFamily="34" charset="0"/>
-                <a:cs typeface="Arial" panose="020B0604020202020204" pitchFamily="34" charset="0"/>
-              </a:rPr>
-              <a:t>Đối</a:t>
-            </a:r>
-            <a:r>
-              <a:rPr lang="en-US" sz="2300" dirty="0">
-                <a:solidFill>
-                  <a:schemeClr val="tx1"/>
-                </a:solidFill>
-                <a:latin typeface="Arial" panose="020B0604020202020204" pitchFamily="34" charset="0"/>
-                <a:cs typeface="Arial" panose="020B0604020202020204" pitchFamily="34" charset="0"/>
-              </a:rPr>
-              <a:t> t</a:t>
-            </a:r>
-            <a:r>
-              <a:rPr lang="vi-VN" sz="2300" dirty="0">
-                <a:solidFill>
-                  <a:schemeClr val="tx1"/>
-                </a:solidFill>
-                <a:latin typeface="Arial" panose="020B0604020202020204" pitchFamily="34" charset="0"/>
-                <a:cs typeface="Arial" panose="020B0604020202020204" pitchFamily="34" charset="0"/>
-              </a:rPr>
-              <a:t>ư</a:t>
-            </a:r>
-            <a:r>
-              <a:rPr lang="en-US" sz="2300" dirty="0" err="1">
-                <a:solidFill>
-                  <a:schemeClr val="tx1"/>
-                </a:solidFill>
-                <a:latin typeface="Arial" panose="020B0604020202020204" pitchFamily="34" charset="0"/>
-                <a:cs typeface="Arial" panose="020B0604020202020204" pitchFamily="34" charset="0"/>
-              </a:rPr>
-              <a:t>ợng</a:t>
-            </a:r>
-            <a:r>
-              <a:rPr lang="en-US" sz="2300" dirty="0">
-                <a:solidFill>
-                  <a:schemeClr val="tx1"/>
-                </a:solidFill>
-                <a:latin typeface="Arial" panose="020B0604020202020204" pitchFamily="34" charset="0"/>
-                <a:cs typeface="Arial" panose="020B0604020202020204" pitchFamily="34" charset="0"/>
-              </a:rPr>
-              <a:t> đ</a:t>
-            </a:r>
-            <a:r>
-              <a:rPr lang="vi-VN" sz="2300" dirty="0">
-                <a:solidFill>
-                  <a:schemeClr val="tx1"/>
-                </a:solidFill>
-                <a:latin typeface="Arial" panose="020B0604020202020204" pitchFamily="34" charset="0"/>
-                <a:cs typeface="Arial" panose="020B0604020202020204" pitchFamily="34" charset="0"/>
-              </a:rPr>
-              <a:t>ư</a:t>
-            </a:r>
-            <a:r>
-              <a:rPr lang="en-US" sz="2300" dirty="0" err="1">
-                <a:solidFill>
-                  <a:schemeClr val="tx1"/>
-                </a:solidFill>
-                <a:latin typeface="Arial" panose="020B0604020202020204" pitchFamily="34" charset="0"/>
-                <a:cs typeface="Arial" panose="020B0604020202020204" pitchFamily="34" charset="0"/>
-              </a:rPr>
-              <a:t>ợc</a:t>
-            </a:r>
-            <a:r>
-              <a:rPr lang="en-US" sz="2300" dirty="0">
-                <a:solidFill>
-                  <a:schemeClr val="tx1"/>
-                </a:solidFill>
-                <a:latin typeface="Arial" panose="020B0604020202020204" pitchFamily="34" charset="0"/>
-                <a:cs typeface="Arial" panose="020B0604020202020204" pitchFamily="34" charset="0"/>
-              </a:rPr>
-              <a:t> l</a:t>
-            </a:r>
-            <a:r>
-              <a:rPr lang="vi-VN" sz="2300" dirty="0">
-                <a:solidFill>
-                  <a:schemeClr val="tx1"/>
-                </a:solidFill>
-                <a:latin typeface="Arial" panose="020B0604020202020204" pitchFamily="34" charset="0"/>
-                <a:cs typeface="Arial" panose="020B0604020202020204" pitchFamily="34" charset="0"/>
-              </a:rPr>
-              <a:t>ư</a:t>
-            </a:r>
-            <a:r>
-              <a:rPr lang="en-US" sz="2300" dirty="0">
-                <a:solidFill>
-                  <a:schemeClr val="tx1"/>
-                </a:solidFill>
-                <a:latin typeface="Arial" panose="020B0604020202020204" pitchFamily="34" charset="0"/>
-                <a:cs typeface="Arial" panose="020B0604020202020204" pitchFamily="34" charset="0"/>
-              </a:rPr>
-              <a:t>u d</a:t>
-            </a:r>
-            <a:r>
-              <a:rPr lang="vi-VN" sz="2300" dirty="0">
-                <a:solidFill>
-                  <a:schemeClr val="tx1"/>
-                </a:solidFill>
-                <a:latin typeface="Arial" panose="020B0604020202020204" pitchFamily="34" charset="0"/>
-                <a:cs typeface="Arial" panose="020B0604020202020204" pitchFamily="34" charset="0"/>
-              </a:rPr>
-              <a:t>ư</a:t>
-            </a:r>
-            <a:r>
-              <a:rPr lang="en-US" sz="2300" dirty="0" err="1">
-                <a:solidFill>
-                  <a:schemeClr val="tx1"/>
-                </a:solidFill>
-                <a:latin typeface="Arial" panose="020B0604020202020204" pitchFamily="34" charset="0"/>
-                <a:cs typeface="Arial" panose="020B0604020202020204" pitchFamily="34" charset="0"/>
-              </a:rPr>
-              <a:t>ới</a:t>
-            </a:r>
-            <a:r>
-              <a:rPr lang="en-US" sz="2300" dirty="0">
-                <a:solidFill>
-                  <a:schemeClr val="tx1"/>
-                </a:solidFill>
-                <a:latin typeface="Arial" panose="020B0604020202020204" pitchFamily="34" charset="0"/>
-                <a:cs typeface="Arial" panose="020B0604020202020204" pitchFamily="34" charset="0"/>
-              </a:rPr>
-              <a:t> </a:t>
-            </a:r>
-            <a:r>
-              <a:rPr lang="en-US" sz="2300" dirty="0" err="1">
-                <a:solidFill>
-                  <a:schemeClr val="tx1"/>
-                </a:solidFill>
-                <a:latin typeface="Arial" panose="020B0604020202020204" pitchFamily="34" charset="0"/>
-                <a:cs typeface="Arial" panose="020B0604020202020204" pitchFamily="34" charset="0"/>
-              </a:rPr>
-              <a:t>dạng</a:t>
-            </a:r>
-            <a:r>
-              <a:rPr lang="en-US" sz="2300" dirty="0">
-                <a:solidFill>
-                  <a:schemeClr val="tx1"/>
-                </a:solidFill>
-                <a:latin typeface="Arial" panose="020B0604020202020204" pitchFamily="34" charset="0"/>
-                <a:cs typeface="Arial" panose="020B0604020202020204" pitchFamily="34" charset="0"/>
-              </a:rPr>
-              <a:t> key-value, key </a:t>
-            </a:r>
-            <a:r>
-              <a:rPr lang="en-US" sz="2300" dirty="0" err="1">
-                <a:solidFill>
-                  <a:schemeClr val="tx1"/>
-                </a:solidFill>
-                <a:latin typeface="Arial" panose="020B0604020202020204" pitchFamily="34" charset="0"/>
-                <a:cs typeface="Arial" panose="020B0604020202020204" pitchFamily="34" charset="0"/>
-              </a:rPr>
-              <a:t>có</a:t>
-            </a:r>
-            <a:r>
-              <a:rPr lang="en-US" sz="2300" dirty="0">
-                <a:solidFill>
-                  <a:schemeClr val="tx1"/>
-                </a:solidFill>
-                <a:latin typeface="Arial" panose="020B0604020202020204" pitchFamily="34" charset="0"/>
-                <a:cs typeface="Arial" panose="020B0604020202020204" pitchFamily="34" charset="0"/>
-              </a:rPr>
-              <a:t> </a:t>
-            </a:r>
-            <a:r>
-              <a:rPr lang="en-US" sz="2300" dirty="0" err="1">
-                <a:solidFill>
-                  <a:schemeClr val="tx1"/>
-                </a:solidFill>
-                <a:latin typeface="Arial" panose="020B0604020202020204" pitchFamily="34" charset="0"/>
-                <a:cs typeface="Arial" panose="020B0604020202020204" pitchFamily="34" charset="0"/>
-              </a:rPr>
-              <a:t>thể</a:t>
-            </a:r>
-            <a:r>
-              <a:rPr lang="en-US" sz="2300" dirty="0">
-                <a:solidFill>
-                  <a:schemeClr val="tx1"/>
-                </a:solidFill>
-                <a:latin typeface="Arial" panose="020B0604020202020204" pitchFamily="34" charset="0"/>
-                <a:cs typeface="Arial" panose="020B0604020202020204" pitchFamily="34" charset="0"/>
-              </a:rPr>
-              <a:t> </a:t>
-            </a:r>
-            <a:r>
-              <a:rPr lang="en-US" sz="2300" dirty="0" err="1">
-                <a:solidFill>
-                  <a:schemeClr val="tx1"/>
-                </a:solidFill>
-                <a:latin typeface="Arial" panose="020B0604020202020204" pitchFamily="34" charset="0"/>
-                <a:cs typeface="Arial" panose="020B0604020202020204" pitchFamily="34" charset="0"/>
-              </a:rPr>
-              <a:t>chứa</a:t>
-            </a:r>
-            <a:r>
-              <a:rPr lang="en-US" sz="2300" dirty="0">
-                <a:solidFill>
-                  <a:schemeClr val="tx1"/>
-                </a:solidFill>
-                <a:latin typeface="Arial" panose="020B0604020202020204" pitchFamily="34" charset="0"/>
-                <a:cs typeface="Arial" panose="020B0604020202020204" pitchFamily="34" charset="0"/>
-              </a:rPr>
-              <a:t> string </a:t>
-            </a:r>
-            <a:r>
-              <a:rPr lang="en-US" sz="2300" dirty="0" err="1">
-                <a:solidFill>
-                  <a:schemeClr val="tx1"/>
-                </a:solidFill>
-                <a:latin typeface="Arial" panose="020B0604020202020204" pitchFamily="34" charset="0"/>
-                <a:cs typeface="Arial" panose="020B0604020202020204" pitchFamily="34" charset="0"/>
-              </a:rPr>
-              <a:t>có</a:t>
-            </a:r>
-            <a:r>
-              <a:rPr lang="en-US" sz="2300" dirty="0">
-                <a:solidFill>
-                  <a:schemeClr val="tx1"/>
-                </a:solidFill>
-                <a:latin typeface="Arial" panose="020B0604020202020204" pitchFamily="34" charset="0"/>
-                <a:cs typeface="Arial" panose="020B0604020202020204" pitchFamily="34" charset="0"/>
-              </a:rPr>
-              <a:t> </a:t>
-            </a:r>
-            <a:r>
-              <a:rPr lang="en-US" sz="2300" dirty="0" err="1">
-                <a:solidFill>
-                  <a:schemeClr val="tx1"/>
-                </a:solidFill>
-                <a:latin typeface="Arial" panose="020B0604020202020204" pitchFamily="34" charset="0"/>
-                <a:cs typeface="Arial" panose="020B0604020202020204" pitchFamily="34" charset="0"/>
-              </a:rPr>
-              <a:t>dấu</a:t>
-            </a:r>
-            <a:r>
-              <a:rPr lang="en-US" sz="2300" dirty="0">
-                <a:solidFill>
-                  <a:schemeClr val="tx1"/>
-                </a:solidFill>
-                <a:latin typeface="Arial" panose="020B0604020202020204" pitchFamily="34" charset="0"/>
-                <a:cs typeface="Arial" panose="020B0604020202020204" pitchFamily="34" charset="0"/>
-              </a:rPr>
-              <a:t> </a:t>
-            </a:r>
-            <a:r>
-              <a:rPr lang="en-US" sz="2300" dirty="0" err="1">
-                <a:solidFill>
-                  <a:schemeClr val="tx1"/>
-                </a:solidFill>
-                <a:latin typeface="Arial" panose="020B0604020202020204" pitchFamily="34" charset="0"/>
-                <a:cs typeface="Arial" panose="020B0604020202020204" pitchFamily="34" charset="0"/>
-              </a:rPr>
-              <a:t>cách</a:t>
-            </a:r>
-            <a:r>
-              <a:rPr lang="en-US" sz="2300" dirty="0">
-                <a:solidFill>
-                  <a:schemeClr val="tx1"/>
-                </a:solidFill>
-                <a:latin typeface="Arial" panose="020B0604020202020204" pitchFamily="34" charset="0"/>
-                <a:cs typeface="Arial" panose="020B0604020202020204" pitchFamily="34" charset="0"/>
-              </a:rPr>
-              <a:t>(space), </a:t>
-            </a:r>
-            <a:r>
-              <a:rPr lang="en-US" sz="2300" dirty="0" err="1">
-                <a:solidFill>
-                  <a:schemeClr val="tx1"/>
-                </a:solidFill>
-                <a:latin typeface="Arial" panose="020B0604020202020204" pitchFamily="34" charset="0"/>
-                <a:cs typeface="Arial" panose="020B0604020202020204" pitchFamily="34" charset="0"/>
-              </a:rPr>
-              <a:t>có</a:t>
-            </a:r>
-            <a:r>
-              <a:rPr lang="en-US" sz="2300" dirty="0">
-                <a:solidFill>
-                  <a:schemeClr val="tx1"/>
-                </a:solidFill>
-                <a:latin typeface="Arial" panose="020B0604020202020204" pitchFamily="34" charset="0"/>
-                <a:cs typeface="Arial" panose="020B0604020202020204" pitchFamily="34" charset="0"/>
-              </a:rPr>
-              <a:t> </a:t>
-            </a:r>
-            <a:r>
-              <a:rPr lang="en-US" sz="2300" dirty="0" err="1">
-                <a:solidFill>
-                  <a:schemeClr val="tx1"/>
-                </a:solidFill>
-                <a:latin typeface="Arial" panose="020B0604020202020204" pitchFamily="34" charset="0"/>
-                <a:cs typeface="Arial" panose="020B0604020202020204" pitchFamily="34" charset="0"/>
-              </a:rPr>
-              <a:t>thể</a:t>
-            </a:r>
-            <a:r>
-              <a:rPr lang="en-US" sz="2300" dirty="0">
-                <a:solidFill>
-                  <a:schemeClr val="tx1"/>
-                </a:solidFill>
-                <a:latin typeface="Arial" panose="020B0604020202020204" pitchFamily="34" charset="0"/>
-                <a:cs typeface="Arial" panose="020B0604020202020204" pitchFamily="34" charset="0"/>
-              </a:rPr>
-              <a:t> </a:t>
-            </a:r>
-            <a:r>
-              <a:rPr lang="en-US" sz="2300" dirty="0" err="1">
-                <a:solidFill>
-                  <a:schemeClr val="tx1"/>
-                </a:solidFill>
-                <a:latin typeface="Arial" panose="020B0604020202020204" pitchFamily="34" charset="0"/>
-                <a:cs typeface="Arial" panose="020B0604020202020204" pitchFamily="34" charset="0"/>
-              </a:rPr>
-              <a:t>là</a:t>
-            </a:r>
-            <a:r>
-              <a:rPr lang="en-US" sz="2300" dirty="0">
-                <a:solidFill>
-                  <a:schemeClr val="tx1"/>
-                </a:solidFill>
-                <a:latin typeface="Arial" panose="020B0604020202020204" pitchFamily="34" charset="0"/>
-                <a:cs typeface="Arial" panose="020B0604020202020204" pitchFamily="34" charset="0"/>
-              </a:rPr>
-              <a:t> </a:t>
-            </a:r>
-            <a:r>
-              <a:rPr lang="en-US" sz="2300" dirty="0" err="1">
-                <a:solidFill>
-                  <a:schemeClr val="tx1"/>
-                </a:solidFill>
-                <a:latin typeface="Arial" panose="020B0604020202020204" pitchFamily="34" charset="0"/>
-                <a:cs typeface="Arial" panose="020B0604020202020204" pitchFamily="34" charset="0"/>
-              </a:rPr>
-              <a:t>số</a:t>
-            </a:r>
-            <a:r>
-              <a:rPr lang="en-US" sz="2300" dirty="0">
-                <a:solidFill>
-                  <a:schemeClr val="tx1"/>
-                </a:solidFill>
-                <a:latin typeface="Arial" panose="020B0604020202020204" pitchFamily="34" charset="0"/>
-                <a:cs typeface="Arial" panose="020B0604020202020204" pitchFamily="34" charset="0"/>
-              </a:rPr>
-              <a:t>(number)</a:t>
-            </a:r>
-          </a:p>
-          <a:p>
-            <a:pPr algn="l"/>
-            <a:r>
-              <a:rPr lang="en-US" sz="2300" dirty="0" err="1">
-                <a:solidFill>
-                  <a:schemeClr val="tx1"/>
-                </a:solidFill>
-                <a:latin typeface="Arial" panose="020B0604020202020204" pitchFamily="34" charset="0"/>
-                <a:cs typeface="Arial" panose="020B0604020202020204" pitchFamily="34" charset="0"/>
-              </a:rPr>
-              <a:t>Trích</a:t>
-            </a:r>
-            <a:r>
-              <a:rPr lang="en-US" sz="2300" dirty="0">
-                <a:solidFill>
-                  <a:schemeClr val="tx1"/>
-                </a:solidFill>
-                <a:latin typeface="Arial" panose="020B0604020202020204" pitchFamily="34" charset="0"/>
-                <a:cs typeface="Arial" panose="020B0604020202020204" pitchFamily="34" charset="0"/>
-              </a:rPr>
-              <a:t> </a:t>
-            </a:r>
-            <a:r>
-              <a:rPr lang="en-US" sz="2300" dirty="0" err="1">
-                <a:solidFill>
-                  <a:schemeClr val="tx1"/>
-                </a:solidFill>
-                <a:latin typeface="Arial" panose="020B0604020202020204" pitchFamily="34" charset="0"/>
-                <a:cs typeface="Arial" panose="020B0604020202020204" pitchFamily="34" charset="0"/>
-              </a:rPr>
-              <a:t>xuất</a:t>
-            </a:r>
-            <a:r>
-              <a:rPr lang="en-US" sz="2300" dirty="0">
-                <a:solidFill>
-                  <a:schemeClr val="tx1"/>
-                </a:solidFill>
-                <a:latin typeface="Arial" panose="020B0604020202020204" pitchFamily="34" charset="0"/>
-                <a:cs typeface="Arial" panose="020B0604020202020204" pitchFamily="34" charset="0"/>
-              </a:rPr>
-              <a:t>(</a:t>
-            </a:r>
-            <a:r>
-              <a:rPr lang="en-US" sz="2300" dirty="0" err="1">
-                <a:solidFill>
-                  <a:schemeClr val="tx1"/>
-                </a:solidFill>
-                <a:latin typeface="Arial" panose="020B0604020202020204" pitchFamily="34" charset="0"/>
-                <a:cs typeface="Arial" panose="020B0604020202020204" pitchFamily="34" charset="0"/>
-              </a:rPr>
-              <a:t>destructure</a:t>
-            </a:r>
-            <a:r>
-              <a:rPr lang="en-US" sz="2300" dirty="0">
-                <a:solidFill>
-                  <a:schemeClr val="tx1"/>
-                </a:solidFill>
-                <a:latin typeface="Arial" panose="020B0604020202020204" pitchFamily="34" charset="0"/>
-                <a:cs typeface="Arial" panose="020B0604020202020204" pitchFamily="34" charset="0"/>
-              </a:rPr>
-              <a:t>) </a:t>
-            </a:r>
-            <a:r>
-              <a:rPr lang="en-US" sz="2300" dirty="0" err="1">
-                <a:solidFill>
-                  <a:schemeClr val="tx1"/>
-                </a:solidFill>
-                <a:latin typeface="Arial" panose="020B0604020202020204" pitchFamily="34" charset="0"/>
-                <a:cs typeface="Arial" panose="020B0604020202020204" pitchFamily="34" charset="0"/>
-              </a:rPr>
-              <a:t>các</a:t>
-            </a:r>
-            <a:r>
-              <a:rPr lang="en-US" sz="2300" dirty="0">
-                <a:solidFill>
-                  <a:schemeClr val="tx1"/>
-                </a:solidFill>
-                <a:latin typeface="Arial" panose="020B0604020202020204" pitchFamily="34" charset="0"/>
-                <a:cs typeface="Arial" panose="020B0604020202020204" pitchFamily="34" charset="0"/>
-              </a:rPr>
-              <a:t> </a:t>
-            </a:r>
-            <a:r>
-              <a:rPr lang="en-US" sz="2300" dirty="0" err="1">
-                <a:solidFill>
-                  <a:schemeClr val="tx1"/>
-                </a:solidFill>
-                <a:latin typeface="Arial" panose="020B0604020202020204" pitchFamily="34" charset="0"/>
-                <a:cs typeface="Arial" panose="020B0604020202020204" pitchFamily="34" charset="0"/>
-              </a:rPr>
-              <a:t>thuộc</a:t>
-            </a:r>
-            <a:r>
-              <a:rPr lang="en-US" sz="2300" dirty="0">
-                <a:solidFill>
-                  <a:schemeClr val="tx1"/>
-                </a:solidFill>
-                <a:latin typeface="Arial" panose="020B0604020202020204" pitchFamily="34" charset="0"/>
-                <a:cs typeface="Arial" panose="020B0604020202020204" pitchFamily="34" charset="0"/>
-              </a:rPr>
-              <a:t> </a:t>
-            </a:r>
-            <a:r>
-              <a:rPr lang="en-US" sz="2300" dirty="0" err="1">
-                <a:solidFill>
-                  <a:schemeClr val="tx1"/>
-                </a:solidFill>
-                <a:latin typeface="Arial" panose="020B0604020202020204" pitchFamily="34" charset="0"/>
-                <a:cs typeface="Arial" panose="020B0604020202020204" pitchFamily="34" charset="0"/>
-              </a:rPr>
-              <a:t>tính</a:t>
-            </a:r>
-            <a:r>
-              <a:rPr lang="en-US" sz="2300" dirty="0">
-                <a:solidFill>
-                  <a:schemeClr val="tx1"/>
-                </a:solidFill>
-                <a:latin typeface="Arial" panose="020B0604020202020204" pitchFamily="34" charset="0"/>
-                <a:cs typeface="Arial" panose="020B0604020202020204" pitchFamily="34" charset="0"/>
-              </a:rPr>
-              <a:t> </a:t>
-            </a:r>
-            <a:r>
-              <a:rPr lang="en-US" sz="2300" dirty="0" err="1">
-                <a:solidFill>
-                  <a:schemeClr val="tx1"/>
-                </a:solidFill>
-                <a:latin typeface="Arial" panose="020B0604020202020204" pitchFamily="34" charset="0"/>
-                <a:cs typeface="Arial" panose="020B0604020202020204" pitchFamily="34" charset="0"/>
-              </a:rPr>
-              <a:t>trong</a:t>
-            </a:r>
-            <a:r>
-              <a:rPr lang="en-US" sz="2300" dirty="0">
-                <a:solidFill>
-                  <a:schemeClr val="tx1"/>
-                </a:solidFill>
-                <a:latin typeface="Arial" panose="020B0604020202020204" pitchFamily="34" charset="0"/>
-                <a:cs typeface="Arial" panose="020B0604020202020204" pitchFamily="34" charset="0"/>
-              </a:rPr>
-              <a:t> </a:t>
-            </a:r>
-            <a:r>
-              <a:rPr lang="en-US" sz="2300" dirty="0" err="1">
-                <a:solidFill>
-                  <a:schemeClr val="tx1"/>
-                </a:solidFill>
-                <a:latin typeface="Arial" panose="020B0604020202020204" pitchFamily="34" charset="0"/>
-                <a:cs typeface="Arial" panose="020B0604020202020204" pitchFamily="34" charset="0"/>
-              </a:rPr>
-              <a:t>đối</a:t>
-            </a:r>
-            <a:r>
-              <a:rPr lang="en-US" sz="2300" dirty="0">
-                <a:solidFill>
-                  <a:schemeClr val="tx1"/>
-                </a:solidFill>
-                <a:latin typeface="Arial" panose="020B0604020202020204" pitchFamily="34" charset="0"/>
-                <a:cs typeface="Arial" panose="020B0604020202020204" pitchFamily="34" charset="0"/>
-              </a:rPr>
-              <a:t> t</a:t>
-            </a:r>
-            <a:r>
-              <a:rPr lang="vi-VN" sz="2300" dirty="0">
-                <a:solidFill>
-                  <a:schemeClr val="tx1"/>
-                </a:solidFill>
-                <a:latin typeface="Arial" panose="020B0604020202020204" pitchFamily="34" charset="0"/>
-                <a:cs typeface="Arial" panose="020B0604020202020204" pitchFamily="34" charset="0"/>
-              </a:rPr>
-              <a:t>ư</a:t>
-            </a:r>
-            <a:r>
-              <a:rPr lang="en-US" sz="2300" dirty="0" err="1">
-                <a:solidFill>
-                  <a:schemeClr val="tx1"/>
-                </a:solidFill>
-                <a:latin typeface="Arial" panose="020B0604020202020204" pitchFamily="34" charset="0"/>
-                <a:cs typeface="Arial" panose="020B0604020202020204" pitchFamily="34" charset="0"/>
-              </a:rPr>
-              <a:t>ợng</a:t>
-            </a:r>
-            <a:r>
-              <a:rPr lang="en-US" sz="2300" dirty="0">
-                <a:solidFill>
-                  <a:schemeClr val="tx1"/>
-                </a:solidFill>
-                <a:latin typeface="Arial" panose="020B0604020202020204" pitchFamily="34" charset="0"/>
-                <a:cs typeface="Arial" panose="020B0604020202020204" pitchFamily="34" charset="0"/>
-              </a:rPr>
-              <a:t>:</a:t>
-            </a:r>
-          </a:p>
-          <a:p>
-            <a:pPr algn="l"/>
-            <a:r>
-              <a:rPr lang="en-US" sz="2300" dirty="0">
-                <a:solidFill>
-                  <a:schemeClr val="tx1"/>
-                </a:solidFill>
-                <a:latin typeface="Arial" panose="020B0604020202020204" pitchFamily="34" charset="0"/>
-                <a:cs typeface="Arial" panose="020B0604020202020204" pitchFamily="34" charset="0"/>
-              </a:rPr>
-              <a:t>const {name, email} = person</a:t>
-            </a:r>
-          </a:p>
-          <a:p>
-            <a:pPr algn="l"/>
-            <a:r>
-              <a:rPr lang="en-US" sz="2300" dirty="0" err="1">
-                <a:solidFill>
-                  <a:schemeClr val="tx1"/>
-                </a:solidFill>
-                <a:latin typeface="Arial" panose="020B0604020202020204" pitchFamily="34" charset="0"/>
-                <a:cs typeface="Arial" panose="020B0604020202020204" pitchFamily="34" charset="0"/>
-              </a:rPr>
-              <a:t>Lấy</a:t>
-            </a:r>
-            <a:r>
-              <a:rPr lang="en-US" sz="2300" dirty="0">
-                <a:solidFill>
-                  <a:schemeClr val="tx1"/>
-                </a:solidFill>
-                <a:latin typeface="Arial" panose="020B0604020202020204" pitchFamily="34" charset="0"/>
-                <a:cs typeface="Arial" panose="020B0604020202020204" pitchFamily="34" charset="0"/>
-              </a:rPr>
-              <a:t> </a:t>
-            </a:r>
-            <a:r>
-              <a:rPr lang="en-US" sz="2300" dirty="0" err="1">
-                <a:solidFill>
-                  <a:schemeClr val="tx1"/>
-                </a:solidFill>
-                <a:latin typeface="Arial" panose="020B0604020202020204" pitchFamily="34" charset="0"/>
-                <a:cs typeface="Arial" panose="020B0604020202020204" pitchFamily="34" charset="0"/>
-              </a:rPr>
-              <a:t>các</a:t>
-            </a:r>
-            <a:r>
-              <a:rPr lang="en-US" sz="2300" dirty="0">
-                <a:solidFill>
-                  <a:schemeClr val="tx1"/>
-                </a:solidFill>
-                <a:latin typeface="Arial" panose="020B0604020202020204" pitchFamily="34" charset="0"/>
-                <a:cs typeface="Arial" panose="020B0604020202020204" pitchFamily="34" charset="0"/>
-              </a:rPr>
-              <a:t> “key” </a:t>
-            </a:r>
-            <a:r>
-              <a:rPr lang="en-US" sz="2300" dirty="0" err="1">
-                <a:solidFill>
-                  <a:schemeClr val="tx1"/>
-                </a:solidFill>
-                <a:latin typeface="Arial" panose="020B0604020202020204" pitchFamily="34" charset="0"/>
-                <a:cs typeface="Arial" panose="020B0604020202020204" pitchFamily="34" charset="0"/>
-              </a:rPr>
-              <a:t>của</a:t>
-            </a:r>
-            <a:r>
-              <a:rPr lang="en-US" sz="2300" dirty="0">
-                <a:solidFill>
-                  <a:schemeClr val="tx1"/>
-                </a:solidFill>
-                <a:latin typeface="Arial" panose="020B0604020202020204" pitchFamily="34" charset="0"/>
-                <a:cs typeface="Arial" panose="020B0604020202020204" pitchFamily="34" charset="0"/>
-              </a:rPr>
-              <a:t> object, </a:t>
-            </a:r>
-            <a:r>
-              <a:rPr lang="en-US" sz="2300" dirty="0" err="1">
-                <a:solidFill>
-                  <a:schemeClr val="tx1"/>
-                </a:solidFill>
-                <a:latin typeface="Arial" panose="020B0604020202020204" pitchFamily="34" charset="0"/>
-                <a:cs typeface="Arial" panose="020B0604020202020204" pitchFamily="34" charset="0"/>
-              </a:rPr>
-              <a:t>cho</a:t>
-            </a:r>
-            <a:r>
-              <a:rPr lang="en-US" sz="2300" dirty="0">
-                <a:solidFill>
-                  <a:schemeClr val="tx1"/>
-                </a:solidFill>
-                <a:latin typeface="Arial" panose="020B0604020202020204" pitchFamily="34" charset="0"/>
-                <a:cs typeface="Arial" panose="020B0604020202020204" pitchFamily="34" charset="0"/>
-              </a:rPr>
-              <a:t> </a:t>
-            </a:r>
-            <a:r>
-              <a:rPr lang="en-US" sz="2300" dirty="0" err="1">
-                <a:solidFill>
-                  <a:schemeClr val="tx1"/>
-                </a:solidFill>
-                <a:latin typeface="Arial" panose="020B0604020202020204" pitchFamily="34" charset="0"/>
-                <a:cs typeface="Arial" panose="020B0604020202020204" pitchFamily="34" charset="0"/>
-              </a:rPr>
-              <a:t>vào</a:t>
-            </a:r>
-            <a:r>
-              <a:rPr lang="en-US" sz="2300" dirty="0">
-                <a:solidFill>
-                  <a:schemeClr val="tx1"/>
-                </a:solidFill>
-                <a:latin typeface="Arial" panose="020B0604020202020204" pitchFamily="34" charset="0"/>
-                <a:cs typeface="Arial" panose="020B0604020202020204" pitchFamily="34" charset="0"/>
-              </a:rPr>
-              <a:t> 1 array: </a:t>
-            </a:r>
-            <a:r>
-              <a:rPr lang="en-GB" sz="2300" dirty="0" err="1">
-                <a:solidFill>
-                  <a:schemeClr val="tx1"/>
-                </a:solidFill>
-                <a:latin typeface="Arial" panose="020B0604020202020204" pitchFamily="34" charset="0"/>
-                <a:cs typeface="Arial" panose="020B0604020202020204" pitchFamily="34" charset="0"/>
-              </a:rPr>
-              <a:t>Object.keys</a:t>
-            </a:r>
-            <a:r>
-              <a:rPr lang="en-GB" sz="2300" dirty="0">
+              <a:rPr lang="en-US" sz="2300" dirty="0" err="1">
+                <a:solidFill>
+                  <a:schemeClr val="tx1"/>
+                </a:solidFill>
+                <a:latin typeface="Arial" panose="020B0604020202020204" pitchFamily="34" charset="0"/>
+                <a:cs typeface="Arial" panose="020B0604020202020204" pitchFamily="34" charset="0"/>
+              </a:rPr>
+              <a:t>JSON.stringify</a:t>
+            </a:r>
+            <a:r>
+              <a:rPr lang="en-US" sz="2300" dirty="0">
                 <a:solidFill>
                   <a:schemeClr val="tx1"/>
                 </a:solidFill>
@@ -15523,129 +21194,6 @@
               </a:rPr>
               <a:t>(person)</a:t>
             </a:r>
-            <a:endParaRPr lang="en-US" sz="2300" dirty="0">
-              <a:solidFill>
-                <a:schemeClr val="tx1"/>
-              </a:solidFill>
-              <a:latin typeface="Arial" panose="020B0604020202020204" pitchFamily="34" charset="0"/>
-              <a:cs typeface="Arial" panose="020B0604020202020204" pitchFamily="34" charset="0"/>
-            </a:endParaRPr>
-          </a:p>
-          <a:p>
-            <a:pPr algn="l"/>
-            <a:r>
-              <a:rPr lang="en-US" sz="2300" dirty="0">
-                <a:solidFill>
-                  <a:schemeClr val="tx1"/>
-                </a:solidFill>
-                <a:latin typeface="Arial" panose="020B0604020202020204" pitchFamily="34" charset="0"/>
-                <a:cs typeface="Arial" panose="020B0604020202020204" pitchFamily="34" charset="0"/>
-              </a:rPr>
-              <a:t>L</a:t>
-            </a:r>
-            <a:r>
-              <a:rPr lang="vi-VN" sz="2300" dirty="0">
-                <a:solidFill>
-                  <a:schemeClr val="tx1"/>
-                </a:solidFill>
-                <a:latin typeface="Arial" panose="020B0604020202020204" pitchFamily="34" charset="0"/>
-                <a:cs typeface="Arial" panose="020B0604020202020204" pitchFamily="34" charset="0"/>
-              </a:rPr>
-              <a:t>ư</a:t>
-            </a:r>
-            <a:r>
-              <a:rPr lang="en-US" sz="2300" dirty="0">
-                <a:solidFill>
-                  <a:schemeClr val="tx1"/>
-                </a:solidFill>
-                <a:latin typeface="Arial" panose="020B0604020202020204" pitchFamily="34" charset="0"/>
-                <a:cs typeface="Arial" panose="020B0604020202020204" pitchFamily="34" charset="0"/>
-              </a:rPr>
-              <a:t>u </a:t>
-            </a:r>
-            <a:r>
-              <a:rPr lang="en-US" sz="2300" dirty="0" err="1">
-                <a:solidFill>
-                  <a:schemeClr val="tx1"/>
-                </a:solidFill>
-                <a:latin typeface="Arial" panose="020B0604020202020204" pitchFamily="34" charset="0"/>
-                <a:cs typeface="Arial" panose="020B0604020202020204" pitchFamily="34" charset="0"/>
-              </a:rPr>
-              <a:t>mảng</a:t>
-            </a:r>
-            <a:r>
-              <a:rPr lang="en-US" sz="2300" dirty="0">
-                <a:solidFill>
-                  <a:schemeClr val="tx1"/>
-                </a:solidFill>
-                <a:latin typeface="Arial" panose="020B0604020202020204" pitchFamily="34" charset="0"/>
-                <a:cs typeface="Arial" panose="020B0604020202020204" pitchFamily="34" charset="0"/>
-              </a:rPr>
-              <a:t> </a:t>
-            </a:r>
-            <a:r>
-              <a:rPr lang="en-US" sz="2300" dirty="0" err="1">
-                <a:solidFill>
-                  <a:schemeClr val="tx1"/>
-                </a:solidFill>
-                <a:latin typeface="Arial" panose="020B0604020202020204" pitchFamily="34" charset="0"/>
-                <a:cs typeface="Arial" panose="020B0604020202020204" pitchFamily="34" charset="0"/>
-              </a:rPr>
-              <a:t>theo</a:t>
-            </a:r>
-            <a:r>
-              <a:rPr lang="en-US" sz="2300" dirty="0">
-                <a:solidFill>
-                  <a:schemeClr val="tx1"/>
-                </a:solidFill>
-                <a:latin typeface="Arial" panose="020B0604020202020204" pitchFamily="34" charset="0"/>
-                <a:cs typeface="Arial" panose="020B0604020202020204" pitchFamily="34" charset="0"/>
-              </a:rPr>
-              <a:t> “</a:t>
-            </a:r>
-            <a:r>
-              <a:rPr lang="en-US" sz="2300" dirty="0" err="1">
-                <a:solidFill>
-                  <a:schemeClr val="tx1"/>
-                </a:solidFill>
-                <a:latin typeface="Arial" panose="020B0604020202020204" pitchFamily="34" charset="0"/>
-                <a:cs typeface="Arial" panose="020B0604020202020204" pitchFamily="34" charset="0"/>
-              </a:rPr>
-              <a:t>kiểu</a:t>
-            </a:r>
-            <a:r>
-              <a:rPr lang="en-US" sz="2300" dirty="0">
-                <a:solidFill>
-                  <a:schemeClr val="tx1"/>
-                </a:solidFill>
-                <a:latin typeface="Arial" panose="020B0604020202020204" pitchFamily="34" charset="0"/>
-                <a:cs typeface="Arial" panose="020B0604020202020204" pitchFamily="34" charset="0"/>
-              </a:rPr>
-              <a:t> object”: </a:t>
-            </a:r>
-          </a:p>
-          <a:p>
-            <a:pPr algn="l"/>
-            <a:r>
-              <a:rPr lang="en-US" sz="2300" dirty="0">
-                <a:solidFill>
-                  <a:schemeClr val="tx1"/>
-                </a:solidFill>
-                <a:latin typeface="Arial" panose="020B0604020202020204" pitchFamily="34" charset="0"/>
-                <a:cs typeface="Arial" panose="020B0604020202020204" pitchFamily="34" charset="0"/>
-              </a:rPr>
-              <a:t>var users = {1: {name…, email…}, 2: {name…, email…}, 3: {name…, email…}}</a:t>
-            </a:r>
-          </a:p>
-          <a:p>
-            <a:pPr algn="l"/>
-            <a:endParaRPr lang="en-US" sz="2300" dirty="0">
-              <a:solidFill>
-                <a:schemeClr val="tx1"/>
-              </a:solidFill>
-              <a:latin typeface="Arial" panose="020B0604020202020204" pitchFamily="34" charset="0"/>
-              <a:cs typeface="Arial" panose="020B0604020202020204" pitchFamily="34" charset="0"/>
-            </a:endParaRPr>
           </a:p>
           <a:p>
             <a:pPr algn="l"/>
@@ -15686,7 +21234,7 @@
     </p:spTree>
     <p:extLst>
       <p:ext uri="{BB962C8B-B14F-4D97-AF65-F5344CB8AC3E}">
-        <p14:creationId xmlns:p14="http://schemas.microsoft.com/office/powerpoint/2010/main" val="3588724201"/>
+        <p14:creationId xmlns:p14="http://schemas.microsoft.com/office/powerpoint/2010/main" val="562631650"/>
       </p:ext>
     </p:extLst>
   </p:cSld>

--- a/Phần 1-Giới thiệu React JS.pptx
+++ b/Phần 1-Giới thiệu React JS.pptx
@@ -884,7 +884,7 @@
             <a:fld id="{B61BEF0D-F0BB-DE4B-95CE-6DB70DBA9567}" type="datetimeFigureOut">
               <a:rPr lang="en-US" dirty="0"/>
               <a:pPr/>
-              <a:t>3/16/2019</a:t>
+              <a:t>3/17/2019</a:t>
             </a:fld>
             <a:endParaRPr lang="en-US" dirty="0"/>
           </a:p>
@@ -1132,7 +1132,7 @@
             <a:fld id="{B61BEF0D-F0BB-DE4B-95CE-6DB70DBA9567}" type="datetimeFigureOut">
               <a:rPr lang="en-US" dirty="0"/>
               <a:pPr/>
-              <a:t>3/16/2019</a:t>
+              <a:t>3/17/2019</a:t>
             </a:fld>
             <a:endParaRPr lang="en-US" dirty="0"/>
           </a:p>
@@ -1443,7 +1443,7 @@
             <a:fld id="{B61BEF0D-F0BB-DE4B-95CE-6DB70DBA9567}" type="datetimeFigureOut">
               <a:rPr lang="en-US" dirty="0"/>
               <a:pPr/>
-              <a:t>3/16/2019</a:t>
+              <a:t>3/17/2019</a:t>
             </a:fld>
             <a:endParaRPr lang="en-US" dirty="0"/>
           </a:p>
@@ -1773,7 +1773,7 @@
             <a:fld id="{B61BEF0D-F0BB-DE4B-95CE-6DB70DBA9567}" type="datetimeFigureOut">
               <a:rPr lang="en-US" dirty="0"/>
               <a:pPr/>
-              <a:t>3/16/2019</a:t>
+              <a:t>3/17/2019</a:t>
             </a:fld>
             <a:endParaRPr lang="en-US" dirty="0"/>
           </a:p>
@@ -2084,7 +2084,7 @@
             <a:fld id="{B61BEF0D-F0BB-DE4B-95CE-6DB70DBA9567}" type="datetimeFigureOut">
               <a:rPr lang="en-US" dirty="0"/>
               <a:pPr/>
-              <a:t>3/16/2019</a:t>
+              <a:t>3/17/2019</a:t>
             </a:fld>
             <a:endParaRPr lang="en-US" dirty="0"/>
           </a:p>
@@ -2474,7 +2474,7 @@
             <a:fld id="{B61BEF0D-F0BB-DE4B-95CE-6DB70DBA9567}" type="datetimeFigureOut">
               <a:rPr lang="en-US" dirty="0"/>
               <a:pPr/>
-              <a:t>3/16/2019</a:t>
+              <a:t>3/17/2019</a:t>
             </a:fld>
             <a:endParaRPr lang="en-US" dirty="0"/>
           </a:p>
@@ -2641,7 +2641,7 @@
             <a:fld id="{55C6B4A9-1611-4792-9094-5F34BCA07E0B}" type="datetimeFigureOut">
               <a:rPr lang="en-US" dirty="0"/>
               <a:pPr/>
-              <a:t>3/16/2019</a:t>
+              <a:t>3/17/2019</a:t>
             </a:fld>
             <a:endParaRPr lang="en-US" dirty="0"/>
           </a:p>
@@ -2818,7 +2818,7 @@
             <a:fld id="{B61BEF0D-F0BB-DE4B-95CE-6DB70DBA9567}" type="datetimeFigureOut">
               <a:rPr lang="en-US" dirty="0"/>
               <a:pPr/>
-              <a:t>3/16/2019</a:t>
+              <a:t>3/17/2019</a:t>
             </a:fld>
             <a:endParaRPr lang="en-US" dirty="0"/>
           </a:p>
@@ -2985,7 +2985,7 @@
             <a:fld id="{42A54C80-263E-416B-A8E0-580EDEADCBDC}" type="datetimeFigureOut">
               <a:rPr lang="en-US" dirty="0"/>
               <a:pPr/>
-              <a:t>3/16/2019</a:t>
+              <a:t>3/17/2019</a:t>
             </a:fld>
             <a:endParaRPr lang="en-US" dirty="0"/>
           </a:p>
@@ -3229,7 +3229,7 @@
             <a:fld id="{B61BEF0D-F0BB-DE4B-95CE-6DB70DBA9567}" type="datetimeFigureOut">
               <a:rPr lang="en-US" dirty="0"/>
               <a:pPr/>
-              <a:t>3/16/2019</a:t>
+              <a:t>3/17/2019</a:t>
             </a:fld>
             <a:endParaRPr lang="en-US" dirty="0"/>
           </a:p>
@@ -3458,7 +3458,7 @@
             <a:fld id="{42A54C80-263E-416B-A8E0-580EDEADCBDC}" type="datetimeFigureOut">
               <a:rPr lang="en-US" dirty="0"/>
               <a:pPr/>
-              <a:t>3/16/2019</a:t>
+              <a:t>3/17/2019</a:t>
             </a:fld>
             <a:endParaRPr lang="en-US" dirty="0"/>
           </a:p>
@@ -3829,7 +3829,7 @@
             <a:fld id="{B61BEF0D-F0BB-DE4B-95CE-6DB70DBA9567}" type="datetimeFigureOut">
               <a:rPr lang="en-US" dirty="0"/>
               <a:pPr/>
-              <a:t>3/16/2019</a:t>
+              <a:t>3/17/2019</a:t>
             </a:fld>
             <a:endParaRPr lang="en-US" dirty="0"/>
           </a:p>
@@ -3949,7 +3949,7 @@
             <a:fld id="{B61BEF0D-F0BB-DE4B-95CE-6DB70DBA9567}" type="datetimeFigureOut">
               <a:rPr lang="en-US" dirty="0"/>
               <a:pPr/>
-              <a:t>3/16/2019</a:t>
+              <a:t>3/17/2019</a:t>
             </a:fld>
             <a:endParaRPr lang="en-US" dirty="0"/>
           </a:p>
@@ -4041,7 +4041,7 @@
             <a:fld id="{B61BEF0D-F0BB-DE4B-95CE-6DB70DBA9567}" type="datetimeFigureOut">
               <a:rPr lang="en-US" dirty="0"/>
               <a:pPr/>
-              <a:t>3/16/2019</a:t>
+              <a:t>3/17/2019</a:t>
             </a:fld>
             <a:endParaRPr lang="en-US" dirty="0"/>
           </a:p>
@@ -4293,7 +4293,7 @@
             <a:fld id="{42A54C80-263E-416B-A8E0-580EDEADCBDC}" type="datetimeFigureOut">
               <a:rPr lang="en-US" dirty="0"/>
               <a:pPr/>
-              <a:t>3/16/2019</a:t>
+              <a:t>3/17/2019</a:t>
             </a:fld>
             <a:endParaRPr lang="en-US" dirty="0"/>
           </a:p>
@@ -4596,7 +4596,7 @@
             <a:fld id="{B61BEF0D-F0BB-DE4B-95CE-6DB70DBA9567}" type="datetimeFigureOut">
               <a:rPr lang="en-US" dirty="0"/>
               <a:pPr/>
-              <a:t>3/16/2019</a:t>
+              <a:t>3/17/2019</a:t>
             </a:fld>
             <a:endParaRPr lang="en-US" dirty="0"/>
           </a:p>
@@ -5294,7 +5294,7 @@
             <a:fld id="{B61BEF0D-F0BB-DE4B-95CE-6DB70DBA9567}" type="datetimeFigureOut">
               <a:rPr lang="en-US" dirty="0"/>
               <a:pPr/>
-              <a:t>3/16/2019</a:t>
+              <a:t>3/17/2019</a:t>
             </a:fld>
             <a:endParaRPr lang="en-US" dirty="0"/>
           </a:p>
@@ -5826,8 +5826,8 @@
         </p:nvSpPr>
         <p:spPr>
           <a:xfrm>
-            <a:off x="0" y="1073392"/>
-            <a:ext cx="12192000" cy="2597256"/>
+            <a:off x="0" y="768440"/>
+            <a:ext cx="12192000" cy="2391178"/>
           </a:xfrm>
         </p:spPr>
         <p:txBody>
@@ -5926,8 +5926,8 @@
         </p:nvSpPr>
         <p:spPr>
           <a:xfrm>
-            <a:off x="751715" y="3253694"/>
-            <a:ext cx="10366940" cy="2597256"/>
+            <a:off x="751715" y="2794715"/>
+            <a:ext cx="10366940" cy="3056235"/>
           </a:xfrm>
         </p:spPr>
         <p:txBody>
@@ -6069,6 +6069,89 @@
                 <a:latin typeface="Arial" panose="020B0604020202020204" pitchFamily="34" charset="0"/>
                 <a:cs typeface="Arial" panose="020B0604020202020204" pitchFamily="34" charset="0"/>
               </a:rPr>
+              <a:t>Mã</a:t>
+            </a:r>
+            <a:r>
+              <a:rPr lang="en-US" sz="2600" dirty="0">
+                <a:solidFill>
+                  <a:schemeClr val="tx1"/>
+                </a:solidFill>
+                <a:latin typeface="Arial" panose="020B0604020202020204" pitchFamily="34" charset="0"/>
+                <a:cs typeface="Arial" panose="020B0604020202020204" pitchFamily="34" charset="0"/>
+              </a:rPr>
+              <a:t> </a:t>
+            </a:r>
+            <a:r>
+              <a:rPr lang="en-US" sz="2600" dirty="0" err="1">
+                <a:solidFill>
+                  <a:schemeClr val="tx1"/>
+                </a:solidFill>
+                <a:latin typeface="Arial" panose="020B0604020202020204" pitchFamily="34" charset="0"/>
+                <a:cs typeface="Arial" panose="020B0604020202020204" pitchFamily="34" charset="0"/>
+              </a:rPr>
+              <a:t>nguồn</a:t>
+            </a:r>
+            <a:r>
+              <a:rPr lang="en-US" sz="2600" dirty="0">
+                <a:solidFill>
+                  <a:schemeClr val="tx1"/>
+                </a:solidFill>
+                <a:latin typeface="Arial" panose="020B0604020202020204" pitchFamily="34" charset="0"/>
+                <a:cs typeface="Arial" panose="020B0604020202020204" pitchFamily="34" charset="0"/>
+              </a:rPr>
+              <a:t>: chia </a:t>
+            </a:r>
+            <a:r>
+              <a:rPr lang="en-US" sz="2600" dirty="0" err="1">
+                <a:solidFill>
+                  <a:schemeClr val="tx1"/>
+                </a:solidFill>
+                <a:latin typeface="Arial" panose="020B0604020202020204" pitchFamily="34" charset="0"/>
+                <a:cs typeface="Arial" panose="020B0604020202020204" pitchFamily="34" charset="0"/>
+              </a:rPr>
+              <a:t>sẻ</a:t>
+            </a:r>
+            <a:r>
+              <a:rPr lang="en-US" sz="2600" dirty="0">
+                <a:solidFill>
+                  <a:schemeClr val="tx1"/>
+                </a:solidFill>
+                <a:latin typeface="Arial" panose="020B0604020202020204" pitchFamily="34" charset="0"/>
+                <a:cs typeface="Arial" panose="020B0604020202020204" pitchFamily="34" charset="0"/>
+              </a:rPr>
+              <a:t> </a:t>
+            </a:r>
+            <a:r>
+              <a:rPr lang="en-US" sz="2600" dirty="0" err="1">
+                <a:solidFill>
+                  <a:schemeClr val="tx1"/>
+                </a:solidFill>
+                <a:latin typeface="Arial" panose="020B0604020202020204" pitchFamily="34" charset="0"/>
+                <a:cs typeface="Arial" panose="020B0604020202020204" pitchFamily="34" charset="0"/>
+              </a:rPr>
+              <a:t>trên</a:t>
+            </a:r>
+            <a:r>
+              <a:rPr lang="en-US" sz="2600" dirty="0">
+                <a:solidFill>
+                  <a:schemeClr val="tx1"/>
+                </a:solidFill>
+                <a:latin typeface="Arial" panose="020B0604020202020204" pitchFamily="34" charset="0"/>
+                <a:cs typeface="Arial" panose="020B0604020202020204" pitchFamily="34" charset="0"/>
+              </a:rPr>
+              <a:t> Google Driver, bitbucket</a:t>
+            </a:r>
+          </a:p>
+          <a:p>
+            <a:pPr algn="l"/>
+            <a:r>
+              <a:rPr lang="en-US" sz="2600" dirty="0" err="1">
+                <a:solidFill>
+                  <a:schemeClr val="tx1"/>
+                </a:solidFill>
+                <a:latin typeface="Arial" panose="020B0604020202020204" pitchFamily="34" charset="0"/>
+                <a:cs typeface="Arial" panose="020B0604020202020204" pitchFamily="34" charset="0"/>
+              </a:rPr>
               <a:t>Mindmap</a:t>
             </a:r>
             <a:r>
@@ -6119,45 +6202,8 @@
                 <a:latin typeface="Arial" panose="020B0604020202020204" pitchFamily="34" charset="0"/>
                 <a:cs typeface="Arial" panose="020B0604020202020204" pitchFamily="34" charset="0"/>
               </a:rPr>
-              <a:t>: https://</a:t>
-            </a:r>
-            <a:r>
-              <a:rPr lang="en-US" sz="2600" dirty="0" err="1">
-                <a:solidFill>
-                  <a:schemeClr val="tx1"/>
-                </a:solidFill>
-                <a:latin typeface="Arial" panose="020B0604020202020204" pitchFamily="34" charset="0"/>
-                <a:cs typeface="Arial" panose="020B0604020202020204" pitchFamily="34" charset="0"/>
-              </a:rPr>
-              <a:t>coggle.it</a:t>
-            </a:r>
-            <a:r>
-              <a:rPr lang="en-US" sz="2600" dirty="0">
-                <a:solidFill>
-                  <a:schemeClr val="tx1"/>
-                </a:solidFill>
-                <a:latin typeface="Arial" panose="020B0604020202020204" pitchFamily="34" charset="0"/>
-                <a:cs typeface="Arial" panose="020B0604020202020204" pitchFamily="34" charset="0"/>
-              </a:rPr>
-              <a:t>/diagram/XHf8Sn9tHRp1Lmps/t/react-</a:t>
-            </a:r>
-            <a:r>
-              <a:rPr lang="en-US" sz="2600" dirty="0" err="1">
-                <a:solidFill>
-                  <a:schemeClr val="tx1"/>
-                </a:solidFill>
-                <a:latin typeface="Arial" panose="020B0604020202020204" pitchFamily="34" charset="0"/>
-                <a:cs typeface="Arial" panose="020B0604020202020204" pitchFamily="34" charset="0"/>
-              </a:rPr>
-              <a:t>js</a:t>
-            </a:r>
-            <a:endParaRPr lang="en-US" sz="2600" dirty="0">
-              <a:solidFill>
-                <a:schemeClr val="tx1"/>
-              </a:solidFill>
-              <a:latin typeface="Arial" panose="020B0604020202020204" pitchFamily="34" charset="0"/>
-              <a:cs typeface="Arial" panose="020B0604020202020204" pitchFamily="34" charset="0"/>
-            </a:endParaRPr>
+              <a:t>: https://coggle.it/diagram/XHf8Sn9tHRp1Lmps/t/react-js</a:t>
+            </a:r>
           </a:p>
         </p:txBody>
       </p:sp>
@@ -12402,6 +12448,29 @@
           <a:p>
             <a:pPr algn="l"/>
             <a:r>
+              <a:rPr lang="en-US" sz="2300" b="1" dirty="0" err="1">
+                <a:solidFill>
+                  <a:schemeClr val="tx1"/>
+                </a:solidFill>
+                <a:latin typeface="Arial" panose="020B0604020202020204" pitchFamily="34" charset="0"/>
+                <a:cs typeface="Arial" panose="020B0604020202020204" pitchFamily="34" charset="0"/>
+              </a:rPr>
+              <a:t>Bài</a:t>
+            </a:r>
+            <a:r>
+              <a:rPr lang="en-US" sz="2300" b="1" dirty="0">
+                <a:solidFill>
+                  <a:schemeClr val="tx1"/>
+                </a:solidFill>
+                <a:latin typeface="Arial" panose="020B0604020202020204" pitchFamily="34" charset="0"/>
+                <a:cs typeface="Arial" panose="020B0604020202020204" pitchFamily="34" charset="0"/>
+              </a:rPr>
+              <a:t> 1.1</a:t>
+            </a:r>
+          </a:p>
+          <a:p>
+            <a:pPr algn="l"/>
+            <a:r>
               <a:rPr lang="en-US" sz="2300" dirty="0">
                 <a:solidFill>
                   <a:schemeClr val="tx1"/>
@@ -12703,6 +12772,306 @@
                 <a:cs typeface="Arial" panose="020B0604020202020204" pitchFamily="34" charset="0"/>
               </a:rPr>
               <a:t>- </a:t>
+            </a:r>
+            <a:r>
+              <a:rPr lang="en-US" sz="2300" dirty="0" err="1">
+                <a:solidFill>
+                  <a:schemeClr val="tx1"/>
+                </a:solidFill>
+                <a:latin typeface="Arial" panose="020B0604020202020204" pitchFamily="34" charset="0"/>
+                <a:cs typeface="Arial" panose="020B0604020202020204" pitchFamily="34" charset="0"/>
+              </a:rPr>
+              <a:t>Chạy</a:t>
+            </a:r>
+            <a:r>
+              <a:rPr lang="en-US" sz="2300" dirty="0">
+                <a:solidFill>
+                  <a:schemeClr val="tx1"/>
+                </a:solidFill>
+                <a:latin typeface="Arial" panose="020B0604020202020204" pitchFamily="34" charset="0"/>
+                <a:cs typeface="Arial" panose="020B0604020202020204" pitchFamily="34" charset="0"/>
+              </a:rPr>
+              <a:t> </a:t>
+            </a:r>
+            <a:r>
+              <a:rPr lang="en-US" sz="2300" dirty="0" err="1">
+                <a:solidFill>
+                  <a:schemeClr val="tx1"/>
+                </a:solidFill>
+                <a:latin typeface="Arial" panose="020B0604020202020204" pitchFamily="34" charset="0"/>
+                <a:cs typeface="Arial" panose="020B0604020202020204" pitchFamily="34" charset="0"/>
+              </a:rPr>
+              <a:t>và</a:t>
+            </a:r>
+            <a:r>
+              <a:rPr lang="en-US" sz="2300" dirty="0">
+                <a:solidFill>
+                  <a:schemeClr val="tx1"/>
+                </a:solidFill>
+                <a:latin typeface="Arial" panose="020B0604020202020204" pitchFamily="34" charset="0"/>
+                <a:cs typeface="Arial" panose="020B0604020202020204" pitchFamily="34" charset="0"/>
+              </a:rPr>
+              <a:t> </a:t>
+            </a:r>
+            <a:r>
+              <a:rPr lang="en-US" sz="2300" dirty="0" err="1">
+                <a:solidFill>
+                  <a:schemeClr val="tx1"/>
+                </a:solidFill>
+                <a:latin typeface="Arial" panose="020B0604020202020204" pitchFamily="34" charset="0"/>
+                <a:cs typeface="Arial" panose="020B0604020202020204" pitchFamily="34" charset="0"/>
+              </a:rPr>
+              <a:t>thực</a:t>
+            </a:r>
+            <a:r>
+              <a:rPr lang="en-US" sz="2300" dirty="0">
+                <a:solidFill>
+                  <a:schemeClr val="tx1"/>
+                </a:solidFill>
+                <a:latin typeface="Arial" panose="020B0604020202020204" pitchFamily="34" charset="0"/>
+                <a:cs typeface="Arial" panose="020B0604020202020204" pitchFamily="34" charset="0"/>
+              </a:rPr>
+              <a:t> </a:t>
+            </a:r>
+            <a:r>
+              <a:rPr lang="en-US" sz="2300" dirty="0" err="1">
+                <a:solidFill>
+                  <a:schemeClr val="tx1"/>
+                </a:solidFill>
+                <a:latin typeface="Arial" panose="020B0604020202020204" pitchFamily="34" charset="0"/>
+                <a:cs typeface="Arial" panose="020B0604020202020204" pitchFamily="34" charset="0"/>
+              </a:rPr>
+              <a:t>hiện</a:t>
+            </a:r>
+            <a:r>
+              <a:rPr lang="en-US" sz="2300" dirty="0">
+                <a:solidFill>
+                  <a:schemeClr val="tx1"/>
+                </a:solidFill>
+                <a:latin typeface="Arial" panose="020B0604020202020204" pitchFamily="34" charset="0"/>
+                <a:cs typeface="Arial" panose="020B0604020202020204" pitchFamily="34" charset="0"/>
+              </a:rPr>
+              <a:t> </a:t>
+            </a:r>
+            <a:r>
+              <a:rPr lang="en-US" sz="2300" dirty="0" err="1">
+                <a:solidFill>
+                  <a:schemeClr val="tx1"/>
+                </a:solidFill>
+                <a:latin typeface="Arial" panose="020B0604020202020204" pitchFamily="34" charset="0"/>
+                <a:cs typeface="Arial" panose="020B0604020202020204" pitchFamily="34" charset="0"/>
+              </a:rPr>
+              <a:t>các</a:t>
+            </a:r>
+            <a:r>
+              <a:rPr lang="en-US" sz="2300" dirty="0">
+                <a:solidFill>
+                  <a:schemeClr val="tx1"/>
+                </a:solidFill>
+                <a:latin typeface="Arial" panose="020B0604020202020204" pitchFamily="34" charset="0"/>
+                <a:cs typeface="Arial" panose="020B0604020202020204" pitchFamily="34" charset="0"/>
+              </a:rPr>
+              <a:t> </a:t>
+            </a:r>
+            <a:r>
+              <a:rPr lang="en-US" sz="2300" dirty="0" err="1">
+                <a:solidFill>
+                  <a:schemeClr val="tx1"/>
+                </a:solidFill>
+                <a:latin typeface="Arial" panose="020B0604020202020204" pitchFamily="34" charset="0"/>
+                <a:cs typeface="Arial" panose="020B0604020202020204" pitchFamily="34" charset="0"/>
+              </a:rPr>
+              <a:t>ví</a:t>
+            </a:r>
+            <a:r>
+              <a:rPr lang="en-US" sz="2300" dirty="0">
+                <a:solidFill>
+                  <a:schemeClr val="tx1"/>
+                </a:solidFill>
+                <a:latin typeface="Arial" panose="020B0604020202020204" pitchFamily="34" charset="0"/>
+                <a:cs typeface="Arial" panose="020B0604020202020204" pitchFamily="34" charset="0"/>
+              </a:rPr>
+              <a:t> </a:t>
+            </a:r>
+            <a:r>
+              <a:rPr lang="en-US" sz="2300" dirty="0" err="1">
+                <a:solidFill>
+                  <a:schemeClr val="tx1"/>
+                </a:solidFill>
+                <a:latin typeface="Arial" panose="020B0604020202020204" pitchFamily="34" charset="0"/>
+                <a:cs typeface="Arial" panose="020B0604020202020204" pitchFamily="34" charset="0"/>
+              </a:rPr>
+              <a:t>dụ</a:t>
+            </a:r>
+            <a:r>
+              <a:rPr lang="en-US" sz="2300" dirty="0">
+                <a:solidFill>
+                  <a:schemeClr val="tx1"/>
+                </a:solidFill>
+                <a:latin typeface="Arial" panose="020B0604020202020204" pitchFamily="34" charset="0"/>
+                <a:cs typeface="Arial" panose="020B0604020202020204" pitchFamily="34" charset="0"/>
+              </a:rPr>
+              <a:t> </a:t>
+            </a:r>
+            <a:r>
+              <a:rPr lang="en-US" sz="2300" dirty="0" err="1">
+                <a:solidFill>
+                  <a:schemeClr val="tx1"/>
+                </a:solidFill>
+                <a:latin typeface="Arial" panose="020B0604020202020204" pitchFamily="34" charset="0"/>
+                <a:cs typeface="Arial" panose="020B0604020202020204" pitchFamily="34" charset="0"/>
+              </a:rPr>
+              <a:t>làm</a:t>
+            </a:r>
+            <a:r>
+              <a:rPr lang="en-US" sz="2300" dirty="0">
+                <a:solidFill>
+                  <a:schemeClr val="tx1"/>
+                </a:solidFill>
+                <a:latin typeface="Arial" panose="020B0604020202020204" pitchFamily="34" charset="0"/>
+                <a:cs typeface="Arial" panose="020B0604020202020204" pitchFamily="34" charset="0"/>
+              </a:rPr>
+              <a:t> </a:t>
+            </a:r>
+            <a:r>
+              <a:rPr lang="en-US" sz="2300" dirty="0" err="1">
+                <a:solidFill>
+                  <a:schemeClr val="tx1"/>
+                </a:solidFill>
+                <a:latin typeface="Arial" panose="020B0604020202020204" pitchFamily="34" charset="0"/>
+                <a:cs typeface="Arial" panose="020B0604020202020204" pitchFamily="34" charset="0"/>
+              </a:rPr>
+              <a:t>quen</a:t>
+            </a:r>
+            <a:r>
+              <a:rPr lang="en-US" sz="2300" dirty="0">
+                <a:solidFill>
+                  <a:schemeClr val="tx1"/>
+                </a:solidFill>
+                <a:latin typeface="Arial" panose="020B0604020202020204" pitchFamily="34" charset="0"/>
+                <a:cs typeface="Arial" panose="020B0604020202020204" pitchFamily="34" charset="0"/>
+              </a:rPr>
+              <a:t> </a:t>
+            </a:r>
+            <a:r>
+              <a:rPr lang="en-US" sz="2300" dirty="0" err="1">
+                <a:solidFill>
+                  <a:schemeClr val="tx1"/>
+                </a:solidFill>
+                <a:latin typeface="Arial" panose="020B0604020202020204" pitchFamily="34" charset="0"/>
+                <a:cs typeface="Arial" panose="020B0604020202020204" pitchFamily="34" charset="0"/>
+              </a:rPr>
+              <a:t>với</a:t>
+            </a:r>
+            <a:r>
+              <a:rPr lang="en-US" sz="2300" dirty="0">
+                <a:solidFill>
+                  <a:schemeClr val="tx1"/>
+                </a:solidFill>
+                <a:latin typeface="Arial" panose="020B0604020202020204" pitchFamily="34" charset="0"/>
+                <a:cs typeface="Arial" panose="020B0604020202020204" pitchFamily="34" charset="0"/>
+              </a:rPr>
+              <a:t> </a:t>
+            </a:r>
+            <a:r>
+              <a:rPr lang="en-US" sz="2300" dirty="0" err="1">
+                <a:solidFill>
+                  <a:schemeClr val="tx1"/>
+                </a:solidFill>
+                <a:latin typeface="Arial" panose="020B0604020202020204" pitchFamily="34" charset="0"/>
+                <a:cs typeface="Arial" panose="020B0604020202020204" pitchFamily="34" charset="0"/>
+              </a:rPr>
+              <a:t>ngôn</a:t>
+            </a:r>
+            <a:r>
+              <a:rPr lang="en-US" sz="2300" dirty="0">
+                <a:solidFill>
+                  <a:schemeClr val="tx1"/>
+                </a:solidFill>
+                <a:latin typeface="Arial" panose="020B0604020202020204" pitchFamily="34" charset="0"/>
+                <a:cs typeface="Arial" panose="020B0604020202020204" pitchFamily="34" charset="0"/>
+              </a:rPr>
+              <a:t> </a:t>
+            </a:r>
+            <a:r>
+              <a:rPr lang="en-US" sz="2300" dirty="0" err="1">
+                <a:solidFill>
+                  <a:schemeClr val="tx1"/>
+                </a:solidFill>
+                <a:latin typeface="Arial" panose="020B0604020202020204" pitchFamily="34" charset="0"/>
+                <a:cs typeface="Arial" panose="020B0604020202020204" pitchFamily="34" charset="0"/>
+              </a:rPr>
+              <a:t>ngữ</a:t>
+            </a:r>
+            <a:r>
+              <a:rPr lang="en-US" sz="2300" dirty="0">
+                <a:solidFill>
+                  <a:schemeClr val="tx1"/>
+                </a:solidFill>
+                <a:latin typeface="Arial" panose="020B0604020202020204" pitchFamily="34" charset="0"/>
+                <a:cs typeface="Arial" panose="020B0604020202020204" pitchFamily="34" charset="0"/>
+              </a:rPr>
+              <a:t> </a:t>
+            </a:r>
+            <a:r>
+              <a:rPr lang="en-US" sz="2300" dirty="0" err="1">
+                <a:solidFill>
+                  <a:schemeClr val="tx1"/>
+                </a:solidFill>
+                <a:latin typeface="Arial" panose="020B0604020202020204" pitchFamily="34" charset="0"/>
+                <a:cs typeface="Arial" panose="020B0604020202020204" pitchFamily="34" charset="0"/>
+              </a:rPr>
+              <a:t>lập</a:t>
+            </a:r>
+            <a:r>
+              <a:rPr lang="en-US" sz="2300" dirty="0">
+                <a:solidFill>
+                  <a:schemeClr val="tx1"/>
+                </a:solidFill>
+                <a:latin typeface="Arial" panose="020B0604020202020204" pitchFamily="34" charset="0"/>
+                <a:cs typeface="Arial" panose="020B0604020202020204" pitchFamily="34" charset="0"/>
+              </a:rPr>
+              <a:t> </a:t>
+            </a:r>
+            <a:r>
+              <a:rPr lang="en-US" sz="2300" dirty="0" err="1">
+                <a:solidFill>
+                  <a:schemeClr val="tx1"/>
+                </a:solidFill>
+                <a:latin typeface="Arial" panose="020B0604020202020204" pitchFamily="34" charset="0"/>
+                <a:cs typeface="Arial" panose="020B0604020202020204" pitchFamily="34" charset="0"/>
+              </a:rPr>
+              <a:t>trình</a:t>
+            </a:r>
+            <a:r>
+              <a:rPr lang="en-US" sz="2300" dirty="0">
+                <a:solidFill>
+                  <a:schemeClr val="tx1"/>
+                </a:solidFill>
+                <a:latin typeface="Arial" panose="020B0604020202020204" pitchFamily="34" charset="0"/>
+                <a:cs typeface="Arial" panose="020B0604020202020204" pitchFamily="34" charset="0"/>
+              </a:rPr>
+              <a:t> </a:t>
+            </a:r>
+            <a:r>
+              <a:rPr lang="en-US" sz="2300" dirty="0" err="1">
+                <a:solidFill>
+                  <a:schemeClr val="tx1"/>
+                </a:solidFill>
+                <a:latin typeface="Arial" panose="020B0604020202020204" pitchFamily="34" charset="0"/>
+                <a:cs typeface="Arial" panose="020B0604020202020204" pitchFamily="34" charset="0"/>
+              </a:rPr>
+              <a:t>Javascript</a:t>
+            </a:r>
+            <a:r>
+              <a:rPr lang="en-US" sz="2300" dirty="0">
+                <a:solidFill>
+                  <a:schemeClr val="tx1"/>
+                </a:solidFill>
+                <a:latin typeface="Arial" panose="020B0604020202020204" pitchFamily="34" charset="0"/>
+                <a:cs typeface="Arial" panose="020B0604020202020204" pitchFamily="34" charset="0"/>
+              </a:rPr>
+              <a:t>. </a:t>
             </a:r>
           </a:p>
           <a:p>

--- a/Phần 1-Giới thiệu React JS.pptx
+++ b/Phần 1-Giới thiệu React JS.pptx
@@ -21,6 +21,7 @@
     <p:sldId id="270" r:id="rId15"/>
     <p:sldId id="271" r:id="rId16"/>
     <p:sldId id="263" r:id="rId17"/>
+    <p:sldId id="272" r:id="rId18"/>
   </p:sldIdLst>
   <p:sldSz cx="12192000" cy="6858000"/>
   <p:notesSz cx="6858000" cy="9144000"/>
@@ -884,7 +885,7 @@
             <a:fld id="{B61BEF0D-F0BB-DE4B-95CE-6DB70DBA9567}" type="datetimeFigureOut">
               <a:rPr lang="en-US" dirty="0"/>
               <a:pPr/>
-              <a:t>3/17/2019</a:t>
+              <a:t>3/25/2019</a:t>
             </a:fld>
             <a:endParaRPr lang="en-US" dirty="0"/>
           </a:p>
@@ -1132,7 +1133,7 @@
             <a:fld id="{B61BEF0D-F0BB-DE4B-95CE-6DB70DBA9567}" type="datetimeFigureOut">
               <a:rPr lang="en-US" dirty="0"/>
               <a:pPr/>
-              <a:t>3/17/2019</a:t>
+              <a:t>3/25/2019</a:t>
             </a:fld>
             <a:endParaRPr lang="en-US" dirty="0"/>
           </a:p>
@@ -1443,7 +1444,7 @@
             <a:fld id="{B61BEF0D-F0BB-DE4B-95CE-6DB70DBA9567}" type="datetimeFigureOut">
               <a:rPr lang="en-US" dirty="0"/>
               <a:pPr/>
-              <a:t>3/17/2019</a:t>
+              <a:t>3/25/2019</a:t>
             </a:fld>
             <a:endParaRPr lang="en-US" dirty="0"/>
           </a:p>
@@ -1773,7 +1774,7 @@
             <a:fld id="{B61BEF0D-F0BB-DE4B-95CE-6DB70DBA9567}" type="datetimeFigureOut">
               <a:rPr lang="en-US" dirty="0"/>
               <a:pPr/>
-              <a:t>3/17/2019</a:t>
+              <a:t>3/25/2019</a:t>
             </a:fld>
             <a:endParaRPr lang="en-US" dirty="0"/>
           </a:p>
@@ -2084,7 +2085,7 @@
             <a:fld id="{B61BEF0D-F0BB-DE4B-95CE-6DB70DBA9567}" type="datetimeFigureOut">
               <a:rPr lang="en-US" dirty="0"/>
               <a:pPr/>
-              <a:t>3/17/2019</a:t>
+              <a:t>3/25/2019</a:t>
             </a:fld>
             <a:endParaRPr lang="en-US" dirty="0"/>
           </a:p>
@@ -2474,7 +2475,7 @@
             <a:fld id="{B61BEF0D-F0BB-DE4B-95CE-6DB70DBA9567}" type="datetimeFigureOut">
               <a:rPr lang="en-US" dirty="0"/>
               <a:pPr/>
-              <a:t>3/17/2019</a:t>
+              <a:t>3/25/2019</a:t>
             </a:fld>
             <a:endParaRPr lang="en-US" dirty="0"/>
           </a:p>
@@ -2641,7 +2642,7 @@
             <a:fld id="{55C6B4A9-1611-4792-9094-5F34BCA07E0B}" type="datetimeFigureOut">
               <a:rPr lang="en-US" dirty="0"/>
               <a:pPr/>
-              <a:t>3/17/2019</a:t>
+              <a:t>3/25/2019</a:t>
             </a:fld>
             <a:endParaRPr lang="en-US" dirty="0"/>
           </a:p>
@@ -2818,7 +2819,7 @@
             <a:fld id="{B61BEF0D-F0BB-DE4B-95CE-6DB70DBA9567}" type="datetimeFigureOut">
               <a:rPr lang="en-US" dirty="0"/>
               <a:pPr/>
-              <a:t>3/17/2019</a:t>
+              <a:t>3/25/2019</a:t>
             </a:fld>
             <a:endParaRPr lang="en-US" dirty="0"/>
           </a:p>
@@ -2985,7 +2986,7 @@
             <a:fld id="{42A54C80-263E-416B-A8E0-580EDEADCBDC}" type="datetimeFigureOut">
               <a:rPr lang="en-US" dirty="0"/>
               <a:pPr/>
-              <a:t>3/17/2019</a:t>
+              <a:t>3/25/2019</a:t>
             </a:fld>
             <a:endParaRPr lang="en-US" dirty="0"/>
           </a:p>
@@ -3229,7 +3230,7 @@
             <a:fld id="{B61BEF0D-F0BB-DE4B-95CE-6DB70DBA9567}" type="datetimeFigureOut">
               <a:rPr lang="en-US" dirty="0"/>
               <a:pPr/>
-              <a:t>3/17/2019</a:t>
+              <a:t>3/25/2019</a:t>
             </a:fld>
             <a:endParaRPr lang="en-US" dirty="0"/>
           </a:p>
@@ -3458,7 +3459,7 @@
             <a:fld id="{42A54C80-263E-416B-A8E0-580EDEADCBDC}" type="datetimeFigureOut">
               <a:rPr lang="en-US" dirty="0"/>
               <a:pPr/>
-              <a:t>3/17/2019</a:t>
+              <a:t>3/25/2019</a:t>
             </a:fld>
             <a:endParaRPr lang="en-US" dirty="0"/>
           </a:p>
@@ -3829,7 +3830,7 @@
             <a:fld id="{B61BEF0D-F0BB-DE4B-95CE-6DB70DBA9567}" type="datetimeFigureOut">
               <a:rPr lang="en-US" dirty="0"/>
               <a:pPr/>
-              <a:t>3/17/2019</a:t>
+              <a:t>3/25/2019</a:t>
             </a:fld>
             <a:endParaRPr lang="en-US" dirty="0"/>
           </a:p>
@@ -3949,7 +3950,7 @@
             <a:fld id="{B61BEF0D-F0BB-DE4B-95CE-6DB70DBA9567}" type="datetimeFigureOut">
               <a:rPr lang="en-US" dirty="0"/>
               <a:pPr/>
-              <a:t>3/17/2019</a:t>
+              <a:t>3/25/2019</a:t>
             </a:fld>
             <a:endParaRPr lang="en-US" dirty="0"/>
           </a:p>
@@ -4041,7 +4042,7 @@
             <a:fld id="{B61BEF0D-F0BB-DE4B-95CE-6DB70DBA9567}" type="datetimeFigureOut">
               <a:rPr lang="en-US" dirty="0"/>
               <a:pPr/>
-              <a:t>3/17/2019</a:t>
+              <a:t>3/25/2019</a:t>
             </a:fld>
             <a:endParaRPr lang="en-US" dirty="0"/>
           </a:p>
@@ -4293,7 +4294,7 @@
             <a:fld id="{42A54C80-263E-416B-A8E0-580EDEADCBDC}" type="datetimeFigureOut">
               <a:rPr lang="en-US" dirty="0"/>
               <a:pPr/>
-              <a:t>3/17/2019</a:t>
+              <a:t>3/25/2019</a:t>
             </a:fld>
             <a:endParaRPr lang="en-US" dirty="0"/>
           </a:p>
@@ -4596,7 +4597,7 @@
             <a:fld id="{B61BEF0D-F0BB-DE4B-95CE-6DB70DBA9567}" type="datetimeFigureOut">
               <a:rPr lang="en-US" dirty="0"/>
               <a:pPr/>
-              <a:t>3/17/2019</a:t>
+              <a:t>3/25/2019</a:t>
             </a:fld>
             <a:endParaRPr lang="en-US" dirty="0"/>
           </a:p>
@@ -5294,7 +5295,7 @@
             <a:fld id="{B61BEF0D-F0BB-DE4B-95CE-6DB70DBA9567}" type="datetimeFigureOut">
               <a:rPr lang="en-US" dirty="0"/>
               <a:pPr/>
-              <a:t>3/17/2019</a:t>
+              <a:t>3/25/2019</a:t>
             </a:fld>
             <a:endParaRPr lang="en-US" dirty="0"/>
           </a:p>
@@ -13133,6 +13134,593 @@
 </p:sld>
 </file>
 
+<file path=ppt/slides/slide17.xml><?xml version="1.0" encoding="utf-8"?>
+<p:sld xmlns:a="http://schemas.openxmlformats.org/drawingml/2006/main" xmlns:r="http://schemas.openxmlformats.org/officeDocument/2006/relationships" xmlns:p="http://schemas.openxmlformats.org/presentationml/2006/main">
+  <p:cSld>
+    <p:spTree>
+      <p:nvGrpSpPr>
+        <p:cNvPr id="1" name=""/>
+        <p:cNvGrpSpPr/>
+        <p:nvPr/>
+      </p:nvGrpSpPr>
+      <p:grpSpPr>
+        <a:xfrm>
+          <a:off x="0" y="0"/>
+          <a:ext cx="0" cy="0"/>
+          <a:chOff x="0" y="0"/>
+          <a:chExt cx="0" cy="0"/>
+        </a:xfrm>
+      </p:grpSpPr>
+      <p:sp>
+        <p:nvSpPr>
+          <p:cNvPr id="2" name="Title 1"/>
+          <p:cNvSpPr>
+            <a:spLocks noGrp="1"/>
+          </p:cNvSpPr>
+          <p:nvPr>
+            <p:ph type="ctrTitle"/>
+          </p:nvPr>
+        </p:nvSpPr>
+        <p:spPr>
+          <a:xfrm>
+            <a:off x="-65447" y="244393"/>
+            <a:ext cx="12192000" cy="1040441"/>
+          </a:xfrm>
+        </p:spPr>
+        <p:txBody>
+          <a:bodyPr/>
+          <a:lstStyle/>
+          <a:p>
+            <a:pPr algn="ctr"/>
+            <a:r>
+              <a:rPr lang="en-US" sz="4000" b="1" dirty="0" err="1">
+                <a:solidFill>
+                  <a:schemeClr val="tx1"/>
+                </a:solidFill>
+                <a:latin typeface="Arial" panose="020B0604020202020204" pitchFamily="34" charset="0"/>
+                <a:cs typeface="Arial" panose="020B0604020202020204" pitchFamily="34" charset="0"/>
+              </a:rPr>
+              <a:t>Tài</a:t>
+            </a:r>
+            <a:r>
+              <a:rPr lang="en-US" sz="4000" b="1" dirty="0">
+                <a:solidFill>
+                  <a:schemeClr val="tx1"/>
+                </a:solidFill>
+                <a:latin typeface="Arial" panose="020B0604020202020204" pitchFamily="34" charset="0"/>
+                <a:cs typeface="Arial" panose="020B0604020202020204" pitchFamily="34" charset="0"/>
+              </a:rPr>
+              <a:t> </a:t>
+            </a:r>
+            <a:r>
+              <a:rPr lang="en-US" sz="4000" b="1" dirty="0" err="1">
+                <a:solidFill>
+                  <a:schemeClr val="tx1"/>
+                </a:solidFill>
+                <a:latin typeface="Arial" panose="020B0604020202020204" pitchFamily="34" charset="0"/>
+                <a:cs typeface="Arial" panose="020B0604020202020204" pitchFamily="34" charset="0"/>
+              </a:rPr>
+              <a:t>liệu</a:t>
+            </a:r>
+            <a:r>
+              <a:rPr lang="en-US" sz="4000" b="1" dirty="0">
+                <a:solidFill>
+                  <a:schemeClr val="tx1"/>
+                </a:solidFill>
+                <a:latin typeface="Arial" panose="020B0604020202020204" pitchFamily="34" charset="0"/>
+                <a:cs typeface="Arial" panose="020B0604020202020204" pitchFamily="34" charset="0"/>
+              </a:rPr>
+              <a:t> </a:t>
+            </a:r>
+            <a:r>
+              <a:rPr lang="en-US" sz="4000" b="1" dirty="0" err="1">
+                <a:solidFill>
+                  <a:schemeClr val="tx1"/>
+                </a:solidFill>
+                <a:latin typeface="Arial" panose="020B0604020202020204" pitchFamily="34" charset="0"/>
+                <a:cs typeface="Arial" panose="020B0604020202020204" pitchFamily="34" charset="0"/>
+              </a:rPr>
+              <a:t>tham</a:t>
+            </a:r>
+            <a:r>
+              <a:rPr lang="en-US" sz="4000" b="1" dirty="0">
+                <a:solidFill>
+                  <a:schemeClr val="tx1"/>
+                </a:solidFill>
+                <a:latin typeface="Arial" panose="020B0604020202020204" pitchFamily="34" charset="0"/>
+                <a:cs typeface="Arial" panose="020B0604020202020204" pitchFamily="34" charset="0"/>
+              </a:rPr>
+              <a:t> </a:t>
+            </a:r>
+            <a:r>
+              <a:rPr lang="en-US" sz="4000" b="1" dirty="0" err="1">
+                <a:solidFill>
+                  <a:schemeClr val="tx1"/>
+                </a:solidFill>
+                <a:latin typeface="Arial" panose="020B0604020202020204" pitchFamily="34" charset="0"/>
+                <a:cs typeface="Arial" panose="020B0604020202020204" pitchFamily="34" charset="0"/>
+              </a:rPr>
+              <a:t>khảo</a:t>
+            </a:r>
+            <a:endParaRPr lang="en-US" sz="4000" dirty="0">
+              <a:solidFill>
+                <a:schemeClr val="tx1"/>
+              </a:solidFill>
+              <a:latin typeface="Arial" panose="020B0604020202020204" pitchFamily="34" charset="0"/>
+              <a:cs typeface="Arial" panose="020B0604020202020204" pitchFamily="34" charset="0"/>
+            </a:endParaRPr>
+          </a:p>
+        </p:txBody>
+      </p:sp>
+      <p:sp>
+        <p:nvSpPr>
+          <p:cNvPr id="3" name="Subtitle 2"/>
+          <p:cNvSpPr>
+            <a:spLocks noGrp="1"/>
+          </p:cNvSpPr>
+          <p:nvPr>
+            <p:ph type="subTitle" idx="1"/>
+          </p:nvPr>
+        </p:nvSpPr>
+        <p:spPr>
+          <a:xfrm>
+            <a:off x="572202" y="1537090"/>
+            <a:ext cx="11012068" cy="4240385"/>
+          </a:xfrm>
+        </p:spPr>
+        <p:txBody>
+          <a:bodyPr>
+            <a:noAutofit/>
+          </a:bodyPr>
+          <a:lstStyle/>
+          <a:p>
+            <a:pPr algn="l"/>
+            <a:endParaRPr lang="en-US" sz="2300" dirty="0">
+              <a:solidFill>
+                <a:schemeClr val="tx1"/>
+              </a:solidFill>
+              <a:latin typeface="Arial" panose="020B0604020202020204" pitchFamily="34" charset="0"/>
+              <a:cs typeface="Arial" panose="020B0604020202020204" pitchFamily="34" charset="0"/>
+            </a:endParaRPr>
+          </a:p>
+          <a:p>
+            <a:pPr algn="l"/>
+            <a:endParaRPr lang="en-US" sz="2300" dirty="0">
+              <a:solidFill>
+                <a:schemeClr val="tx1"/>
+              </a:solidFill>
+              <a:latin typeface="Arial" panose="020B0604020202020204" pitchFamily="34" charset="0"/>
+              <a:cs typeface="Arial" panose="020B0604020202020204" pitchFamily="34" charset="0"/>
+            </a:endParaRPr>
+          </a:p>
+        </p:txBody>
+      </p:sp>
+      <p:pic>
+        <p:nvPicPr>
+          <p:cNvPr id="4" name="Picture 3"/>
+          <p:cNvPicPr>
+            <a:picLocks noChangeAspect="1"/>
+          </p:cNvPicPr>
+          <p:nvPr/>
+        </p:nvPicPr>
+        <p:blipFill>
+          <a:blip r:embed="rId2"/>
+          <a:stretch>
+            <a:fillRect/>
+          </a:stretch>
+        </p:blipFill>
+        <p:spPr>
+          <a:xfrm>
+            <a:off x="0" y="5977096"/>
+            <a:ext cx="3517697" cy="816935"/>
+          </a:xfrm>
+          <a:prstGeom prst="rect">
+            <a:avLst/>
+          </a:prstGeom>
+        </p:spPr>
+      </p:pic>
+      <p:sp>
+        <p:nvSpPr>
+          <p:cNvPr id="5" name="Subtitle 2">
+            <a:extLst>
+              <a:ext uri="{FF2B5EF4-FFF2-40B4-BE49-F238E27FC236}">
+                <a16:creationId xmlns:a16="http://schemas.microsoft.com/office/drawing/2014/main" id="{BE2EF58D-7A92-4DB0-A815-1B8AB32E3D84}"/>
+              </a:ext>
+            </a:extLst>
+          </p:cNvPr>
+          <p:cNvSpPr txBox="1">
+            <a:spLocks/>
+          </p:cNvSpPr>
+          <p:nvPr/>
+        </p:nvSpPr>
+        <p:spPr>
+          <a:xfrm>
+            <a:off x="724602" y="1236372"/>
+            <a:ext cx="11012068" cy="4693503"/>
+          </a:xfrm>
+          <a:prstGeom prst="rect">
+            <a:avLst/>
+          </a:prstGeom>
+        </p:spPr>
+        <p:txBody>
+          <a:bodyPr vert="horz" lIns="91440" tIns="45720" rIns="91440" bIns="45720" rtlCol="0" anchor="t">
+            <a:noAutofit/>
+          </a:bodyPr>
+          <a:lstStyle>
+            <a:lvl1pPr marL="0" indent="0" algn="r" defTabSz="457200" rtl="0" eaLnBrk="1" latinLnBrk="0" hangingPunct="1">
+              <a:spcBef>
+                <a:spcPts val="1000"/>
+              </a:spcBef>
+              <a:spcAft>
+                <a:spcPts val="0"/>
+              </a:spcAft>
+              <a:buClr>
+                <a:schemeClr val="accent1"/>
+              </a:buClr>
+              <a:buSzPct val="80000"/>
+              <a:buFont typeface="Wingdings 3" charset="2"/>
+              <a:buNone/>
+              <a:defRPr sz="1800" kern="1200">
+                <a:solidFill>
+                  <a:schemeClr val="tx1">
+                    <a:lumMod val="50000"/>
+                    <a:lumOff val="50000"/>
+                  </a:schemeClr>
+                </a:solidFill>
+                <a:latin typeface="+mn-lt"/>
+                <a:ea typeface="+mn-ea"/>
+                <a:cs typeface="+mn-cs"/>
+              </a:defRPr>
+            </a:lvl1pPr>
+            <a:lvl2pPr marL="457200" indent="0" algn="ctr" defTabSz="457200" rtl="0" eaLnBrk="1" latinLnBrk="0" hangingPunct="1">
+              <a:spcBef>
+                <a:spcPts val="1000"/>
+              </a:spcBef>
+              <a:spcAft>
+                <a:spcPts val="0"/>
+              </a:spcAft>
+              <a:buClr>
+                <a:schemeClr val="accent1"/>
+              </a:buClr>
+              <a:buSzPct val="80000"/>
+              <a:buFont typeface="Wingdings 3" charset="2"/>
+              <a:buNone/>
+              <a:defRPr sz="1600" kern="1200">
+                <a:solidFill>
+                  <a:schemeClr val="tx1">
+                    <a:tint val="75000"/>
+                  </a:schemeClr>
+                </a:solidFill>
+                <a:latin typeface="+mn-lt"/>
+                <a:ea typeface="+mn-ea"/>
+                <a:cs typeface="+mn-cs"/>
+              </a:defRPr>
+            </a:lvl2pPr>
+            <a:lvl3pPr marL="914400" indent="0" algn="ctr" defTabSz="457200" rtl="0" eaLnBrk="1" latinLnBrk="0" hangingPunct="1">
+              <a:spcBef>
+                <a:spcPts val="1000"/>
+              </a:spcBef>
+              <a:spcAft>
+                <a:spcPts val="0"/>
+              </a:spcAft>
+              <a:buClr>
+                <a:schemeClr val="accent1"/>
+              </a:buClr>
+              <a:buSzPct val="80000"/>
+              <a:buFont typeface="Wingdings 3" charset="2"/>
+              <a:buNone/>
+              <a:defRPr sz="1400" kern="1200">
+                <a:solidFill>
+                  <a:schemeClr val="tx1">
+                    <a:tint val="75000"/>
+                  </a:schemeClr>
+                </a:solidFill>
+                <a:latin typeface="+mn-lt"/>
+                <a:ea typeface="+mn-ea"/>
+                <a:cs typeface="+mn-cs"/>
+              </a:defRPr>
+            </a:lvl3pPr>
+            <a:lvl4pPr marL="1371600" indent="0" algn="ctr" defTabSz="457200" rtl="0" eaLnBrk="1" latinLnBrk="0" hangingPunct="1">
+              <a:spcBef>
+                <a:spcPts val="1000"/>
+              </a:spcBef>
+              <a:spcAft>
+                <a:spcPts val="0"/>
+              </a:spcAft>
+              <a:buClr>
+                <a:schemeClr val="accent1"/>
+              </a:buClr>
+              <a:buSzPct val="80000"/>
+              <a:buFont typeface="Wingdings 3" charset="2"/>
+              <a:buNone/>
+              <a:defRPr sz="1200" kern="1200">
+                <a:solidFill>
+                  <a:schemeClr val="tx1">
+                    <a:tint val="75000"/>
+                  </a:schemeClr>
+                </a:solidFill>
+                <a:latin typeface="+mn-lt"/>
+                <a:ea typeface="+mn-ea"/>
+                <a:cs typeface="+mn-cs"/>
+              </a:defRPr>
+            </a:lvl4pPr>
+            <a:lvl5pPr marL="1828800" indent="0" algn="ctr" defTabSz="457200" rtl="0" eaLnBrk="1" latinLnBrk="0" hangingPunct="1">
+              <a:spcBef>
+                <a:spcPts val="1000"/>
+              </a:spcBef>
+              <a:spcAft>
+                <a:spcPts val="0"/>
+              </a:spcAft>
+              <a:buClr>
+                <a:schemeClr val="accent1"/>
+              </a:buClr>
+              <a:buSzPct val="80000"/>
+              <a:buFont typeface="Wingdings 3" charset="2"/>
+              <a:buNone/>
+              <a:defRPr sz="1200" kern="1200">
+                <a:solidFill>
+                  <a:schemeClr val="tx1">
+                    <a:tint val="75000"/>
+                  </a:schemeClr>
+                </a:solidFill>
+                <a:latin typeface="+mn-lt"/>
+                <a:ea typeface="+mn-ea"/>
+                <a:cs typeface="+mn-cs"/>
+              </a:defRPr>
+            </a:lvl5pPr>
+            <a:lvl6pPr marL="2286000" indent="0" algn="ctr" defTabSz="457200" rtl="0" eaLnBrk="1" latinLnBrk="0" hangingPunct="1">
+              <a:spcBef>
+                <a:spcPts val="1000"/>
+              </a:spcBef>
+              <a:spcAft>
+                <a:spcPts val="0"/>
+              </a:spcAft>
+              <a:buClr>
+                <a:schemeClr val="accent1"/>
+              </a:buClr>
+              <a:buSzPct val="80000"/>
+              <a:buFont typeface="Wingdings 3" charset="2"/>
+              <a:buNone/>
+              <a:defRPr sz="1200" kern="1200">
+                <a:solidFill>
+                  <a:schemeClr val="tx1">
+                    <a:tint val="75000"/>
+                  </a:schemeClr>
+                </a:solidFill>
+                <a:latin typeface="+mn-lt"/>
+                <a:ea typeface="+mn-ea"/>
+                <a:cs typeface="+mn-cs"/>
+              </a:defRPr>
+            </a:lvl6pPr>
+            <a:lvl7pPr marL="2743200" indent="0" algn="ctr" defTabSz="457200" rtl="0" eaLnBrk="1" latinLnBrk="0" hangingPunct="1">
+              <a:spcBef>
+                <a:spcPts val="1000"/>
+              </a:spcBef>
+              <a:spcAft>
+                <a:spcPts val="0"/>
+              </a:spcAft>
+              <a:buClr>
+                <a:schemeClr val="accent1"/>
+              </a:buClr>
+              <a:buSzPct val="80000"/>
+              <a:buFont typeface="Wingdings 3" charset="2"/>
+              <a:buNone/>
+              <a:defRPr sz="1200" kern="1200">
+                <a:solidFill>
+                  <a:schemeClr val="tx1">
+                    <a:tint val="75000"/>
+                  </a:schemeClr>
+                </a:solidFill>
+                <a:latin typeface="+mn-lt"/>
+                <a:ea typeface="+mn-ea"/>
+                <a:cs typeface="+mn-cs"/>
+              </a:defRPr>
+            </a:lvl7pPr>
+            <a:lvl8pPr marL="3200400" indent="0" algn="ctr" defTabSz="457200" rtl="0" eaLnBrk="1" latinLnBrk="0" hangingPunct="1">
+              <a:spcBef>
+                <a:spcPts val="1000"/>
+              </a:spcBef>
+              <a:spcAft>
+                <a:spcPts val="0"/>
+              </a:spcAft>
+              <a:buClr>
+                <a:schemeClr val="accent1"/>
+              </a:buClr>
+              <a:buSzPct val="80000"/>
+              <a:buFont typeface="Wingdings 3" charset="2"/>
+              <a:buNone/>
+              <a:defRPr sz="1200" kern="1200">
+                <a:solidFill>
+                  <a:schemeClr val="tx1">
+                    <a:tint val="75000"/>
+                  </a:schemeClr>
+                </a:solidFill>
+                <a:latin typeface="+mn-lt"/>
+                <a:ea typeface="+mn-ea"/>
+                <a:cs typeface="+mn-cs"/>
+              </a:defRPr>
+            </a:lvl8pPr>
+            <a:lvl9pPr marL="3657600" indent="0" algn="ctr" defTabSz="457200" rtl="0" eaLnBrk="1" latinLnBrk="0" hangingPunct="1">
+              <a:spcBef>
+                <a:spcPts val="1000"/>
+              </a:spcBef>
+              <a:spcAft>
+                <a:spcPts val="0"/>
+              </a:spcAft>
+              <a:buClr>
+                <a:schemeClr val="accent1"/>
+              </a:buClr>
+              <a:buSzPct val="80000"/>
+              <a:buFont typeface="Wingdings 3" charset="2"/>
+              <a:buNone/>
+              <a:defRPr sz="1200" kern="1200">
+                <a:solidFill>
+                  <a:schemeClr val="tx1">
+                    <a:tint val="75000"/>
+                  </a:schemeClr>
+                </a:solidFill>
+                <a:latin typeface="+mn-lt"/>
+                <a:ea typeface="+mn-ea"/>
+                <a:cs typeface="+mn-cs"/>
+              </a:defRPr>
+            </a:lvl9pPr>
+          </a:lstStyle>
+          <a:p>
+            <a:pPr algn="l"/>
+            <a:r>
+              <a:rPr lang="en-US" sz="2300" b="1" dirty="0">
+                <a:solidFill>
+                  <a:schemeClr val="tx1"/>
+                </a:solidFill>
+                <a:latin typeface="Arial" panose="020B0604020202020204" pitchFamily="34" charset="0"/>
+                <a:cs typeface="Arial" panose="020B0604020202020204" pitchFamily="34" charset="0"/>
+              </a:rPr>
+              <a:t>Flutter:</a:t>
+            </a:r>
+          </a:p>
+          <a:p>
+            <a:pPr algn="l"/>
+            <a:r>
+              <a:rPr lang="en-US" sz="2400" dirty="0">
+                <a:hlinkClick r:id="rId3"/>
+              </a:rPr>
+              <a:t>https://coggle.it/diagram/XHscDzAdFEJkTm1i/t/flutter</a:t>
+            </a:r>
+            <a:endParaRPr lang="en-US" sz="2400" dirty="0"/>
+          </a:p>
+          <a:p>
+            <a:pPr algn="l"/>
+            <a:r>
+              <a:rPr lang="en-US" sz="2300" dirty="0">
+                <a:solidFill>
+                  <a:schemeClr val="tx1"/>
+                </a:solidFill>
+                <a:latin typeface="Arial" panose="020B0604020202020204" pitchFamily="34" charset="0"/>
+                <a:cs typeface="Arial" panose="020B0604020202020204" pitchFamily="34" charset="0"/>
+              </a:rPr>
+              <a:t>SQL Server:</a:t>
+            </a:r>
+          </a:p>
+          <a:p>
+            <a:pPr algn="l"/>
+            <a:r>
+              <a:rPr lang="en-US" sz="2400" dirty="0">
+                <a:hlinkClick r:id="rId4"/>
+              </a:rPr>
+              <a:t>https://coggle.it/diagram/XHsavTAdFOJrTmII/t/sql-server-2017</a:t>
+            </a:r>
+            <a:endParaRPr lang="en-US" sz="2400" dirty="0"/>
+          </a:p>
+          <a:p>
+            <a:pPr algn="l"/>
+            <a:r>
+              <a:rPr lang="en-US" sz="2400" dirty="0">
+                <a:solidFill>
+                  <a:schemeClr val="tx1"/>
+                </a:solidFill>
+                <a:latin typeface="Arial" panose="020B0604020202020204" pitchFamily="34" charset="0"/>
+                <a:cs typeface="Arial" panose="020B0604020202020204" pitchFamily="34" charset="0"/>
+              </a:rPr>
+              <a:t>React Native(will update):</a:t>
+            </a:r>
+          </a:p>
+          <a:p>
+            <a:pPr algn="l"/>
+            <a:r>
+              <a:rPr lang="en-US" sz="2400" dirty="0">
+                <a:hlinkClick r:id="rId5"/>
+              </a:rPr>
+              <a:t>https://coggle.it/diagram/XHsbgn9tHW-kV3B7/t/react-native</a:t>
+            </a:r>
+            <a:endParaRPr lang="en-US" sz="2400" dirty="0"/>
+          </a:p>
+          <a:p>
+            <a:pPr algn="l"/>
+            <a:r>
+              <a:rPr lang="en-US" sz="2400" dirty="0">
+                <a:solidFill>
+                  <a:schemeClr val="tx1"/>
+                </a:solidFill>
+                <a:latin typeface="Arial" panose="020B0604020202020204" pitchFamily="34" charset="0"/>
+                <a:cs typeface="Arial" panose="020B0604020202020204" pitchFamily="34" charset="0"/>
+              </a:rPr>
+              <a:t>ReactJS:</a:t>
+            </a:r>
+          </a:p>
+          <a:p>
+            <a:pPr algn="l"/>
+            <a:r>
+              <a:rPr lang="en-US" sz="2400" dirty="0">
+                <a:hlinkClick r:id="rId6"/>
+              </a:rPr>
+              <a:t>https://coggle.it/diagram/XHf8Sn9tHRp1Lmps/t/react-js</a:t>
+            </a:r>
+            <a:endParaRPr lang="en-US" sz="2400" dirty="0"/>
+          </a:p>
+          <a:p>
+            <a:pPr algn="l"/>
+            <a:r>
+              <a:rPr lang="en-US" sz="2400" dirty="0">
+                <a:solidFill>
+                  <a:schemeClr val="tx1"/>
+                </a:solidFill>
+                <a:latin typeface="Arial" panose="020B0604020202020204" pitchFamily="34" charset="0"/>
+                <a:cs typeface="Arial" panose="020B0604020202020204" pitchFamily="34" charset="0"/>
+              </a:rPr>
+              <a:t>Python 3:</a:t>
+            </a:r>
+          </a:p>
+          <a:p>
+            <a:pPr algn="l"/>
+            <a:r>
+              <a:rPr lang="en-US" sz="2400" dirty="0">
+                <a:hlinkClick r:id="rId7"/>
+              </a:rPr>
+              <a:t>https://coggle.it/diagram/XHsWubCdnRBFYC-c/t/python3</a:t>
+            </a:r>
+            <a:endParaRPr lang="en-US" sz="2300" dirty="0">
+              <a:solidFill>
+                <a:schemeClr val="tx1"/>
+              </a:solidFill>
+              <a:latin typeface="Arial" panose="020B0604020202020204" pitchFamily="34" charset="0"/>
+              <a:cs typeface="Arial" panose="020B0604020202020204" pitchFamily="34" charset="0"/>
+            </a:endParaRPr>
+          </a:p>
+          <a:p>
+            <a:pPr algn="l"/>
+            <a:endParaRPr lang="en-US" sz="2300" dirty="0">
+              <a:solidFill>
+                <a:schemeClr val="tx1"/>
+              </a:solidFill>
+              <a:latin typeface="Arial" panose="020B0604020202020204" pitchFamily="34" charset="0"/>
+              <a:cs typeface="Arial" panose="020B0604020202020204" pitchFamily="34" charset="0"/>
+            </a:endParaRPr>
+          </a:p>
+          <a:p>
+            <a:pPr algn="l"/>
+            <a:endParaRPr lang="en-US" sz="2300" dirty="0">
+              <a:solidFill>
+                <a:schemeClr val="tx1"/>
+              </a:solidFill>
+              <a:latin typeface="Arial" panose="020B0604020202020204" pitchFamily="34" charset="0"/>
+              <a:cs typeface="Arial" panose="020B0604020202020204" pitchFamily="34" charset="0"/>
+            </a:endParaRPr>
+          </a:p>
+        </p:txBody>
+      </p:sp>
+    </p:spTree>
+    <p:extLst>
+      <p:ext uri="{BB962C8B-B14F-4D97-AF65-F5344CB8AC3E}">
+        <p14:creationId xmlns:p14="http://schemas.microsoft.com/office/powerpoint/2010/main" val="2396999828"/>
+      </p:ext>
+    </p:extLst>
+  </p:cSld>
+  <p:clrMapOvr>
+    <a:masterClrMapping/>
+  </p:clrMapOvr>
+</p:sld>
+</file>
+
 <file path=ppt/slides/slide2.xml><?xml version="1.0" encoding="utf-8"?>
 <p:sld xmlns:a="http://schemas.openxmlformats.org/drawingml/2006/main" xmlns:r="http://schemas.openxmlformats.org/officeDocument/2006/relationships" xmlns:p="http://schemas.openxmlformats.org/presentationml/2006/main">
   <p:cSld>

--- a/Phần 1-Giới thiệu React JS.pptx
+++ b/Phần 1-Giới thiệu React JS.pptx
@@ -13163,8 +13163,8 @@
         </p:nvSpPr>
         <p:spPr>
           <a:xfrm>
-            <a:off x="-65447" y="244393"/>
-            <a:ext cx="12192000" cy="1040441"/>
+            <a:off x="-65447" y="1"/>
+            <a:ext cx="12192000" cy="777024"/>
           </a:xfrm>
         </p:spPr>
         <p:txBody>
@@ -13335,7 +13335,7 @@
         </p:nvSpPr>
         <p:spPr>
           <a:xfrm>
-            <a:off x="724602" y="1236372"/>
+            <a:off x="707430" y="892935"/>
             <a:ext cx="11012068" cy="4693503"/>
           </a:xfrm>
           <a:prstGeom prst="rect">
@@ -13568,117 +13568,34 @@
           <a:p>
             <a:pPr algn="l"/>
             <a:r>
-              <a:rPr lang="en-US" sz="2300" b="1" dirty="0">
-                <a:solidFill>
-                  <a:schemeClr val="tx1"/>
-                </a:solidFill>
-                <a:latin typeface="Arial" panose="020B0604020202020204" pitchFamily="34" charset="0"/>
-                <a:cs typeface="Arial" panose="020B0604020202020204" pitchFamily="34" charset="0"/>
-              </a:rPr>
-              <a:t>Flutter:</a:t>
+              <a:rPr lang="en-US" sz="1900" b="1" dirty="0">
+                <a:solidFill>
+                  <a:schemeClr val="tx1"/>
+                </a:solidFill>
+                <a:latin typeface="Arial" panose="020B0604020202020204" pitchFamily="34" charset="0"/>
+                <a:cs typeface="Arial" panose="020B0604020202020204" pitchFamily="34" charset="0"/>
+              </a:rPr>
+              <a:t>Code:</a:t>
             </a:r>
           </a:p>
           <a:p>
             <a:pPr algn="l"/>
             <a:r>
-              <a:rPr lang="en-US" sz="2400" dirty="0">
-                <a:hlinkClick r:id="rId3"/>
-              </a:rPr>
-              <a:t>https://coggle.it/diagram/XHscDzAdFEJkTm1i/t/flutter</a:t>
-            </a:r>
-            <a:endParaRPr lang="en-US" sz="2400" dirty="0"/>
-          </a:p>
-          <a:p>
-            <a:pPr algn="l"/>
-            <a:r>
-              <a:rPr lang="en-US" sz="2300" dirty="0">
-                <a:solidFill>
-                  <a:schemeClr val="tx1"/>
-                </a:solidFill>
-                <a:latin typeface="Arial" panose="020B0604020202020204" pitchFamily="34" charset="0"/>
-                <a:cs typeface="Arial" panose="020B0604020202020204" pitchFamily="34" charset="0"/>
-              </a:rPr>
-              <a:t>SQL Server:</a:t>
-            </a:r>
-          </a:p>
-          <a:p>
-            <a:pPr algn="l"/>
-            <a:r>
-              <a:rPr lang="en-US" sz="2400" dirty="0">
-                <a:hlinkClick r:id="rId4"/>
-              </a:rPr>
-              <a:t>https://coggle.it/diagram/XHsavTAdFOJrTmII/t/sql-server-2017</a:t>
-            </a:r>
-            <a:endParaRPr lang="en-US" sz="2400" dirty="0"/>
-          </a:p>
-          <a:p>
-            <a:pPr algn="l"/>
-            <a:r>
-              <a:rPr lang="en-US" sz="2400" dirty="0">
-                <a:solidFill>
-                  <a:schemeClr val="tx1"/>
-                </a:solidFill>
-                <a:latin typeface="Arial" panose="020B0604020202020204" pitchFamily="34" charset="0"/>
-                <a:cs typeface="Arial" panose="020B0604020202020204" pitchFamily="34" charset="0"/>
-              </a:rPr>
-              <a:t>React Native(will update):</a:t>
-            </a:r>
-          </a:p>
-          <a:p>
-            <a:pPr algn="l"/>
-            <a:r>
-              <a:rPr lang="en-US" sz="2400" dirty="0">
-                <a:hlinkClick r:id="rId5"/>
-              </a:rPr>
-              <a:t>https://coggle.it/diagram/XHsbgn9tHW-kV3B7/t/react-native</a:t>
-            </a:r>
-            <a:endParaRPr lang="en-US" sz="2400" dirty="0"/>
-          </a:p>
-          <a:p>
-            <a:pPr algn="l"/>
-            <a:r>
-              <a:rPr lang="en-US" sz="2400" dirty="0">
-                <a:solidFill>
-                  <a:schemeClr val="tx1"/>
-                </a:solidFill>
-                <a:latin typeface="Arial" panose="020B0604020202020204" pitchFamily="34" charset="0"/>
-                <a:cs typeface="Arial" panose="020B0604020202020204" pitchFamily="34" charset="0"/>
-              </a:rPr>
-              <a:t>ReactJS:</a:t>
-            </a:r>
-          </a:p>
-          <a:p>
-            <a:pPr algn="l"/>
-            <a:r>
-              <a:rPr lang="en-US" sz="2400" dirty="0">
-                <a:hlinkClick r:id="rId6"/>
-              </a:rPr>
-              <a:t>https://coggle.it/diagram/XHf8Sn9tHRp1Lmps/t/react-js</a:t>
-            </a:r>
-            <a:endParaRPr lang="en-US" sz="2400" dirty="0"/>
-          </a:p>
-          <a:p>
-            <a:pPr algn="l"/>
-            <a:r>
-              <a:rPr lang="en-US" sz="2400" dirty="0">
-                <a:solidFill>
-                  <a:schemeClr val="tx1"/>
-                </a:solidFill>
-                <a:latin typeface="Arial" panose="020B0604020202020204" pitchFamily="34" charset="0"/>
-                <a:cs typeface="Arial" panose="020B0604020202020204" pitchFamily="34" charset="0"/>
-              </a:rPr>
-              <a:t>Python 3:</a:t>
-            </a:r>
-          </a:p>
-          <a:p>
-            <a:pPr algn="l"/>
-            <a:r>
-              <a:rPr lang="en-US" sz="2400" dirty="0">
-                <a:hlinkClick r:id="rId7"/>
-              </a:rPr>
-              <a:t>https://coggle.it/diagram/XHsWubCdnRBFYC-c/t/python3</a:t>
-            </a:r>
-            <a:endParaRPr lang="en-US" sz="2300" dirty="0">
+              <a:rPr lang="en-US" sz="1900" dirty="0">
+                <a:solidFill>
+                  <a:schemeClr val="tx1"/>
+                </a:solidFill>
+                <a:hlinkClick r:id="rId3">
+                  <a:extLst>
+                    <a:ext uri="{A12FA001-AC4F-418D-AE19-62706E023703}">
+                      <ahyp:hlinkClr xmlns:ahyp="http://schemas.microsoft.com/office/drawing/2018/hyperlinkcolor" val="tx"/>
+                    </a:ext>
+                  </a:extLst>
+                </a:hlinkClick>
+              </a:rPr>
+              <a:t>https://github.com/sunlight3d/CecomtechReactJST03-2019</a:t>
+            </a:r>
+            <a:endParaRPr lang="en-US" sz="1900" b="1" dirty="0">
               <a:solidFill>
                 <a:schemeClr val="tx1"/>
               </a:solidFill>
@@ -13688,7 +13605,179 @@
           </a:p>
           <a:p>
             <a:pPr algn="l"/>
-            <a:endParaRPr lang="en-US" sz="2300" dirty="0">
+            <a:r>
+              <a:rPr lang="en-US" sz="1900" b="1" dirty="0">
+                <a:solidFill>
+                  <a:schemeClr val="tx1"/>
+                </a:solidFill>
+                <a:latin typeface="Arial" panose="020B0604020202020204" pitchFamily="34" charset="0"/>
+                <a:cs typeface="Arial" panose="020B0604020202020204" pitchFamily="34" charset="0"/>
+              </a:rPr>
+              <a:t>Flutter:</a:t>
+            </a:r>
+          </a:p>
+          <a:p>
+            <a:pPr algn="l"/>
+            <a:r>
+              <a:rPr lang="en-US" sz="1900" dirty="0">
+                <a:solidFill>
+                  <a:schemeClr val="tx1"/>
+                </a:solidFill>
+                <a:hlinkClick r:id="rId4">
+                  <a:extLst>
+                    <a:ext uri="{A12FA001-AC4F-418D-AE19-62706E023703}">
+                      <ahyp:hlinkClr xmlns:ahyp="http://schemas.microsoft.com/office/drawing/2018/hyperlinkcolor" val="tx"/>
+                    </a:ext>
+                  </a:extLst>
+                </a:hlinkClick>
+              </a:rPr>
+              <a:t>https://coggle.it/diagram/XHscDzAdFEJkTm1i/t/flutter</a:t>
+            </a:r>
+            <a:endParaRPr lang="en-US" sz="1900" dirty="0">
+              <a:solidFill>
+                <a:schemeClr val="tx1"/>
+              </a:solidFill>
+            </a:endParaRPr>
+          </a:p>
+          <a:p>
+            <a:pPr algn="l"/>
+            <a:r>
+              <a:rPr lang="en-US" sz="1900" dirty="0">
+                <a:solidFill>
+                  <a:schemeClr val="tx1"/>
+                </a:solidFill>
+                <a:latin typeface="Arial" panose="020B0604020202020204" pitchFamily="34" charset="0"/>
+                <a:cs typeface="Arial" panose="020B0604020202020204" pitchFamily="34" charset="0"/>
+              </a:rPr>
+              <a:t>SQL Server:</a:t>
+            </a:r>
+          </a:p>
+          <a:p>
+            <a:pPr algn="l"/>
+            <a:r>
+              <a:rPr lang="en-US" sz="1900" dirty="0">
+                <a:solidFill>
+                  <a:schemeClr val="tx1"/>
+                </a:solidFill>
+                <a:hlinkClick r:id="rId5">
+                  <a:extLst>
+                    <a:ext uri="{A12FA001-AC4F-418D-AE19-62706E023703}">
+                      <ahyp:hlinkClr xmlns:ahyp="http://schemas.microsoft.com/office/drawing/2018/hyperlinkcolor" val="tx"/>
+                    </a:ext>
+                  </a:extLst>
+                </a:hlinkClick>
+              </a:rPr>
+              <a:t>https://coggle.it/diagram/XHsavTAdFOJrTmII/t/sql-server-2017</a:t>
+            </a:r>
+            <a:endParaRPr lang="en-US" sz="1900" dirty="0">
+              <a:solidFill>
+                <a:schemeClr val="tx1"/>
+              </a:solidFill>
+            </a:endParaRPr>
+          </a:p>
+          <a:p>
+            <a:pPr algn="l"/>
+            <a:r>
+              <a:rPr lang="en-US" sz="1900" dirty="0">
+                <a:solidFill>
+                  <a:schemeClr val="tx1"/>
+                </a:solidFill>
+                <a:latin typeface="Arial" panose="020B0604020202020204" pitchFamily="34" charset="0"/>
+                <a:cs typeface="Arial" panose="020B0604020202020204" pitchFamily="34" charset="0"/>
+              </a:rPr>
+              <a:t>React Native(will update):</a:t>
+            </a:r>
+          </a:p>
+          <a:p>
+            <a:pPr algn="l"/>
+            <a:r>
+              <a:rPr lang="en-US" sz="1900" dirty="0">
+                <a:solidFill>
+                  <a:schemeClr val="tx1"/>
+                </a:solidFill>
+                <a:hlinkClick r:id="rId6">
+                  <a:extLst>
+                    <a:ext uri="{A12FA001-AC4F-418D-AE19-62706E023703}">
+                      <ahyp:hlinkClr xmlns:ahyp="http://schemas.microsoft.com/office/drawing/2018/hyperlinkcolor" val="tx"/>
+                    </a:ext>
+                  </a:extLst>
+                </a:hlinkClick>
+              </a:rPr>
+              <a:t>https://coggle.it/diagram/XHsbgn9tHW-kV3B7/t/react-native</a:t>
+            </a:r>
+            <a:endParaRPr lang="en-US" sz="1900" dirty="0">
+              <a:solidFill>
+                <a:schemeClr val="tx1"/>
+              </a:solidFill>
+            </a:endParaRPr>
+          </a:p>
+          <a:p>
+            <a:pPr algn="l"/>
+            <a:r>
+              <a:rPr lang="en-US" sz="1900" dirty="0">
+                <a:solidFill>
+                  <a:schemeClr val="tx1"/>
+                </a:solidFill>
+                <a:latin typeface="Arial" panose="020B0604020202020204" pitchFamily="34" charset="0"/>
+                <a:cs typeface="Arial" panose="020B0604020202020204" pitchFamily="34" charset="0"/>
+              </a:rPr>
+              <a:t>ReactJS:</a:t>
+            </a:r>
+          </a:p>
+          <a:p>
+            <a:pPr algn="l"/>
+            <a:r>
+              <a:rPr lang="en-US" sz="1900" dirty="0">
+                <a:solidFill>
+                  <a:schemeClr val="tx1"/>
+                </a:solidFill>
+                <a:hlinkClick r:id="rId7">
+                  <a:extLst>
+                    <a:ext uri="{A12FA001-AC4F-418D-AE19-62706E023703}">
+                      <ahyp:hlinkClr xmlns:ahyp="http://schemas.microsoft.com/office/drawing/2018/hyperlinkcolor" val="tx"/>
+                    </a:ext>
+                  </a:extLst>
+                </a:hlinkClick>
+              </a:rPr>
+              <a:t>https://coggle.it/diagram/XHf8Sn9tHRp1Lmps/t/react-js</a:t>
+            </a:r>
+            <a:endParaRPr lang="en-US" sz="1900" dirty="0">
+              <a:solidFill>
+                <a:schemeClr val="tx1"/>
+              </a:solidFill>
+            </a:endParaRPr>
+          </a:p>
+          <a:p>
+            <a:pPr algn="l"/>
+            <a:r>
+              <a:rPr lang="en-US" sz="1900" dirty="0">
+                <a:solidFill>
+                  <a:schemeClr val="tx1"/>
+                </a:solidFill>
+                <a:latin typeface="Arial" panose="020B0604020202020204" pitchFamily="34" charset="0"/>
+                <a:cs typeface="Arial" panose="020B0604020202020204" pitchFamily="34" charset="0"/>
+              </a:rPr>
+              <a:t>Python 3:</a:t>
+            </a:r>
+          </a:p>
+          <a:p>
+            <a:pPr algn="l"/>
+            <a:r>
+              <a:rPr lang="en-US" sz="1900" dirty="0">
+                <a:solidFill>
+                  <a:schemeClr val="tx1"/>
+                </a:solidFill>
+                <a:hlinkClick r:id="rId8">
+                  <a:extLst>
+                    <a:ext uri="{A12FA001-AC4F-418D-AE19-62706E023703}">
+                      <ahyp:hlinkClr xmlns:ahyp="http://schemas.microsoft.com/office/drawing/2018/hyperlinkcolor" val="tx"/>
+                    </a:ext>
+                  </a:extLst>
+                </a:hlinkClick>
+              </a:rPr>
+              <a:t>https://coggle.it/diagram/XHsWubCdnRBFYC-c/t/python3</a:t>
+            </a:r>
+            <a:endParaRPr lang="en-US" sz="1900" dirty="0">
               <a:solidFill>
                 <a:schemeClr val="tx1"/>
               </a:solidFill>
@@ -13698,7 +13787,17 @@
           </a:p>
           <a:p>
             <a:pPr algn="l"/>
-            <a:endParaRPr lang="en-US" sz="2300" dirty="0">
+            <a:endParaRPr lang="en-US" sz="1900" dirty="0">
+              <a:solidFill>
+                <a:schemeClr val="tx1"/>
+              </a:solidFill>
+              <a:latin typeface="Arial" panose="020B0604020202020204" pitchFamily="34" charset="0"/>
+              <a:cs typeface="Arial" panose="020B0604020202020204" pitchFamily="34" charset="0"/>
+            </a:endParaRPr>
+          </a:p>
+          <a:p>
+            <a:pPr algn="l"/>
+            <a:endParaRPr lang="en-US" sz="1900" dirty="0">
               <a:solidFill>
                 <a:schemeClr val="tx1"/>
               </a:solidFill>
